--- a/Cadencii/manual/manual.pptx
+++ b/Cadencii/manual/manual.pptx
@@ -5,17 +5,18 @@
     <p:sldMasterId id="2147483648" r:id="rId1"/>
   </p:sldMasterIdLst>
   <p:sldIdLst>
-    <p:sldId id="256" r:id="rId2"/>
-    <p:sldId id="257" r:id="rId3"/>
-    <p:sldId id="258" r:id="rId4"/>
-    <p:sldId id="259" r:id="rId5"/>
-    <p:sldId id="260" r:id="rId6"/>
-    <p:sldId id="261" r:id="rId7"/>
-    <p:sldId id="262" r:id="rId8"/>
-    <p:sldId id="263" r:id="rId9"/>
-    <p:sldId id="264" r:id="rId10"/>
-    <p:sldId id="265" r:id="rId11"/>
-    <p:sldId id="266" r:id="rId12"/>
+    <p:sldId id="267" r:id="rId2"/>
+    <p:sldId id="256" r:id="rId3"/>
+    <p:sldId id="257" r:id="rId4"/>
+    <p:sldId id="258" r:id="rId5"/>
+    <p:sldId id="259" r:id="rId6"/>
+    <p:sldId id="260" r:id="rId7"/>
+    <p:sldId id="261" r:id="rId8"/>
+    <p:sldId id="262" r:id="rId9"/>
+    <p:sldId id="263" r:id="rId10"/>
+    <p:sldId id="264" r:id="rId11"/>
+    <p:sldId id="265" r:id="rId12"/>
+    <p:sldId id="266" r:id="rId13"/>
   </p:sldIdLst>
   <p:sldSz cx="9144000" cy="6858000" type="screen4x3"/>
   <p:notesSz cx="6858000" cy="9144000"/>
@@ -298,7 +299,7 @@
           <a:p>
             <a:fld id="{B21AEFA7-8FDD-4E42-A0F0-B7F1BA496881}" type="datetimeFigureOut">
               <a:rPr kumimoji="1" lang="ja-JP" altLang="en-US" smtClean="0"/>
-              <a:t>11/02/19</a:t>
+              <a:t>11/02/20</a:t>
             </a:fld>
             <a:endParaRPr kumimoji="1" lang="ja-JP" altLang="en-US"/>
           </a:p>
@@ -500,7 +501,7 @@
           <a:p>
             <a:fld id="{B21AEFA7-8FDD-4E42-A0F0-B7F1BA496881}" type="datetimeFigureOut">
               <a:rPr kumimoji="1" lang="ja-JP" altLang="en-US" smtClean="0"/>
-              <a:t>11/02/19</a:t>
+              <a:t>11/02/20</a:t>
             </a:fld>
             <a:endParaRPr kumimoji="1" lang="ja-JP" altLang="en-US"/>
           </a:p>
@@ -712,7 +713,7 @@
           <a:p>
             <a:fld id="{B21AEFA7-8FDD-4E42-A0F0-B7F1BA496881}" type="datetimeFigureOut">
               <a:rPr kumimoji="1" lang="ja-JP" altLang="en-US" smtClean="0"/>
-              <a:t>11/02/19</a:t>
+              <a:t>11/02/20</a:t>
             </a:fld>
             <a:endParaRPr kumimoji="1" lang="ja-JP" altLang="en-US"/>
           </a:p>
@@ -914,7 +915,7 @@
           <a:p>
             <a:fld id="{B21AEFA7-8FDD-4E42-A0F0-B7F1BA496881}" type="datetimeFigureOut">
               <a:rPr kumimoji="1" lang="ja-JP" altLang="en-US" smtClean="0"/>
-              <a:t>11/02/19</a:t>
+              <a:t>11/02/20</a:t>
             </a:fld>
             <a:endParaRPr kumimoji="1" lang="ja-JP" altLang="en-US"/>
           </a:p>
@@ -1160,7 +1161,7 @@
           <a:p>
             <a:fld id="{B21AEFA7-8FDD-4E42-A0F0-B7F1BA496881}" type="datetimeFigureOut">
               <a:rPr kumimoji="1" lang="ja-JP" altLang="en-US" smtClean="0"/>
-              <a:t>11/02/19</a:t>
+              <a:t>11/02/20</a:t>
             </a:fld>
             <a:endParaRPr kumimoji="1" lang="ja-JP" altLang="en-US"/>
           </a:p>
@@ -1512,7 +1513,7 @@
           <a:p>
             <a:fld id="{B21AEFA7-8FDD-4E42-A0F0-B7F1BA496881}" type="datetimeFigureOut">
               <a:rPr kumimoji="1" lang="ja-JP" altLang="en-US" smtClean="0"/>
-              <a:t>11/02/19</a:t>
+              <a:t>11/02/20</a:t>
             </a:fld>
             <a:endParaRPr kumimoji="1" lang="ja-JP" altLang="en-US"/>
           </a:p>
@@ -1998,7 +1999,7 @@
           <a:p>
             <a:fld id="{B21AEFA7-8FDD-4E42-A0F0-B7F1BA496881}" type="datetimeFigureOut">
               <a:rPr kumimoji="1" lang="ja-JP" altLang="en-US" smtClean="0"/>
-              <a:t>11/02/19</a:t>
+              <a:t>11/02/20</a:t>
             </a:fld>
             <a:endParaRPr kumimoji="1" lang="ja-JP" altLang="en-US"/>
           </a:p>
@@ -2116,7 +2117,7 @@
           <a:p>
             <a:fld id="{B21AEFA7-8FDD-4E42-A0F0-B7F1BA496881}" type="datetimeFigureOut">
               <a:rPr kumimoji="1" lang="ja-JP" altLang="en-US" smtClean="0"/>
-              <a:t>11/02/19</a:t>
+              <a:t>11/02/20</a:t>
             </a:fld>
             <a:endParaRPr kumimoji="1" lang="ja-JP" altLang="en-US"/>
           </a:p>
@@ -2211,7 +2212,7 @@
           <a:p>
             <a:fld id="{B21AEFA7-8FDD-4E42-A0F0-B7F1BA496881}" type="datetimeFigureOut">
               <a:rPr kumimoji="1" lang="ja-JP" altLang="en-US" smtClean="0"/>
-              <a:t>11/02/19</a:t>
+              <a:t>11/02/20</a:t>
             </a:fld>
             <a:endParaRPr kumimoji="1" lang="ja-JP" altLang="en-US"/>
           </a:p>
@@ -2520,7 +2521,7 @@
           <a:p>
             <a:fld id="{B21AEFA7-8FDD-4E42-A0F0-B7F1BA496881}" type="datetimeFigureOut">
               <a:rPr kumimoji="1" lang="ja-JP" altLang="en-US" smtClean="0"/>
-              <a:t>11/02/19</a:t>
+              <a:t>11/02/20</a:t>
             </a:fld>
             <a:endParaRPr kumimoji="1" lang="ja-JP" altLang="en-US"/>
           </a:p>
@@ -2773,7 +2774,7 @@
           <a:p>
             <a:fld id="{B21AEFA7-8FDD-4E42-A0F0-B7F1BA496881}" type="datetimeFigureOut">
               <a:rPr kumimoji="1" lang="ja-JP" altLang="en-US" smtClean="0"/>
-              <a:t>11/02/19</a:t>
+              <a:t>11/02/20</a:t>
             </a:fld>
             <a:endParaRPr kumimoji="1" lang="ja-JP" altLang="en-US"/>
           </a:p>
@@ -3018,7 +3019,7 @@
           <a:p>
             <a:fld id="{B21AEFA7-8FDD-4E42-A0F0-B7F1BA496881}" type="datetimeFigureOut">
               <a:rPr kumimoji="1" lang="ja-JP" altLang="en-US" smtClean="0"/>
-              <a:t>11/02/19</a:t>
+              <a:t>11/02/20</a:t>
             </a:fld>
             <a:endParaRPr kumimoji="1" lang="ja-JP" altLang="en-US"/>
           </a:p>
@@ -3395,13 +3396,13 @@
       </p:grpSpPr>
       <p:pic>
         <p:nvPicPr>
-          <p:cNvPr id="22" name="図 21" descr="スクリーンショット（2011-02-19 4.05.24）.png"/>
+          <p:cNvPr id="2" name="図 1" descr="スクリーンショット（2011-02-20 18.33.43）.png"/>
           <p:cNvPicPr>
             <a:picLocks noChangeAspect="1"/>
           </p:cNvPicPr>
           <p:nvPr/>
         </p:nvPicPr>
-        <p:blipFill>
+        <p:blipFill rotWithShape="1">
           <a:blip r:embed="rId2">
             <a:extLst>
               <a:ext uri="{28A0092B-C50C-407E-A947-70E740481C1C}">
@@ -3409,222 +3410,159 @@
               </a:ext>
             </a:extLst>
           </a:blip>
-          <a:stretch>
-            <a:fillRect/>
-          </a:stretch>
+          <a:srcRect r="69100"/>
+          <a:stretch/>
         </p:blipFill>
         <p:spPr>
           <a:xfrm>
-            <a:off x="2836503" y="2142066"/>
-            <a:ext cx="4089600" cy="2556000"/>
+            <a:off x="2718691" y="849212"/>
+            <a:ext cx="2825500" cy="524042"/>
           </a:xfrm>
           <a:prstGeom prst="rect">
             <a:avLst/>
           </a:prstGeom>
         </p:spPr>
       </p:pic>
-      <p:sp>
-        <p:nvSpPr>
-          <p:cNvPr id="5" name="正方形/長方形 4"/>
-          <p:cNvSpPr/>
-          <p:nvPr/>
-        </p:nvSpPr>
-        <p:spPr>
-          <a:xfrm>
-            <a:off x="2835428" y="2413635"/>
-            <a:ext cx="678180" cy="2183130"/>
+      <p:pic>
+        <p:nvPicPr>
+          <p:cNvPr id="3" name="図 2" descr="スクリーンショット（2011-02-20 18.33.43）.png"/>
+          <p:cNvPicPr>
+            <a:picLocks noChangeAspect="1"/>
+          </p:cNvPicPr>
+          <p:nvPr/>
+        </p:nvPicPr>
+        <p:blipFill rotWithShape="1">
+          <a:blip r:embed="rId2">
+            <a:extLst>
+              <a:ext uri="{28A0092B-C50C-407E-A947-70E740481C1C}">
+                <a14:useLocalDpi xmlns:a14="http://schemas.microsoft.com/office/drawing/2010/main" val="0"/>
+              </a:ext>
+            </a:extLst>
+          </a:blip>
+          <a:srcRect l="30741" r="39938"/>
+          <a:stretch/>
+        </p:blipFill>
+        <p:spPr>
+          <a:xfrm>
+            <a:off x="1941534" y="2948915"/>
+            <a:ext cx="2681026" cy="524042"/>
           </a:xfrm>
           <a:prstGeom prst="rect">
             <a:avLst/>
           </a:prstGeom>
-          <a:noFill/>
-          <a:ln w="19050" cmpd="sng">
+        </p:spPr>
+      </p:pic>
+      <p:pic>
+        <p:nvPicPr>
+          <p:cNvPr id="4" name="図 3" descr="スクリーンショット（2011-02-20 18.33.43）.png"/>
+          <p:cNvPicPr>
+            <a:picLocks noChangeAspect="1"/>
+          </p:cNvPicPr>
+          <p:nvPr/>
+        </p:nvPicPr>
+        <p:blipFill rotWithShape="1">
+          <a:blip r:embed="rId2">
+            <a:extLst>
+              <a:ext uri="{28A0092B-C50C-407E-A947-70E740481C1C}">
+                <a14:useLocalDpi xmlns:a14="http://schemas.microsoft.com/office/drawing/2010/main" val="0"/>
+              </a:ext>
+            </a:extLst>
+          </a:blip>
+          <a:srcRect l="59963"/>
+          <a:stretch/>
+        </p:blipFill>
+        <p:spPr>
+          <a:xfrm>
+            <a:off x="2388804" y="4871607"/>
+            <a:ext cx="3660993" cy="524042"/>
+          </a:xfrm>
+          <a:prstGeom prst="rect">
+            <a:avLst/>
+          </a:prstGeom>
+        </p:spPr>
+      </p:pic>
+      <p:cxnSp>
+        <p:nvCxnSpPr>
+          <p:cNvPr id="5" name="直線矢印コネクタ 4"/>
+          <p:cNvCxnSpPr/>
+          <p:nvPr/>
+        </p:nvCxnSpPr>
+        <p:spPr>
+          <a:xfrm>
+            <a:off x="2718691" y="564227"/>
+            <a:ext cx="313594" cy="416448"/>
+          </a:xfrm>
+          <a:prstGeom prst="straightConnector1">
+            <a:avLst/>
+          </a:prstGeom>
+          <a:ln>
             <a:solidFill>
-              <a:srgbClr val="FF0000"/>
+              <a:srgbClr val="FF6600"/>
             </a:solidFill>
+            <a:tailEnd type="arrow"/>
           </a:ln>
         </p:spPr>
         <p:style>
-          <a:lnRef idx="1">
-            <a:schemeClr val="accent1"/>
-          </a:lnRef>
-          <a:fillRef idx="3">
-            <a:schemeClr val="accent1"/>
-          </a:fillRef>
-          <a:effectRef idx="2">
-            <a:schemeClr val="accent1"/>
-          </a:effectRef>
-          <a:fontRef idx="minor">
-            <a:schemeClr val="lt1"/>
-          </a:fontRef>
-        </p:style>
-        <p:txBody>
-          <a:bodyPr rot="0" spcFirstLastPara="0" vert="horz" wrap="square" lIns="91440" tIns="45720" rIns="91440" bIns="45720" numCol="1" spcCol="0" rtlCol="0" fromWordArt="0" anchor="ctr" anchorCtr="0" forceAA="0" compatLnSpc="1">
-            <a:prstTxWarp prst="textNoShape">
-              <a:avLst/>
-            </a:prstTxWarp>
-            <a:noAutofit/>
-          </a:bodyPr>
-          <a:lstStyle/>
-          <a:p>
-            <a:endParaRPr lang="ja-JP" altLang="en-US"/>
-          </a:p>
-        </p:txBody>
-      </p:sp>
-      <p:sp>
-        <p:nvSpPr>
-          <p:cNvPr id="6" name="正方形/長方形 5"/>
-          <p:cNvSpPr/>
-          <p:nvPr/>
-        </p:nvSpPr>
-        <p:spPr>
-          <a:xfrm>
-            <a:off x="3538247" y="3737923"/>
-            <a:ext cx="3356610" cy="243205"/>
-          </a:xfrm>
-          <a:prstGeom prst="rect">
-            <a:avLst/>
-          </a:prstGeom>
-          <a:noFill/>
-          <a:ln w="19050" cmpd="sng">
+          <a:lnRef idx="2">
+            <a:schemeClr val="accent1"/>
+          </a:lnRef>
+          <a:fillRef idx="0">
+            <a:schemeClr val="accent1"/>
+          </a:fillRef>
+          <a:effectRef idx="1">
+            <a:schemeClr val="accent1"/>
+          </a:effectRef>
+          <a:fontRef idx="minor">
+            <a:schemeClr val="tx1"/>
+          </a:fontRef>
+        </p:style>
+      </p:cxnSp>
+      <p:cxnSp>
+        <p:nvCxnSpPr>
+          <p:cNvPr id="6" name="直線矢印コネクタ 5"/>
+          <p:cNvCxnSpPr/>
+          <p:nvPr/>
+        </p:nvCxnSpPr>
+        <p:spPr>
+          <a:xfrm>
+            <a:off x="3090455" y="564227"/>
+            <a:ext cx="255424" cy="416448"/>
+          </a:xfrm>
+          <a:prstGeom prst="straightConnector1">
+            <a:avLst/>
+          </a:prstGeom>
+          <a:ln>
             <a:solidFill>
-              <a:srgbClr val="FF0000"/>
+              <a:srgbClr val="FF6600"/>
             </a:solidFill>
+            <a:tailEnd type="arrow"/>
           </a:ln>
         </p:spPr>
         <p:style>
-          <a:lnRef idx="1">
-            <a:schemeClr val="accent1"/>
-          </a:lnRef>
-          <a:fillRef idx="3">
-            <a:schemeClr val="accent1"/>
-          </a:fillRef>
-          <a:effectRef idx="2">
-            <a:schemeClr val="accent1"/>
-          </a:effectRef>
-          <a:fontRef idx="minor">
-            <a:schemeClr val="lt1"/>
-          </a:fontRef>
-        </p:style>
-        <p:txBody>
-          <a:bodyPr rot="0" spcFirstLastPara="0" vert="horz" wrap="square" lIns="91440" tIns="45720" rIns="91440" bIns="45720" numCol="1" spcCol="0" rtlCol="0" fromWordArt="0" anchor="ctr" anchorCtr="0" forceAA="0" compatLnSpc="1">
-            <a:prstTxWarp prst="textNoShape">
-              <a:avLst/>
-            </a:prstTxWarp>
-            <a:noAutofit/>
-          </a:bodyPr>
-          <a:lstStyle/>
-          <a:p>
-            <a:endParaRPr lang="ja-JP" altLang="en-US"/>
-          </a:p>
-        </p:txBody>
-      </p:sp>
-      <p:sp>
-        <p:nvSpPr>
-          <p:cNvPr id="7" name="正方形/長方形 6"/>
-          <p:cNvSpPr/>
-          <p:nvPr/>
-        </p:nvSpPr>
-        <p:spPr>
-          <a:xfrm>
-            <a:off x="3538882" y="2573867"/>
-            <a:ext cx="3356610" cy="1096746"/>
-          </a:xfrm>
-          <a:prstGeom prst="rect">
-            <a:avLst/>
-          </a:prstGeom>
-          <a:noFill/>
-          <a:ln w="19050" cmpd="sng">
-            <a:solidFill>
-              <a:srgbClr val="FF0000"/>
-            </a:solidFill>
-          </a:ln>
-        </p:spPr>
-        <p:style>
-          <a:lnRef idx="1">
-            <a:schemeClr val="accent1"/>
-          </a:lnRef>
-          <a:fillRef idx="3">
-            <a:schemeClr val="accent1"/>
-          </a:fillRef>
-          <a:effectRef idx="2">
-            <a:schemeClr val="accent1"/>
-          </a:effectRef>
-          <a:fontRef idx="minor">
-            <a:schemeClr val="lt1"/>
-          </a:fontRef>
-        </p:style>
-        <p:txBody>
-          <a:bodyPr rot="0" spcFirstLastPara="0" vert="horz" wrap="square" lIns="91440" tIns="45720" rIns="91440" bIns="45720" numCol="1" spcCol="0" rtlCol="0" fromWordArt="0" anchor="ctr" anchorCtr="0" forceAA="0" compatLnSpc="1">
-            <a:prstTxWarp prst="textNoShape">
-              <a:avLst/>
-            </a:prstTxWarp>
-            <a:noAutofit/>
-          </a:bodyPr>
-          <a:lstStyle/>
-          <a:p>
-            <a:endParaRPr lang="ja-JP" altLang="en-US"/>
-          </a:p>
-        </p:txBody>
-      </p:sp>
-      <p:sp>
-        <p:nvSpPr>
-          <p:cNvPr id="8" name="正方形/長方形 7"/>
-          <p:cNvSpPr/>
-          <p:nvPr/>
-        </p:nvSpPr>
-        <p:spPr>
-          <a:xfrm>
-            <a:off x="3538882" y="3994463"/>
-            <a:ext cx="3356610" cy="598805"/>
-          </a:xfrm>
-          <a:prstGeom prst="rect">
-            <a:avLst/>
-          </a:prstGeom>
-          <a:noFill/>
-          <a:ln w="19050" cmpd="sng">
-            <a:solidFill>
-              <a:srgbClr val="FF0000"/>
-            </a:solidFill>
-          </a:ln>
-        </p:spPr>
-        <p:style>
-          <a:lnRef idx="1">
-            <a:schemeClr val="accent1"/>
-          </a:lnRef>
-          <a:fillRef idx="3">
-            <a:schemeClr val="accent1"/>
-          </a:fillRef>
-          <a:effectRef idx="2">
-            <a:schemeClr val="accent1"/>
-          </a:effectRef>
-          <a:fontRef idx="minor">
-            <a:schemeClr val="lt1"/>
-          </a:fontRef>
-        </p:style>
-        <p:txBody>
-          <a:bodyPr rot="0" spcFirstLastPara="0" vert="horz" wrap="square" lIns="91440" tIns="45720" rIns="91440" bIns="45720" numCol="1" spcCol="0" rtlCol="0" fromWordArt="0" anchor="ctr" anchorCtr="0" forceAA="0" compatLnSpc="1">
-            <a:prstTxWarp prst="textNoShape">
-              <a:avLst/>
-            </a:prstTxWarp>
-            <a:noAutofit/>
-          </a:bodyPr>
-          <a:lstStyle/>
-          <a:p>
-            <a:endParaRPr lang="ja-JP" altLang="en-US"/>
-          </a:p>
-        </p:txBody>
-      </p:sp>
-      <p:sp>
-        <p:nvSpPr>
-          <p:cNvPr id="9" name="テキスト 10"/>
+          <a:lnRef idx="2">
+            <a:schemeClr val="accent1"/>
+          </a:lnRef>
+          <a:fillRef idx="0">
+            <a:schemeClr val="accent1"/>
+          </a:fillRef>
+          <a:effectRef idx="1">
+            <a:schemeClr val="accent1"/>
+          </a:effectRef>
+          <a:fontRef idx="minor">
+            <a:schemeClr val="tx1"/>
+          </a:fontRef>
+        </p:style>
+      </p:cxnSp>
+      <p:sp>
+        <p:nvSpPr>
+          <p:cNvPr id="7" name="テキスト 10"/>
           <p:cNvSpPr txBox="1"/>
           <p:nvPr/>
         </p:nvSpPr>
         <p:spPr>
           <a:xfrm>
-            <a:off x="7082182" y="2699063"/>
-            <a:ext cx="945515" cy="381000"/>
+            <a:off x="1800613" y="324432"/>
+            <a:ext cx="1041634" cy="279986"/>
           </a:xfrm>
           <a:prstGeom prst="rect">
             <a:avLst/>
@@ -3663,18 +3601,17 @@
           </a:bodyPr>
           <a:lstStyle/>
           <a:p>
-            <a:pPr algn="just">
+            <a:pPr algn="r">
               <a:spcAft>
                 <a:spcPts val="0"/>
               </a:spcAft>
             </a:pPr>
             <a:r>
-              <a:rPr lang="ja-JP" sz="1000" kern="100" dirty="0">
-                <a:effectLst/>
+              <a:rPr lang="ja-JP" altLang="en-US" sz="1000" kern="100" dirty="0" smtClean="0">
                 <a:ea typeface="ヒラギノ角ゴ ProN W3"/>
                 <a:cs typeface="Times New Roman"/>
               </a:rPr>
-              <a:t>ピアノロール</a:t>
+              <a:t>新規作成</a:t>
             </a:r>
             <a:endParaRPr lang="ja-JP" sz="1200" kern="100" dirty="0">
               <a:effectLst/>
@@ -3684,46 +3621,16 @@
           </a:p>
         </p:txBody>
       </p:sp>
-      <p:cxnSp>
-        <p:nvCxnSpPr>
-          <p:cNvPr id="10" name="直線コネクタ 9"/>
-          <p:cNvCxnSpPr/>
-          <p:nvPr/>
-        </p:nvCxnSpPr>
-        <p:spPr>
-          <a:xfrm flipH="1">
-            <a:off x="5367682" y="2843843"/>
-            <a:ext cx="1760220" cy="318135"/>
-          </a:xfrm>
-          <a:prstGeom prst="line">
-            <a:avLst/>
-          </a:prstGeom>
-        </p:spPr>
-        <p:style>
-          <a:lnRef idx="2">
-            <a:schemeClr val="accent1"/>
-          </a:lnRef>
-          <a:fillRef idx="0">
-            <a:schemeClr val="accent1"/>
-          </a:fillRef>
-          <a:effectRef idx="1">
-            <a:schemeClr val="accent1"/>
-          </a:effectRef>
-          <a:fontRef idx="minor">
-            <a:schemeClr val="tx1"/>
-          </a:fontRef>
-        </p:style>
-      </p:cxnSp>
-      <p:sp>
-        <p:nvSpPr>
-          <p:cNvPr id="11" name="テキスト 12"/>
+      <p:sp>
+        <p:nvSpPr>
+          <p:cNvPr id="8" name="テキスト 10"/>
           <p:cNvSpPr txBox="1"/>
           <p:nvPr/>
         </p:nvSpPr>
         <p:spPr>
           <a:xfrm>
-            <a:off x="7082182" y="3670613"/>
-            <a:ext cx="818515" cy="381000"/>
+            <a:off x="2853859" y="324432"/>
+            <a:ext cx="409108" cy="279986"/>
           </a:xfrm>
           <a:prstGeom prst="rect">
             <a:avLst/>
@@ -3762,20 +3669,19 @@
           </a:bodyPr>
           <a:lstStyle/>
           <a:p>
-            <a:pPr algn="just">
+            <a:pPr algn="ctr">
               <a:spcAft>
                 <a:spcPts val="0"/>
               </a:spcAft>
             </a:pPr>
             <a:r>
-              <a:rPr lang="ja-JP" sz="1000" kern="100">
-                <a:effectLst/>
+              <a:rPr lang="ja-JP" altLang="en-US" sz="1000" kern="100" dirty="0" smtClean="0">
                 <a:ea typeface="ヒラギノ角ゴ ProN W3"/>
                 <a:cs typeface="Times New Roman"/>
               </a:rPr>
-              <a:t>波形ビュー</a:t>
-            </a:r>
-            <a:endParaRPr lang="ja-JP" sz="1200" kern="100">
+              <a:t>開く</a:t>
+            </a:r>
+            <a:endParaRPr lang="ja-JP" sz="1200" kern="100" dirty="0">
               <a:effectLst/>
               <a:ea typeface="ＭＳ 明朝"/>
               <a:cs typeface="Times New Roman"/>
@@ -3785,18 +3691,24 @@
       </p:sp>
       <p:cxnSp>
         <p:nvCxnSpPr>
-          <p:cNvPr id="12" name="直線コネクタ 11"/>
+          <p:cNvPr id="12" name="直線矢印コネクタ 11"/>
           <p:cNvCxnSpPr/>
           <p:nvPr/>
         </p:nvCxnSpPr>
         <p:spPr>
-          <a:xfrm flipH="1">
-            <a:off x="6122062" y="3827458"/>
-            <a:ext cx="1019175" cy="13970"/>
-          </a:xfrm>
-          <a:prstGeom prst="line">
-            <a:avLst/>
-          </a:prstGeom>
+          <a:xfrm>
+            <a:off x="3600509" y="564227"/>
+            <a:ext cx="121684" cy="416448"/>
+          </a:xfrm>
+          <a:prstGeom prst="straightConnector1">
+            <a:avLst/>
+          </a:prstGeom>
+          <a:ln>
+            <a:solidFill>
+              <a:srgbClr val="FF6600"/>
+            </a:solidFill>
+            <a:tailEnd type="arrow"/>
+          </a:ln>
         </p:spPr>
         <p:style>
           <a:lnRef idx="2">
@@ -3815,14 +3727,14 @@
       </p:cxnSp>
       <p:sp>
         <p:nvSpPr>
-          <p:cNvPr id="13" name="テキスト 14"/>
+          <p:cNvPr id="13" name="テキスト 10"/>
           <p:cNvSpPr txBox="1"/>
           <p:nvPr/>
         </p:nvSpPr>
         <p:spPr>
           <a:xfrm>
-            <a:off x="4967632" y="5022528"/>
-            <a:ext cx="1485900" cy="304800"/>
+            <a:off x="3230762" y="324432"/>
+            <a:ext cx="736986" cy="279986"/>
           </a:xfrm>
           <a:prstGeom prst="rect">
             <a:avLst/>
@@ -3853,7 +3765,7 @@
           </a:fontRef>
         </p:style>
         <p:txBody>
-          <a:bodyPr rot="0" spcFirstLastPara="0" vert="horz" wrap="square" lIns="91440" tIns="45720" rIns="91440" bIns="45720" numCol="1" spcCol="0" rtlCol="0" fromWordArt="0" anchor="t" anchorCtr="0" forceAA="0" compatLnSpc="1">
+          <a:bodyPr rot="0" spcFirstLastPara="0" vert="horz" wrap="none" lIns="91440" tIns="45720" rIns="91440" bIns="45720" numCol="1" spcCol="0" rtlCol="0" fromWordArt="0" anchor="t" anchorCtr="0" forceAA="0" compatLnSpc="1">
             <a:prstTxWarp prst="textNoShape">
               <a:avLst/>
             </a:prstTxWarp>
@@ -3861,18 +3773,17 @@
           </a:bodyPr>
           <a:lstStyle/>
           <a:p>
-            <a:pPr algn="just">
+            <a:pPr algn="ctr">
               <a:spcAft>
                 <a:spcPts val="0"/>
               </a:spcAft>
             </a:pPr>
             <a:r>
-              <a:rPr lang="ja-JP" sz="1000" kern="100" dirty="0">
-                <a:effectLst/>
+              <a:rPr lang="ja-JP" altLang="en-US" sz="1000" kern="100" dirty="0" smtClean="0">
                 <a:ea typeface="ヒラギノ角ゴ ProN W3"/>
                 <a:cs typeface="Times New Roman"/>
               </a:rPr>
-              <a:t>コントロールトラック</a:t>
+              <a:t>上書き保存</a:t>
             </a:r>
             <a:endParaRPr lang="ja-JP" sz="1200" kern="100" dirty="0">
               <a:effectLst/>
@@ -3884,18 +3795,24 @@
       </p:sp>
       <p:cxnSp>
         <p:nvCxnSpPr>
-          <p:cNvPr id="14" name="直線コネクタ 13"/>
+          <p:cNvPr id="15" name="直線矢印コネクタ 14"/>
           <p:cNvCxnSpPr/>
           <p:nvPr/>
         </p:nvCxnSpPr>
         <p:spPr>
-          <a:xfrm flipH="1" flipV="1">
-            <a:off x="5200650" y="4318000"/>
-            <a:ext cx="167032" cy="704528"/>
-          </a:xfrm>
-          <a:prstGeom prst="line">
-            <a:avLst/>
-          </a:prstGeom>
+          <a:xfrm flipV="1">
+            <a:off x="3820887" y="1209581"/>
+            <a:ext cx="211823" cy="435995"/>
+          </a:xfrm>
+          <a:prstGeom prst="straightConnector1">
+            <a:avLst/>
+          </a:prstGeom>
+          <a:ln>
+            <a:solidFill>
+              <a:srgbClr val="FF6600"/>
+            </a:solidFill>
+            <a:tailEnd type="arrow"/>
+          </a:ln>
         </p:spPr>
         <p:style>
           <a:lnRef idx="2">
@@ -3912,46 +3829,16 @@
           </a:fontRef>
         </p:style>
       </p:cxnSp>
-      <p:cxnSp>
-        <p:nvCxnSpPr>
-          <p:cNvPr id="17" name="直線コネクタ 16"/>
-          <p:cNvCxnSpPr/>
-          <p:nvPr/>
-        </p:nvCxnSpPr>
-        <p:spPr>
-          <a:xfrm flipV="1">
-            <a:off x="3187700" y="3568700"/>
-            <a:ext cx="0" cy="1453828"/>
-          </a:xfrm>
-          <a:prstGeom prst="line">
-            <a:avLst/>
-          </a:prstGeom>
-        </p:spPr>
-        <p:style>
-          <a:lnRef idx="2">
-            <a:schemeClr val="accent1"/>
-          </a:lnRef>
-          <a:fillRef idx="0">
-            <a:schemeClr val="accent1"/>
-          </a:fillRef>
-          <a:effectRef idx="1">
-            <a:schemeClr val="accent1"/>
-          </a:effectRef>
-          <a:fontRef idx="minor">
-            <a:schemeClr val="tx1"/>
-          </a:fontRef>
-        </p:style>
-      </p:cxnSp>
-      <p:sp>
-        <p:nvSpPr>
-          <p:cNvPr id="19" name="テキスト 14"/>
+      <p:sp>
+        <p:nvSpPr>
+          <p:cNvPr id="18" name="テキスト 10"/>
           <p:cNvSpPr txBox="1"/>
           <p:nvPr/>
         </p:nvSpPr>
         <p:spPr>
           <a:xfrm>
-            <a:off x="2836503" y="5022528"/>
-            <a:ext cx="1485900" cy="304800"/>
+            <a:off x="3616333" y="1645576"/>
+            <a:ext cx="409108" cy="279986"/>
           </a:xfrm>
           <a:prstGeom prst="rect">
             <a:avLst/>
@@ -3982,7 +3869,7 @@
           </a:fontRef>
         </p:style>
         <p:txBody>
-          <a:bodyPr rot="0" spcFirstLastPara="0" vert="horz" wrap="square" lIns="91440" tIns="45720" rIns="91440" bIns="45720" numCol="1" spcCol="0" rtlCol="0" fromWordArt="0" anchor="t" anchorCtr="0" forceAA="0" compatLnSpc="1">
+          <a:bodyPr rot="0" spcFirstLastPara="0" vert="horz" wrap="none" lIns="91440" tIns="45720" rIns="91440" bIns="45720" numCol="1" spcCol="0" rtlCol="0" fromWordArt="0" anchor="t" anchorCtr="0" forceAA="0" compatLnSpc="1">
             <a:prstTxWarp prst="textNoShape">
               <a:avLst/>
             </a:prstTxWarp>
@@ -3990,18 +3877,17 @@
           </a:bodyPr>
           <a:lstStyle/>
           <a:p>
-            <a:pPr algn="just">
+            <a:pPr algn="ctr">
               <a:spcAft>
                 <a:spcPts val="0"/>
               </a:spcAft>
             </a:pPr>
             <a:r>
               <a:rPr lang="ja-JP" altLang="en-US" sz="1000" kern="100" dirty="0" smtClean="0">
-                <a:effectLst/>
                 <a:ea typeface="ヒラギノ角ゴ ProN W3"/>
                 <a:cs typeface="Times New Roman"/>
               </a:rPr>
-              <a:t>プロパティエディタ</a:t>
+              <a:t>切取り</a:t>
             </a:r>
             <a:endParaRPr lang="ja-JP" sz="1200" kern="100" dirty="0">
               <a:effectLst/>
@@ -4011,68 +3897,26 @@
           </a:p>
         </p:txBody>
       </p:sp>
-      <p:sp>
-        <p:nvSpPr>
-          <p:cNvPr id="23" name="正方形/長方形 22"/>
-          <p:cNvSpPr/>
-          <p:nvPr/>
-        </p:nvSpPr>
-        <p:spPr>
-          <a:xfrm>
-            <a:off x="3538882" y="2388235"/>
-            <a:ext cx="3356610" cy="160232"/>
-          </a:xfrm>
-          <a:prstGeom prst="rect">
-            <a:avLst/>
-          </a:prstGeom>
-          <a:noFill/>
-          <a:ln w="19050" cmpd="sng">
-            <a:solidFill>
-              <a:srgbClr val="FF0000"/>
-            </a:solidFill>
-          </a:ln>
-        </p:spPr>
-        <p:style>
-          <a:lnRef idx="1">
-            <a:schemeClr val="accent1"/>
-          </a:lnRef>
-          <a:fillRef idx="3">
-            <a:schemeClr val="accent1"/>
-          </a:fillRef>
-          <a:effectRef idx="2">
-            <a:schemeClr val="accent1"/>
-          </a:effectRef>
-          <a:fontRef idx="minor">
-            <a:schemeClr val="lt1"/>
-          </a:fontRef>
-        </p:style>
-        <p:txBody>
-          <a:bodyPr rot="0" spcFirstLastPara="0" vert="horz" wrap="square" lIns="91440" tIns="45720" rIns="91440" bIns="45720" numCol="1" spcCol="0" rtlCol="0" fromWordArt="0" anchor="ctr" anchorCtr="0" forceAA="0" compatLnSpc="1">
-            <a:prstTxWarp prst="textNoShape">
-              <a:avLst/>
-            </a:prstTxWarp>
-            <a:noAutofit/>
-          </a:bodyPr>
-          <a:lstStyle/>
-          <a:p>
-            <a:endParaRPr lang="ja-JP" altLang="en-US"/>
-          </a:p>
-        </p:txBody>
-      </p:sp>
       <p:cxnSp>
         <p:nvCxnSpPr>
-          <p:cNvPr id="24" name="直線コネクタ 23"/>
+          <p:cNvPr id="19" name="直線矢印コネクタ 18"/>
           <p:cNvCxnSpPr/>
           <p:nvPr/>
         </p:nvCxnSpPr>
         <p:spPr>
-          <a:xfrm flipH="1">
-            <a:off x="5200650" y="1921933"/>
-            <a:ext cx="404283" cy="550646"/>
-          </a:xfrm>
-          <a:prstGeom prst="line">
-            <a:avLst/>
-          </a:prstGeom>
+          <a:xfrm flipV="1">
+            <a:off x="4319686" y="1209582"/>
+            <a:ext cx="38843" cy="435994"/>
+          </a:xfrm>
+          <a:prstGeom prst="straightConnector1">
+            <a:avLst/>
+          </a:prstGeom>
+          <a:ln>
+            <a:solidFill>
+              <a:srgbClr val="FF6600"/>
+            </a:solidFill>
+            <a:tailEnd type="arrow"/>
+          </a:ln>
         </p:spPr>
         <p:style>
           <a:lnRef idx="2">
@@ -4091,14 +3935,14 @@
       </p:cxnSp>
       <p:sp>
         <p:nvSpPr>
-          <p:cNvPr id="26" name="テキスト 10"/>
+          <p:cNvPr id="20" name="テキスト 10"/>
           <p:cNvSpPr txBox="1"/>
           <p:nvPr/>
         </p:nvSpPr>
         <p:spPr>
           <a:xfrm>
-            <a:off x="4772714" y="1665173"/>
-            <a:ext cx="1680818" cy="381000"/>
+            <a:off x="4090162" y="1645576"/>
+            <a:ext cx="501792" cy="279986"/>
           </a:xfrm>
           <a:prstGeom prst="rect">
             <a:avLst/>
@@ -4137,18 +3981,17 @@
           </a:bodyPr>
           <a:lstStyle/>
           <a:p>
-            <a:pPr algn="just">
+            <a:pPr algn="ctr">
               <a:spcAft>
                 <a:spcPts val="0"/>
               </a:spcAft>
             </a:pPr>
             <a:r>
               <a:rPr lang="ja-JP" altLang="en-US" sz="1000" kern="100" dirty="0" smtClean="0">
-                <a:effectLst/>
                 <a:ea typeface="ヒラギノ角ゴ ProN W3"/>
                 <a:cs typeface="Times New Roman"/>
               </a:rPr>
-              <a:t>ナビゲーション・ビュー</a:t>
+              <a:t>コピー</a:t>
             </a:r>
             <a:endParaRPr lang="ja-JP" sz="1200" kern="100" dirty="0">
               <a:effectLst/>
@@ -4158,10 +4001,1695 @@
           </a:p>
         </p:txBody>
       </p:sp>
+      <p:cxnSp>
+        <p:nvCxnSpPr>
+          <p:cNvPr id="22" name="直線矢印コネクタ 21"/>
+          <p:cNvCxnSpPr/>
+          <p:nvPr/>
+        </p:nvCxnSpPr>
+        <p:spPr>
+          <a:xfrm flipH="1" flipV="1">
+            <a:off x="4699650" y="1209582"/>
+            <a:ext cx="178263" cy="435994"/>
+          </a:xfrm>
+          <a:prstGeom prst="straightConnector1">
+            <a:avLst/>
+          </a:prstGeom>
+          <a:ln>
+            <a:solidFill>
+              <a:srgbClr val="FF6600"/>
+            </a:solidFill>
+            <a:tailEnd type="arrow"/>
+          </a:ln>
+        </p:spPr>
+        <p:style>
+          <a:lnRef idx="2">
+            <a:schemeClr val="accent1"/>
+          </a:lnRef>
+          <a:fillRef idx="0">
+            <a:schemeClr val="accent1"/>
+          </a:fillRef>
+          <a:effectRef idx="1">
+            <a:schemeClr val="accent1"/>
+          </a:effectRef>
+          <a:fontRef idx="minor">
+            <a:schemeClr val="tx1"/>
+          </a:fontRef>
+        </p:style>
+      </p:cxnSp>
+      <p:sp>
+        <p:nvSpPr>
+          <p:cNvPr id="23" name="テキスト 10"/>
+          <p:cNvSpPr txBox="1"/>
+          <p:nvPr/>
+        </p:nvSpPr>
+        <p:spPr>
+          <a:xfrm>
+            <a:off x="4622560" y="1645576"/>
+            <a:ext cx="501792" cy="279986"/>
+          </a:xfrm>
+          <a:prstGeom prst="rect">
+            <a:avLst/>
+          </a:prstGeom>
+          <a:noFill/>
+          <a:ln>
+            <a:noFill/>
+          </a:ln>
+          <a:effectLst/>
+          <a:extLst>
+            <a:ext uri="{C572A759-6A51-4108-AA02-DFA0A04FC94B}">
+              <ma14:wrappingTextBoxFlag xmlns:ma14="http://schemas.microsoft.com/office/mac/drawingml/2011/main"/>
+            </a:ext>
+          </a:extLst>
+        </p:spPr>
+        <p:style>
+          <a:lnRef idx="0">
+            <a:schemeClr val="accent1"/>
+          </a:lnRef>
+          <a:fillRef idx="0">
+            <a:schemeClr val="accent1"/>
+          </a:fillRef>
+          <a:effectRef idx="0">
+            <a:schemeClr val="accent1"/>
+          </a:effectRef>
+          <a:fontRef idx="minor">
+            <a:schemeClr val="dk1"/>
+          </a:fontRef>
+        </p:style>
+        <p:txBody>
+          <a:bodyPr rot="0" spcFirstLastPara="0" vert="horz" wrap="none" lIns="91440" tIns="45720" rIns="91440" bIns="45720" numCol="1" spcCol="0" rtlCol="0" fromWordArt="0" anchor="t" anchorCtr="0" forceAA="0" compatLnSpc="1">
+            <a:prstTxWarp prst="textNoShape">
+              <a:avLst/>
+            </a:prstTxWarp>
+            <a:noAutofit/>
+          </a:bodyPr>
+          <a:lstStyle/>
+          <a:p>
+            <a:pPr algn="ctr">
+              <a:spcAft>
+                <a:spcPts val="0"/>
+              </a:spcAft>
+            </a:pPr>
+            <a:r>
+              <a:rPr lang="ja-JP" altLang="en-US" sz="1000" kern="100" dirty="0" smtClean="0">
+                <a:ea typeface="ヒラギノ角ゴ ProN W3"/>
+                <a:cs typeface="Times New Roman"/>
+              </a:rPr>
+              <a:t>貼付け</a:t>
+            </a:r>
+            <a:endParaRPr lang="ja-JP" sz="1200" kern="100" dirty="0">
+              <a:effectLst/>
+              <a:ea typeface="ＭＳ 明朝"/>
+              <a:cs typeface="Times New Roman"/>
+            </a:endParaRPr>
+          </a:p>
+        </p:txBody>
+      </p:sp>
+      <p:cxnSp>
+        <p:nvCxnSpPr>
+          <p:cNvPr id="25" name="直線矢印コネクタ 24"/>
+          <p:cNvCxnSpPr/>
+          <p:nvPr/>
+        </p:nvCxnSpPr>
+        <p:spPr>
+          <a:xfrm>
+            <a:off x="4699650" y="564227"/>
+            <a:ext cx="299947" cy="416448"/>
+          </a:xfrm>
+          <a:prstGeom prst="straightConnector1">
+            <a:avLst/>
+          </a:prstGeom>
+          <a:ln>
+            <a:solidFill>
+              <a:srgbClr val="FF6600"/>
+            </a:solidFill>
+            <a:tailEnd type="arrow"/>
+          </a:ln>
+        </p:spPr>
+        <p:style>
+          <a:lnRef idx="2">
+            <a:schemeClr val="accent1"/>
+          </a:lnRef>
+          <a:fillRef idx="0">
+            <a:schemeClr val="accent1"/>
+          </a:fillRef>
+          <a:effectRef idx="1">
+            <a:schemeClr val="accent1"/>
+          </a:effectRef>
+          <a:fontRef idx="minor">
+            <a:schemeClr val="tx1"/>
+          </a:fontRef>
+        </p:style>
+      </p:cxnSp>
+      <p:sp>
+        <p:nvSpPr>
+          <p:cNvPr id="27" name="テキスト 10"/>
+          <p:cNvSpPr txBox="1"/>
+          <p:nvPr/>
+        </p:nvSpPr>
+        <p:spPr>
+          <a:xfrm>
+            <a:off x="4334988" y="324432"/>
+            <a:ext cx="736986" cy="279986"/>
+          </a:xfrm>
+          <a:prstGeom prst="rect">
+            <a:avLst/>
+          </a:prstGeom>
+          <a:noFill/>
+          <a:ln>
+            <a:noFill/>
+          </a:ln>
+          <a:effectLst/>
+          <a:extLst>
+            <a:ext uri="{C572A759-6A51-4108-AA02-DFA0A04FC94B}">
+              <ma14:wrappingTextBoxFlag xmlns:ma14="http://schemas.microsoft.com/office/mac/drawingml/2011/main"/>
+            </a:ext>
+          </a:extLst>
+        </p:spPr>
+        <p:style>
+          <a:lnRef idx="0">
+            <a:schemeClr val="accent1"/>
+          </a:lnRef>
+          <a:fillRef idx="0">
+            <a:schemeClr val="accent1"/>
+          </a:fillRef>
+          <a:effectRef idx="0">
+            <a:schemeClr val="accent1"/>
+          </a:effectRef>
+          <a:fontRef idx="minor">
+            <a:schemeClr val="dk1"/>
+          </a:fontRef>
+        </p:style>
+        <p:txBody>
+          <a:bodyPr rot="0" spcFirstLastPara="0" vert="horz" wrap="none" lIns="91440" tIns="45720" rIns="91440" bIns="45720" numCol="1" spcCol="0" rtlCol="0" fromWordArt="0" anchor="t" anchorCtr="0" forceAA="0" compatLnSpc="1">
+            <a:prstTxWarp prst="textNoShape">
+              <a:avLst/>
+            </a:prstTxWarp>
+            <a:noAutofit/>
+          </a:bodyPr>
+          <a:lstStyle/>
+          <a:p>
+            <a:pPr algn="ctr">
+              <a:spcAft>
+                <a:spcPts val="0"/>
+              </a:spcAft>
+            </a:pPr>
+            <a:r>
+              <a:rPr lang="ja-JP" altLang="en-US" sz="1000" kern="100" dirty="0" smtClean="0">
+                <a:ea typeface="ヒラギノ角ゴ ProN W3"/>
+                <a:cs typeface="Times New Roman"/>
+              </a:rPr>
+              <a:t>元に戻す</a:t>
+            </a:r>
+            <a:endParaRPr lang="ja-JP" sz="1200" kern="100" dirty="0">
+              <a:effectLst/>
+              <a:ea typeface="ＭＳ 明朝"/>
+              <a:cs typeface="Times New Roman"/>
+            </a:endParaRPr>
+          </a:p>
+        </p:txBody>
+      </p:sp>
+      <p:cxnSp>
+        <p:nvCxnSpPr>
+          <p:cNvPr id="29" name="直線矢印コネクタ 28"/>
+          <p:cNvCxnSpPr/>
+          <p:nvPr/>
+        </p:nvCxnSpPr>
+        <p:spPr>
+          <a:xfrm flipH="1">
+            <a:off x="5314293" y="564227"/>
+            <a:ext cx="122412" cy="416448"/>
+          </a:xfrm>
+          <a:prstGeom prst="straightConnector1">
+            <a:avLst/>
+          </a:prstGeom>
+          <a:ln>
+            <a:solidFill>
+              <a:srgbClr val="FF6600"/>
+            </a:solidFill>
+            <a:tailEnd type="arrow"/>
+          </a:ln>
+        </p:spPr>
+        <p:style>
+          <a:lnRef idx="2">
+            <a:schemeClr val="accent1"/>
+          </a:lnRef>
+          <a:fillRef idx="0">
+            <a:schemeClr val="accent1"/>
+          </a:fillRef>
+          <a:effectRef idx="1">
+            <a:schemeClr val="accent1"/>
+          </a:effectRef>
+          <a:fontRef idx="minor">
+            <a:schemeClr val="tx1"/>
+          </a:fontRef>
+        </p:style>
+      </p:cxnSp>
+      <p:sp>
+        <p:nvSpPr>
+          <p:cNvPr id="32" name="テキスト 10"/>
+          <p:cNvSpPr txBox="1"/>
+          <p:nvPr/>
+        </p:nvSpPr>
+        <p:spPr>
+          <a:xfrm>
+            <a:off x="5071974" y="324432"/>
+            <a:ext cx="736986" cy="279986"/>
+          </a:xfrm>
+          <a:prstGeom prst="rect">
+            <a:avLst/>
+          </a:prstGeom>
+          <a:noFill/>
+          <a:ln>
+            <a:noFill/>
+          </a:ln>
+          <a:effectLst/>
+          <a:extLst>
+            <a:ext uri="{C572A759-6A51-4108-AA02-DFA0A04FC94B}">
+              <ma14:wrappingTextBoxFlag xmlns:ma14="http://schemas.microsoft.com/office/mac/drawingml/2011/main"/>
+            </a:ext>
+          </a:extLst>
+        </p:spPr>
+        <p:style>
+          <a:lnRef idx="0">
+            <a:schemeClr val="accent1"/>
+          </a:lnRef>
+          <a:fillRef idx="0">
+            <a:schemeClr val="accent1"/>
+          </a:fillRef>
+          <a:effectRef idx="0">
+            <a:schemeClr val="accent1"/>
+          </a:effectRef>
+          <a:fontRef idx="minor">
+            <a:schemeClr val="dk1"/>
+          </a:fontRef>
+        </p:style>
+        <p:txBody>
+          <a:bodyPr rot="0" spcFirstLastPara="0" vert="horz" wrap="none" lIns="91440" tIns="45720" rIns="91440" bIns="45720" numCol="1" spcCol="0" rtlCol="0" fromWordArt="0" anchor="t" anchorCtr="0" forceAA="0" compatLnSpc="1">
+            <a:prstTxWarp prst="textNoShape">
+              <a:avLst/>
+            </a:prstTxWarp>
+            <a:noAutofit/>
+          </a:bodyPr>
+          <a:lstStyle/>
+          <a:p>
+            <a:pPr algn="ctr">
+              <a:spcAft>
+                <a:spcPts val="0"/>
+              </a:spcAft>
+            </a:pPr>
+            <a:r>
+              <a:rPr lang="ja-JP" altLang="en-US" sz="1000" kern="100" dirty="0" smtClean="0">
+                <a:ea typeface="ヒラギノ角ゴ ProN W3"/>
+                <a:cs typeface="Times New Roman"/>
+              </a:rPr>
+              <a:t>やり直し</a:t>
+            </a:r>
+            <a:endParaRPr lang="ja-JP" sz="1200" kern="100" dirty="0">
+              <a:effectLst/>
+              <a:ea typeface="ＭＳ 明朝"/>
+              <a:cs typeface="Times New Roman"/>
+            </a:endParaRPr>
+          </a:p>
+        </p:txBody>
+      </p:sp>
+      <p:sp>
+        <p:nvSpPr>
+          <p:cNvPr id="34" name="テキスト 10"/>
+          <p:cNvSpPr txBox="1"/>
+          <p:nvPr/>
+        </p:nvSpPr>
+        <p:spPr>
+          <a:xfrm>
+            <a:off x="1347170" y="2456302"/>
+            <a:ext cx="1041634" cy="279986"/>
+          </a:xfrm>
+          <a:prstGeom prst="rect">
+            <a:avLst/>
+          </a:prstGeom>
+          <a:noFill/>
+          <a:ln>
+            <a:noFill/>
+          </a:ln>
+          <a:effectLst/>
+          <a:extLst>
+            <a:ext uri="{C572A759-6A51-4108-AA02-DFA0A04FC94B}">
+              <ma14:wrappingTextBoxFlag xmlns:ma14="http://schemas.microsoft.com/office/mac/drawingml/2011/main"/>
+            </a:ext>
+          </a:extLst>
+        </p:spPr>
+        <p:style>
+          <a:lnRef idx="0">
+            <a:schemeClr val="accent1"/>
+          </a:lnRef>
+          <a:fillRef idx="0">
+            <a:schemeClr val="accent1"/>
+          </a:fillRef>
+          <a:effectRef idx="0">
+            <a:schemeClr val="accent1"/>
+          </a:effectRef>
+          <a:fontRef idx="minor">
+            <a:schemeClr val="dk1"/>
+          </a:fontRef>
+        </p:style>
+        <p:txBody>
+          <a:bodyPr rot="0" spcFirstLastPara="0" vert="horz" wrap="none" lIns="91440" tIns="45720" rIns="91440" bIns="45720" numCol="1" spcCol="0" rtlCol="0" fromWordArt="0" anchor="t" anchorCtr="0" forceAA="0" compatLnSpc="1">
+            <a:prstTxWarp prst="textNoShape">
+              <a:avLst/>
+            </a:prstTxWarp>
+            <a:noAutofit/>
+          </a:bodyPr>
+          <a:lstStyle/>
+          <a:p>
+            <a:pPr algn="ctr">
+              <a:spcAft>
+                <a:spcPts val="0"/>
+              </a:spcAft>
+            </a:pPr>
+            <a:r>
+              <a:rPr lang="ja-JP" altLang="en-US" sz="1000" kern="100" dirty="0" smtClean="0">
+                <a:ea typeface="ヒラギノ角ゴ ProN W3"/>
+                <a:cs typeface="Times New Roman"/>
+              </a:rPr>
+              <a:t>曲の最初に移動</a:t>
+            </a:r>
+            <a:endParaRPr lang="ja-JP" sz="1200" kern="100" dirty="0">
+              <a:effectLst/>
+              <a:ea typeface="ＭＳ 明朝"/>
+              <a:cs typeface="Times New Roman"/>
+            </a:endParaRPr>
+          </a:p>
+        </p:txBody>
+      </p:sp>
+      <p:sp>
+        <p:nvSpPr>
+          <p:cNvPr id="35" name="テキスト 10"/>
+          <p:cNvSpPr txBox="1"/>
+          <p:nvPr/>
+        </p:nvSpPr>
+        <p:spPr>
+          <a:xfrm>
+            <a:off x="2427124" y="2456302"/>
+            <a:ext cx="1025631" cy="279986"/>
+          </a:xfrm>
+          <a:prstGeom prst="rect">
+            <a:avLst/>
+          </a:prstGeom>
+          <a:noFill/>
+          <a:ln>
+            <a:noFill/>
+          </a:ln>
+          <a:effectLst/>
+          <a:extLst>
+            <a:ext uri="{C572A759-6A51-4108-AA02-DFA0A04FC94B}">
+              <ma14:wrappingTextBoxFlag xmlns:ma14="http://schemas.microsoft.com/office/mac/drawingml/2011/main"/>
+            </a:ext>
+          </a:extLst>
+        </p:spPr>
+        <p:style>
+          <a:lnRef idx="0">
+            <a:schemeClr val="accent1"/>
+          </a:lnRef>
+          <a:fillRef idx="0">
+            <a:schemeClr val="accent1"/>
+          </a:fillRef>
+          <a:effectRef idx="0">
+            <a:schemeClr val="accent1"/>
+          </a:effectRef>
+          <a:fontRef idx="minor">
+            <a:schemeClr val="dk1"/>
+          </a:fontRef>
+        </p:style>
+        <p:txBody>
+          <a:bodyPr rot="0" spcFirstLastPara="0" vert="horz" wrap="none" lIns="91440" tIns="45720" rIns="91440" bIns="45720" numCol="1" spcCol="0" rtlCol="0" fromWordArt="0" anchor="t" anchorCtr="0" forceAA="0" compatLnSpc="1">
+            <a:prstTxWarp prst="textNoShape">
+              <a:avLst/>
+            </a:prstTxWarp>
+            <a:noAutofit/>
+          </a:bodyPr>
+          <a:lstStyle/>
+          <a:p>
+            <a:pPr algn="ctr">
+              <a:spcAft>
+                <a:spcPts val="0"/>
+              </a:spcAft>
+            </a:pPr>
+            <a:r>
+              <a:rPr lang="ja-JP" altLang="en-US" sz="1000" kern="100" dirty="0" smtClean="0">
+                <a:ea typeface="ヒラギノ角ゴ ProN W3"/>
+                <a:cs typeface="Times New Roman"/>
+              </a:rPr>
+              <a:t>曲の最後に移動</a:t>
+            </a:r>
+            <a:endParaRPr lang="ja-JP" sz="1200" kern="100" dirty="0">
+              <a:effectLst/>
+              <a:ea typeface="ＭＳ 明朝"/>
+              <a:cs typeface="Times New Roman"/>
+            </a:endParaRPr>
+          </a:p>
+        </p:txBody>
+      </p:sp>
+      <p:cxnSp>
+        <p:nvCxnSpPr>
+          <p:cNvPr id="36" name="直線矢印コネクタ 35"/>
+          <p:cNvCxnSpPr/>
+          <p:nvPr/>
+        </p:nvCxnSpPr>
+        <p:spPr>
+          <a:xfrm>
+            <a:off x="3015137" y="2681472"/>
+            <a:ext cx="182055" cy="420274"/>
+          </a:xfrm>
+          <a:prstGeom prst="straightConnector1">
+            <a:avLst/>
+          </a:prstGeom>
+          <a:ln>
+            <a:solidFill>
+              <a:srgbClr val="FF6600"/>
+            </a:solidFill>
+            <a:tailEnd type="arrow"/>
+          </a:ln>
+        </p:spPr>
+        <p:style>
+          <a:lnRef idx="2">
+            <a:schemeClr val="accent1"/>
+          </a:lnRef>
+          <a:fillRef idx="0">
+            <a:schemeClr val="accent1"/>
+          </a:fillRef>
+          <a:effectRef idx="1">
+            <a:schemeClr val="accent1"/>
+          </a:effectRef>
+          <a:fontRef idx="minor">
+            <a:schemeClr val="tx1"/>
+          </a:fontRef>
+        </p:style>
+      </p:cxnSp>
+      <p:cxnSp>
+        <p:nvCxnSpPr>
+          <p:cNvPr id="37" name="直線矢印コネクタ 36"/>
+          <p:cNvCxnSpPr/>
+          <p:nvPr/>
+        </p:nvCxnSpPr>
+        <p:spPr>
+          <a:xfrm>
+            <a:off x="1883329" y="2685298"/>
+            <a:ext cx="313594" cy="416448"/>
+          </a:xfrm>
+          <a:prstGeom prst="straightConnector1">
+            <a:avLst/>
+          </a:prstGeom>
+          <a:ln>
+            <a:solidFill>
+              <a:srgbClr val="FF6600"/>
+            </a:solidFill>
+            <a:tailEnd type="arrow"/>
+          </a:ln>
+        </p:spPr>
+        <p:style>
+          <a:lnRef idx="2">
+            <a:schemeClr val="accent1"/>
+          </a:lnRef>
+          <a:fillRef idx="0">
+            <a:schemeClr val="accent1"/>
+          </a:fillRef>
+          <a:effectRef idx="1">
+            <a:schemeClr val="accent1"/>
+          </a:effectRef>
+          <a:fontRef idx="minor">
+            <a:schemeClr val="tx1"/>
+          </a:fontRef>
+        </p:style>
+      </p:cxnSp>
+      <p:sp>
+        <p:nvSpPr>
+          <p:cNvPr id="39" name="テキスト 10"/>
+          <p:cNvSpPr txBox="1"/>
+          <p:nvPr/>
+        </p:nvSpPr>
+        <p:spPr>
+          <a:xfrm>
+            <a:off x="1554376" y="3707303"/>
+            <a:ext cx="1087489" cy="279986"/>
+          </a:xfrm>
+          <a:prstGeom prst="rect">
+            <a:avLst/>
+          </a:prstGeom>
+          <a:noFill/>
+          <a:ln>
+            <a:noFill/>
+          </a:ln>
+          <a:effectLst/>
+          <a:extLst>
+            <a:ext uri="{C572A759-6A51-4108-AA02-DFA0A04FC94B}">
+              <ma14:wrappingTextBoxFlag xmlns:ma14="http://schemas.microsoft.com/office/mac/drawingml/2011/main"/>
+            </a:ext>
+          </a:extLst>
+        </p:spPr>
+        <p:style>
+          <a:lnRef idx="0">
+            <a:schemeClr val="accent1"/>
+          </a:lnRef>
+          <a:fillRef idx="0">
+            <a:schemeClr val="accent1"/>
+          </a:fillRef>
+          <a:effectRef idx="0">
+            <a:schemeClr val="accent1"/>
+          </a:effectRef>
+          <a:fontRef idx="minor">
+            <a:schemeClr val="dk1"/>
+          </a:fontRef>
+        </p:style>
+        <p:txBody>
+          <a:bodyPr rot="0" spcFirstLastPara="0" vert="horz" wrap="none" lIns="91440" tIns="45720" rIns="91440" bIns="45720" numCol="1" spcCol="0" rtlCol="0" fromWordArt="0" anchor="t" anchorCtr="0" forceAA="0" compatLnSpc="1">
+            <a:prstTxWarp prst="textNoShape">
+              <a:avLst/>
+            </a:prstTxWarp>
+            <a:noAutofit/>
+          </a:bodyPr>
+          <a:lstStyle/>
+          <a:p>
+            <a:pPr algn="ctr">
+              <a:spcAft>
+                <a:spcPts val="0"/>
+              </a:spcAft>
+            </a:pPr>
+            <a:r>
+              <a:rPr lang="ja-JP" altLang="en-US" sz="1000" kern="100" dirty="0" smtClean="0">
+                <a:ea typeface="ヒラギノ角ゴ ProN W3"/>
+                <a:cs typeface="Times New Roman"/>
+              </a:rPr>
+              <a:t>ちょっと左に移動</a:t>
+            </a:r>
+            <a:endParaRPr lang="ja-JP" sz="1200" kern="100" dirty="0">
+              <a:effectLst/>
+              <a:ea typeface="ＭＳ 明朝"/>
+              <a:cs typeface="Times New Roman"/>
+            </a:endParaRPr>
+          </a:p>
+        </p:txBody>
+      </p:sp>
+      <p:sp>
+        <p:nvSpPr>
+          <p:cNvPr id="40" name="テキスト 10"/>
+          <p:cNvSpPr txBox="1"/>
+          <p:nvPr/>
+        </p:nvSpPr>
+        <p:spPr>
+          <a:xfrm>
+            <a:off x="2757391" y="3707303"/>
+            <a:ext cx="1192146" cy="279986"/>
+          </a:xfrm>
+          <a:prstGeom prst="rect">
+            <a:avLst/>
+          </a:prstGeom>
+          <a:noFill/>
+          <a:ln>
+            <a:noFill/>
+          </a:ln>
+          <a:effectLst/>
+          <a:extLst>
+            <a:ext uri="{C572A759-6A51-4108-AA02-DFA0A04FC94B}">
+              <ma14:wrappingTextBoxFlag xmlns:ma14="http://schemas.microsoft.com/office/mac/drawingml/2011/main"/>
+            </a:ext>
+          </a:extLst>
+        </p:spPr>
+        <p:style>
+          <a:lnRef idx="0">
+            <a:schemeClr val="accent1"/>
+          </a:lnRef>
+          <a:fillRef idx="0">
+            <a:schemeClr val="accent1"/>
+          </a:fillRef>
+          <a:effectRef idx="0">
+            <a:schemeClr val="accent1"/>
+          </a:effectRef>
+          <a:fontRef idx="minor">
+            <a:schemeClr val="dk1"/>
+          </a:fontRef>
+        </p:style>
+        <p:txBody>
+          <a:bodyPr rot="0" spcFirstLastPara="0" vert="horz" wrap="none" lIns="91440" tIns="45720" rIns="91440" bIns="45720" numCol="1" spcCol="0" rtlCol="0" fromWordArt="0" anchor="t" anchorCtr="0" forceAA="0" compatLnSpc="1">
+            <a:prstTxWarp prst="textNoShape">
+              <a:avLst/>
+            </a:prstTxWarp>
+            <a:noAutofit/>
+          </a:bodyPr>
+          <a:lstStyle/>
+          <a:p>
+            <a:pPr algn="ctr">
+              <a:spcAft>
+                <a:spcPts val="0"/>
+              </a:spcAft>
+            </a:pPr>
+            <a:r>
+              <a:rPr lang="ja-JP" altLang="en-US" sz="1000" kern="100" dirty="0" smtClean="0">
+                <a:ea typeface="ヒラギノ角ゴ ProN W3"/>
+                <a:cs typeface="Times New Roman"/>
+              </a:rPr>
+              <a:t>ちょっと右に移動</a:t>
+            </a:r>
+            <a:endParaRPr lang="ja-JP" sz="1200" kern="100" dirty="0">
+              <a:effectLst/>
+              <a:ea typeface="ＭＳ 明朝"/>
+              <a:cs typeface="Times New Roman"/>
+            </a:endParaRPr>
+          </a:p>
+        </p:txBody>
+      </p:sp>
+      <p:cxnSp>
+        <p:nvCxnSpPr>
+          <p:cNvPr id="41" name="直線矢印コネクタ 40"/>
+          <p:cNvCxnSpPr/>
+          <p:nvPr/>
+        </p:nvCxnSpPr>
+        <p:spPr>
+          <a:xfrm flipH="1" flipV="1">
+            <a:off x="2911496" y="3283735"/>
+            <a:ext cx="285696" cy="423568"/>
+          </a:xfrm>
+          <a:prstGeom prst="straightConnector1">
+            <a:avLst/>
+          </a:prstGeom>
+          <a:ln>
+            <a:solidFill>
+              <a:srgbClr val="FF6600"/>
+            </a:solidFill>
+            <a:tailEnd type="arrow"/>
+          </a:ln>
+        </p:spPr>
+        <p:style>
+          <a:lnRef idx="2">
+            <a:schemeClr val="accent1"/>
+          </a:lnRef>
+          <a:fillRef idx="0">
+            <a:schemeClr val="accent1"/>
+          </a:fillRef>
+          <a:effectRef idx="1">
+            <a:schemeClr val="accent1"/>
+          </a:effectRef>
+          <a:fontRef idx="minor">
+            <a:schemeClr val="tx1"/>
+          </a:fontRef>
+        </p:style>
+      </p:cxnSp>
+      <p:cxnSp>
+        <p:nvCxnSpPr>
+          <p:cNvPr id="42" name="直線矢印コネクタ 41"/>
+          <p:cNvCxnSpPr/>
+          <p:nvPr/>
+        </p:nvCxnSpPr>
+        <p:spPr>
+          <a:xfrm flipV="1">
+            <a:off x="2216904" y="3283734"/>
+            <a:ext cx="342558" cy="423569"/>
+          </a:xfrm>
+          <a:prstGeom prst="straightConnector1">
+            <a:avLst/>
+          </a:prstGeom>
+          <a:ln>
+            <a:solidFill>
+              <a:srgbClr val="FF6600"/>
+            </a:solidFill>
+            <a:tailEnd type="arrow"/>
+          </a:ln>
+        </p:spPr>
+        <p:style>
+          <a:lnRef idx="2">
+            <a:schemeClr val="accent1"/>
+          </a:lnRef>
+          <a:fillRef idx="0">
+            <a:schemeClr val="accent1"/>
+          </a:fillRef>
+          <a:effectRef idx="1">
+            <a:schemeClr val="accent1"/>
+          </a:effectRef>
+          <a:fontRef idx="minor">
+            <a:schemeClr val="tx1"/>
+          </a:fontRef>
+        </p:style>
+      </p:cxnSp>
+      <p:cxnSp>
+        <p:nvCxnSpPr>
+          <p:cNvPr id="44" name="直線矢印コネクタ 43"/>
+          <p:cNvCxnSpPr/>
+          <p:nvPr/>
+        </p:nvCxnSpPr>
+        <p:spPr>
+          <a:xfrm flipH="1">
+            <a:off x="3728229" y="2685298"/>
+            <a:ext cx="157309" cy="416448"/>
+          </a:xfrm>
+          <a:prstGeom prst="straightConnector1">
+            <a:avLst/>
+          </a:prstGeom>
+          <a:ln>
+            <a:solidFill>
+              <a:srgbClr val="FF6600"/>
+            </a:solidFill>
+            <a:tailEnd type="arrow"/>
+          </a:ln>
+        </p:spPr>
+        <p:style>
+          <a:lnRef idx="2">
+            <a:schemeClr val="accent1"/>
+          </a:lnRef>
+          <a:fillRef idx="0">
+            <a:schemeClr val="accent1"/>
+          </a:fillRef>
+          <a:effectRef idx="1">
+            <a:schemeClr val="accent1"/>
+          </a:effectRef>
+          <a:fontRef idx="minor">
+            <a:schemeClr val="tx1"/>
+          </a:fontRef>
+        </p:style>
+      </p:cxnSp>
+      <p:sp>
+        <p:nvSpPr>
+          <p:cNvPr id="46" name="テキスト 10"/>
+          <p:cNvSpPr txBox="1"/>
+          <p:nvPr/>
+        </p:nvSpPr>
+        <p:spPr>
+          <a:xfrm>
+            <a:off x="3505562" y="2456302"/>
+            <a:ext cx="758828" cy="279986"/>
+          </a:xfrm>
+          <a:prstGeom prst="rect">
+            <a:avLst/>
+          </a:prstGeom>
+          <a:noFill/>
+          <a:ln>
+            <a:noFill/>
+          </a:ln>
+          <a:effectLst/>
+          <a:extLst>
+            <a:ext uri="{C572A759-6A51-4108-AA02-DFA0A04FC94B}">
+              <ma14:wrappingTextBoxFlag xmlns:ma14="http://schemas.microsoft.com/office/mac/drawingml/2011/main"/>
+            </a:ext>
+          </a:extLst>
+        </p:spPr>
+        <p:style>
+          <a:lnRef idx="0">
+            <a:schemeClr val="accent1"/>
+          </a:lnRef>
+          <a:fillRef idx="0">
+            <a:schemeClr val="accent1"/>
+          </a:fillRef>
+          <a:effectRef idx="0">
+            <a:schemeClr val="accent1"/>
+          </a:effectRef>
+          <a:fontRef idx="minor">
+            <a:schemeClr val="dk1"/>
+          </a:fontRef>
+        </p:style>
+        <p:txBody>
+          <a:bodyPr rot="0" spcFirstLastPara="0" vert="horz" wrap="none" lIns="91440" tIns="45720" rIns="91440" bIns="45720" numCol="1" spcCol="0" rtlCol="0" fromWordArt="0" anchor="t" anchorCtr="0" forceAA="0" compatLnSpc="1">
+            <a:prstTxWarp prst="textNoShape">
+              <a:avLst/>
+            </a:prstTxWarp>
+            <a:noAutofit/>
+          </a:bodyPr>
+          <a:lstStyle/>
+          <a:p>
+            <a:pPr algn="ctr">
+              <a:spcAft>
+                <a:spcPts val="0"/>
+              </a:spcAft>
+            </a:pPr>
+            <a:r>
+              <a:rPr lang="ja-JP" altLang="en-US" sz="1000" kern="100" dirty="0" smtClean="0">
+                <a:ea typeface="ヒラギノ角ゴ ProN W3"/>
+                <a:cs typeface="Times New Roman"/>
+              </a:rPr>
+              <a:t>再生／停止</a:t>
+            </a:r>
+            <a:endParaRPr lang="ja-JP" sz="1200" kern="100" dirty="0">
+              <a:effectLst/>
+              <a:ea typeface="ＭＳ 明朝"/>
+              <a:cs typeface="Times New Roman"/>
+            </a:endParaRPr>
+          </a:p>
+        </p:txBody>
+      </p:sp>
+      <p:cxnSp>
+        <p:nvCxnSpPr>
+          <p:cNvPr id="48" name="直線矢印コネクタ 47"/>
+          <p:cNvCxnSpPr/>
+          <p:nvPr/>
+        </p:nvCxnSpPr>
+        <p:spPr>
+          <a:xfrm flipH="1" flipV="1">
+            <a:off x="4082101" y="3283734"/>
+            <a:ext cx="285696" cy="423568"/>
+          </a:xfrm>
+          <a:prstGeom prst="straightConnector1">
+            <a:avLst/>
+          </a:prstGeom>
+          <a:ln>
+            <a:solidFill>
+              <a:srgbClr val="FF6600"/>
+            </a:solidFill>
+            <a:tailEnd type="arrow"/>
+          </a:ln>
+        </p:spPr>
+        <p:style>
+          <a:lnRef idx="2">
+            <a:schemeClr val="accent1"/>
+          </a:lnRef>
+          <a:fillRef idx="0">
+            <a:schemeClr val="accent1"/>
+          </a:fillRef>
+          <a:effectRef idx="1">
+            <a:schemeClr val="accent1"/>
+          </a:effectRef>
+          <a:fontRef idx="minor">
+            <a:schemeClr val="tx1"/>
+          </a:fontRef>
+        </p:style>
+      </p:cxnSp>
+      <p:sp>
+        <p:nvSpPr>
+          <p:cNvPr id="49" name="テキスト 10"/>
+          <p:cNvSpPr txBox="1"/>
+          <p:nvPr/>
+        </p:nvSpPr>
+        <p:spPr>
+          <a:xfrm>
+            <a:off x="3976122" y="3707302"/>
+            <a:ext cx="1192146" cy="279986"/>
+          </a:xfrm>
+          <a:prstGeom prst="rect">
+            <a:avLst/>
+          </a:prstGeom>
+          <a:noFill/>
+          <a:ln>
+            <a:noFill/>
+          </a:ln>
+          <a:effectLst/>
+          <a:extLst>
+            <a:ext uri="{C572A759-6A51-4108-AA02-DFA0A04FC94B}">
+              <ma14:wrappingTextBoxFlag xmlns:ma14="http://schemas.microsoft.com/office/mac/drawingml/2011/main"/>
+            </a:ext>
+          </a:extLst>
+        </p:spPr>
+        <p:style>
+          <a:lnRef idx="0">
+            <a:schemeClr val="accent1"/>
+          </a:lnRef>
+          <a:fillRef idx="0">
+            <a:schemeClr val="accent1"/>
+          </a:fillRef>
+          <a:effectRef idx="0">
+            <a:schemeClr val="accent1"/>
+          </a:effectRef>
+          <a:fontRef idx="minor">
+            <a:schemeClr val="dk1"/>
+          </a:fontRef>
+        </p:style>
+        <p:txBody>
+          <a:bodyPr rot="0" spcFirstLastPara="0" vert="horz" wrap="none" lIns="91440" tIns="45720" rIns="91440" bIns="45720" numCol="1" spcCol="0" rtlCol="0" fromWordArt="0" anchor="t" anchorCtr="0" forceAA="0" compatLnSpc="1">
+            <a:prstTxWarp prst="textNoShape">
+              <a:avLst/>
+            </a:prstTxWarp>
+            <a:noAutofit/>
+          </a:bodyPr>
+          <a:lstStyle/>
+          <a:p>
+            <a:pPr algn="ctr">
+              <a:spcAft>
+                <a:spcPts val="0"/>
+              </a:spcAft>
+            </a:pPr>
+            <a:r>
+              <a:rPr lang="ja-JP" altLang="en-US" sz="1000" kern="100" dirty="0" smtClean="0">
+                <a:ea typeface="ヒラギノ角ゴ ProN W3"/>
+                <a:cs typeface="Times New Roman"/>
+              </a:rPr>
+              <a:t>自動スクロール</a:t>
+            </a:r>
+            <a:endParaRPr lang="ja-JP" sz="1200" kern="100" dirty="0">
+              <a:effectLst/>
+              <a:ea typeface="ＭＳ 明朝"/>
+              <a:cs typeface="Times New Roman"/>
+            </a:endParaRPr>
+          </a:p>
+        </p:txBody>
+      </p:sp>
+      <p:cxnSp>
+        <p:nvCxnSpPr>
+          <p:cNvPr id="50" name="直線矢印コネクタ 49"/>
+          <p:cNvCxnSpPr/>
+          <p:nvPr/>
+        </p:nvCxnSpPr>
+        <p:spPr>
+          <a:xfrm flipH="1">
+            <a:off x="4519020" y="3224350"/>
+            <a:ext cx="367239" cy="0"/>
+          </a:xfrm>
+          <a:prstGeom prst="straightConnector1">
+            <a:avLst/>
+          </a:prstGeom>
+          <a:ln>
+            <a:solidFill>
+              <a:srgbClr val="FF6600"/>
+            </a:solidFill>
+            <a:tailEnd type="arrow"/>
+          </a:ln>
+        </p:spPr>
+        <p:style>
+          <a:lnRef idx="2">
+            <a:schemeClr val="accent1"/>
+          </a:lnRef>
+          <a:fillRef idx="0">
+            <a:schemeClr val="accent1"/>
+          </a:fillRef>
+          <a:effectRef idx="1">
+            <a:schemeClr val="accent1"/>
+          </a:effectRef>
+          <a:fontRef idx="minor">
+            <a:schemeClr val="tx1"/>
+          </a:fontRef>
+        </p:style>
+      </p:cxnSp>
+      <p:sp>
+        <p:nvSpPr>
+          <p:cNvPr id="52" name="テキスト 10"/>
+          <p:cNvSpPr txBox="1"/>
+          <p:nvPr/>
+        </p:nvSpPr>
+        <p:spPr>
+          <a:xfrm>
+            <a:off x="4850717" y="3084357"/>
+            <a:ext cx="835839" cy="279986"/>
+          </a:xfrm>
+          <a:prstGeom prst="rect">
+            <a:avLst/>
+          </a:prstGeom>
+          <a:noFill/>
+          <a:ln>
+            <a:noFill/>
+          </a:ln>
+          <a:effectLst/>
+          <a:extLst>
+            <a:ext uri="{C572A759-6A51-4108-AA02-DFA0A04FC94B}">
+              <ma14:wrappingTextBoxFlag xmlns:ma14="http://schemas.microsoft.com/office/mac/drawingml/2011/main"/>
+            </a:ext>
+          </a:extLst>
+        </p:spPr>
+        <p:style>
+          <a:lnRef idx="0">
+            <a:schemeClr val="accent1"/>
+          </a:lnRef>
+          <a:fillRef idx="0">
+            <a:schemeClr val="accent1"/>
+          </a:fillRef>
+          <a:effectRef idx="0">
+            <a:schemeClr val="accent1"/>
+          </a:effectRef>
+          <a:fontRef idx="minor">
+            <a:schemeClr val="dk1"/>
+          </a:fontRef>
+        </p:style>
+        <p:txBody>
+          <a:bodyPr rot="0" spcFirstLastPara="0" vert="horz" wrap="none" lIns="91440" tIns="45720" rIns="91440" bIns="45720" numCol="1" spcCol="0" rtlCol="0" fromWordArt="0" anchor="t" anchorCtr="0" forceAA="0" compatLnSpc="1">
+            <a:prstTxWarp prst="textNoShape">
+              <a:avLst/>
+            </a:prstTxWarp>
+            <a:noAutofit/>
+          </a:bodyPr>
+          <a:lstStyle/>
+          <a:p>
+            <a:pPr>
+              <a:spcAft>
+                <a:spcPts val="0"/>
+              </a:spcAft>
+            </a:pPr>
+            <a:r>
+              <a:rPr lang="ja-JP" altLang="en-US" sz="1000" kern="100" dirty="0" smtClean="0">
+                <a:ea typeface="ヒラギノ角ゴ ProN W3"/>
+                <a:cs typeface="Times New Roman"/>
+              </a:rPr>
+              <a:t>繰返し再生</a:t>
+            </a:r>
+            <a:endParaRPr lang="ja-JP" sz="1200" kern="100" dirty="0">
+              <a:effectLst/>
+              <a:ea typeface="ＭＳ 明朝"/>
+              <a:cs typeface="Times New Roman"/>
+            </a:endParaRPr>
+          </a:p>
+        </p:txBody>
+      </p:sp>
+      <p:sp>
+        <p:nvSpPr>
+          <p:cNvPr id="53" name="テキスト 10"/>
+          <p:cNvSpPr txBox="1"/>
+          <p:nvPr/>
+        </p:nvSpPr>
+        <p:spPr>
+          <a:xfrm>
+            <a:off x="2201683" y="4365796"/>
+            <a:ext cx="1041634" cy="279986"/>
+          </a:xfrm>
+          <a:prstGeom prst="rect">
+            <a:avLst/>
+          </a:prstGeom>
+          <a:noFill/>
+          <a:ln>
+            <a:noFill/>
+          </a:ln>
+          <a:effectLst/>
+          <a:extLst>
+            <a:ext uri="{C572A759-6A51-4108-AA02-DFA0A04FC94B}">
+              <ma14:wrappingTextBoxFlag xmlns:ma14="http://schemas.microsoft.com/office/mac/drawingml/2011/main"/>
+            </a:ext>
+          </a:extLst>
+        </p:spPr>
+        <p:style>
+          <a:lnRef idx="0">
+            <a:schemeClr val="accent1"/>
+          </a:lnRef>
+          <a:fillRef idx="0">
+            <a:schemeClr val="accent1"/>
+          </a:fillRef>
+          <a:effectRef idx="0">
+            <a:schemeClr val="accent1"/>
+          </a:effectRef>
+          <a:fontRef idx="minor">
+            <a:schemeClr val="dk1"/>
+          </a:fontRef>
+        </p:style>
+        <p:txBody>
+          <a:bodyPr rot="0" spcFirstLastPara="0" vert="horz" wrap="none" lIns="91440" tIns="45720" rIns="91440" bIns="45720" numCol="1" spcCol="0" rtlCol="0" fromWordArt="0" anchor="t" anchorCtr="0" forceAA="0" compatLnSpc="1">
+            <a:prstTxWarp prst="textNoShape">
+              <a:avLst/>
+            </a:prstTxWarp>
+            <a:noAutofit/>
+          </a:bodyPr>
+          <a:lstStyle/>
+          <a:p>
+            <a:pPr algn="ctr">
+              <a:spcAft>
+                <a:spcPts val="0"/>
+              </a:spcAft>
+            </a:pPr>
+            <a:r>
+              <a:rPr lang="ja-JP" altLang="en-US" sz="1000" kern="100" dirty="0" smtClean="0">
+                <a:ea typeface="ヒラギノ角ゴ ProN W3"/>
+                <a:cs typeface="Times New Roman"/>
+              </a:rPr>
+              <a:t>矢印ツール</a:t>
+            </a:r>
+            <a:endParaRPr lang="ja-JP" sz="1200" kern="100" dirty="0">
+              <a:effectLst/>
+              <a:ea typeface="ＭＳ 明朝"/>
+              <a:cs typeface="Times New Roman"/>
+            </a:endParaRPr>
+          </a:p>
+        </p:txBody>
+      </p:sp>
+      <p:cxnSp>
+        <p:nvCxnSpPr>
+          <p:cNvPr id="54" name="直線矢印コネクタ 53"/>
+          <p:cNvCxnSpPr/>
+          <p:nvPr/>
+        </p:nvCxnSpPr>
+        <p:spPr>
+          <a:xfrm>
+            <a:off x="2757391" y="4594792"/>
+            <a:ext cx="113273" cy="416448"/>
+          </a:xfrm>
+          <a:prstGeom prst="straightConnector1">
+            <a:avLst/>
+          </a:prstGeom>
+          <a:ln>
+            <a:solidFill>
+              <a:srgbClr val="FF6600"/>
+            </a:solidFill>
+            <a:tailEnd type="arrow"/>
+          </a:ln>
+        </p:spPr>
+        <p:style>
+          <a:lnRef idx="2">
+            <a:schemeClr val="accent1"/>
+          </a:lnRef>
+          <a:fillRef idx="0">
+            <a:schemeClr val="accent1"/>
+          </a:fillRef>
+          <a:effectRef idx="1">
+            <a:schemeClr val="accent1"/>
+          </a:effectRef>
+          <a:fontRef idx="minor">
+            <a:schemeClr val="tx1"/>
+          </a:fontRef>
+        </p:style>
+      </p:cxnSp>
+      <p:cxnSp>
+        <p:nvCxnSpPr>
+          <p:cNvPr id="56" name="直線矢印コネクタ 55"/>
+          <p:cNvCxnSpPr/>
+          <p:nvPr/>
+        </p:nvCxnSpPr>
+        <p:spPr>
+          <a:xfrm>
+            <a:off x="3672969" y="4594792"/>
+            <a:ext cx="0" cy="416448"/>
+          </a:xfrm>
+          <a:prstGeom prst="straightConnector1">
+            <a:avLst/>
+          </a:prstGeom>
+          <a:ln>
+            <a:solidFill>
+              <a:srgbClr val="FF6600"/>
+            </a:solidFill>
+            <a:tailEnd type="arrow"/>
+          </a:ln>
+        </p:spPr>
+        <p:style>
+          <a:lnRef idx="2">
+            <a:schemeClr val="accent1"/>
+          </a:lnRef>
+          <a:fillRef idx="0">
+            <a:schemeClr val="accent1"/>
+          </a:fillRef>
+          <a:effectRef idx="1">
+            <a:schemeClr val="accent1"/>
+          </a:effectRef>
+          <a:fontRef idx="minor">
+            <a:schemeClr val="tx1"/>
+          </a:fontRef>
+        </p:style>
+      </p:cxnSp>
+      <p:sp>
+        <p:nvSpPr>
+          <p:cNvPr id="58" name="テキスト 10"/>
+          <p:cNvSpPr txBox="1"/>
+          <p:nvPr/>
+        </p:nvSpPr>
+        <p:spPr>
+          <a:xfrm>
+            <a:off x="3152152" y="4365796"/>
+            <a:ext cx="1041634" cy="279986"/>
+          </a:xfrm>
+          <a:prstGeom prst="rect">
+            <a:avLst/>
+          </a:prstGeom>
+          <a:noFill/>
+          <a:ln>
+            <a:noFill/>
+          </a:ln>
+          <a:effectLst/>
+          <a:extLst>
+            <a:ext uri="{C572A759-6A51-4108-AA02-DFA0A04FC94B}">
+              <ma14:wrappingTextBoxFlag xmlns:ma14="http://schemas.microsoft.com/office/mac/drawingml/2011/main"/>
+            </a:ext>
+          </a:extLst>
+        </p:spPr>
+        <p:style>
+          <a:lnRef idx="0">
+            <a:schemeClr val="accent1"/>
+          </a:lnRef>
+          <a:fillRef idx="0">
+            <a:schemeClr val="accent1"/>
+          </a:fillRef>
+          <a:effectRef idx="0">
+            <a:schemeClr val="accent1"/>
+          </a:effectRef>
+          <a:fontRef idx="minor">
+            <a:schemeClr val="dk1"/>
+          </a:fontRef>
+        </p:style>
+        <p:txBody>
+          <a:bodyPr rot="0" spcFirstLastPara="0" vert="horz" wrap="none" lIns="91440" tIns="45720" rIns="91440" bIns="45720" numCol="1" spcCol="0" rtlCol="0" fromWordArt="0" anchor="t" anchorCtr="0" forceAA="0" compatLnSpc="1">
+            <a:prstTxWarp prst="textNoShape">
+              <a:avLst/>
+            </a:prstTxWarp>
+            <a:noAutofit/>
+          </a:bodyPr>
+          <a:lstStyle/>
+          <a:p>
+            <a:pPr algn="ctr">
+              <a:spcAft>
+                <a:spcPts val="0"/>
+              </a:spcAft>
+            </a:pPr>
+            <a:r>
+              <a:rPr lang="ja-JP" altLang="en-US" sz="1000" kern="100" dirty="0" smtClean="0">
+                <a:ea typeface="ヒラギノ角ゴ ProN W3"/>
+                <a:cs typeface="Times New Roman"/>
+              </a:rPr>
+              <a:t>鉛筆ツール</a:t>
+            </a:r>
+            <a:endParaRPr lang="ja-JP" sz="1200" kern="100" dirty="0">
+              <a:effectLst/>
+              <a:ea typeface="ＭＳ 明朝"/>
+              <a:cs typeface="Times New Roman"/>
+            </a:endParaRPr>
+          </a:p>
+        </p:txBody>
+      </p:sp>
+      <p:cxnSp>
+        <p:nvCxnSpPr>
+          <p:cNvPr id="59" name="直線矢印コネクタ 58"/>
+          <p:cNvCxnSpPr/>
+          <p:nvPr/>
+        </p:nvCxnSpPr>
+        <p:spPr>
+          <a:xfrm flipH="1">
+            <a:off x="4411727" y="4594792"/>
+            <a:ext cx="60766" cy="416448"/>
+          </a:xfrm>
+          <a:prstGeom prst="straightConnector1">
+            <a:avLst/>
+          </a:prstGeom>
+          <a:ln>
+            <a:solidFill>
+              <a:srgbClr val="FF6600"/>
+            </a:solidFill>
+            <a:tailEnd type="arrow"/>
+          </a:ln>
+        </p:spPr>
+        <p:style>
+          <a:lnRef idx="2">
+            <a:schemeClr val="accent1"/>
+          </a:lnRef>
+          <a:fillRef idx="0">
+            <a:schemeClr val="accent1"/>
+          </a:fillRef>
+          <a:effectRef idx="1">
+            <a:schemeClr val="accent1"/>
+          </a:effectRef>
+          <a:fontRef idx="minor">
+            <a:schemeClr val="tx1"/>
+          </a:fontRef>
+        </p:style>
+      </p:cxnSp>
+      <p:sp>
+        <p:nvSpPr>
+          <p:cNvPr id="62" name="テキスト 10"/>
+          <p:cNvSpPr txBox="1"/>
+          <p:nvPr/>
+        </p:nvSpPr>
+        <p:spPr>
+          <a:xfrm>
+            <a:off x="4099217" y="4365796"/>
+            <a:ext cx="778696" cy="279986"/>
+          </a:xfrm>
+          <a:prstGeom prst="rect">
+            <a:avLst/>
+          </a:prstGeom>
+          <a:noFill/>
+          <a:ln>
+            <a:noFill/>
+          </a:ln>
+          <a:effectLst/>
+          <a:extLst>
+            <a:ext uri="{C572A759-6A51-4108-AA02-DFA0A04FC94B}">
+              <ma14:wrappingTextBoxFlag xmlns:ma14="http://schemas.microsoft.com/office/mac/drawingml/2011/main"/>
+            </a:ext>
+          </a:extLst>
+        </p:spPr>
+        <p:style>
+          <a:lnRef idx="0">
+            <a:schemeClr val="accent1"/>
+          </a:lnRef>
+          <a:fillRef idx="0">
+            <a:schemeClr val="accent1"/>
+          </a:fillRef>
+          <a:effectRef idx="0">
+            <a:schemeClr val="accent1"/>
+          </a:effectRef>
+          <a:fontRef idx="minor">
+            <a:schemeClr val="dk1"/>
+          </a:fontRef>
+        </p:style>
+        <p:txBody>
+          <a:bodyPr rot="0" spcFirstLastPara="0" vert="horz" wrap="none" lIns="91440" tIns="45720" rIns="91440" bIns="45720" numCol="1" spcCol="0" rtlCol="0" fromWordArt="0" anchor="t" anchorCtr="0" forceAA="0" compatLnSpc="1">
+            <a:prstTxWarp prst="textNoShape">
+              <a:avLst/>
+            </a:prstTxWarp>
+            <a:noAutofit/>
+          </a:bodyPr>
+          <a:lstStyle/>
+          <a:p>
+            <a:pPr algn="ctr">
+              <a:spcAft>
+                <a:spcPts val="0"/>
+              </a:spcAft>
+            </a:pPr>
+            <a:r>
+              <a:rPr lang="ja-JP" altLang="en-US" sz="1000" kern="100" dirty="0" smtClean="0">
+                <a:ea typeface="ヒラギノ角ゴ ProN W3"/>
+                <a:cs typeface="Times New Roman"/>
+              </a:rPr>
+              <a:t>直線ツール</a:t>
+            </a:r>
+            <a:endParaRPr lang="ja-JP" sz="1200" kern="100" dirty="0">
+              <a:effectLst/>
+              <a:ea typeface="ＭＳ 明朝"/>
+              <a:cs typeface="Times New Roman"/>
+            </a:endParaRPr>
+          </a:p>
+        </p:txBody>
+      </p:sp>
+      <p:cxnSp>
+        <p:nvCxnSpPr>
+          <p:cNvPr id="63" name="直線矢印コネクタ 62"/>
+          <p:cNvCxnSpPr/>
+          <p:nvPr/>
+        </p:nvCxnSpPr>
+        <p:spPr>
+          <a:xfrm flipH="1">
+            <a:off x="5041591" y="4594792"/>
+            <a:ext cx="272702" cy="416448"/>
+          </a:xfrm>
+          <a:prstGeom prst="straightConnector1">
+            <a:avLst/>
+          </a:prstGeom>
+          <a:ln>
+            <a:solidFill>
+              <a:srgbClr val="FF6600"/>
+            </a:solidFill>
+            <a:tailEnd type="arrow"/>
+          </a:ln>
+        </p:spPr>
+        <p:style>
+          <a:lnRef idx="2">
+            <a:schemeClr val="accent1"/>
+          </a:lnRef>
+          <a:fillRef idx="0">
+            <a:schemeClr val="accent1"/>
+          </a:fillRef>
+          <a:effectRef idx="1">
+            <a:schemeClr val="accent1"/>
+          </a:effectRef>
+          <a:fontRef idx="minor">
+            <a:schemeClr val="tx1"/>
+          </a:fontRef>
+        </p:style>
+      </p:cxnSp>
+      <p:sp>
+        <p:nvSpPr>
+          <p:cNvPr id="64" name="テキスト 10"/>
+          <p:cNvSpPr txBox="1"/>
+          <p:nvPr/>
+        </p:nvSpPr>
+        <p:spPr>
+          <a:xfrm>
+            <a:off x="4895589" y="4365796"/>
+            <a:ext cx="986712" cy="279986"/>
+          </a:xfrm>
+          <a:prstGeom prst="rect">
+            <a:avLst/>
+          </a:prstGeom>
+          <a:noFill/>
+          <a:ln>
+            <a:noFill/>
+          </a:ln>
+          <a:effectLst/>
+          <a:extLst>
+            <a:ext uri="{C572A759-6A51-4108-AA02-DFA0A04FC94B}">
+              <ma14:wrappingTextBoxFlag xmlns:ma14="http://schemas.microsoft.com/office/mac/drawingml/2011/main"/>
+            </a:ext>
+          </a:extLst>
+        </p:spPr>
+        <p:style>
+          <a:lnRef idx="0">
+            <a:schemeClr val="accent1"/>
+          </a:lnRef>
+          <a:fillRef idx="0">
+            <a:schemeClr val="accent1"/>
+          </a:fillRef>
+          <a:effectRef idx="0">
+            <a:schemeClr val="accent1"/>
+          </a:effectRef>
+          <a:fontRef idx="minor">
+            <a:schemeClr val="dk1"/>
+          </a:fontRef>
+        </p:style>
+        <p:txBody>
+          <a:bodyPr rot="0" spcFirstLastPara="0" vert="horz" wrap="none" lIns="91440" tIns="45720" rIns="91440" bIns="45720" numCol="1" spcCol="0" rtlCol="0" fromWordArt="0" anchor="t" anchorCtr="0" forceAA="0" compatLnSpc="1">
+            <a:prstTxWarp prst="textNoShape">
+              <a:avLst/>
+            </a:prstTxWarp>
+            <a:noAutofit/>
+          </a:bodyPr>
+          <a:lstStyle/>
+          <a:p>
+            <a:pPr algn="ctr">
+              <a:spcAft>
+                <a:spcPts val="0"/>
+              </a:spcAft>
+            </a:pPr>
+            <a:r>
+              <a:rPr lang="ja-JP" altLang="en-US" sz="1000" kern="100" dirty="0" smtClean="0">
+                <a:ea typeface="ヒラギノ角ゴ ProN W3"/>
+                <a:cs typeface="Times New Roman"/>
+              </a:rPr>
+              <a:t>消しゴムツール</a:t>
+            </a:r>
+            <a:endParaRPr lang="ja-JP" sz="1200" kern="100" dirty="0">
+              <a:effectLst/>
+              <a:ea typeface="ＭＳ 明朝"/>
+              <a:cs typeface="Times New Roman"/>
+            </a:endParaRPr>
+          </a:p>
+        </p:txBody>
+      </p:sp>
+      <p:cxnSp>
+        <p:nvCxnSpPr>
+          <p:cNvPr id="66" name="直線矢印コネクタ 65"/>
+          <p:cNvCxnSpPr/>
+          <p:nvPr/>
+        </p:nvCxnSpPr>
+        <p:spPr>
+          <a:xfrm flipH="1" flipV="1">
+            <a:off x="5815037" y="5259060"/>
+            <a:ext cx="67264" cy="423568"/>
+          </a:xfrm>
+          <a:prstGeom prst="straightConnector1">
+            <a:avLst/>
+          </a:prstGeom>
+          <a:ln>
+            <a:solidFill>
+              <a:srgbClr val="FF6600"/>
+            </a:solidFill>
+            <a:tailEnd type="arrow"/>
+          </a:ln>
+        </p:spPr>
+        <p:style>
+          <a:lnRef idx="2">
+            <a:schemeClr val="accent1"/>
+          </a:lnRef>
+          <a:fillRef idx="0">
+            <a:schemeClr val="accent1"/>
+          </a:fillRef>
+          <a:effectRef idx="1">
+            <a:schemeClr val="accent1"/>
+          </a:effectRef>
+          <a:fontRef idx="minor">
+            <a:schemeClr val="tx1"/>
+          </a:fontRef>
+        </p:style>
+      </p:cxnSp>
+      <p:sp>
+        <p:nvSpPr>
+          <p:cNvPr id="68" name="テキスト 10"/>
+          <p:cNvSpPr txBox="1"/>
+          <p:nvPr/>
+        </p:nvSpPr>
+        <p:spPr>
+          <a:xfrm>
+            <a:off x="5493396" y="5682628"/>
+            <a:ext cx="1130276" cy="279986"/>
+          </a:xfrm>
+          <a:prstGeom prst="rect">
+            <a:avLst/>
+          </a:prstGeom>
+          <a:noFill/>
+          <a:ln>
+            <a:noFill/>
+          </a:ln>
+          <a:effectLst/>
+          <a:extLst>
+            <a:ext uri="{C572A759-6A51-4108-AA02-DFA0A04FC94B}">
+              <ma14:wrappingTextBoxFlag xmlns:ma14="http://schemas.microsoft.com/office/mac/drawingml/2011/main"/>
+            </a:ext>
+          </a:extLst>
+        </p:spPr>
+        <p:style>
+          <a:lnRef idx="0">
+            <a:schemeClr val="accent1"/>
+          </a:lnRef>
+          <a:fillRef idx="0">
+            <a:schemeClr val="accent1"/>
+          </a:fillRef>
+          <a:effectRef idx="0">
+            <a:schemeClr val="accent1"/>
+          </a:effectRef>
+          <a:fontRef idx="minor">
+            <a:schemeClr val="dk1"/>
+          </a:fontRef>
+        </p:style>
+        <p:txBody>
+          <a:bodyPr rot="0" spcFirstLastPara="0" vert="horz" wrap="none" lIns="91440" tIns="45720" rIns="91440" bIns="45720" numCol="1" spcCol="0" rtlCol="0" fromWordArt="0" anchor="t" anchorCtr="0" forceAA="0" compatLnSpc="1">
+            <a:prstTxWarp prst="textNoShape">
+              <a:avLst/>
+            </a:prstTxWarp>
+            <a:noAutofit/>
+          </a:bodyPr>
+          <a:lstStyle/>
+          <a:p>
+            <a:pPr algn="ctr">
+              <a:spcAft>
+                <a:spcPts val="0"/>
+              </a:spcAft>
+            </a:pPr>
+            <a:r>
+              <a:rPr lang="ja-JP" altLang="en-US" sz="1000" kern="100" dirty="0" smtClean="0">
+                <a:ea typeface="ヒラギノ角ゴ ProN W3"/>
+                <a:cs typeface="Times New Roman"/>
+              </a:rPr>
+              <a:t>ベジエ曲線モード</a:t>
+            </a:r>
+            <a:endParaRPr lang="ja-JP" sz="1200" kern="100" dirty="0">
+              <a:effectLst/>
+              <a:ea typeface="ＭＳ 明朝"/>
+              <a:cs typeface="Times New Roman"/>
+            </a:endParaRPr>
+          </a:p>
+        </p:txBody>
+      </p:sp>
+      <p:cxnSp>
+        <p:nvCxnSpPr>
+          <p:cNvPr id="69" name="直線矢印コネクタ 68"/>
+          <p:cNvCxnSpPr/>
+          <p:nvPr/>
+        </p:nvCxnSpPr>
+        <p:spPr>
+          <a:xfrm flipV="1">
+            <a:off x="4952557" y="5259060"/>
+            <a:ext cx="508936" cy="477081"/>
+          </a:xfrm>
+          <a:prstGeom prst="straightConnector1">
+            <a:avLst/>
+          </a:prstGeom>
+          <a:ln>
+            <a:solidFill>
+              <a:srgbClr val="FF6600"/>
+            </a:solidFill>
+            <a:tailEnd type="arrow"/>
+          </a:ln>
+        </p:spPr>
+        <p:style>
+          <a:lnRef idx="2">
+            <a:schemeClr val="accent1"/>
+          </a:lnRef>
+          <a:fillRef idx="0">
+            <a:schemeClr val="accent1"/>
+          </a:fillRef>
+          <a:effectRef idx="1">
+            <a:schemeClr val="accent1"/>
+          </a:effectRef>
+          <a:fontRef idx="minor">
+            <a:schemeClr val="tx1"/>
+          </a:fontRef>
+        </p:style>
+      </p:cxnSp>
+      <p:sp>
+        <p:nvSpPr>
+          <p:cNvPr id="71" name="テキスト 10"/>
+          <p:cNvSpPr txBox="1"/>
+          <p:nvPr/>
+        </p:nvSpPr>
+        <p:spPr>
+          <a:xfrm>
+            <a:off x="4278860" y="5682628"/>
+            <a:ext cx="1130276" cy="279986"/>
+          </a:xfrm>
+          <a:prstGeom prst="rect">
+            <a:avLst/>
+          </a:prstGeom>
+          <a:noFill/>
+          <a:ln>
+            <a:noFill/>
+          </a:ln>
+          <a:effectLst/>
+          <a:extLst>
+            <a:ext uri="{C572A759-6A51-4108-AA02-DFA0A04FC94B}">
+              <ma14:wrappingTextBoxFlag xmlns:ma14="http://schemas.microsoft.com/office/mac/drawingml/2011/main"/>
+            </a:ext>
+          </a:extLst>
+        </p:spPr>
+        <p:style>
+          <a:lnRef idx="0">
+            <a:schemeClr val="accent1"/>
+          </a:lnRef>
+          <a:fillRef idx="0">
+            <a:schemeClr val="accent1"/>
+          </a:fillRef>
+          <a:effectRef idx="0">
+            <a:schemeClr val="accent1"/>
+          </a:effectRef>
+          <a:fontRef idx="minor">
+            <a:schemeClr val="dk1"/>
+          </a:fontRef>
+        </p:style>
+        <p:txBody>
+          <a:bodyPr rot="0" spcFirstLastPara="0" vert="horz" wrap="none" lIns="91440" tIns="45720" rIns="91440" bIns="45720" numCol="1" spcCol="0" rtlCol="0" fromWordArt="0" anchor="t" anchorCtr="0" forceAA="0" compatLnSpc="1">
+            <a:prstTxWarp prst="textNoShape">
+              <a:avLst/>
+            </a:prstTxWarp>
+            <a:noAutofit/>
+          </a:bodyPr>
+          <a:lstStyle/>
+          <a:p>
+            <a:pPr algn="ctr">
+              <a:spcAft>
+                <a:spcPts val="0"/>
+              </a:spcAft>
+            </a:pPr>
+            <a:r>
+              <a:rPr lang="ja-JP" altLang="en-US" sz="1000" kern="100" dirty="0" smtClean="0">
+                <a:ea typeface="ヒラギノ角ゴ ProN W3"/>
+                <a:cs typeface="Times New Roman"/>
+              </a:rPr>
+              <a:t>グリッドの</a:t>
+            </a:r>
+            <a:r>
+              <a:rPr lang="en-US" altLang="ja-JP" sz="1000" kern="100" dirty="0" smtClean="0">
+                <a:ea typeface="ヒラギノ角ゴ ProN W3"/>
+                <a:cs typeface="Times New Roman"/>
+              </a:rPr>
+              <a:t>On</a:t>
+            </a:r>
+            <a:r>
+              <a:rPr lang="ja-JP" altLang="en-US" sz="1000" kern="100" dirty="0" smtClean="0">
+                <a:ea typeface="ヒラギノ角ゴ ProN W3"/>
+                <a:cs typeface="Times New Roman"/>
+              </a:rPr>
+              <a:t>／</a:t>
+            </a:r>
+            <a:r>
+              <a:rPr lang="en-US" altLang="ja-JP" sz="1000" kern="100" dirty="0" smtClean="0">
+                <a:ea typeface="ヒラギノ角ゴ ProN W3"/>
+                <a:cs typeface="Times New Roman"/>
+              </a:rPr>
+              <a:t>Off</a:t>
+            </a:r>
+            <a:endParaRPr lang="ja-JP" sz="1200" kern="100" dirty="0">
+              <a:effectLst/>
+              <a:ea typeface="ＭＳ 明朝"/>
+              <a:cs typeface="Times New Roman"/>
+            </a:endParaRPr>
+          </a:p>
+        </p:txBody>
+      </p:sp>
     </p:spTree>
     <p:extLst>
       <p:ext uri="{BB962C8B-B14F-4D97-AF65-F5344CB8AC3E}">
-        <p14:creationId xmlns:p14="http://schemas.microsoft.com/office/powerpoint/2010/main" val="2052385200"/>
+        <p14:creationId xmlns:p14="http://schemas.microsoft.com/office/powerpoint/2010/main" val="92533109"/>
       </p:ext>
     </p:extLst>
   </p:cSld>
@@ -4190,6 +5718,230 @@
       </p:grpSpPr>
       <p:pic>
         <p:nvPicPr>
+          <p:cNvPr id="2" name="図 1" descr="スクリーンショット（2011-02-20 2.00.56）.png"/>
+          <p:cNvPicPr>
+            <a:picLocks noChangeAspect="1"/>
+          </p:cNvPicPr>
+          <p:nvPr/>
+        </p:nvPicPr>
+        <p:blipFill rotWithShape="1">
+          <a:blip r:embed="rId2">
+            <a:extLst>
+              <a:ext uri="{28A0092B-C50C-407E-A947-70E740481C1C}">
+                <a14:useLocalDpi xmlns:a14="http://schemas.microsoft.com/office/drawing/2010/main" val="0"/>
+              </a:ext>
+            </a:extLst>
+          </a:blip>
+          <a:srcRect l="1336"/>
+          <a:stretch/>
+        </p:blipFill>
+        <p:spPr>
+          <a:xfrm>
+            <a:off x="4360121" y="2803391"/>
+            <a:ext cx="1149341" cy="533914"/>
+          </a:xfrm>
+          <a:prstGeom prst="rect">
+            <a:avLst/>
+          </a:prstGeom>
+        </p:spPr>
+      </p:pic>
+      <p:pic>
+        <p:nvPicPr>
+          <p:cNvPr id="3" name="図 2" descr="スクリーンショット（2011-02-20 2.01.13）.png"/>
+          <p:cNvPicPr>
+            <a:picLocks noChangeAspect="1"/>
+          </p:cNvPicPr>
+          <p:nvPr/>
+        </p:nvPicPr>
+        <p:blipFill rotWithShape="1">
+          <a:blip r:embed="rId3">
+            <a:extLst>
+              <a:ext uri="{28A0092B-C50C-407E-A947-70E740481C1C}">
+                <a14:useLocalDpi xmlns:a14="http://schemas.microsoft.com/office/drawing/2010/main" val="0"/>
+              </a:ext>
+            </a:extLst>
+          </a:blip>
+          <a:srcRect r="5909" b="31959"/>
+          <a:stretch/>
+        </p:blipFill>
+        <p:spPr>
+          <a:xfrm>
+            <a:off x="2875345" y="2803391"/>
+            <a:ext cx="1149341" cy="533914"/>
+          </a:xfrm>
+          <a:prstGeom prst="rect">
+            <a:avLst/>
+          </a:prstGeom>
+        </p:spPr>
+      </p:pic>
+      <p:sp>
+        <p:nvSpPr>
+          <p:cNvPr id="4" name="テキスト 10"/>
+          <p:cNvSpPr txBox="1"/>
+          <p:nvPr/>
+        </p:nvSpPr>
+        <p:spPr>
+          <a:xfrm>
+            <a:off x="3148995" y="2523405"/>
+            <a:ext cx="602040" cy="279986"/>
+          </a:xfrm>
+          <a:prstGeom prst="rect">
+            <a:avLst/>
+          </a:prstGeom>
+          <a:noFill/>
+          <a:ln>
+            <a:noFill/>
+          </a:ln>
+          <a:effectLst/>
+          <a:extLst>
+            <a:ext uri="{C572A759-6A51-4108-AA02-DFA0A04FC94B}">
+              <ma14:wrappingTextBoxFlag xmlns:ma14="http://schemas.microsoft.com/office/mac/drawingml/2011/main"/>
+            </a:ext>
+          </a:extLst>
+        </p:spPr>
+        <p:style>
+          <a:lnRef idx="0">
+            <a:schemeClr val="accent1"/>
+          </a:lnRef>
+          <a:fillRef idx="0">
+            <a:schemeClr val="accent1"/>
+          </a:fillRef>
+          <a:effectRef idx="0">
+            <a:schemeClr val="accent1"/>
+          </a:effectRef>
+          <a:fontRef idx="minor">
+            <a:schemeClr val="dk1"/>
+          </a:fontRef>
+        </p:style>
+        <p:txBody>
+          <a:bodyPr rot="0" spcFirstLastPara="0" vert="horz" wrap="none" lIns="91440" tIns="45720" rIns="91440" bIns="45720" numCol="1" spcCol="0" rtlCol="0" fromWordArt="0" anchor="t" anchorCtr="0" forceAA="0" compatLnSpc="1">
+            <a:prstTxWarp prst="textNoShape">
+              <a:avLst/>
+            </a:prstTxWarp>
+            <a:noAutofit/>
+          </a:bodyPr>
+          <a:lstStyle/>
+          <a:p>
+            <a:pPr algn="ctr">
+              <a:spcAft>
+                <a:spcPts val="0"/>
+              </a:spcAft>
+            </a:pPr>
+            <a:r>
+              <a:rPr lang="en-US" altLang="ja-JP" sz="1000" kern="100" dirty="0" smtClean="0">
+                <a:ea typeface="ヒラギノ角ゴ ProN W3"/>
+                <a:cs typeface="Times New Roman"/>
+              </a:rPr>
+              <a:t>ON</a:t>
+            </a:r>
+            <a:endParaRPr lang="ja-JP" sz="1200" kern="100" dirty="0">
+              <a:effectLst/>
+              <a:ea typeface="ＭＳ 明朝"/>
+              <a:cs typeface="Times New Roman"/>
+            </a:endParaRPr>
+          </a:p>
+        </p:txBody>
+      </p:sp>
+      <p:sp>
+        <p:nvSpPr>
+          <p:cNvPr id="5" name="テキスト 10"/>
+          <p:cNvSpPr txBox="1"/>
+          <p:nvPr/>
+        </p:nvSpPr>
+        <p:spPr>
+          <a:xfrm>
+            <a:off x="4633771" y="2523405"/>
+            <a:ext cx="602040" cy="279986"/>
+          </a:xfrm>
+          <a:prstGeom prst="rect">
+            <a:avLst/>
+          </a:prstGeom>
+          <a:noFill/>
+          <a:ln>
+            <a:noFill/>
+          </a:ln>
+          <a:effectLst/>
+          <a:extLst>
+            <a:ext uri="{C572A759-6A51-4108-AA02-DFA0A04FC94B}">
+              <ma14:wrappingTextBoxFlag xmlns:ma14="http://schemas.microsoft.com/office/mac/drawingml/2011/main"/>
+            </a:ext>
+          </a:extLst>
+        </p:spPr>
+        <p:style>
+          <a:lnRef idx="0">
+            <a:schemeClr val="accent1"/>
+          </a:lnRef>
+          <a:fillRef idx="0">
+            <a:schemeClr val="accent1"/>
+          </a:fillRef>
+          <a:effectRef idx="0">
+            <a:schemeClr val="accent1"/>
+          </a:effectRef>
+          <a:fontRef idx="minor">
+            <a:schemeClr val="dk1"/>
+          </a:fontRef>
+        </p:style>
+        <p:txBody>
+          <a:bodyPr rot="0" spcFirstLastPara="0" vert="horz" wrap="none" lIns="91440" tIns="45720" rIns="91440" bIns="45720" numCol="1" spcCol="0" rtlCol="0" fromWordArt="0" anchor="t" anchorCtr="0" forceAA="0" compatLnSpc="1">
+            <a:prstTxWarp prst="textNoShape">
+              <a:avLst/>
+            </a:prstTxWarp>
+            <a:noAutofit/>
+          </a:bodyPr>
+          <a:lstStyle/>
+          <a:p>
+            <a:pPr algn="ctr">
+              <a:spcAft>
+                <a:spcPts val="0"/>
+              </a:spcAft>
+            </a:pPr>
+            <a:r>
+              <a:rPr lang="en-US" altLang="ja-JP" sz="1000" kern="100" dirty="0" smtClean="0">
+                <a:ea typeface="ヒラギノ角ゴ ProN W3"/>
+                <a:cs typeface="Times New Roman"/>
+              </a:rPr>
+              <a:t>OFF</a:t>
+            </a:r>
+            <a:endParaRPr lang="ja-JP" sz="1200" kern="100" dirty="0">
+              <a:effectLst/>
+              <a:ea typeface="ＭＳ 明朝"/>
+              <a:cs typeface="Times New Roman"/>
+            </a:endParaRPr>
+          </a:p>
+        </p:txBody>
+      </p:sp>
+    </p:spTree>
+    <p:extLst>
+      <p:ext uri="{BB962C8B-B14F-4D97-AF65-F5344CB8AC3E}">
+        <p14:creationId xmlns:p14="http://schemas.microsoft.com/office/powerpoint/2010/main" val="3225537408"/>
+      </p:ext>
+    </p:extLst>
+  </p:cSld>
+  <p:clrMapOvr>
+    <a:masterClrMapping/>
+  </p:clrMapOvr>
+</p:sld>
+</file>
+
+<file path=ppt/slides/slide11.xml><?xml version="1.0" encoding="utf-8"?>
+<p:sld xmlns:a="http://schemas.openxmlformats.org/drawingml/2006/main" xmlns:r="http://schemas.openxmlformats.org/officeDocument/2006/relationships" xmlns:p="http://schemas.openxmlformats.org/presentationml/2006/main">
+  <p:cSld>
+    <p:spTree>
+      <p:nvGrpSpPr>
+        <p:cNvPr id="1" name=""/>
+        <p:cNvGrpSpPr/>
+        <p:nvPr/>
+      </p:nvGrpSpPr>
+      <p:grpSpPr>
+        <a:xfrm>
+          <a:off x="0" y="0"/>
+          <a:ext cx="0" cy="0"/>
+          <a:chOff x="0" y="0"/>
+          <a:chExt cx="0" cy="0"/>
+        </a:xfrm>
+      </p:grpSpPr>
+      <p:pic>
+        <p:nvPicPr>
           <p:cNvPr id="2" name="図 1" descr="スクリーンショット（2011-02-20 3.25.04）.png"/>
           <p:cNvPicPr>
             <a:picLocks noChangeAspect="1"/>
@@ -4949,7 +6701,7 @@
 </p:sld>
 </file>
 
-<file path=ppt/slides/slide11.xml><?xml version="1.0" encoding="utf-8"?>
+<file path=ppt/slides/slide12.xml><?xml version="1.0" encoding="utf-8"?>
 <p:sld xmlns:a="http://schemas.openxmlformats.org/drawingml/2006/main" xmlns:r="http://schemas.openxmlformats.org/officeDocument/2006/relationships" xmlns:p="http://schemas.openxmlformats.org/presentationml/2006/main">
   <p:cSld>
     <p:spTree>
@@ -5258,6 +7010,948 @@
       </p:grpSpPr>
       <p:pic>
         <p:nvPicPr>
+          <p:cNvPr id="22" name="図 21" descr="スクリーンショット（2011-02-19 4.05.24）.png"/>
+          <p:cNvPicPr>
+            <a:picLocks noChangeAspect="1"/>
+          </p:cNvPicPr>
+          <p:nvPr/>
+        </p:nvPicPr>
+        <p:blipFill>
+          <a:blip r:embed="rId2">
+            <a:extLst>
+              <a:ext uri="{28A0092B-C50C-407E-A947-70E740481C1C}">
+                <a14:useLocalDpi xmlns:a14="http://schemas.microsoft.com/office/drawing/2010/main" val="0"/>
+              </a:ext>
+            </a:extLst>
+          </a:blip>
+          <a:stretch>
+            <a:fillRect/>
+          </a:stretch>
+        </p:blipFill>
+        <p:spPr>
+          <a:xfrm>
+            <a:off x="2836503" y="2142066"/>
+            <a:ext cx="4089600" cy="2556000"/>
+          </a:xfrm>
+          <a:prstGeom prst="rect">
+            <a:avLst/>
+          </a:prstGeom>
+        </p:spPr>
+      </p:pic>
+      <p:sp>
+        <p:nvSpPr>
+          <p:cNvPr id="5" name="正方形/長方形 4"/>
+          <p:cNvSpPr/>
+          <p:nvPr/>
+        </p:nvSpPr>
+        <p:spPr>
+          <a:xfrm>
+            <a:off x="2835428" y="2413635"/>
+            <a:ext cx="678180" cy="2183130"/>
+          </a:xfrm>
+          <a:prstGeom prst="rect">
+            <a:avLst/>
+          </a:prstGeom>
+          <a:noFill/>
+          <a:ln w="19050" cmpd="sng">
+            <a:solidFill>
+              <a:srgbClr val="FF0000"/>
+            </a:solidFill>
+          </a:ln>
+        </p:spPr>
+        <p:style>
+          <a:lnRef idx="1">
+            <a:schemeClr val="accent1"/>
+          </a:lnRef>
+          <a:fillRef idx="3">
+            <a:schemeClr val="accent1"/>
+          </a:fillRef>
+          <a:effectRef idx="2">
+            <a:schemeClr val="accent1"/>
+          </a:effectRef>
+          <a:fontRef idx="minor">
+            <a:schemeClr val="lt1"/>
+          </a:fontRef>
+        </p:style>
+        <p:txBody>
+          <a:bodyPr rot="0" spcFirstLastPara="0" vert="horz" wrap="square" lIns="91440" tIns="45720" rIns="91440" bIns="45720" numCol="1" spcCol="0" rtlCol="0" fromWordArt="0" anchor="ctr" anchorCtr="0" forceAA="0" compatLnSpc="1">
+            <a:prstTxWarp prst="textNoShape">
+              <a:avLst/>
+            </a:prstTxWarp>
+            <a:noAutofit/>
+          </a:bodyPr>
+          <a:lstStyle/>
+          <a:p>
+            <a:endParaRPr lang="ja-JP" altLang="en-US"/>
+          </a:p>
+        </p:txBody>
+      </p:sp>
+      <p:sp>
+        <p:nvSpPr>
+          <p:cNvPr id="6" name="正方形/長方形 5"/>
+          <p:cNvSpPr/>
+          <p:nvPr/>
+        </p:nvSpPr>
+        <p:spPr>
+          <a:xfrm>
+            <a:off x="3538247" y="3737923"/>
+            <a:ext cx="3356610" cy="243205"/>
+          </a:xfrm>
+          <a:prstGeom prst="rect">
+            <a:avLst/>
+          </a:prstGeom>
+          <a:noFill/>
+          <a:ln w="19050" cmpd="sng">
+            <a:solidFill>
+              <a:srgbClr val="FF0000"/>
+            </a:solidFill>
+          </a:ln>
+        </p:spPr>
+        <p:style>
+          <a:lnRef idx="1">
+            <a:schemeClr val="accent1"/>
+          </a:lnRef>
+          <a:fillRef idx="3">
+            <a:schemeClr val="accent1"/>
+          </a:fillRef>
+          <a:effectRef idx="2">
+            <a:schemeClr val="accent1"/>
+          </a:effectRef>
+          <a:fontRef idx="minor">
+            <a:schemeClr val="lt1"/>
+          </a:fontRef>
+        </p:style>
+        <p:txBody>
+          <a:bodyPr rot="0" spcFirstLastPara="0" vert="horz" wrap="square" lIns="91440" tIns="45720" rIns="91440" bIns="45720" numCol="1" spcCol="0" rtlCol="0" fromWordArt="0" anchor="ctr" anchorCtr="0" forceAA="0" compatLnSpc="1">
+            <a:prstTxWarp prst="textNoShape">
+              <a:avLst/>
+            </a:prstTxWarp>
+            <a:noAutofit/>
+          </a:bodyPr>
+          <a:lstStyle/>
+          <a:p>
+            <a:endParaRPr lang="ja-JP" altLang="en-US"/>
+          </a:p>
+        </p:txBody>
+      </p:sp>
+      <p:sp>
+        <p:nvSpPr>
+          <p:cNvPr id="7" name="正方形/長方形 6"/>
+          <p:cNvSpPr/>
+          <p:nvPr/>
+        </p:nvSpPr>
+        <p:spPr>
+          <a:xfrm>
+            <a:off x="3538882" y="2573867"/>
+            <a:ext cx="3356610" cy="1096746"/>
+          </a:xfrm>
+          <a:prstGeom prst="rect">
+            <a:avLst/>
+          </a:prstGeom>
+          <a:noFill/>
+          <a:ln w="19050" cmpd="sng">
+            <a:solidFill>
+              <a:srgbClr val="FF0000"/>
+            </a:solidFill>
+          </a:ln>
+        </p:spPr>
+        <p:style>
+          <a:lnRef idx="1">
+            <a:schemeClr val="accent1"/>
+          </a:lnRef>
+          <a:fillRef idx="3">
+            <a:schemeClr val="accent1"/>
+          </a:fillRef>
+          <a:effectRef idx="2">
+            <a:schemeClr val="accent1"/>
+          </a:effectRef>
+          <a:fontRef idx="minor">
+            <a:schemeClr val="lt1"/>
+          </a:fontRef>
+        </p:style>
+        <p:txBody>
+          <a:bodyPr rot="0" spcFirstLastPara="0" vert="horz" wrap="square" lIns="91440" tIns="45720" rIns="91440" bIns="45720" numCol="1" spcCol="0" rtlCol="0" fromWordArt="0" anchor="ctr" anchorCtr="0" forceAA="0" compatLnSpc="1">
+            <a:prstTxWarp prst="textNoShape">
+              <a:avLst/>
+            </a:prstTxWarp>
+            <a:noAutofit/>
+          </a:bodyPr>
+          <a:lstStyle/>
+          <a:p>
+            <a:endParaRPr lang="ja-JP" altLang="en-US"/>
+          </a:p>
+        </p:txBody>
+      </p:sp>
+      <p:sp>
+        <p:nvSpPr>
+          <p:cNvPr id="8" name="正方形/長方形 7"/>
+          <p:cNvSpPr/>
+          <p:nvPr/>
+        </p:nvSpPr>
+        <p:spPr>
+          <a:xfrm>
+            <a:off x="3538882" y="3994463"/>
+            <a:ext cx="3356610" cy="598805"/>
+          </a:xfrm>
+          <a:prstGeom prst="rect">
+            <a:avLst/>
+          </a:prstGeom>
+          <a:noFill/>
+          <a:ln w="19050" cmpd="sng">
+            <a:solidFill>
+              <a:srgbClr val="FF0000"/>
+            </a:solidFill>
+          </a:ln>
+        </p:spPr>
+        <p:style>
+          <a:lnRef idx="1">
+            <a:schemeClr val="accent1"/>
+          </a:lnRef>
+          <a:fillRef idx="3">
+            <a:schemeClr val="accent1"/>
+          </a:fillRef>
+          <a:effectRef idx="2">
+            <a:schemeClr val="accent1"/>
+          </a:effectRef>
+          <a:fontRef idx="minor">
+            <a:schemeClr val="lt1"/>
+          </a:fontRef>
+        </p:style>
+        <p:txBody>
+          <a:bodyPr rot="0" spcFirstLastPara="0" vert="horz" wrap="square" lIns="91440" tIns="45720" rIns="91440" bIns="45720" numCol="1" spcCol="0" rtlCol="0" fromWordArt="0" anchor="ctr" anchorCtr="0" forceAA="0" compatLnSpc="1">
+            <a:prstTxWarp prst="textNoShape">
+              <a:avLst/>
+            </a:prstTxWarp>
+            <a:noAutofit/>
+          </a:bodyPr>
+          <a:lstStyle/>
+          <a:p>
+            <a:endParaRPr lang="ja-JP" altLang="en-US"/>
+          </a:p>
+        </p:txBody>
+      </p:sp>
+      <p:sp>
+        <p:nvSpPr>
+          <p:cNvPr id="9" name="テキスト 10"/>
+          <p:cNvSpPr txBox="1"/>
+          <p:nvPr/>
+        </p:nvSpPr>
+        <p:spPr>
+          <a:xfrm>
+            <a:off x="7082182" y="2699063"/>
+            <a:ext cx="945515" cy="381000"/>
+          </a:xfrm>
+          <a:prstGeom prst="rect">
+            <a:avLst/>
+          </a:prstGeom>
+          <a:noFill/>
+          <a:ln>
+            <a:noFill/>
+          </a:ln>
+          <a:effectLst/>
+          <a:extLst>
+            <a:ext uri="{C572A759-6A51-4108-AA02-DFA0A04FC94B}">
+              <ma14:wrappingTextBoxFlag xmlns:ma14="http://schemas.microsoft.com/office/mac/drawingml/2011/main"/>
+            </a:ext>
+          </a:extLst>
+        </p:spPr>
+        <p:style>
+          <a:lnRef idx="0">
+            <a:schemeClr val="accent1"/>
+          </a:lnRef>
+          <a:fillRef idx="0">
+            <a:schemeClr val="accent1"/>
+          </a:fillRef>
+          <a:effectRef idx="0">
+            <a:schemeClr val="accent1"/>
+          </a:effectRef>
+          <a:fontRef idx="minor">
+            <a:schemeClr val="dk1"/>
+          </a:fontRef>
+        </p:style>
+        <p:txBody>
+          <a:bodyPr rot="0" spcFirstLastPara="0" vert="horz" wrap="none" lIns="91440" tIns="45720" rIns="91440" bIns="45720" numCol="1" spcCol="0" rtlCol="0" fromWordArt="0" anchor="t" anchorCtr="0" forceAA="0" compatLnSpc="1">
+            <a:prstTxWarp prst="textNoShape">
+              <a:avLst/>
+            </a:prstTxWarp>
+            <a:noAutofit/>
+          </a:bodyPr>
+          <a:lstStyle/>
+          <a:p>
+            <a:pPr algn="just">
+              <a:spcAft>
+                <a:spcPts val="0"/>
+              </a:spcAft>
+            </a:pPr>
+            <a:r>
+              <a:rPr lang="ja-JP" sz="1000" kern="100" dirty="0">
+                <a:effectLst/>
+                <a:ea typeface="ヒラギノ角ゴ ProN W3"/>
+                <a:cs typeface="Times New Roman"/>
+              </a:rPr>
+              <a:t>ピアノロール</a:t>
+            </a:r>
+            <a:endParaRPr lang="ja-JP" sz="1200" kern="100" dirty="0">
+              <a:effectLst/>
+              <a:ea typeface="ＭＳ 明朝"/>
+              <a:cs typeface="Times New Roman"/>
+            </a:endParaRPr>
+          </a:p>
+        </p:txBody>
+      </p:sp>
+      <p:cxnSp>
+        <p:nvCxnSpPr>
+          <p:cNvPr id="10" name="直線コネクタ 9"/>
+          <p:cNvCxnSpPr/>
+          <p:nvPr/>
+        </p:nvCxnSpPr>
+        <p:spPr>
+          <a:xfrm flipH="1">
+            <a:off x="5367682" y="2843843"/>
+            <a:ext cx="1760220" cy="318135"/>
+          </a:xfrm>
+          <a:prstGeom prst="line">
+            <a:avLst/>
+          </a:prstGeom>
+        </p:spPr>
+        <p:style>
+          <a:lnRef idx="2">
+            <a:schemeClr val="accent1"/>
+          </a:lnRef>
+          <a:fillRef idx="0">
+            <a:schemeClr val="accent1"/>
+          </a:fillRef>
+          <a:effectRef idx="1">
+            <a:schemeClr val="accent1"/>
+          </a:effectRef>
+          <a:fontRef idx="minor">
+            <a:schemeClr val="tx1"/>
+          </a:fontRef>
+        </p:style>
+      </p:cxnSp>
+      <p:sp>
+        <p:nvSpPr>
+          <p:cNvPr id="11" name="テキスト 12"/>
+          <p:cNvSpPr txBox="1"/>
+          <p:nvPr/>
+        </p:nvSpPr>
+        <p:spPr>
+          <a:xfrm>
+            <a:off x="7082182" y="3670613"/>
+            <a:ext cx="818515" cy="381000"/>
+          </a:xfrm>
+          <a:prstGeom prst="rect">
+            <a:avLst/>
+          </a:prstGeom>
+          <a:noFill/>
+          <a:ln>
+            <a:noFill/>
+          </a:ln>
+          <a:effectLst/>
+          <a:extLst>
+            <a:ext uri="{C572A759-6A51-4108-AA02-DFA0A04FC94B}">
+              <ma14:wrappingTextBoxFlag xmlns:ma14="http://schemas.microsoft.com/office/mac/drawingml/2011/main"/>
+            </a:ext>
+          </a:extLst>
+        </p:spPr>
+        <p:style>
+          <a:lnRef idx="0">
+            <a:schemeClr val="accent1"/>
+          </a:lnRef>
+          <a:fillRef idx="0">
+            <a:schemeClr val="accent1"/>
+          </a:fillRef>
+          <a:effectRef idx="0">
+            <a:schemeClr val="accent1"/>
+          </a:effectRef>
+          <a:fontRef idx="minor">
+            <a:schemeClr val="dk1"/>
+          </a:fontRef>
+        </p:style>
+        <p:txBody>
+          <a:bodyPr rot="0" spcFirstLastPara="0" vert="horz" wrap="none" lIns="91440" tIns="45720" rIns="91440" bIns="45720" numCol="1" spcCol="0" rtlCol="0" fromWordArt="0" anchor="t" anchorCtr="0" forceAA="0" compatLnSpc="1">
+            <a:prstTxWarp prst="textNoShape">
+              <a:avLst/>
+            </a:prstTxWarp>
+            <a:noAutofit/>
+          </a:bodyPr>
+          <a:lstStyle/>
+          <a:p>
+            <a:pPr algn="just">
+              <a:spcAft>
+                <a:spcPts val="0"/>
+              </a:spcAft>
+            </a:pPr>
+            <a:r>
+              <a:rPr lang="ja-JP" sz="1000" kern="100">
+                <a:effectLst/>
+                <a:ea typeface="ヒラギノ角ゴ ProN W3"/>
+                <a:cs typeface="Times New Roman"/>
+              </a:rPr>
+              <a:t>波形ビュー</a:t>
+            </a:r>
+            <a:endParaRPr lang="ja-JP" sz="1200" kern="100">
+              <a:effectLst/>
+              <a:ea typeface="ＭＳ 明朝"/>
+              <a:cs typeface="Times New Roman"/>
+            </a:endParaRPr>
+          </a:p>
+        </p:txBody>
+      </p:sp>
+      <p:cxnSp>
+        <p:nvCxnSpPr>
+          <p:cNvPr id="12" name="直線コネクタ 11"/>
+          <p:cNvCxnSpPr/>
+          <p:nvPr/>
+        </p:nvCxnSpPr>
+        <p:spPr>
+          <a:xfrm flipH="1">
+            <a:off x="6122062" y="3827458"/>
+            <a:ext cx="1019175" cy="13970"/>
+          </a:xfrm>
+          <a:prstGeom prst="line">
+            <a:avLst/>
+          </a:prstGeom>
+        </p:spPr>
+        <p:style>
+          <a:lnRef idx="2">
+            <a:schemeClr val="accent1"/>
+          </a:lnRef>
+          <a:fillRef idx="0">
+            <a:schemeClr val="accent1"/>
+          </a:fillRef>
+          <a:effectRef idx="1">
+            <a:schemeClr val="accent1"/>
+          </a:effectRef>
+          <a:fontRef idx="minor">
+            <a:schemeClr val="tx1"/>
+          </a:fontRef>
+        </p:style>
+      </p:cxnSp>
+      <p:sp>
+        <p:nvSpPr>
+          <p:cNvPr id="13" name="テキスト 14"/>
+          <p:cNvSpPr txBox="1"/>
+          <p:nvPr/>
+        </p:nvSpPr>
+        <p:spPr>
+          <a:xfrm>
+            <a:off x="4967632" y="5022528"/>
+            <a:ext cx="1485900" cy="304800"/>
+          </a:xfrm>
+          <a:prstGeom prst="rect">
+            <a:avLst/>
+          </a:prstGeom>
+          <a:noFill/>
+          <a:ln>
+            <a:noFill/>
+          </a:ln>
+          <a:effectLst/>
+          <a:extLst>
+            <a:ext uri="{C572A759-6A51-4108-AA02-DFA0A04FC94B}">
+              <ma14:wrappingTextBoxFlag xmlns:ma14="http://schemas.microsoft.com/office/mac/drawingml/2011/main"/>
+            </a:ext>
+          </a:extLst>
+        </p:spPr>
+        <p:style>
+          <a:lnRef idx="0">
+            <a:schemeClr val="accent1"/>
+          </a:lnRef>
+          <a:fillRef idx="0">
+            <a:schemeClr val="accent1"/>
+          </a:fillRef>
+          <a:effectRef idx="0">
+            <a:schemeClr val="accent1"/>
+          </a:effectRef>
+          <a:fontRef idx="minor">
+            <a:schemeClr val="dk1"/>
+          </a:fontRef>
+        </p:style>
+        <p:txBody>
+          <a:bodyPr rot="0" spcFirstLastPara="0" vert="horz" wrap="square" lIns="91440" tIns="45720" rIns="91440" bIns="45720" numCol="1" spcCol="0" rtlCol="0" fromWordArt="0" anchor="t" anchorCtr="0" forceAA="0" compatLnSpc="1">
+            <a:prstTxWarp prst="textNoShape">
+              <a:avLst/>
+            </a:prstTxWarp>
+            <a:noAutofit/>
+          </a:bodyPr>
+          <a:lstStyle/>
+          <a:p>
+            <a:pPr algn="just">
+              <a:spcAft>
+                <a:spcPts val="0"/>
+              </a:spcAft>
+            </a:pPr>
+            <a:r>
+              <a:rPr lang="ja-JP" sz="1000" kern="100" dirty="0">
+                <a:effectLst/>
+                <a:ea typeface="ヒラギノ角ゴ ProN W3"/>
+                <a:cs typeface="Times New Roman"/>
+              </a:rPr>
+              <a:t>コントロールトラック</a:t>
+            </a:r>
+            <a:endParaRPr lang="ja-JP" sz="1200" kern="100" dirty="0">
+              <a:effectLst/>
+              <a:ea typeface="ＭＳ 明朝"/>
+              <a:cs typeface="Times New Roman"/>
+            </a:endParaRPr>
+          </a:p>
+        </p:txBody>
+      </p:sp>
+      <p:cxnSp>
+        <p:nvCxnSpPr>
+          <p:cNvPr id="14" name="直線コネクタ 13"/>
+          <p:cNvCxnSpPr/>
+          <p:nvPr/>
+        </p:nvCxnSpPr>
+        <p:spPr>
+          <a:xfrm flipH="1" flipV="1">
+            <a:off x="5200650" y="4318000"/>
+            <a:ext cx="167032" cy="704528"/>
+          </a:xfrm>
+          <a:prstGeom prst="line">
+            <a:avLst/>
+          </a:prstGeom>
+        </p:spPr>
+        <p:style>
+          <a:lnRef idx="2">
+            <a:schemeClr val="accent1"/>
+          </a:lnRef>
+          <a:fillRef idx="0">
+            <a:schemeClr val="accent1"/>
+          </a:fillRef>
+          <a:effectRef idx="1">
+            <a:schemeClr val="accent1"/>
+          </a:effectRef>
+          <a:fontRef idx="minor">
+            <a:schemeClr val="tx1"/>
+          </a:fontRef>
+        </p:style>
+      </p:cxnSp>
+      <p:cxnSp>
+        <p:nvCxnSpPr>
+          <p:cNvPr id="17" name="直線コネクタ 16"/>
+          <p:cNvCxnSpPr/>
+          <p:nvPr/>
+        </p:nvCxnSpPr>
+        <p:spPr>
+          <a:xfrm flipV="1">
+            <a:off x="3187700" y="3568700"/>
+            <a:ext cx="0" cy="1453828"/>
+          </a:xfrm>
+          <a:prstGeom prst="line">
+            <a:avLst/>
+          </a:prstGeom>
+        </p:spPr>
+        <p:style>
+          <a:lnRef idx="2">
+            <a:schemeClr val="accent1"/>
+          </a:lnRef>
+          <a:fillRef idx="0">
+            <a:schemeClr val="accent1"/>
+          </a:fillRef>
+          <a:effectRef idx="1">
+            <a:schemeClr val="accent1"/>
+          </a:effectRef>
+          <a:fontRef idx="minor">
+            <a:schemeClr val="tx1"/>
+          </a:fontRef>
+        </p:style>
+      </p:cxnSp>
+      <p:sp>
+        <p:nvSpPr>
+          <p:cNvPr id="19" name="テキスト 14"/>
+          <p:cNvSpPr txBox="1"/>
+          <p:nvPr/>
+        </p:nvSpPr>
+        <p:spPr>
+          <a:xfrm>
+            <a:off x="2836503" y="5022528"/>
+            <a:ext cx="1485900" cy="304800"/>
+          </a:xfrm>
+          <a:prstGeom prst="rect">
+            <a:avLst/>
+          </a:prstGeom>
+          <a:noFill/>
+          <a:ln>
+            <a:noFill/>
+          </a:ln>
+          <a:effectLst/>
+          <a:extLst>
+            <a:ext uri="{C572A759-6A51-4108-AA02-DFA0A04FC94B}">
+              <ma14:wrappingTextBoxFlag xmlns:ma14="http://schemas.microsoft.com/office/mac/drawingml/2011/main"/>
+            </a:ext>
+          </a:extLst>
+        </p:spPr>
+        <p:style>
+          <a:lnRef idx="0">
+            <a:schemeClr val="accent1"/>
+          </a:lnRef>
+          <a:fillRef idx="0">
+            <a:schemeClr val="accent1"/>
+          </a:fillRef>
+          <a:effectRef idx="0">
+            <a:schemeClr val="accent1"/>
+          </a:effectRef>
+          <a:fontRef idx="minor">
+            <a:schemeClr val="dk1"/>
+          </a:fontRef>
+        </p:style>
+        <p:txBody>
+          <a:bodyPr rot="0" spcFirstLastPara="0" vert="horz" wrap="square" lIns="91440" tIns="45720" rIns="91440" bIns="45720" numCol="1" spcCol="0" rtlCol="0" fromWordArt="0" anchor="t" anchorCtr="0" forceAA="0" compatLnSpc="1">
+            <a:prstTxWarp prst="textNoShape">
+              <a:avLst/>
+            </a:prstTxWarp>
+            <a:noAutofit/>
+          </a:bodyPr>
+          <a:lstStyle/>
+          <a:p>
+            <a:pPr algn="just">
+              <a:spcAft>
+                <a:spcPts val="0"/>
+              </a:spcAft>
+            </a:pPr>
+            <a:r>
+              <a:rPr lang="ja-JP" altLang="en-US" sz="1000" kern="100" dirty="0" smtClean="0">
+                <a:effectLst/>
+                <a:ea typeface="ヒラギノ角ゴ ProN W3"/>
+                <a:cs typeface="Times New Roman"/>
+              </a:rPr>
+              <a:t>プロパティエディタ</a:t>
+            </a:r>
+            <a:endParaRPr lang="ja-JP" sz="1200" kern="100" dirty="0">
+              <a:effectLst/>
+              <a:ea typeface="ＭＳ 明朝"/>
+              <a:cs typeface="Times New Roman"/>
+            </a:endParaRPr>
+          </a:p>
+        </p:txBody>
+      </p:sp>
+      <p:sp>
+        <p:nvSpPr>
+          <p:cNvPr id="23" name="正方形/長方形 22"/>
+          <p:cNvSpPr/>
+          <p:nvPr/>
+        </p:nvSpPr>
+        <p:spPr>
+          <a:xfrm>
+            <a:off x="3538882" y="2413635"/>
+            <a:ext cx="3356610" cy="134832"/>
+          </a:xfrm>
+          <a:prstGeom prst="rect">
+            <a:avLst/>
+          </a:prstGeom>
+          <a:noFill/>
+          <a:ln w="19050" cmpd="sng">
+            <a:solidFill>
+              <a:srgbClr val="FF0000"/>
+            </a:solidFill>
+          </a:ln>
+        </p:spPr>
+        <p:style>
+          <a:lnRef idx="1">
+            <a:schemeClr val="accent1"/>
+          </a:lnRef>
+          <a:fillRef idx="3">
+            <a:schemeClr val="accent1"/>
+          </a:fillRef>
+          <a:effectRef idx="2">
+            <a:schemeClr val="accent1"/>
+          </a:effectRef>
+          <a:fontRef idx="minor">
+            <a:schemeClr val="lt1"/>
+          </a:fontRef>
+        </p:style>
+        <p:txBody>
+          <a:bodyPr rot="0" spcFirstLastPara="0" vert="horz" wrap="square" lIns="91440" tIns="45720" rIns="91440" bIns="45720" numCol="1" spcCol="0" rtlCol="0" fromWordArt="0" anchor="ctr" anchorCtr="0" forceAA="0" compatLnSpc="1">
+            <a:prstTxWarp prst="textNoShape">
+              <a:avLst/>
+            </a:prstTxWarp>
+            <a:noAutofit/>
+          </a:bodyPr>
+          <a:lstStyle/>
+          <a:p>
+            <a:endParaRPr lang="ja-JP" altLang="en-US"/>
+          </a:p>
+        </p:txBody>
+      </p:sp>
+      <p:sp>
+        <p:nvSpPr>
+          <p:cNvPr id="18" name="正方形/長方形 17"/>
+          <p:cNvSpPr/>
+          <p:nvPr/>
+        </p:nvSpPr>
+        <p:spPr>
+          <a:xfrm>
+            <a:off x="2835427" y="2283123"/>
+            <a:ext cx="4059429" cy="113232"/>
+          </a:xfrm>
+          <a:prstGeom prst="rect">
+            <a:avLst/>
+          </a:prstGeom>
+          <a:noFill/>
+          <a:ln w="19050" cmpd="sng">
+            <a:solidFill>
+              <a:srgbClr val="FF0000"/>
+            </a:solidFill>
+          </a:ln>
+        </p:spPr>
+        <p:style>
+          <a:lnRef idx="1">
+            <a:schemeClr val="accent1"/>
+          </a:lnRef>
+          <a:fillRef idx="3">
+            <a:schemeClr val="accent1"/>
+          </a:fillRef>
+          <a:effectRef idx="2">
+            <a:schemeClr val="accent1"/>
+          </a:effectRef>
+          <a:fontRef idx="minor">
+            <a:schemeClr val="lt1"/>
+          </a:fontRef>
+        </p:style>
+        <p:txBody>
+          <a:bodyPr rot="0" spcFirstLastPara="0" vert="horz" wrap="square" lIns="91440" tIns="45720" rIns="91440" bIns="45720" numCol="1" spcCol="0" rtlCol="0" fromWordArt="0" anchor="ctr" anchorCtr="0" forceAA="0" compatLnSpc="1">
+            <a:prstTxWarp prst="textNoShape">
+              <a:avLst/>
+            </a:prstTxWarp>
+            <a:noAutofit/>
+          </a:bodyPr>
+          <a:lstStyle/>
+          <a:p>
+            <a:endParaRPr lang="ja-JP" altLang="en-US"/>
+          </a:p>
+        </p:txBody>
+      </p:sp>
+      <p:cxnSp>
+        <p:nvCxnSpPr>
+          <p:cNvPr id="24" name="直線コネクタ 23"/>
+          <p:cNvCxnSpPr/>
+          <p:nvPr/>
+        </p:nvCxnSpPr>
+        <p:spPr>
+          <a:xfrm>
+            <a:off x="5946854" y="1921933"/>
+            <a:ext cx="1" cy="550646"/>
+          </a:xfrm>
+          <a:prstGeom prst="line">
+            <a:avLst/>
+          </a:prstGeom>
+        </p:spPr>
+        <p:style>
+          <a:lnRef idx="2">
+            <a:schemeClr val="accent1"/>
+          </a:lnRef>
+          <a:fillRef idx="0">
+            <a:schemeClr val="accent1"/>
+          </a:fillRef>
+          <a:effectRef idx="1">
+            <a:schemeClr val="accent1"/>
+          </a:effectRef>
+          <a:fontRef idx="minor">
+            <a:schemeClr val="tx1"/>
+          </a:fontRef>
+        </p:style>
+      </p:cxnSp>
+      <p:sp>
+        <p:nvSpPr>
+          <p:cNvPr id="26" name="テキスト 10"/>
+          <p:cNvSpPr txBox="1"/>
+          <p:nvPr/>
+        </p:nvSpPr>
+        <p:spPr>
+          <a:xfrm>
+            <a:off x="5106445" y="1665173"/>
+            <a:ext cx="1680818" cy="256760"/>
+          </a:xfrm>
+          <a:prstGeom prst="rect">
+            <a:avLst/>
+          </a:prstGeom>
+          <a:noFill/>
+          <a:ln>
+            <a:noFill/>
+          </a:ln>
+          <a:effectLst/>
+          <a:extLst>
+            <a:ext uri="{C572A759-6A51-4108-AA02-DFA0A04FC94B}">
+              <ma14:wrappingTextBoxFlag xmlns:ma14="http://schemas.microsoft.com/office/mac/drawingml/2011/main"/>
+            </a:ext>
+          </a:extLst>
+        </p:spPr>
+        <p:style>
+          <a:lnRef idx="0">
+            <a:schemeClr val="accent1"/>
+          </a:lnRef>
+          <a:fillRef idx="0">
+            <a:schemeClr val="accent1"/>
+          </a:fillRef>
+          <a:effectRef idx="0">
+            <a:schemeClr val="accent1"/>
+          </a:effectRef>
+          <a:fontRef idx="minor">
+            <a:schemeClr val="dk1"/>
+          </a:fontRef>
+        </p:style>
+        <p:txBody>
+          <a:bodyPr rot="0" spcFirstLastPara="0" vert="horz" wrap="none" lIns="91440" tIns="45720" rIns="91440" bIns="45720" numCol="1" spcCol="0" rtlCol="0" fromWordArt="0" anchor="t" anchorCtr="0" forceAA="0" compatLnSpc="1">
+            <a:prstTxWarp prst="textNoShape">
+              <a:avLst/>
+            </a:prstTxWarp>
+            <a:noAutofit/>
+          </a:bodyPr>
+          <a:lstStyle/>
+          <a:p>
+            <a:pPr algn="ctr">
+              <a:spcAft>
+                <a:spcPts val="0"/>
+              </a:spcAft>
+            </a:pPr>
+            <a:r>
+              <a:rPr lang="ja-JP" altLang="en-US" sz="1000" kern="100" dirty="0" smtClean="0">
+                <a:effectLst/>
+                <a:ea typeface="ヒラギノ角ゴ ProN W3"/>
+                <a:cs typeface="Times New Roman"/>
+              </a:rPr>
+              <a:t>ナビゲーション・ビュー</a:t>
+            </a:r>
+            <a:endParaRPr lang="ja-JP" sz="1200" kern="100" dirty="0">
+              <a:effectLst/>
+              <a:ea typeface="ＭＳ 明朝"/>
+              <a:cs typeface="Times New Roman"/>
+            </a:endParaRPr>
+          </a:p>
+        </p:txBody>
+      </p:sp>
+      <p:cxnSp>
+        <p:nvCxnSpPr>
+          <p:cNvPr id="20" name="直線コネクタ 19"/>
+          <p:cNvCxnSpPr/>
+          <p:nvPr/>
+        </p:nvCxnSpPr>
+        <p:spPr>
+          <a:xfrm>
+            <a:off x="3879227" y="1793553"/>
+            <a:ext cx="1" cy="550646"/>
+          </a:xfrm>
+          <a:prstGeom prst="line">
+            <a:avLst/>
+          </a:prstGeom>
+        </p:spPr>
+        <p:style>
+          <a:lnRef idx="2">
+            <a:schemeClr val="accent1"/>
+          </a:lnRef>
+          <a:fillRef idx="0">
+            <a:schemeClr val="accent1"/>
+          </a:fillRef>
+          <a:effectRef idx="1">
+            <a:schemeClr val="accent1"/>
+          </a:effectRef>
+          <a:fontRef idx="minor">
+            <a:schemeClr val="tx1"/>
+          </a:fontRef>
+        </p:style>
+      </p:cxnSp>
+      <p:sp>
+        <p:nvSpPr>
+          <p:cNvPr id="21" name="テキスト 10"/>
+          <p:cNvSpPr txBox="1"/>
+          <p:nvPr/>
+        </p:nvSpPr>
+        <p:spPr>
+          <a:xfrm>
+            <a:off x="3478337" y="1536793"/>
+            <a:ext cx="801780" cy="256760"/>
+          </a:xfrm>
+          <a:prstGeom prst="rect">
+            <a:avLst/>
+          </a:prstGeom>
+          <a:noFill/>
+          <a:ln>
+            <a:noFill/>
+          </a:ln>
+          <a:effectLst/>
+          <a:extLst>
+            <a:ext uri="{C572A759-6A51-4108-AA02-DFA0A04FC94B}">
+              <ma14:wrappingTextBoxFlag xmlns:ma14="http://schemas.microsoft.com/office/mac/drawingml/2011/main"/>
+            </a:ext>
+          </a:extLst>
+        </p:spPr>
+        <p:style>
+          <a:lnRef idx="0">
+            <a:schemeClr val="accent1"/>
+          </a:lnRef>
+          <a:fillRef idx="0">
+            <a:schemeClr val="accent1"/>
+          </a:fillRef>
+          <a:effectRef idx="0">
+            <a:schemeClr val="accent1"/>
+          </a:effectRef>
+          <a:fontRef idx="minor">
+            <a:schemeClr val="dk1"/>
+          </a:fontRef>
+        </p:style>
+        <p:txBody>
+          <a:bodyPr rot="0" spcFirstLastPara="0" vert="horz" wrap="none" lIns="91440" tIns="45720" rIns="91440" bIns="45720" numCol="1" spcCol="0" rtlCol="0" fromWordArt="0" anchor="t" anchorCtr="0" forceAA="0" compatLnSpc="1">
+            <a:prstTxWarp prst="textNoShape">
+              <a:avLst/>
+            </a:prstTxWarp>
+            <a:noAutofit/>
+          </a:bodyPr>
+          <a:lstStyle/>
+          <a:p>
+            <a:pPr algn="ctr">
+              <a:spcAft>
+                <a:spcPts val="0"/>
+              </a:spcAft>
+            </a:pPr>
+            <a:r>
+              <a:rPr lang="ja-JP" altLang="en-US" sz="1000" kern="100" dirty="0" smtClean="0">
+                <a:effectLst/>
+                <a:ea typeface="ヒラギノ角ゴ ProN W3"/>
+                <a:cs typeface="Times New Roman"/>
+              </a:rPr>
+              <a:t>ツールバー</a:t>
+            </a:r>
+            <a:endParaRPr lang="ja-JP" sz="1200" kern="100" dirty="0">
+              <a:effectLst/>
+              <a:ea typeface="ＭＳ 明朝"/>
+              <a:cs typeface="Times New Roman"/>
+            </a:endParaRPr>
+          </a:p>
+        </p:txBody>
+      </p:sp>
+    </p:spTree>
+    <p:extLst>
+      <p:ext uri="{BB962C8B-B14F-4D97-AF65-F5344CB8AC3E}">
+        <p14:creationId xmlns:p14="http://schemas.microsoft.com/office/powerpoint/2010/main" val="2052385200"/>
+      </p:ext>
+    </p:extLst>
+  </p:cSld>
+  <p:clrMapOvr>
+    <a:masterClrMapping/>
+  </p:clrMapOvr>
+</p:sld>
+</file>
+
+<file path=ppt/slides/slide3.xml><?xml version="1.0" encoding="utf-8"?>
+<p:sld xmlns:a="http://schemas.openxmlformats.org/drawingml/2006/main" xmlns:r="http://schemas.openxmlformats.org/officeDocument/2006/relationships" xmlns:p="http://schemas.openxmlformats.org/presentationml/2006/main">
+  <p:cSld>
+    <p:spTree>
+      <p:nvGrpSpPr>
+        <p:cNvPr id="1" name=""/>
+        <p:cNvGrpSpPr/>
+        <p:nvPr/>
+      </p:nvGrpSpPr>
+      <p:grpSpPr>
+        <a:xfrm>
+          <a:off x="0" y="0"/>
+          <a:ext cx="0" cy="0"/>
+          <a:chOff x="0" y="0"/>
+          <a:chExt cx="0" cy="0"/>
+        </a:xfrm>
+      </p:grpSpPr>
+      <p:pic>
+        <p:nvPicPr>
           <p:cNvPr id="2" name="図 1" descr="スクリーンショット（2011-02-19 4.38.49）.png"/>
           <p:cNvPicPr>
             <a:picLocks noChangeAspect="1"/>
@@ -5472,7 +8166,7 @@
 </p:sld>
 </file>
 
-<file path=ppt/slides/slide3.xml><?xml version="1.0" encoding="utf-8"?>
+<file path=ppt/slides/slide4.xml><?xml version="1.0" encoding="utf-8"?>
 <p:sld xmlns:a="http://schemas.openxmlformats.org/drawingml/2006/main" xmlns:r="http://schemas.openxmlformats.org/officeDocument/2006/relationships" xmlns:p="http://schemas.openxmlformats.org/presentationml/2006/main">
   <p:cSld>
     <p:spTree>
@@ -5717,1098 +8411,6 @@
 </p:sld>
 </file>
 
-<file path=ppt/slides/slide4.xml><?xml version="1.0" encoding="utf-8"?>
-<p:sld xmlns:a="http://schemas.openxmlformats.org/drawingml/2006/main" xmlns:r="http://schemas.openxmlformats.org/officeDocument/2006/relationships" xmlns:p="http://schemas.openxmlformats.org/presentationml/2006/main">
-  <p:cSld>
-    <p:spTree>
-      <p:nvGrpSpPr>
-        <p:cNvPr id="1" name=""/>
-        <p:cNvGrpSpPr/>
-        <p:nvPr/>
-      </p:nvGrpSpPr>
-      <p:grpSpPr>
-        <a:xfrm>
-          <a:off x="0" y="0"/>
-          <a:ext cx="0" cy="0"/>
-          <a:chOff x="0" y="0"/>
-          <a:chExt cx="0" cy="0"/>
-        </a:xfrm>
-      </p:grpSpPr>
-      <p:sp>
-        <p:nvSpPr>
-          <p:cNvPr id="46" name="角丸四角形 45"/>
-          <p:cNvSpPr/>
-          <p:nvPr/>
-        </p:nvSpPr>
-        <p:spPr>
-          <a:xfrm>
-            <a:off x="2657356" y="4156251"/>
-            <a:ext cx="1137274" cy="819162"/>
-          </a:xfrm>
-          <a:prstGeom prst="roundRect">
-            <a:avLst>
-              <a:gd name="adj" fmla="val 11268"/>
-            </a:avLst>
-          </a:prstGeom>
-          <a:solidFill>
-            <a:schemeClr val="bg1">
-              <a:lumMod val="95000"/>
-            </a:schemeClr>
-          </a:solidFill>
-          <a:ln>
-            <a:noFill/>
-          </a:ln>
-        </p:spPr>
-        <p:style>
-          <a:lnRef idx="1">
-            <a:schemeClr val="accent1"/>
-          </a:lnRef>
-          <a:fillRef idx="3">
-            <a:schemeClr val="accent1"/>
-          </a:fillRef>
-          <a:effectRef idx="2">
-            <a:schemeClr val="accent1"/>
-          </a:effectRef>
-          <a:fontRef idx="minor">
-            <a:schemeClr val="lt1"/>
-          </a:fontRef>
-        </p:style>
-        <p:txBody>
-          <a:bodyPr rtlCol="0" anchor="ctr"/>
-          <a:lstStyle/>
-          <a:p>
-            <a:pPr algn="ctr"/>
-            <a:endParaRPr kumimoji="1" lang="ja-JP" altLang="en-US" dirty="0"/>
-          </a:p>
-        </p:txBody>
-      </p:sp>
-      <p:sp>
-        <p:nvSpPr>
-          <p:cNvPr id="45" name="角丸四角形 44"/>
-          <p:cNvSpPr/>
-          <p:nvPr/>
-        </p:nvSpPr>
-        <p:spPr>
-          <a:xfrm>
-            <a:off x="3636929" y="2230036"/>
-            <a:ext cx="1137274" cy="819162"/>
-          </a:xfrm>
-          <a:prstGeom prst="roundRect">
-            <a:avLst>
-              <a:gd name="adj" fmla="val 11268"/>
-            </a:avLst>
-          </a:prstGeom>
-          <a:solidFill>
-            <a:schemeClr val="bg1">
-              <a:lumMod val="95000"/>
-            </a:schemeClr>
-          </a:solidFill>
-          <a:ln>
-            <a:noFill/>
-          </a:ln>
-        </p:spPr>
-        <p:style>
-          <a:lnRef idx="1">
-            <a:schemeClr val="accent1"/>
-          </a:lnRef>
-          <a:fillRef idx="3">
-            <a:schemeClr val="accent1"/>
-          </a:fillRef>
-          <a:effectRef idx="2">
-            <a:schemeClr val="accent1"/>
-          </a:effectRef>
-          <a:fontRef idx="minor">
-            <a:schemeClr val="lt1"/>
-          </a:fontRef>
-        </p:style>
-        <p:txBody>
-          <a:bodyPr rtlCol="0" anchor="ctr"/>
-          <a:lstStyle/>
-          <a:p>
-            <a:pPr algn="ctr"/>
-            <a:endParaRPr kumimoji="1" lang="ja-JP" altLang="en-US" dirty="0"/>
-          </a:p>
-        </p:txBody>
-      </p:sp>
-      <p:sp>
-        <p:nvSpPr>
-          <p:cNvPr id="44" name="角丸四角形 43"/>
-          <p:cNvSpPr/>
-          <p:nvPr/>
-        </p:nvSpPr>
-        <p:spPr>
-          <a:xfrm>
-            <a:off x="1598502" y="2230036"/>
-            <a:ext cx="1137274" cy="819162"/>
-          </a:xfrm>
-          <a:prstGeom prst="roundRect">
-            <a:avLst>
-              <a:gd name="adj" fmla="val 11268"/>
-            </a:avLst>
-          </a:prstGeom>
-          <a:solidFill>
-            <a:schemeClr val="bg1">
-              <a:lumMod val="95000"/>
-            </a:schemeClr>
-          </a:solidFill>
-          <a:ln>
-            <a:noFill/>
-          </a:ln>
-        </p:spPr>
-        <p:style>
-          <a:lnRef idx="1">
-            <a:schemeClr val="accent1"/>
-          </a:lnRef>
-          <a:fillRef idx="3">
-            <a:schemeClr val="accent1"/>
-          </a:fillRef>
-          <a:effectRef idx="2">
-            <a:schemeClr val="accent1"/>
-          </a:effectRef>
-          <a:fontRef idx="minor">
-            <a:schemeClr val="lt1"/>
-          </a:fontRef>
-        </p:style>
-        <p:txBody>
-          <a:bodyPr rtlCol="0" anchor="ctr"/>
-          <a:lstStyle/>
-          <a:p>
-            <a:pPr algn="ctr"/>
-            <a:endParaRPr kumimoji="1" lang="ja-JP" altLang="en-US" dirty="0"/>
-          </a:p>
-        </p:txBody>
-      </p:sp>
-      <p:sp>
-        <p:nvSpPr>
-          <p:cNvPr id="3" name="テキスト 10"/>
-          <p:cNvSpPr txBox="1"/>
-          <p:nvPr/>
-        </p:nvSpPr>
-        <p:spPr>
-          <a:xfrm>
-            <a:off x="1734685" y="2807688"/>
-            <a:ext cx="842122" cy="279986"/>
-          </a:xfrm>
-          <a:prstGeom prst="rect">
-            <a:avLst/>
-          </a:prstGeom>
-          <a:noFill/>
-          <a:ln>
-            <a:noFill/>
-          </a:ln>
-          <a:effectLst/>
-          <a:extLst>
-            <a:ext uri="{C572A759-6A51-4108-AA02-DFA0A04FC94B}">
-              <ma14:wrappingTextBoxFlag xmlns:ma14="http://schemas.microsoft.com/office/mac/drawingml/2011/main"/>
-            </a:ext>
-          </a:extLst>
-        </p:spPr>
-        <p:style>
-          <a:lnRef idx="0">
-            <a:schemeClr val="accent1"/>
-          </a:lnRef>
-          <a:fillRef idx="0">
-            <a:schemeClr val="accent1"/>
-          </a:fillRef>
-          <a:effectRef idx="0">
-            <a:schemeClr val="accent1"/>
-          </a:effectRef>
-          <a:fontRef idx="minor">
-            <a:schemeClr val="dk1"/>
-          </a:fontRef>
-        </p:style>
-        <p:txBody>
-          <a:bodyPr rot="0" spcFirstLastPara="0" vert="horz" wrap="none" lIns="91440" tIns="45720" rIns="91440" bIns="45720" numCol="1" spcCol="0" rtlCol="0" fromWordArt="0" anchor="t" anchorCtr="0" forceAA="0" compatLnSpc="1">
-            <a:prstTxWarp prst="textNoShape">
-              <a:avLst/>
-            </a:prstTxWarp>
-            <a:noAutofit/>
-          </a:bodyPr>
-          <a:lstStyle/>
-          <a:p>
-            <a:pPr algn="ctr">
-              <a:spcAft>
-                <a:spcPts val="0"/>
-              </a:spcAft>
-            </a:pPr>
-            <a:r>
-              <a:rPr lang="ja-JP" altLang="en-US" sz="1000" kern="100" dirty="0" smtClean="0">
-                <a:effectLst/>
-                <a:ea typeface="ヒラギノ角ゴ ProN W3"/>
-                <a:cs typeface="Times New Roman"/>
-              </a:rPr>
-              <a:t>分離</a:t>
-            </a:r>
-            <a:endParaRPr lang="ja-JP" sz="1200" kern="100" dirty="0">
-              <a:effectLst/>
-              <a:ea typeface="ＭＳ 明朝"/>
-              <a:cs typeface="Times New Roman"/>
-            </a:endParaRPr>
-          </a:p>
-        </p:txBody>
-      </p:sp>
-      <p:sp>
-        <p:nvSpPr>
-          <p:cNvPr id="4" name="テキスト 10"/>
-          <p:cNvSpPr txBox="1"/>
-          <p:nvPr/>
-        </p:nvSpPr>
-        <p:spPr>
-          <a:xfrm>
-            <a:off x="3780449" y="2807688"/>
-            <a:ext cx="842122" cy="279986"/>
-          </a:xfrm>
-          <a:prstGeom prst="rect">
-            <a:avLst/>
-          </a:prstGeom>
-          <a:noFill/>
-          <a:ln>
-            <a:noFill/>
-          </a:ln>
-          <a:effectLst/>
-          <a:extLst>
-            <a:ext uri="{C572A759-6A51-4108-AA02-DFA0A04FC94B}">
-              <ma14:wrappingTextBoxFlag xmlns:ma14="http://schemas.microsoft.com/office/mac/drawingml/2011/main"/>
-            </a:ext>
-          </a:extLst>
-        </p:spPr>
-        <p:style>
-          <a:lnRef idx="0">
-            <a:schemeClr val="accent1"/>
-          </a:lnRef>
-          <a:fillRef idx="0">
-            <a:schemeClr val="accent1"/>
-          </a:fillRef>
-          <a:effectRef idx="0">
-            <a:schemeClr val="accent1"/>
-          </a:effectRef>
-          <a:fontRef idx="minor">
-            <a:schemeClr val="dk1"/>
-          </a:fontRef>
-        </p:style>
-        <p:txBody>
-          <a:bodyPr rot="0" spcFirstLastPara="0" vert="horz" wrap="none" lIns="91440" tIns="45720" rIns="91440" bIns="45720" numCol="1" spcCol="0" rtlCol="0" fromWordArt="0" anchor="t" anchorCtr="0" forceAA="0" compatLnSpc="1">
-            <a:prstTxWarp prst="textNoShape">
-              <a:avLst/>
-            </a:prstTxWarp>
-            <a:noAutofit/>
-          </a:bodyPr>
-          <a:lstStyle/>
-          <a:p>
-            <a:pPr algn="ctr">
-              <a:spcAft>
-                <a:spcPts val="0"/>
-              </a:spcAft>
-            </a:pPr>
-            <a:r>
-              <a:rPr lang="ja-JP" altLang="en-US" sz="1000" kern="100" dirty="0" smtClean="0">
-                <a:ea typeface="ヒラギノ角ゴ ProN W3"/>
-                <a:cs typeface="Times New Roman"/>
-              </a:rPr>
-              <a:t>ドッキング</a:t>
-            </a:r>
-            <a:endParaRPr lang="ja-JP" sz="1200" kern="100" dirty="0">
-              <a:effectLst/>
-              <a:ea typeface="ＭＳ 明朝"/>
-              <a:cs typeface="Times New Roman"/>
-            </a:endParaRPr>
-          </a:p>
-        </p:txBody>
-      </p:sp>
-      <p:sp>
-        <p:nvSpPr>
-          <p:cNvPr id="5" name="テキスト 10"/>
-          <p:cNvSpPr txBox="1"/>
-          <p:nvPr/>
-        </p:nvSpPr>
-        <p:spPr>
-          <a:xfrm>
-            <a:off x="2804670" y="4210018"/>
-            <a:ext cx="842122" cy="279986"/>
-          </a:xfrm>
-          <a:prstGeom prst="rect">
-            <a:avLst/>
-          </a:prstGeom>
-          <a:noFill/>
-          <a:ln>
-            <a:noFill/>
-          </a:ln>
-          <a:effectLst/>
-          <a:extLst>
-            <a:ext uri="{C572A759-6A51-4108-AA02-DFA0A04FC94B}">
-              <ma14:wrappingTextBoxFlag xmlns:ma14="http://schemas.microsoft.com/office/mac/drawingml/2011/main"/>
-            </a:ext>
-          </a:extLst>
-        </p:spPr>
-        <p:style>
-          <a:lnRef idx="0">
-            <a:schemeClr val="accent1"/>
-          </a:lnRef>
-          <a:fillRef idx="0">
-            <a:schemeClr val="accent1"/>
-          </a:fillRef>
-          <a:effectRef idx="0">
-            <a:schemeClr val="accent1"/>
-          </a:effectRef>
-          <a:fontRef idx="minor">
-            <a:schemeClr val="dk1"/>
-          </a:fontRef>
-        </p:style>
-        <p:txBody>
-          <a:bodyPr rot="0" spcFirstLastPara="0" vert="horz" wrap="none" lIns="91440" tIns="45720" rIns="91440" bIns="45720" numCol="1" spcCol="0" rtlCol="0" fromWordArt="0" anchor="t" anchorCtr="0" forceAA="0" compatLnSpc="1">
-            <a:prstTxWarp prst="textNoShape">
-              <a:avLst/>
-            </a:prstTxWarp>
-            <a:noAutofit/>
-          </a:bodyPr>
-          <a:lstStyle/>
-          <a:p>
-            <a:pPr algn="ctr">
-              <a:spcAft>
-                <a:spcPts val="0"/>
-              </a:spcAft>
-            </a:pPr>
-            <a:r>
-              <a:rPr lang="ja-JP" altLang="en-US" sz="1000" kern="100" dirty="0" smtClean="0">
-                <a:ea typeface="ヒラギノ角ゴ ProN W3"/>
-                <a:cs typeface="Times New Roman"/>
-              </a:rPr>
-              <a:t>非表示</a:t>
-            </a:r>
-            <a:endParaRPr lang="ja-JP" sz="1200" kern="100" dirty="0">
-              <a:effectLst/>
-              <a:ea typeface="ＭＳ 明朝"/>
-              <a:cs typeface="Times New Roman"/>
-            </a:endParaRPr>
-          </a:p>
-        </p:txBody>
-      </p:sp>
-      <p:sp>
-        <p:nvSpPr>
-          <p:cNvPr id="7" name="正方形/長方形 6"/>
-          <p:cNvSpPr/>
-          <p:nvPr/>
-        </p:nvSpPr>
-        <p:spPr>
-          <a:xfrm>
-            <a:off x="1993405" y="2423314"/>
-            <a:ext cx="403538" cy="324000"/>
-          </a:xfrm>
-          <a:prstGeom prst="rect">
-            <a:avLst/>
-          </a:prstGeom>
-          <a:solidFill>
-            <a:schemeClr val="tx2">
-              <a:lumMod val="60000"/>
-              <a:lumOff val="40000"/>
-            </a:schemeClr>
-          </a:solidFill>
-          <a:ln>
-            <a:noFill/>
-          </a:ln>
-          <a:effectLst/>
-        </p:spPr>
-        <p:style>
-          <a:lnRef idx="1">
-            <a:schemeClr val="accent1"/>
-          </a:lnRef>
-          <a:fillRef idx="3">
-            <a:schemeClr val="accent1"/>
-          </a:fillRef>
-          <a:effectRef idx="2">
-            <a:schemeClr val="accent1"/>
-          </a:effectRef>
-          <a:fontRef idx="minor">
-            <a:schemeClr val="lt1"/>
-          </a:fontRef>
-        </p:style>
-        <p:txBody>
-          <a:bodyPr rtlCol="0" anchor="ctr"/>
-          <a:lstStyle/>
-          <a:p>
-            <a:pPr algn="ctr"/>
-            <a:endParaRPr kumimoji="1" lang="ja-JP" altLang="en-US"/>
-          </a:p>
-        </p:txBody>
-      </p:sp>
-      <p:sp>
-        <p:nvSpPr>
-          <p:cNvPr id="6" name="正方形/長方形 5"/>
-          <p:cNvSpPr/>
-          <p:nvPr/>
-        </p:nvSpPr>
-        <p:spPr>
-          <a:xfrm>
-            <a:off x="1914550" y="2353465"/>
-            <a:ext cx="158230" cy="323999"/>
-          </a:xfrm>
-          <a:prstGeom prst="rect">
-            <a:avLst/>
-          </a:prstGeom>
-          <a:gradFill flip="none" rotWithShape="1">
-            <a:gsLst>
-              <a:gs pos="0">
-                <a:srgbClr val="981713"/>
-              </a:gs>
-              <a:gs pos="100000">
-                <a:srgbClr val="F6241E"/>
-              </a:gs>
-            </a:gsLst>
-            <a:lin ang="16200000" scaled="0"/>
-            <a:tileRect/>
-          </a:gradFill>
-          <a:ln>
-            <a:noFill/>
-          </a:ln>
-        </p:spPr>
-        <p:style>
-          <a:lnRef idx="1">
-            <a:schemeClr val="accent1"/>
-          </a:lnRef>
-          <a:fillRef idx="3">
-            <a:schemeClr val="accent1"/>
-          </a:fillRef>
-          <a:effectRef idx="2">
-            <a:schemeClr val="accent1"/>
-          </a:effectRef>
-          <a:fontRef idx="minor">
-            <a:schemeClr val="lt1"/>
-          </a:fontRef>
-        </p:style>
-        <p:txBody>
-          <a:bodyPr rtlCol="0" anchor="ctr"/>
-          <a:lstStyle/>
-          <a:p>
-            <a:pPr algn="ctr"/>
-            <a:endParaRPr kumimoji="1" lang="ja-JP" altLang="en-US"/>
-          </a:p>
-        </p:txBody>
-      </p:sp>
-      <p:sp>
-        <p:nvSpPr>
-          <p:cNvPr id="14" name="正方形/長方形 13"/>
-          <p:cNvSpPr/>
-          <p:nvPr/>
-        </p:nvSpPr>
-        <p:spPr>
-          <a:xfrm>
-            <a:off x="3999741" y="2423314"/>
-            <a:ext cx="403538" cy="324000"/>
-          </a:xfrm>
-          <a:prstGeom prst="rect">
-            <a:avLst/>
-          </a:prstGeom>
-          <a:solidFill>
-            <a:schemeClr val="tx2">
-              <a:lumMod val="60000"/>
-              <a:lumOff val="40000"/>
-            </a:schemeClr>
-          </a:solidFill>
-          <a:ln>
-            <a:noFill/>
-          </a:ln>
-          <a:effectLst/>
-        </p:spPr>
-        <p:style>
-          <a:lnRef idx="1">
-            <a:schemeClr val="accent1"/>
-          </a:lnRef>
-          <a:fillRef idx="3">
-            <a:schemeClr val="accent1"/>
-          </a:fillRef>
-          <a:effectRef idx="2">
-            <a:schemeClr val="accent1"/>
-          </a:effectRef>
-          <a:fontRef idx="minor">
-            <a:schemeClr val="lt1"/>
-          </a:fontRef>
-        </p:style>
-        <p:txBody>
-          <a:bodyPr rtlCol="0" anchor="ctr"/>
-          <a:lstStyle/>
-          <a:p>
-            <a:pPr algn="ctr"/>
-            <a:endParaRPr kumimoji="1" lang="ja-JP" altLang="en-US"/>
-          </a:p>
-        </p:txBody>
-      </p:sp>
-      <p:sp>
-        <p:nvSpPr>
-          <p:cNvPr id="15" name="正方形/長方形 14"/>
-          <p:cNvSpPr/>
-          <p:nvPr/>
-        </p:nvSpPr>
-        <p:spPr>
-          <a:xfrm>
-            <a:off x="3999741" y="2423314"/>
-            <a:ext cx="158230" cy="323999"/>
-          </a:xfrm>
-          <a:prstGeom prst="rect">
-            <a:avLst/>
-          </a:prstGeom>
-          <a:solidFill>
-            <a:srgbClr val="DC221B"/>
-          </a:solidFill>
-          <a:ln>
-            <a:noFill/>
-          </a:ln>
-          <a:effectLst/>
-        </p:spPr>
-        <p:style>
-          <a:lnRef idx="1">
-            <a:schemeClr val="accent1"/>
-          </a:lnRef>
-          <a:fillRef idx="3">
-            <a:schemeClr val="accent1"/>
-          </a:fillRef>
-          <a:effectRef idx="2">
-            <a:schemeClr val="accent1"/>
-          </a:effectRef>
-          <a:fontRef idx="minor">
-            <a:schemeClr val="lt1"/>
-          </a:fontRef>
-        </p:style>
-        <p:txBody>
-          <a:bodyPr rtlCol="0" anchor="ctr"/>
-          <a:lstStyle/>
-          <a:p>
-            <a:pPr algn="ctr"/>
-            <a:endParaRPr kumimoji="1" lang="ja-JP" altLang="en-US"/>
-          </a:p>
-        </p:txBody>
-      </p:sp>
-      <p:sp>
-        <p:nvSpPr>
-          <p:cNvPr id="19" name="正方形/長方形 18"/>
-          <p:cNvSpPr/>
-          <p:nvPr/>
-        </p:nvSpPr>
-        <p:spPr>
-          <a:xfrm>
-            <a:off x="3023962" y="4515280"/>
-            <a:ext cx="403538" cy="324000"/>
-          </a:xfrm>
-          <a:prstGeom prst="rect">
-            <a:avLst/>
-          </a:prstGeom>
-          <a:solidFill>
-            <a:schemeClr val="tx2">
-              <a:lumMod val="60000"/>
-              <a:lumOff val="40000"/>
-            </a:schemeClr>
-          </a:solidFill>
-          <a:ln>
-            <a:noFill/>
-          </a:ln>
-          <a:effectLst/>
-        </p:spPr>
-        <p:style>
-          <a:lnRef idx="1">
-            <a:schemeClr val="accent1"/>
-          </a:lnRef>
-          <a:fillRef idx="3">
-            <a:schemeClr val="accent1"/>
-          </a:fillRef>
-          <a:effectRef idx="2">
-            <a:schemeClr val="accent1"/>
-          </a:effectRef>
-          <a:fontRef idx="minor">
-            <a:schemeClr val="lt1"/>
-          </a:fontRef>
-        </p:style>
-        <p:txBody>
-          <a:bodyPr rtlCol="0" anchor="ctr"/>
-          <a:lstStyle/>
-          <a:p>
-            <a:pPr algn="ctr"/>
-            <a:endParaRPr kumimoji="1" lang="ja-JP" altLang="en-US"/>
-          </a:p>
-        </p:txBody>
-      </p:sp>
-      <p:sp>
-        <p:nvSpPr>
-          <p:cNvPr id="47" name="正方形/長方形 46"/>
-          <p:cNvSpPr/>
-          <p:nvPr/>
-        </p:nvSpPr>
-        <p:spPr>
-          <a:xfrm>
-            <a:off x="2944847" y="4455476"/>
-            <a:ext cx="158230" cy="323999"/>
-          </a:xfrm>
-          <a:prstGeom prst="rect">
-            <a:avLst/>
-          </a:prstGeom>
-          <a:noFill/>
-          <a:ln w="12700" cmpd="sng">
-            <a:solidFill>
-              <a:srgbClr val="DC221B"/>
-            </a:solidFill>
-            <a:prstDash val="sysDash"/>
-          </a:ln>
-          <a:effectLst/>
-        </p:spPr>
-        <p:style>
-          <a:lnRef idx="1">
-            <a:schemeClr val="accent1"/>
-          </a:lnRef>
-          <a:fillRef idx="3">
-            <a:schemeClr val="accent1"/>
-          </a:fillRef>
-          <a:effectRef idx="2">
-            <a:schemeClr val="accent1"/>
-          </a:effectRef>
-          <a:fontRef idx="minor">
-            <a:schemeClr val="lt1"/>
-          </a:fontRef>
-        </p:style>
-        <p:txBody>
-          <a:bodyPr rtlCol="0" anchor="ctr"/>
-          <a:lstStyle/>
-          <a:p>
-            <a:pPr algn="ctr"/>
-            <a:endParaRPr kumimoji="1" lang="ja-JP" altLang="en-US"/>
-          </a:p>
-        </p:txBody>
-      </p:sp>
-      <p:cxnSp>
-        <p:nvCxnSpPr>
-          <p:cNvPr id="49" name="直線矢印コネクタ 48"/>
-          <p:cNvCxnSpPr/>
-          <p:nvPr/>
-        </p:nvCxnSpPr>
-        <p:spPr>
-          <a:xfrm>
-            <a:off x="1993405" y="3399382"/>
-            <a:ext cx="477007" cy="756869"/>
-          </a:xfrm>
-          <a:prstGeom prst="straightConnector1">
-            <a:avLst/>
-          </a:prstGeom>
-          <a:ln>
-            <a:tailEnd type="arrow"/>
-          </a:ln>
-        </p:spPr>
-        <p:style>
-          <a:lnRef idx="2">
-            <a:schemeClr val="accent1"/>
-          </a:lnRef>
-          <a:fillRef idx="0">
-            <a:schemeClr val="accent1"/>
-          </a:fillRef>
-          <a:effectRef idx="1">
-            <a:schemeClr val="accent1"/>
-          </a:effectRef>
-          <a:fontRef idx="minor">
-            <a:schemeClr val="tx1"/>
-          </a:fontRef>
-        </p:style>
-      </p:cxnSp>
-      <p:cxnSp>
-        <p:nvCxnSpPr>
-          <p:cNvPr id="50" name="直線矢印コネクタ 49"/>
-          <p:cNvCxnSpPr/>
-          <p:nvPr/>
-        </p:nvCxnSpPr>
-        <p:spPr>
-          <a:xfrm flipH="1">
-            <a:off x="3999741" y="3399382"/>
-            <a:ext cx="477007" cy="756869"/>
-          </a:xfrm>
-          <a:prstGeom prst="straightConnector1">
-            <a:avLst/>
-          </a:prstGeom>
-          <a:ln>
-            <a:tailEnd type="arrow"/>
-          </a:ln>
-        </p:spPr>
-        <p:style>
-          <a:lnRef idx="2">
-            <a:schemeClr val="accent1"/>
-          </a:lnRef>
-          <a:fillRef idx="0">
-            <a:schemeClr val="accent1"/>
-          </a:fillRef>
-          <a:effectRef idx="1">
-            <a:schemeClr val="accent1"/>
-          </a:effectRef>
-          <a:fontRef idx="minor">
-            <a:schemeClr val="tx1"/>
-          </a:fontRef>
-        </p:style>
-      </p:cxnSp>
-      <p:cxnSp>
-        <p:nvCxnSpPr>
-          <p:cNvPr id="52" name="直線矢印コネクタ 51"/>
-          <p:cNvCxnSpPr/>
-          <p:nvPr/>
-        </p:nvCxnSpPr>
-        <p:spPr>
-          <a:xfrm>
-            <a:off x="2804670" y="2423314"/>
-            <a:ext cx="758789" cy="0"/>
-          </a:xfrm>
-          <a:prstGeom prst="straightConnector1">
-            <a:avLst/>
-          </a:prstGeom>
-          <a:ln>
-            <a:tailEnd type="arrow"/>
-          </a:ln>
-        </p:spPr>
-        <p:style>
-          <a:lnRef idx="2">
-            <a:schemeClr val="accent1"/>
-          </a:lnRef>
-          <a:fillRef idx="0">
-            <a:schemeClr val="accent1"/>
-          </a:fillRef>
-          <a:effectRef idx="1">
-            <a:schemeClr val="accent1"/>
-          </a:effectRef>
-          <a:fontRef idx="minor">
-            <a:schemeClr val="tx1"/>
-          </a:fontRef>
-        </p:style>
-      </p:cxnSp>
-      <p:cxnSp>
-        <p:nvCxnSpPr>
-          <p:cNvPr id="53" name="直線矢印コネクタ 52"/>
-          <p:cNvCxnSpPr/>
-          <p:nvPr/>
-        </p:nvCxnSpPr>
-        <p:spPr>
-          <a:xfrm flipH="1">
-            <a:off x="2804670" y="2910597"/>
-            <a:ext cx="758789" cy="0"/>
-          </a:xfrm>
-          <a:prstGeom prst="straightConnector1">
-            <a:avLst/>
-          </a:prstGeom>
-          <a:ln>
-            <a:tailEnd type="arrow"/>
-          </a:ln>
-        </p:spPr>
-        <p:style>
-          <a:lnRef idx="2">
-            <a:schemeClr val="accent1"/>
-          </a:lnRef>
-          <a:fillRef idx="0">
-            <a:schemeClr val="accent1"/>
-          </a:fillRef>
-          <a:effectRef idx="1">
-            <a:schemeClr val="accent1"/>
-          </a:effectRef>
-          <a:fontRef idx="minor">
-            <a:schemeClr val="tx1"/>
-          </a:fontRef>
-        </p:style>
-      </p:cxnSp>
-      <p:pic>
-        <p:nvPicPr>
-          <p:cNvPr id="23" name="図 22" descr="スクリーンショット（2011-02-19 5.21.28）.png"/>
-          <p:cNvPicPr>
-            <a:picLocks noChangeAspect="1"/>
-          </p:cNvPicPr>
-          <p:nvPr/>
-        </p:nvPicPr>
-        <p:blipFill>
-          <a:blip r:embed="rId2">
-            <a:extLst>
-              <a:ext uri="{28A0092B-C50C-407E-A947-70E740481C1C}">
-                <a14:useLocalDpi xmlns:a14="http://schemas.microsoft.com/office/drawing/2010/main" val="0"/>
-              </a:ext>
-            </a:extLst>
-          </a:blip>
-          <a:stretch>
-            <a:fillRect/>
-          </a:stretch>
-        </p:blipFill>
-        <p:spPr>
-          <a:xfrm>
-            <a:off x="2072780" y="3643227"/>
-            <a:ext cx="292100" cy="254000"/>
-          </a:xfrm>
-          <a:prstGeom prst="rect">
-            <a:avLst/>
-          </a:prstGeom>
-        </p:spPr>
-      </p:pic>
-      <p:pic>
-        <p:nvPicPr>
-          <p:cNvPr id="24" name="図 23" descr="スクリーンショット（2011-02-19 5.33.53）.png"/>
-          <p:cNvPicPr>
-            <a:picLocks noChangeAspect="1"/>
-          </p:cNvPicPr>
-          <p:nvPr/>
-        </p:nvPicPr>
-        <p:blipFill>
-          <a:blip r:embed="rId3">
-            <a:extLst>
-              <a:ext uri="{28A0092B-C50C-407E-A947-70E740481C1C}">
-                <a14:useLocalDpi xmlns:a14="http://schemas.microsoft.com/office/drawing/2010/main" val="0"/>
-              </a:ext>
-            </a:extLst>
-          </a:blip>
-          <a:stretch>
-            <a:fillRect/>
-          </a:stretch>
-        </p:blipFill>
-        <p:spPr>
-          <a:xfrm>
-            <a:off x="4132699" y="3655927"/>
-            <a:ext cx="279400" cy="241300"/>
-          </a:xfrm>
-          <a:prstGeom prst="rect">
-            <a:avLst/>
-          </a:prstGeom>
-        </p:spPr>
-      </p:pic>
-      <p:pic>
-        <p:nvPicPr>
-          <p:cNvPr id="21" name="図 20" descr="スクリーンショット（2011-02-19 5.21.18）.png"/>
-          <p:cNvPicPr>
-            <a:picLocks noChangeAspect="1"/>
-          </p:cNvPicPr>
-          <p:nvPr/>
-        </p:nvPicPr>
-        <p:blipFill>
-          <a:blip r:embed="rId4">
-            <a:extLst>
-              <a:ext uri="{28A0092B-C50C-407E-A947-70E740481C1C}">
-                <a14:useLocalDpi xmlns:a14="http://schemas.microsoft.com/office/drawing/2010/main" val="0"/>
-              </a:ext>
-            </a:extLst>
-          </a:blip>
-          <a:stretch>
-            <a:fillRect/>
-          </a:stretch>
-        </p:blipFill>
-        <p:spPr>
-          <a:xfrm>
-            <a:off x="3065414" y="2286828"/>
-            <a:ext cx="254000" cy="254000"/>
-          </a:xfrm>
-          <a:prstGeom prst="rect">
-            <a:avLst/>
-          </a:prstGeom>
-        </p:spPr>
-      </p:pic>
-      <p:pic>
-        <p:nvPicPr>
-          <p:cNvPr id="22" name="図 21" descr="スクリーンショット（2011-02-19 5.23.24）.png"/>
-          <p:cNvPicPr>
-            <a:picLocks noChangeAspect="1"/>
-          </p:cNvPicPr>
-          <p:nvPr/>
-        </p:nvPicPr>
-        <p:blipFill>
-          <a:blip r:embed="rId5">
-            <a:extLst>
-              <a:ext uri="{28A0092B-C50C-407E-A947-70E740481C1C}">
-                <a14:useLocalDpi xmlns:a14="http://schemas.microsoft.com/office/drawing/2010/main" val="0"/>
-              </a:ext>
-            </a:extLst>
-          </a:blip>
-          <a:stretch>
-            <a:fillRect/>
-          </a:stretch>
-        </p:blipFill>
-        <p:spPr>
-          <a:xfrm>
-            <a:off x="3029485" y="2759952"/>
-            <a:ext cx="330200" cy="266700"/>
-          </a:xfrm>
-          <a:prstGeom prst="rect">
-            <a:avLst/>
-          </a:prstGeom>
-        </p:spPr>
-      </p:pic>
-      <p:cxnSp>
-        <p:nvCxnSpPr>
-          <p:cNvPr id="54" name="直線矢印コネクタ 53"/>
-          <p:cNvCxnSpPr/>
-          <p:nvPr/>
-        </p:nvCxnSpPr>
-        <p:spPr>
-          <a:xfrm flipV="1">
-            <a:off x="3687282" y="3264792"/>
-            <a:ext cx="477007" cy="756869"/>
-          </a:xfrm>
-          <a:prstGeom prst="straightConnector1">
-            <a:avLst/>
-          </a:prstGeom>
-          <a:ln>
-            <a:tailEnd type="arrow"/>
-          </a:ln>
-        </p:spPr>
-        <p:style>
-          <a:lnRef idx="2">
-            <a:schemeClr val="accent1"/>
-          </a:lnRef>
-          <a:fillRef idx="0">
-            <a:schemeClr val="accent1"/>
-          </a:fillRef>
-          <a:effectRef idx="1">
-            <a:schemeClr val="accent1"/>
-          </a:effectRef>
-          <a:fontRef idx="minor">
-            <a:schemeClr val="tx1"/>
-          </a:fontRef>
-        </p:style>
-      </p:cxnSp>
-      <p:cxnSp>
-        <p:nvCxnSpPr>
-          <p:cNvPr id="55" name="直線矢印コネクタ 54"/>
-          <p:cNvCxnSpPr/>
-          <p:nvPr/>
-        </p:nvCxnSpPr>
-        <p:spPr>
-          <a:xfrm flipH="1" flipV="1">
-            <a:off x="2308018" y="3255214"/>
-            <a:ext cx="477007" cy="756869"/>
-          </a:xfrm>
-          <a:prstGeom prst="straightConnector1">
-            <a:avLst/>
-          </a:prstGeom>
-          <a:ln>
-            <a:tailEnd type="arrow"/>
-          </a:ln>
-        </p:spPr>
-        <p:style>
-          <a:lnRef idx="2">
-            <a:schemeClr val="accent1"/>
-          </a:lnRef>
-          <a:fillRef idx="0">
-            <a:schemeClr val="accent1"/>
-          </a:fillRef>
-          <a:effectRef idx="1">
-            <a:schemeClr val="accent1"/>
-          </a:effectRef>
-          <a:fontRef idx="minor">
-            <a:schemeClr val="tx1"/>
-          </a:fontRef>
-        </p:style>
-      </p:cxnSp>
-      <p:sp>
-        <p:nvSpPr>
-          <p:cNvPr id="56" name="テキスト 10"/>
-          <p:cNvSpPr txBox="1"/>
-          <p:nvPr/>
-        </p:nvSpPr>
-        <p:spPr>
-          <a:xfrm>
-            <a:off x="2418532" y="3441614"/>
-            <a:ext cx="1062620" cy="580157"/>
-          </a:xfrm>
-          <a:prstGeom prst="rect">
-            <a:avLst/>
-          </a:prstGeom>
-          <a:noFill/>
-          <a:ln>
-            <a:noFill/>
-          </a:ln>
-          <a:effectLst/>
-          <a:extLst>
-            <a:ext uri="{C572A759-6A51-4108-AA02-DFA0A04FC94B}">
-              <ma14:wrappingTextBoxFlag xmlns:ma14="http://schemas.microsoft.com/office/mac/drawingml/2011/main"/>
-            </a:ext>
-          </a:extLst>
-        </p:spPr>
-        <p:style>
-          <a:lnRef idx="0">
-            <a:schemeClr val="accent1"/>
-          </a:lnRef>
-          <a:fillRef idx="0">
-            <a:schemeClr val="accent1"/>
-          </a:fillRef>
-          <a:effectRef idx="0">
-            <a:schemeClr val="accent1"/>
-          </a:effectRef>
-          <a:fontRef idx="minor">
-            <a:schemeClr val="dk1"/>
-          </a:fontRef>
-        </p:style>
-        <p:txBody>
-          <a:bodyPr rot="0" spcFirstLastPara="0" vert="horz" wrap="none" lIns="91440" tIns="45720" rIns="91440" bIns="45720" numCol="1" spcCol="0" rtlCol="0" fromWordArt="0" anchor="t" anchorCtr="0" forceAA="0" compatLnSpc="1">
-            <a:prstTxWarp prst="textNoShape">
-              <a:avLst/>
-            </a:prstTxWarp>
-            <a:noAutofit/>
-          </a:bodyPr>
-          <a:lstStyle/>
-          <a:p>
-            <a:pPr>
-              <a:spcAft>
-                <a:spcPts val="0"/>
-              </a:spcAft>
-            </a:pPr>
-            <a:r>
-              <a:rPr lang="ja-JP" altLang="en-US" sz="1000" kern="100" dirty="0" smtClean="0">
-                <a:ea typeface="ヒラギノ角ゴ ProN W3"/>
-                <a:cs typeface="Times New Roman"/>
-              </a:rPr>
-              <a:t>「表示」</a:t>
-            </a:r>
-            <a:r>
-              <a:rPr lang="en-US" altLang="ja-JP" sz="1000" kern="100" dirty="0" smtClean="0">
-                <a:ea typeface="ヒラギノ角ゴ ProN W3"/>
-                <a:cs typeface="Times New Roman"/>
-              </a:rPr>
-              <a:t>→</a:t>
-            </a:r>
-          </a:p>
-          <a:p>
-            <a:pPr>
-              <a:spcAft>
-                <a:spcPts val="0"/>
-              </a:spcAft>
-            </a:pPr>
-            <a:r>
-              <a:rPr lang="ja-JP" altLang="en-US" sz="1000" kern="100" dirty="0" smtClean="0">
-                <a:ea typeface="ヒラギノ角ゴ ProN W3"/>
-                <a:cs typeface="Times New Roman"/>
-              </a:rPr>
-              <a:t>　　　「プロパティ</a:t>
-            </a:r>
-            <a:endParaRPr lang="en-US" altLang="ja-JP" sz="1000" kern="100" dirty="0" smtClean="0">
-              <a:ea typeface="ヒラギノ角ゴ ProN W3"/>
-              <a:cs typeface="Times New Roman"/>
-            </a:endParaRPr>
-          </a:p>
-          <a:p>
-            <a:pPr>
-              <a:spcAft>
-                <a:spcPts val="0"/>
-              </a:spcAft>
-            </a:pPr>
-            <a:r>
-              <a:rPr lang="ja-JP" altLang="en-US" sz="1000" kern="100" dirty="0" smtClean="0">
-                <a:ea typeface="ヒラギノ角ゴ ProN W3"/>
-                <a:cs typeface="Times New Roman"/>
-              </a:rPr>
-              <a:t>　　　　ウィンドウ」</a:t>
-            </a:r>
-            <a:endParaRPr lang="ja-JP" sz="1200" kern="100" dirty="0">
-              <a:effectLst/>
-              <a:ea typeface="ＭＳ 明朝"/>
-              <a:cs typeface="Times New Roman"/>
-            </a:endParaRPr>
-          </a:p>
-        </p:txBody>
-      </p:sp>
-    </p:spTree>
-    <p:extLst>
-      <p:ext uri="{BB962C8B-B14F-4D97-AF65-F5344CB8AC3E}">
-        <p14:creationId xmlns:p14="http://schemas.microsoft.com/office/powerpoint/2010/main" val="1107786420"/>
-      </p:ext>
-    </p:extLst>
-  </p:cSld>
-  <p:clrMapOvr>
-    <a:masterClrMapping/>
-  </p:clrMapOvr>
-</p:sld>
-</file>
-
 <file path=ppt/slides/slide5.xml><?xml version="1.0" encoding="utf-8"?>
 <p:sld xmlns:a="http://schemas.openxmlformats.org/drawingml/2006/main" xmlns:r="http://schemas.openxmlformats.org/officeDocument/2006/relationships" xmlns:p="http://schemas.openxmlformats.org/presentationml/2006/main">
   <p:cSld>
@@ -6826,73 +8428,159 @@
           <a:chExt cx="0" cy="0"/>
         </a:xfrm>
       </p:grpSpPr>
-      <p:pic>
-        <p:nvPicPr>
-          <p:cNvPr id="2" name="図 1" descr="スクリーンショット（2011-02-19 17.59.21）.png"/>
-          <p:cNvPicPr>
-            <a:picLocks noChangeAspect="1"/>
-          </p:cNvPicPr>
-          <p:nvPr/>
-        </p:nvPicPr>
-        <p:blipFill rotWithShape="1">
-          <a:blip r:embed="rId2">
-            <a:extLst>
-              <a:ext uri="{28A0092B-C50C-407E-A947-70E740481C1C}">
-                <a14:useLocalDpi xmlns:a14="http://schemas.microsoft.com/office/drawing/2010/main" val="0"/>
-              </a:ext>
-            </a:extLst>
-          </a:blip>
-          <a:srcRect l="721" r="1399"/>
-          <a:stretch/>
-        </p:blipFill>
-        <p:spPr>
-          <a:xfrm>
-            <a:off x="1093084" y="2582537"/>
-            <a:ext cx="2462534" cy="1013460"/>
-          </a:xfrm>
-          <a:prstGeom prst="rect">
-            <a:avLst/>
-          </a:prstGeom>
-        </p:spPr>
-      </p:pic>
-      <p:pic>
-        <p:nvPicPr>
-          <p:cNvPr id="3" name="図 2" descr="スクリーンショット（2011-02-19 17.59.39）.png"/>
-          <p:cNvPicPr>
-            <a:picLocks noChangeAspect="1"/>
-          </p:cNvPicPr>
-          <p:nvPr/>
-        </p:nvPicPr>
-        <p:blipFill rotWithShape="1">
-          <a:blip r:embed="rId3">
-            <a:extLst>
-              <a:ext uri="{28A0092B-C50C-407E-A947-70E740481C1C}">
-                <a14:useLocalDpi xmlns:a14="http://schemas.microsoft.com/office/drawing/2010/main" val="0"/>
-              </a:ext>
-            </a:extLst>
-          </a:blip>
-          <a:srcRect t="6202" b="23848"/>
-          <a:stretch/>
-        </p:blipFill>
-        <p:spPr>
-          <a:xfrm>
-            <a:off x="4638846" y="2582537"/>
-            <a:ext cx="2462530" cy="435299"/>
-          </a:xfrm>
-          <a:prstGeom prst="rect">
-            <a:avLst/>
-          </a:prstGeom>
-        </p:spPr>
-      </p:pic>
-      <p:sp>
-        <p:nvSpPr>
-          <p:cNvPr id="4" name="テキスト 10"/>
+      <p:sp>
+        <p:nvSpPr>
+          <p:cNvPr id="46" name="角丸四角形 45"/>
+          <p:cNvSpPr/>
+          <p:nvPr/>
+        </p:nvSpPr>
+        <p:spPr>
+          <a:xfrm>
+            <a:off x="2657356" y="4156251"/>
+            <a:ext cx="1137274" cy="819162"/>
+          </a:xfrm>
+          <a:prstGeom prst="roundRect">
+            <a:avLst>
+              <a:gd name="adj" fmla="val 11268"/>
+            </a:avLst>
+          </a:prstGeom>
+          <a:solidFill>
+            <a:schemeClr val="bg1">
+              <a:lumMod val="95000"/>
+            </a:schemeClr>
+          </a:solidFill>
+          <a:ln>
+            <a:noFill/>
+          </a:ln>
+        </p:spPr>
+        <p:style>
+          <a:lnRef idx="1">
+            <a:schemeClr val="accent1"/>
+          </a:lnRef>
+          <a:fillRef idx="3">
+            <a:schemeClr val="accent1"/>
+          </a:fillRef>
+          <a:effectRef idx="2">
+            <a:schemeClr val="accent1"/>
+          </a:effectRef>
+          <a:fontRef idx="minor">
+            <a:schemeClr val="lt1"/>
+          </a:fontRef>
+        </p:style>
+        <p:txBody>
+          <a:bodyPr rtlCol="0" anchor="ctr"/>
+          <a:lstStyle/>
+          <a:p>
+            <a:pPr algn="ctr"/>
+            <a:endParaRPr kumimoji="1" lang="ja-JP" altLang="en-US" dirty="0"/>
+          </a:p>
+        </p:txBody>
+      </p:sp>
+      <p:sp>
+        <p:nvSpPr>
+          <p:cNvPr id="45" name="角丸四角形 44"/>
+          <p:cNvSpPr/>
+          <p:nvPr/>
+        </p:nvSpPr>
+        <p:spPr>
+          <a:xfrm>
+            <a:off x="3636929" y="2230036"/>
+            <a:ext cx="1137274" cy="819162"/>
+          </a:xfrm>
+          <a:prstGeom prst="roundRect">
+            <a:avLst>
+              <a:gd name="adj" fmla="val 11268"/>
+            </a:avLst>
+          </a:prstGeom>
+          <a:solidFill>
+            <a:schemeClr val="bg1">
+              <a:lumMod val="95000"/>
+            </a:schemeClr>
+          </a:solidFill>
+          <a:ln>
+            <a:noFill/>
+          </a:ln>
+        </p:spPr>
+        <p:style>
+          <a:lnRef idx="1">
+            <a:schemeClr val="accent1"/>
+          </a:lnRef>
+          <a:fillRef idx="3">
+            <a:schemeClr val="accent1"/>
+          </a:fillRef>
+          <a:effectRef idx="2">
+            <a:schemeClr val="accent1"/>
+          </a:effectRef>
+          <a:fontRef idx="minor">
+            <a:schemeClr val="lt1"/>
+          </a:fontRef>
+        </p:style>
+        <p:txBody>
+          <a:bodyPr rtlCol="0" anchor="ctr"/>
+          <a:lstStyle/>
+          <a:p>
+            <a:pPr algn="ctr"/>
+            <a:endParaRPr kumimoji="1" lang="ja-JP" altLang="en-US" dirty="0"/>
+          </a:p>
+        </p:txBody>
+      </p:sp>
+      <p:sp>
+        <p:nvSpPr>
+          <p:cNvPr id="44" name="角丸四角形 43"/>
+          <p:cNvSpPr/>
+          <p:nvPr/>
+        </p:nvSpPr>
+        <p:spPr>
+          <a:xfrm>
+            <a:off x="1598502" y="2230036"/>
+            <a:ext cx="1137274" cy="819162"/>
+          </a:xfrm>
+          <a:prstGeom prst="roundRect">
+            <a:avLst>
+              <a:gd name="adj" fmla="val 11268"/>
+            </a:avLst>
+          </a:prstGeom>
+          <a:solidFill>
+            <a:schemeClr val="bg1">
+              <a:lumMod val="95000"/>
+            </a:schemeClr>
+          </a:solidFill>
+          <a:ln>
+            <a:noFill/>
+          </a:ln>
+        </p:spPr>
+        <p:style>
+          <a:lnRef idx="1">
+            <a:schemeClr val="accent1"/>
+          </a:lnRef>
+          <a:fillRef idx="3">
+            <a:schemeClr val="accent1"/>
+          </a:fillRef>
+          <a:effectRef idx="2">
+            <a:schemeClr val="accent1"/>
+          </a:effectRef>
+          <a:fontRef idx="minor">
+            <a:schemeClr val="lt1"/>
+          </a:fontRef>
+        </p:style>
+        <p:txBody>
+          <a:bodyPr rtlCol="0" anchor="ctr"/>
+          <a:lstStyle/>
+          <a:p>
+            <a:pPr algn="ctr"/>
+            <a:endParaRPr kumimoji="1" lang="ja-JP" altLang="en-US" dirty="0"/>
+          </a:p>
+        </p:txBody>
+      </p:sp>
+      <p:sp>
+        <p:nvSpPr>
+          <p:cNvPr id="3" name="テキスト 10"/>
           <p:cNvSpPr txBox="1"/>
           <p:nvPr/>
         </p:nvSpPr>
         <p:spPr>
           <a:xfrm>
-            <a:off x="1903290" y="2201983"/>
+            <a:off x="1734685" y="2807688"/>
             <a:ext cx="842122" cy="279986"/>
           </a:xfrm>
           <a:prstGeom prst="rect">
@@ -6943,7 +8631,7 @@
                 <a:ea typeface="ヒラギノ角ゴ ProN W3"/>
                 <a:cs typeface="Times New Roman"/>
               </a:rPr>
-              <a:t>展開</a:t>
+              <a:t>分離</a:t>
             </a:r>
             <a:endParaRPr lang="ja-JP" sz="1200" kern="100" dirty="0">
               <a:effectLst/>
@@ -6955,13 +8643,13 @@
       </p:sp>
       <p:sp>
         <p:nvSpPr>
-          <p:cNvPr id="5" name="テキスト 10"/>
+          <p:cNvPr id="4" name="テキスト 10"/>
           <p:cNvSpPr txBox="1"/>
           <p:nvPr/>
         </p:nvSpPr>
         <p:spPr>
           <a:xfrm>
-            <a:off x="5449050" y="2201983"/>
+            <a:off x="3780449" y="2807688"/>
             <a:ext cx="842122" cy="279986"/>
           </a:xfrm>
           <a:prstGeom prst="rect">
@@ -7008,11 +8696,10 @@
             </a:pPr>
             <a:r>
               <a:rPr lang="ja-JP" altLang="en-US" sz="1000" kern="100" dirty="0" smtClean="0">
-                <a:effectLst/>
                 <a:ea typeface="ヒラギノ角ゴ ProN W3"/>
                 <a:cs typeface="Times New Roman"/>
               </a:rPr>
-              <a:t>折りたたみ</a:t>
+              <a:t>ドッキング</a:t>
             </a:r>
             <a:endParaRPr lang="ja-JP" sz="1200" kern="100" dirty="0">
               <a:effectLst/>
@@ -7022,16 +8709,372 @@
           </a:p>
         </p:txBody>
       </p:sp>
+      <p:sp>
+        <p:nvSpPr>
+          <p:cNvPr id="5" name="テキスト 10"/>
+          <p:cNvSpPr txBox="1"/>
+          <p:nvPr/>
+        </p:nvSpPr>
+        <p:spPr>
+          <a:xfrm>
+            <a:off x="2804670" y="4210018"/>
+            <a:ext cx="842122" cy="279986"/>
+          </a:xfrm>
+          <a:prstGeom prst="rect">
+            <a:avLst/>
+          </a:prstGeom>
+          <a:noFill/>
+          <a:ln>
+            <a:noFill/>
+          </a:ln>
+          <a:effectLst/>
+          <a:extLst>
+            <a:ext uri="{C572A759-6A51-4108-AA02-DFA0A04FC94B}">
+              <ma14:wrappingTextBoxFlag xmlns:ma14="http://schemas.microsoft.com/office/mac/drawingml/2011/main"/>
+            </a:ext>
+          </a:extLst>
+        </p:spPr>
+        <p:style>
+          <a:lnRef idx="0">
+            <a:schemeClr val="accent1"/>
+          </a:lnRef>
+          <a:fillRef idx="0">
+            <a:schemeClr val="accent1"/>
+          </a:fillRef>
+          <a:effectRef idx="0">
+            <a:schemeClr val="accent1"/>
+          </a:effectRef>
+          <a:fontRef idx="minor">
+            <a:schemeClr val="dk1"/>
+          </a:fontRef>
+        </p:style>
+        <p:txBody>
+          <a:bodyPr rot="0" spcFirstLastPara="0" vert="horz" wrap="none" lIns="91440" tIns="45720" rIns="91440" bIns="45720" numCol="1" spcCol="0" rtlCol="0" fromWordArt="0" anchor="t" anchorCtr="0" forceAA="0" compatLnSpc="1">
+            <a:prstTxWarp prst="textNoShape">
+              <a:avLst/>
+            </a:prstTxWarp>
+            <a:noAutofit/>
+          </a:bodyPr>
+          <a:lstStyle/>
+          <a:p>
+            <a:pPr algn="ctr">
+              <a:spcAft>
+                <a:spcPts val="0"/>
+              </a:spcAft>
+            </a:pPr>
+            <a:r>
+              <a:rPr lang="ja-JP" altLang="en-US" sz="1000" kern="100" dirty="0" smtClean="0">
+                <a:ea typeface="ヒラギノ角ゴ ProN W3"/>
+                <a:cs typeface="Times New Roman"/>
+              </a:rPr>
+              <a:t>非表示</a:t>
+            </a:r>
+            <a:endParaRPr lang="ja-JP" sz="1200" kern="100" dirty="0">
+              <a:effectLst/>
+              <a:ea typeface="ＭＳ 明朝"/>
+              <a:cs typeface="Times New Roman"/>
+            </a:endParaRPr>
+          </a:p>
+        </p:txBody>
+      </p:sp>
+      <p:sp>
+        <p:nvSpPr>
+          <p:cNvPr id="7" name="正方形/長方形 6"/>
+          <p:cNvSpPr/>
+          <p:nvPr/>
+        </p:nvSpPr>
+        <p:spPr>
+          <a:xfrm>
+            <a:off x="1993405" y="2423314"/>
+            <a:ext cx="403538" cy="324000"/>
+          </a:xfrm>
+          <a:prstGeom prst="rect">
+            <a:avLst/>
+          </a:prstGeom>
+          <a:solidFill>
+            <a:schemeClr val="tx2">
+              <a:lumMod val="60000"/>
+              <a:lumOff val="40000"/>
+            </a:schemeClr>
+          </a:solidFill>
+          <a:ln>
+            <a:noFill/>
+          </a:ln>
+          <a:effectLst/>
+        </p:spPr>
+        <p:style>
+          <a:lnRef idx="1">
+            <a:schemeClr val="accent1"/>
+          </a:lnRef>
+          <a:fillRef idx="3">
+            <a:schemeClr val="accent1"/>
+          </a:fillRef>
+          <a:effectRef idx="2">
+            <a:schemeClr val="accent1"/>
+          </a:effectRef>
+          <a:fontRef idx="minor">
+            <a:schemeClr val="lt1"/>
+          </a:fontRef>
+        </p:style>
+        <p:txBody>
+          <a:bodyPr rtlCol="0" anchor="ctr"/>
+          <a:lstStyle/>
+          <a:p>
+            <a:pPr algn="ctr"/>
+            <a:endParaRPr kumimoji="1" lang="ja-JP" altLang="en-US"/>
+          </a:p>
+        </p:txBody>
+      </p:sp>
+      <p:sp>
+        <p:nvSpPr>
+          <p:cNvPr id="6" name="正方形/長方形 5"/>
+          <p:cNvSpPr/>
+          <p:nvPr/>
+        </p:nvSpPr>
+        <p:spPr>
+          <a:xfrm>
+            <a:off x="1914550" y="2353465"/>
+            <a:ext cx="158230" cy="323999"/>
+          </a:xfrm>
+          <a:prstGeom prst="rect">
+            <a:avLst/>
+          </a:prstGeom>
+          <a:gradFill flip="none" rotWithShape="1">
+            <a:gsLst>
+              <a:gs pos="0">
+                <a:srgbClr val="981713"/>
+              </a:gs>
+              <a:gs pos="100000">
+                <a:srgbClr val="F6241E"/>
+              </a:gs>
+            </a:gsLst>
+            <a:lin ang="16200000" scaled="0"/>
+            <a:tileRect/>
+          </a:gradFill>
+          <a:ln>
+            <a:noFill/>
+          </a:ln>
+        </p:spPr>
+        <p:style>
+          <a:lnRef idx="1">
+            <a:schemeClr val="accent1"/>
+          </a:lnRef>
+          <a:fillRef idx="3">
+            <a:schemeClr val="accent1"/>
+          </a:fillRef>
+          <a:effectRef idx="2">
+            <a:schemeClr val="accent1"/>
+          </a:effectRef>
+          <a:fontRef idx="minor">
+            <a:schemeClr val="lt1"/>
+          </a:fontRef>
+        </p:style>
+        <p:txBody>
+          <a:bodyPr rtlCol="0" anchor="ctr"/>
+          <a:lstStyle/>
+          <a:p>
+            <a:pPr algn="ctr"/>
+            <a:endParaRPr kumimoji="1" lang="ja-JP" altLang="en-US"/>
+          </a:p>
+        </p:txBody>
+      </p:sp>
+      <p:sp>
+        <p:nvSpPr>
+          <p:cNvPr id="14" name="正方形/長方形 13"/>
+          <p:cNvSpPr/>
+          <p:nvPr/>
+        </p:nvSpPr>
+        <p:spPr>
+          <a:xfrm>
+            <a:off x="3999741" y="2423314"/>
+            <a:ext cx="403538" cy="324000"/>
+          </a:xfrm>
+          <a:prstGeom prst="rect">
+            <a:avLst/>
+          </a:prstGeom>
+          <a:solidFill>
+            <a:schemeClr val="tx2">
+              <a:lumMod val="60000"/>
+              <a:lumOff val="40000"/>
+            </a:schemeClr>
+          </a:solidFill>
+          <a:ln>
+            <a:noFill/>
+          </a:ln>
+          <a:effectLst/>
+        </p:spPr>
+        <p:style>
+          <a:lnRef idx="1">
+            <a:schemeClr val="accent1"/>
+          </a:lnRef>
+          <a:fillRef idx="3">
+            <a:schemeClr val="accent1"/>
+          </a:fillRef>
+          <a:effectRef idx="2">
+            <a:schemeClr val="accent1"/>
+          </a:effectRef>
+          <a:fontRef idx="minor">
+            <a:schemeClr val="lt1"/>
+          </a:fontRef>
+        </p:style>
+        <p:txBody>
+          <a:bodyPr rtlCol="0" anchor="ctr"/>
+          <a:lstStyle/>
+          <a:p>
+            <a:pPr algn="ctr"/>
+            <a:endParaRPr kumimoji="1" lang="ja-JP" altLang="en-US"/>
+          </a:p>
+        </p:txBody>
+      </p:sp>
+      <p:sp>
+        <p:nvSpPr>
+          <p:cNvPr id="15" name="正方形/長方形 14"/>
+          <p:cNvSpPr/>
+          <p:nvPr/>
+        </p:nvSpPr>
+        <p:spPr>
+          <a:xfrm>
+            <a:off x="3999741" y="2423314"/>
+            <a:ext cx="158230" cy="323999"/>
+          </a:xfrm>
+          <a:prstGeom prst="rect">
+            <a:avLst/>
+          </a:prstGeom>
+          <a:solidFill>
+            <a:srgbClr val="DC221B"/>
+          </a:solidFill>
+          <a:ln>
+            <a:noFill/>
+          </a:ln>
+          <a:effectLst/>
+        </p:spPr>
+        <p:style>
+          <a:lnRef idx="1">
+            <a:schemeClr val="accent1"/>
+          </a:lnRef>
+          <a:fillRef idx="3">
+            <a:schemeClr val="accent1"/>
+          </a:fillRef>
+          <a:effectRef idx="2">
+            <a:schemeClr val="accent1"/>
+          </a:effectRef>
+          <a:fontRef idx="minor">
+            <a:schemeClr val="lt1"/>
+          </a:fontRef>
+        </p:style>
+        <p:txBody>
+          <a:bodyPr rtlCol="0" anchor="ctr"/>
+          <a:lstStyle/>
+          <a:p>
+            <a:pPr algn="ctr"/>
+            <a:endParaRPr kumimoji="1" lang="ja-JP" altLang="en-US"/>
+          </a:p>
+        </p:txBody>
+      </p:sp>
+      <p:sp>
+        <p:nvSpPr>
+          <p:cNvPr id="19" name="正方形/長方形 18"/>
+          <p:cNvSpPr/>
+          <p:nvPr/>
+        </p:nvSpPr>
+        <p:spPr>
+          <a:xfrm>
+            <a:off x="3023962" y="4515280"/>
+            <a:ext cx="403538" cy="324000"/>
+          </a:xfrm>
+          <a:prstGeom prst="rect">
+            <a:avLst/>
+          </a:prstGeom>
+          <a:solidFill>
+            <a:schemeClr val="tx2">
+              <a:lumMod val="60000"/>
+              <a:lumOff val="40000"/>
+            </a:schemeClr>
+          </a:solidFill>
+          <a:ln>
+            <a:noFill/>
+          </a:ln>
+          <a:effectLst/>
+        </p:spPr>
+        <p:style>
+          <a:lnRef idx="1">
+            <a:schemeClr val="accent1"/>
+          </a:lnRef>
+          <a:fillRef idx="3">
+            <a:schemeClr val="accent1"/>
+          </a:fillRef>
+          <a:effectRef idx="2">
+            <a:schemeClr val="accent1"/>
+          </a:effectRef>
+          <a:fontRef idx="minor">
+            <a:schemeClr val="lt1"/>
+          </a:fontRef>
+        </p:style>
+        <p:txBody>
+          <a:bodyPr rtlCol="0" anchor="ctr"/>
+          <a:lstStyle/>
+          <a:p>
+            <a:pPr algn="ctr"/>
+            <a:endParaRPr kumimoji="1" lang="ja-JP" altLang="en-US"/>
+          </a:p>
+        </p:txBody>
+      </p:sp>
+      <p:sp>
+        <p:nvSpPr>
+          <p:cNvPr id="47" name="正方形/長方形 46"/>
+          <p:cNvSpPr/>
+          <p:nvPr/>
+        </p:nvSpPr>
+        <p:spPr>
+          <a:xfrm>
+            <a:off x="2944847" y="4455476"/>
+            <a:ext cx="158230" cy="323999"/>
+          </a:xfrm>
+          <a:prstGeom prst="rect">
+            <a:avLst/>
+          </a:prstGeom>
+          <a:noFill/>
+          <a:ln w="12700" cmpd="sng">
+            <a:solidFill>
+              <a:srgbClr val="DC221B"/>
+            </a:solidFill>
+            <a:prstDash val="sysDash"/>
+          </a:ln>
+          <a:effectLst/>
+        </p:spPr>
+        <p:style>
+          <a:lnRef idx="1">
+            <a:schemeClr val="accent1"/>
+          </a:lnRef>
+          <a:fillRef idx="3">
+            <a:schemeClr val="accent1"/>
+          </a:fillRef>
+          <a:effectRef idx="2">
+            <a:schemeClr val="accent1"/>
+          </a:effectRef>
+          <a:fontRef idx="minor">
+            <a:schemeClr val="lt1"/>
+          </a:fontRef>
+        </p:style>
+        <p:txBody>
+          <a:bodyPr rtlCol="0" anchor="ctr"/>
+          <a:lstStyle/>
+          <a:p>
+            <a:pPr algn="ctr"/>
+            <a:endParaRPr kumimoji="1" lang="ja-JP" altLang="en-US"/>
+          </a:p>
+        </p:txBody>
+      </p:sp>
       <p:cxnSp>
         <p:nvCxnSpPr>
-          <p:cNvPr id="7" name="直線矢印コネクタ 6"/>
+          <p:cNvPr id="49" name="直線矢印コネクタ 48"/>
           <p:cNvCxnSpPr/>
           <p:nvPr/>
         </p:nvCxnSpPr>
         <p:spPr>
           <a:xfrm>
-            <a:off x="3938176" y="2810865"/>
-            <a:ext cx="350350" cy="0"/>
+            <a:off x="1993405" y="3399382"/>
+            <a:ext cx="477007" cy="756869"/>
           </a:xfrm>
           <a:prstGeom prst="straightConnector1">
             <a:avLst/>
@@ -7057,14 +9100,14 @@
       </p:cxnSp>
       <p:cxnSp>
         <p:nvCxnSpPr>
-          <p:cNvPr id="8" name="直線矢印コネクタ 7"/>
+          <p:cNvPr id="50" name="直線矢印コネクタ 49"/>
           <p:cNvCxnSpPr/>
           <p:nvPr/>
         </p:nvCxnSpPr>
         <p:spPr>
           <a:xfrm flipH="1">
-            <a:off x="3938176" y="2963265"/>
-            <a:ext cx="350350" cy="0"/>
+            <a:off x="3999741" y="3399382"/>
+            <a:ext cx="477007" cy="756869"/>
           </a:xfrm>
           <a:prstGeom prst="straightConnector1">
             <a:avLst/>
@@ -7088,10 +9131,369 @@
           </a:fontRef>
         </p:style>
       </p:cxnSp>
+      <p:cxnSp>
+        <p:nvCxnSpPr>
+          <p:cNvPr id="52" name="直線矢印コネクタ 51"/>
+          <p:cNvCxnSpPr/>
+          <p:nvPr/>
+        </p:nvCxnSpPr>
+        <p:spPr>
+          <a:xfrm>
+            <a:off x="2804670" y="2423314"/>
+            <a:ext cx="758789" cy="0"/>
+          </a:xfrm>
+          <a:prstGeom prst="straightConnector1">
+            <a:avLst/>
+          </a:prstGeom>
+          <a:ln>
+            <a:tailEnd type="arrow"/>
+          </a:ln>
+        </p:spPr>
+        <p:style>
+          <a:lnRef idx="2">
+            <a:schemeClr val="accent1"/>
+          </a:lnRef>
+          <a:fillRef idx="0">
+            <a:schemeClr val="accent1"/>
+          </a:fillRef>
+          <a:effectRef idx="1">
+            <a:schemeClr val="accent1"/>
+          </a:effectRef>
+          <a:fontRef idx="minor">
+            <a:schemeClr val="tx1"/>
+          </a:fontRef>
+        </p:style>
+      </p:cxnSp>
+      <p:cxnSp>
+        <p:nvCxnSpPr>
+          <p:cNvPr id="53" name="直線矢印コネクタ 52"/>
+          <p:cNvCxnSpPr/>
+          <p:nvPr/>
+        </p:nvCxnSpPr>
+        <p:spPr>
+          <a:xfrm flipH="1">
+            <a:off x="2804670" y="2910597"/>
+            <a:ext cx="758789" cy="0"/>
+          </a:xfrm>
+          <a:prstGeom prst="straightConnector1">
+            <a:avLst/>
+          </a:prstGeom>
+          <a:ln>
+            <a:tailEnd type="arrow"/>
+          </a:ln>
+        </p:spPr>
+        <p:style>
+          <a:lnRef idx="2">
+            <a:schemeClr val="accent1"/>
+          </a:lnRef>
+          <a:fillRef idx="0">
+            <a:schemeClr val="accent1"/>
+          </a:fillRef>
+          <a:effectRef idx="1">
+            <a:schemeClr val="accent1"/>
+          </a:effectRef>
+          <a:fontRef idx="minor">
+            <a:schemeClr val="tx1"/>
+          </a:fontRef>
+        </p:style>
+      </p:cxnSp>
+      <p:pic>
+        <p:nvPicPr>
+          <p:cNvPr id="23" name="図 22" descr="スクリーンショット（2011-02-19 5.21.28）.png"/>
+          <p:cNvPicPr>
+            <a:picLocks noChangeAspect="1"/>
+          </p:cNvPicPr>
+          <p:nvPr/>
+        </p:nvPicPr>
+        <p:blipFill>
+          <a:blip r:embed="rId2">
+            <a:extLst>
+              <a:ext uri="{28A0092B-C50C-407E-A947-70E740481C1C}">
+                <a14:useLocalDpi xmlns:a14="http://schemas.microsoft.com/office/drawing/2010/main" val="0"/>
+              </a:ext>
+            </a:extLst>
+          </a:blip>
+          <a:stretch>
+            <a:fillRect/>
+          </a:stretch>
+        </p:blipFill>
+        <p:spPr>
+          <a:xfrm>
+            <a:off x="2072780" y="3643227"/>
+            <a:ext cx="292100" cy="254000"/>
+          </a:xfrm>
+          <a:prstGeom prst="rect">
+            <a:avLst/>
+          </a:prstGeom>
+        </p:spPr>
+      </p:pic>
+      <p:pic>
+        <p:nvPicPr>
+          <p:cNvPr id="24" name="図 23" descr="スクリーンショット（2011-02-19 5.33.53）.png"/>
+          <p:cNvPicPr>
+            <a:picLocks noChangeAspect="1"/>
+          </p:cNvPicPr>
+          <p:nvPr/>
+        </p:nvPicPr>
+        <p:blipFill>
+          <a:blip r:embed="rId3">
+            <a:extLst>
+              <a:ext uri="{28A0092B-C50C-407E-A947-70E740481C1C}">
+                <a14:useLocalDpi xmlns:a14="http://schemas.microsoft.com/office/drawing/2010/main" val="0"/>
+              </a:ext>
+            </a:extLst>
+          </a:blip>
+          <a:stretch>
+            <a:fillRect/>
+          </a:stretch>
+        </p:blipFill>
+        <p:spPr>
+          <a:xfrm>
+            <a:off x="4132699" y="3655927"/>
+            <a:ext cx="279400" cy="241300"/>
+          </a:xfrm>
+          <a:prstGeom prst="rect">
+            <a:avLst/>
+          </a:prstGeom>
+        </p:spPr>
+      </p:pic>
+      <p:pic>
+        <p:nvPicPr>
+          <p:cNvPr id="21" name="図 20" descr="スクリーンショット（2011-02-19 5.21.18）.png"/>
+          <p:cNvPicPr>
+            <a:picLocks noChangeAspect="1"/>
+          </p:cNvPicPr>
+          <p:nvPr/>
+        </p:nvPicPr>
+        <p:blipFill>
+          <a:blip r:embed="rId4">
+            <a:extLst>
+              <a:ext uri="{28A0092B-C50C-407E-A947-70E740481C1C}">
+                <a14:useLocalDpi xmlns:a14="http://schemas.microsoft.com/office/drawing/2010/main" val="0"/>
+              </a:ext>
+            </a:extLst>
+          </a:blip>
+          <a:stretch>
+            <a:fillRect/>
+          </a:stretch>
+        </p:blipFill>
+        <p:spPr>
+          <a:xfrm>
+            <a:off x="3065414" y="2286828"/>
+            <a:ext cx="254000" cy="254000"/>
+          </a:xfrm>
+          <a:prstGeom prst="rect">
+            <a:avLst/>
+          </a:prstGeom>
+        </p:spPr>
+      </p:pic>
+      <p:pic>
+        <p:nvPicPr>
+          <p:cNvPr id="22" name="図 21" descr="スクリーンショット（2011-02-19 5.23.24）.png"/>
+          <p:cNvPicPr>
+            <a:picLocks noChangeAspect="1"/>
+          </p:cNvPicPr>
+          <p:nvPr/>
+        </p:nvPicPr>
+        <p:blipFill>
+          <a:blip r:embed="rId5">
+            <a:extLst>
+              <a:ext uri="{28A0092B-C50C-407E-A947-70E740481C1C}">
+                <a14:useLocalDpi xmlns:a14="http://schemas.microsoft.com/office/drawing/2010/main" val="0"/>
+              </a:ext>
+            </a:extLst>
+          </a:blip>
+          <a:stretch>
+            <a:fillRect/>
+          </a:stretch>
+        </p:blipFill>
+        <p:spPr>
+          <a:xfrm>
+            <a:off x="3029485" y="2759952"/>
+            <a:ext cx="330200" cy="266700"/>
+          </a:xfrm>
+          <a:prstGeom prst="rect">
+            <a:avLst/>
+          </a:prstGeom>
+        </p:spPr>
+      </p:pic>
+      <p:cxnSp>
+        <p:nvCxnSpPr>
+          <p:cNvPr id="54" name="直線矢印コネクタ 53"/>
+          <p:cNvCxnSpPr/>
+          <p:nvPr/>
+        </p:nvCxnSpPr>
+        <p:spPr>
+          <a:xfrm flipV="1">
+            <a:off x="3687282" y="3264792"/>
+            <a:ext cx="477007" cy="756869"/>
+          </a:xfrm>
+          <a:prstGeom prst="straightConnector1">
+            <a:avLst/>
+          </a:prstGeom>
+          <a:ln>
+            <a:tailEnd type="arrow"/>
+          </a:ln>
+        </p:spPr>
+        <p:style>
+          <a:lnRef idx="2">
+            <a:schemeClr val="accent1"/>
+          </a:lnRef>
+          <a:fillRef idx="0">
+            <a:schemeClr val="accent1"/>
+          </a:fillRef>
+          <a:effectRef idx="1">
+            <a:schemeClr val="accent1"/>
+          </a:effectRef>
+          <a:fontRef idx="minor">
+            <a:schemeClr val="tx1"/>
+          </a:fontRef>
+        </p:style>
+      </p:cxnSp>
+      <p:cxnSp>
+        <p:nvCxnSpPr>
+          <p:cNvPr id="55" name="直線矢印コネクタ 54"/>
+          <p:cNvCxnSpPr/>
+          <p:nvPr/>
+        </p:nvCxnSpPr>
+        <p:spPr>
+          <a:xfrm flipH="1" flipV="1">
+            <a:off x="2308018" y="3255214"/>
+            <a:ext cx="477007" cy="756869"/>
+          </a:xfrm>
+          <a:prstGeom prst="straightConnector1">
+            <a:avLst/>
+          </a:prstGeom>
+          <a:ln>
+            <a:tailEnd type="arrow"/>
+          </a:ln>
+        </p:spPr>
+        <p:style>
+          <a:lnRef idx="2">
+            <a:schemeClr val="accent1"/>
+          </a:lnRef>
+          <a:fillRef idx="0">
+            <a:schemeClr val="accent1"/>
+          </a:fillRef>
+          <a:effectRef idx="1">
+            <a:schemeClr val="accent1"/>
+          </a:effectRef>
+          <a:fontRef idx="minor">
+            <a:schemeClr val="tx1"/>
+          </a:fontRef>
+        </p:style>
+      </p:cxnSp>
+      <p:sp>
+        <p:nvSpPr>
+          <p:cNvPr id="56" name="テキスト 10"/>
+          <p:cNvSpPr txBox="1"/>
+          <p:nvPr/>
+        </p:nvSpPr>
+        <p:spPr>
+          <a:xfrm>
+            <a:off x="2418532" y="3441614"/>
+            <a:ext cx="1062620" cy="580157"/>
+          </a:xfrm>
+          <a:prstGeom prst="rect">
+            <a:avLst/>
+          </a:prstGeom>
+          <a:noFill/>
+          <a:ln>
+            <a:noFill/>
+          </a:ln>
+          <a:effectLst/>
+          <a:extLst>
+            <a:ext uri="{C572A759-6A51-4108-AA02-DFA0A04FC94B}">
+              <ma14:wrappingTextBoxFlag xmlns:ma14="http://schemas.microsoft.com/office/mac/drawingml/2011/main"/>
+            </a:ext>
+          </a:extLst>
+        </p:spPr>
+        <p:style>
+          <a:lnRef idx="0">
+            <a:schemeClr val="accent1"/>
+          </a:lnRef>
+          <a:fillRef idx="0">
+            <a:schemeClr val="accent1"/>
+          </a:fillRef>
+          <a:effectRef idx="0">
+            <a:schemeClr val="accent1"/>
+          </a:effectRef>
+          <a:fontRef idx="minor">
+            <a:schemeClr val="dk1"/>
+          </a:fontRef>
+        </p:style>
+        <p:txBody>
+          <a:bodyPr rot="0" spcFirstLastPara="0" vert="horz" wrap="none" lIns="91440" tIns="45720" rIns="91440" bIns="45720" numCol="1" spcCol="0" rtlCol="0" fromWordArt="0" anchor="t" anchorCtr="0" forceAA="0" compatLnSpc="1">
+            <a:prstTxWarp prst="textNoShape">
+              <a:avLst/>
+            </a:prstTxWarp>
+            <a:noAutofit/>
+          </a:bodyPr>
+          <a:lstStyle/>
+          <a:p>
+            <a:pPr>
+              <a:spcAft>
+                <a:spcPts val="0"/>
+              </a:spcAft>
+            </a:pPr>
+            <a:r>
+              <a:rPr lang="ja-JP" altLang="en-US" sz="1000" kern="100" dirty="0" smtClean="0">
+                <a:ea typeface="ヒラギノ角ゴ ProN W3"/>
+                <a:cs typeface="Times New Roman"/>
+              </a:rPr>
+              <a:t>「表示」</a:t>
+            </a:r>
+            <a:r>
+              <a:rPr lang="en-US" altLang="ja-JP" sz="1000" kern="100" dirty="0" smtClean="0">
+                <a:ea typeface="ヒラギノ角ゴ ProN W3"/>
+                <a:cs typeface="Times New Roman"/>
+              </a:rPr>
+              <a:t>→</a:t>
+            </a:r>
+          </a:p>
+          <a:p>
+            <a:pPr>
+              <a:spcAft>
+                <a:spcPts val="0"/>
+              </a:spcAft>
+            </a:pPr>
+            <a:r>
+              <a:rPr lang="ja-JP" altLang="en-US" sz="1000" kern="100" dirty="0" smtClean="0">
+                <a:ea typeface="ヒラギノ角ゴ ProN W3"/>
+                <a:cs typeface="Times New Roman"/>
+              </a:rPr>
+              <a:t>　　　「プロパティ</a:t>
+            </a:r>
+            <a:endParaRPr lang="en-US" altLang="ja-JP" sz="1000" kern="100" dirty="0" smtClean="0">
+              <a:ea typeface="ヒラギノ角ゴ ProN W3"/>
+              <a:cs typeface="Times New Roman"/>
+            </a:endParaRPr>
+          </a:p>
+          <a:p>
+            <a:pPr>
+              <a:spcAft>
+                <a:spcPts val="0"/>
+              </a:spcAft>
+            </a:pPr>
+            <a:r>
+              <a:rPr lang="ja-JP" altLang="en-US" sz="1000" kern="100" dirty="0" smtClean="0">
+                <a:ea typeface="ヒラギノ角ゴ ProN W3"/>
+                <a:cs typeface="Times New Roman"/>
+              </a:rPr>
+              <a:t>　　　　ウィンドウ」</a:t>
+            </a:r>
+            <a:endParaRPr lang="ja-JP" sz="1200" kern="100" dirty="0">
+              <a:effectLst/>
+              <a:ea typeface="ＭＳ 明朝"/>
+              <a:cs typeface="Times New Roman"/>
+            </a:endParaRPr>
+          </a:p>
+        </p:txBody>
+      </p:sp>
     </p:spTree>
     <p:extLst>
       <p:ext uri="{BB962C8B-B14F-4D97-AF65-F5344CB8AC3E}">
-        <p14:creationId xmlns:p14="http://schemas.microsoft.com/office/powerpoint/2010/main" val="912612205"/>
+        <p14:creationId xmlns:p14="http://schemas.microsoft.com/office/powerpoint/2010/main" val="1107786420"/>
       </p:ext>
     </p:extLst>
   </p:cSld>
@@ -7120,13 +9522,13 @@
       </p:grpSpPr>
       <p:pic>
         <p:nvPicPr>
-          <p:cNvPr id="2" name="図 1" descr="スクリーンショット（2011-02-19 18.20.06）.png"/>
+          <p:cNvPr id="2" name="図 1" descr="スクリーンショット（2011-02-19 17.59.21）.png"/>
           <p:cNvPicPr>
             <a:picLocks noChangeAspect="1"/>
           </p:cNvPicPr>
           <p:nvPr/>
         </p:nvPicPr>
-        <p:blipFill>
+        <p:blipFill rotWithShape="1">
           <a:blip r:embed="rId2">
             <a:extLst>
               <a:ext uri="{28A0092B-C50C-407E-A947-70E740481C1C}">
@@ -7134,63 +9536,58 @@
               </a:ext>
             </a:extLst>
           </a:blip>
-          <a:stretch>
-            <a:fillRect/>
-          </a:stretch>
+          <a:srcRect l="721" r="1399"/>
+          <a:stretch/>
         </p:blipFill>
         <p:spPr>
           <a:xfrm>
-            <a:off x="2236284" y="2114100"/>
-            <a:ext cx="2588130" cy="2216136"/>
+            <a:off x="1093084" y="2582537"/>
+            <a:ext cx="2462534" cy="1013460"/>
           </a:xfrm>
           <a:prstGeom prst="rect">
             <a:avLst/>
           </a:prstGeom>
         </p:spPr>
       </p:pic>
-      <p:cxnSp>
-        <p:nvCxnSpPr>
-          <p:cNvPr id="4" name="直線矢印コネクタ 3"/>
-          <p:cNvCxnSpPr/>
-          <p:nvPr/>
-        </p:nvCxnSpPr>
-        <p:spPr>
-          <a:xfrm flipH="1" flipV="1">
-            <a:off x="4066030" y="3325645"/>
-            <a:ext cx="1489355" cy="557319"/>
-          </a:xfrm>
-          <a:prstGeom prst="straightConnector1">
-            <a:avLst/>
-          </a:prstGeom>
-          <a:ln>
-            <a:tailEnd type="arrow"/>
-          </a:ln>
-        </p:spPr>
-        <p:style>
-          <a:lnRef idx="2">
-            <a:schemeClr val="accent1"/>
-          </a:lnRef>
-          <a:fillRef idx="0">
-            <a:schemeClr val="accent1"/>
-          </a:fillRef>
-          <a:effectRef idx="1">
-            <a:schemeClr val="accent1"/>
-          </a:effectRef>
-          <a:fontRef idx="minor">
-            <a:schemeClr val="tx1"/>
-          </a:fontRef>
-        </p:style>
-      </p:cxnSp>
-      <p:sp>
-        <p:nvSpPr>
-          <p:cNvPr id="5" name="テキスト 10"/>
+      <p:pic>
+        <p:nvPicPr>
+          <p:cNvPr id="3" name="図 2" descr="スクリーンショット（2011-02-19 17.59.39）.png"/>
+          <p:cNvPicPr>
+            <a:picLocks noChangeAspect="1"/>
+          </p:cNvPicPr>
+          <p:nvPr/>
+        </p:nvPicPr>
+        <p:blipFill rotWithShape="1">
+          <a:blip r:embed="rId3">
+            <a:extLst>
+              <a:ext uri="{28A0092B-C50C-407E-A947-70E740481C1C}">
+                <a14:useLocalDpi xmlns:a14="http://schemas.microsoft.com/office/drawing/2010/main" val="0"/>
+              </a:ext>
+            </a:extLst>
+          </a:blip>
+          <a:srcRect t="6202" b="23848"/>
+          <a:stretch/>
+        </p:blipFill>
+        <p:spPr>
+          <a:xfrm>
+            <a:off x="4638846" y="2582537"/>
+            <a:ext cx="2462530" cy="435299"/>
+          </a:xfrm>
+          <a:prstGeom prst="rect">
+            <a:avLst/>
+          </a:prstGeom>
+        </p:spPr>
+      </p:pic>
+      <p:sp>
+        <p:nvSpPr>
+          <p:cNvPr id="4" name="テキスト 10"/>
           <p:cNvSpPr txBox="1"/>
           <p:nvPr/>
         </p:nvSpPr>
         <p:spPr>
           <a:xfrm>
-            <a:off x="5549012" y="3788651"/>
-            <a:ext cx="1258163" cy="279986"/>
+            <a:off x="1903290" y="2201983"/>
+            <a:ext cx="842122" cy="279986"/>
           </a:xfrm>
           <a:prstGeom prst="rect">
             <a:avLst/>
@@ -7229,17 +9626,18 @@
           </a:bodyPr>
           <a:lstStyle/>
           <a:p>
-            <a:pPr>
+            <a:pPr algn="ctr">
               <a:spcAft>
                 <a:spcPts val="0"/>
               </a:spcAft>
             </a:pPr>
             <a:r>
               <a:rPr lang="ja-JP" altLang="en-US" sz="1000" kern="100" dirty="0" smtClean="0">
+                <a:effectLst/>
                 <a:ea typeface="ヒラギノ角ゴ ProN W3"/>
                 <a:cs typeface="Times New Roman"/>
               </a:rPr>
-              <a:t>ソングポジション</a:t>
+              <a:t>展開</a:t>
             </a:r>
             <a:endParaRPr lang="ja-JP" sz="1200" kern="100" dirty="0">
               <a:effectLst/>
@@ -7249,10 +9647,145 @@
           </a:p>
         </p:txBody>
       </p:sp>
+      <p:sp>
+        <p:nvSpPr>
+          <p:cNvPr id="5" name="テキスト 10"/>
+          <p:cNvSpPr txBox="1"/>
+          <p:nvPr/>
+        </p:nvSpPr>
+        <p:spPr>
+          <a:xfrm>
+            <a:off x="5449050" y="2201983"/>
+            <a:ext cx="842122" cy="279986"/>
+          </a:xfrm>
+          <a:prstGeom prst="rect">
+            <a:avLst/>
+          </a:prstGeom>
+          <a:noFill/>
+          <a:ln>
+            <a:noFill/>
+          </a:ln>
+          <a:effectLst/>
+          <a:extLst>
+            <a:ext uri="{C572A759-6A51-4108-AA02-DFA0A04FC94B}">
+              <ma14:wrappingTextBoxFlag xmlns:ma14="http://schemas.microsoft.com/office/mac/drawingml/2011/main"/>
+            </a:ext>
+          </a:extLst>
+        </p:spPr>
+        <p:style>
+          <a:lnRef idx="0">
+            <a:schemeClr val="accent1"/>
+          </a:lnRef>
+          <a:fillRef idx="0">
+            <a:schemeClr val="accent1"/>
+          </a:fillRef>
+          <a:effectRef idx="0">
+            <a:schemeClr val="accent1"/>
+          </a:effectRef>
+          <a:fontRef idx="minor">
+            <a:schemeClr val="dk1"/>
+          </a:fontRef>
+        </p:style>
+        <p:txBody>
+          <a:bodyPr rot="0" spcFirstLastPara="0" vert="horz" wrap="none" lIns="91440" tIns="45720" rIns="91440" bIns="45720" numCol="1" spcCol="0" rtlCol="0" fromWordArt="0" anchor="t" anchorCtr="0" forceAA="0" compatLnSpc="1">
+            <a:prstTxWarp prst="textNoShape">
+              <a:avLst/>
+            </a:prstTxWarp>
+            <a:noAutofit/>
+          </a:bodyPr>
+          <a:lstStyle/>
+          <a:p>
+            <a:pPr algn="ctr">
+              <a:spcAft>
+                <a:spcPts val="0"/>
+              </a:spcAft>
+            </a:pPr>
+            <a:r>
+              <a:rPr lang="ja-JP" altLang="en-US" sz="1000" kern="100" dirty="0" smtClean="0">
+                <a:effectLst/>
+                <a:ea typeface="ヒラギノ角ゴ ProN W3"/>
+                <a:cs typeface="Times New Roman"/>
+              </a:rPr>
+              <a:t>折りたたみ</a:t>
+            </a:r>
+            <a:endParaRPr lang="ja-JP" sz="1200" kern="100" dirty="0">
+              <a:effectLst/>
+              <a:ea typeface="ＭＳ 明朝"/>
+              <a:cs typeface="Times New Roman"/>
+            </a:endParaRPr>
+          </a:p>
+        </p:txBody>
+      </p:sp>
+      <p:cxnSp>
+        <p:nvCxnSpPr>
+          <p:cNvPr id="7" name="直線矢印コネクタ 6"/>
+          <p:cNvCxnSpPr/>
+          <p:nvPr/>
+        </p:nvCxnSpPr>
+        <p:spPr>
+          <a:xfrm>
+            <a:off x="3938176" y="2810865"/>
+            <a:ext cx="350350" cy="0"/>
+          </a:xfrm>
+          <a:prstGeom prst="straightConnector1">
+            <a:avLst/>
+          </a:prstGeom>
+          <a:ln>
+            <a:tailEnd type="arrow"/>
+          </a:ln>
+        </p:spPr>
+        <p:style>
+          <a:lnRef idx="2">
+            <a:schemeClr val="accent1"/>
+          </a:lnRef>
+          <a:fillRef idx="0">
+            <a:schemeClr val="accent1"/>
+          </a:fillRef>
+          <a:effectRef idx="1">
+            <a:schemeClr val="accent1"/>
+          </a:effectRef>
+          <a:fontRef idx="minor">
+            <a:schemeClr val="tx1"/>
+          </a:fontRef>
+        </p:style>
+      </p:cxnSp>
+      <p:cxnSp>
+        <p:nvCxnSpPr>
+          <p:cNvPr id="8" name="直線矢印コネクタ 7"/>
+          <p:cNvCxnSpPr/>
+          <p:nvPr/>
+        </p:nvCxnSpPr>
+        <p:spPr>
+          <a:xfrm flipH="1">
+            <a:off x="3938176" y="2963265"/>
+            <a:ext cx="350350" cy="0"/>
+          </a:xfrm>
+          <a:prstGeom prst="straightConnector1">
+            <a:avLst/>
+          </a:prstGeom>
+          <a:ln>
+            <a:tailEnd type="arrow"/>
+          </a:ln>
+        </p:spPr>
+        <p:style>
+          <a:lnRef idx="2">
+            <a:schemeClr val="accent1"/>
+          </a:lnRef>
+          <a:fillRef idx="0">
+            <a:schemeClr val="accent1"/>
+          </a:fillRef>
+          <a:effectRef idx="1">
+            <a:schemeClr val="accent1"/>
+          </a:effectRef>
+          <a:fontRef idx="minor">
+            <a:schemeClr val="tx1"/>
+          </a:fontRef>
+        </p:style>
+      </p:cxnSp>
     </p:spTree>
     <p:extLst>
       <p:ext uri="{BB962C8B-B14F-4D97-AF65-F5344CB8AC3E}">
-        <p14:creationId xmlns:p14="http://schemas.microsoft.com/office/powerpoint/2010/main" val="3483731902"/>
+        <p14:creationId xmlns:p14="http://schemas.microsoft.com/office/powerpoint/2010/main" val="912612205"/>
       </p:ext>
     </p:extLst>
   </p:cSld>
@@ -7281,7 +9814,7 @@
       </p:grpSpPr>
       <p:pic>
         <p:nvPicPr>
-          <p:cNvPr id="2" name="図 1" descr="スクリーンショット（2011-02-19 18.29.02）.png"/>
+          <p:cNvPr id="2" name="図 1" descr="スクリーンショット（2011-02-19 18.20.06）.png"/>
           <p:cNvPicPr>
             <a:picLocks noChangeAspect="1"/>
           </p:cNvPicPr>
@@ -7301,24 +9834,57 @@
         </p:blipFill>
         <p:spPr>
           <a:xfrm>
-            <a:off x="3451461" y="3165018"/>
-            <a:ext cx="1612900" cy="558800"/>
+            <a:off x="2236284" y="2114100"/>
+            <a:ext cx="2588130" cy="2216136"/>
           </a:xfrm>
           <a:prstGeom prst="rect">
             <a:avLst/>
           </a:prstGeom>
         </p:spPr>
       </p:pic>
-      <p:sp>
-        <p:nvSpPr>
-          <p:cNvPr id="3" name="テキスト 10"/>
+      <p:cxnSp>
+        <p:nvCxnSpPr>
+          <p:cNvPr id="4" name="直線矢印コネクタ 3"/>
+          <p:cNvCxnSpPr/>
+          <p:nvPr/>
+        </p:nvCxnSpPr>
+        <p:spPr>
+          <a:xfrm flipH="1" flipV="1">
+            <a:off x="4066030" y="3325645"/>
+            <a:ext cx="1489355" cy="557319"/>
+          </a:xfrm>
+          <a:prstGeom prst="straightConnector1">
+            <a:avLst/>
+          </a:prstGeom>
+          <a:ln>
+            <a:tailEnd type="arrow"/>
+          </a:ln>
+        </p:spPr>
+        <p:style>
+          <a:lnRef idx="2">
+            <a:schemeClr val="accent1"/>
+          </a:lnRef>
+          <a:fillRef idx="0">
+            <a:schemeClr val="accent1"/>
+          </a:fillRef>
+          <a:effectRef idx="1">
+            <a:schemeClr val="accent1"/>
+          </a:effectRef>
+          <a:fontRef idx="minor">
+            <a:schemeClr val="tx1"/>
+          </a:fontRef>
+        </p:style>
+      </p:cxnSp>
+      <p:sp>
+        <p:nvSpPr>
+          <p:cNvPr id="5" name="テキスト 10"/>
           <p:cNvSpPr txBox="1"/>
           <p:nvPr/>
         </p:nvSpPr>
         <p:spPr>
           <a:xfrm>
-            <a:off x="2777694" y="2674040"/>
-            <a:ext cx="1041634" cy="279986"/>
+            <a:off x="5549012" y="3788651"/>
+            <a:ext cx="1258163" cy="279986"/>
           </a:xfrm>
           <a:prstGeom prst="rect">
             <a:avLst/>
@@ -7357,7 +9923,7 @@
           </a:bodyPr>
           <a:lstStyle/>
           <a:p>
-            <a:pPr algn="ctr">
+            <a:pPr>
               <a:spcAft>
                 <a:spcPts val="0"/>
               </a:spcAft>
@@ -7367,7 +9933,7 @@
                 <a:ea typeface="ヒラギノ角ゴ ProN W3"/>
                 <a:cs typeface="Times New Roman"/>
               </a:rPr>
-              <a:t>曲の最初に移動</a:t>
+              <a:t>ソングポジション</a:t>
             </a:r>
             <a:endParaRPr lang="ja-JP" sz="1200" kern="100" dirty="0">
               <a:effectLst/>
@@ -7377,358 +9943,10 @@
           </a:p>
         </p:txBody>
       </p:sp>
-      <p:sp>
-        <p:nvSpPr>
-          <p:cNvPr id="4" name="テキスト 10"/>
-          <p:cNvSpPr txBox="1"/>
-          <p:nvPr/>
-        </p:nvSpPr>
-        <p:spPr>
-          <a:xfrm>
-            <a:off x="3060944" y="3941079"/>
-            <a:ext cx="1087489" cy="279986"/>
-          </a:xfrm>
-          <a:prstGeom prst="rect">
-            <a:avLst/>
-          </a:prstGeom>
-          <a:noFill/>
-          <a:ln>
-            <a:noFill/>
-          </a:ln>
-          <a:effectLst/>
-          <a:extLst>
-            <a:ext uri="{C572A759-6A51-4108-AA02-DFA0A04FC94B}">
-              <ma14:wrappingTextBoxFlag xmlns:ma14="http://schemas.microsoft.com/office/mac/drawingml/2011/main"/>
-            </a:ext>
-          </a:extLst>
-        </p:spPr>
-        <p:style>
-          <a:lnRef idx="0">
-            <a:schemeClr val="accent1"/>
-          </a:lnRef>
-          <a:fillRef idx="0">
-            <a:schemeClr val="accent1"/>
-          </a:fillRef>
-          <a:effectRef idx="0">
-            <a:schemeClr val="accent1"/>
-          </a:effectRef>
-          <a:fontRef idx="minor">
-            <a:schemeClr val="dk1"/>
-          </a:fontRef>
-        </p:style>
-        <p:txBody>
-          <a:bodyPr rot="0" spcFirstLastPara="0" vert="horz" wrap="none" lIns="91440" tIns="45720" rIns="91440" bIns="45720" numCol="1" spcCol="0" rtlCol="0" fromWordArt="0" anchor="t" anchorCtr="0" forceAA="0" compatLnSpc="1">
-            <a:prstTxWarp prst="textNoShape">
-              <a:avLst/>
-            </a:prstTxWarp>
-            <a:noAutofit/>
-          </a:bodyPr>
-          <a:lstStyle/>
-          <a:p>
-            <a:pPr algn="ctr">
-              <a:spcAft>
-                <a:spcPts val="0"/>
-              </a:spcAft>
-            </a:pPr>
-            <a:r>
-              <a:rPr lang="ja-JP" altLang="en-US" sz="1000" kern="100" dirty="0" smtClean="0">
-                <a:ea typeface="ヒラギノ角ゴ ProN W3"/>
-                <a:cs typeface="Times New Roman"/>
-              </a:rPr>
-              <a:t>ちょっと左に移動</a:t>
-            </a:r>
-            <a:endParaRPr lang="ja-JP" sz="1200" kern="100" dirty="0">
-              <a:effectLst/>
-              <a:ea typeface="ＭＳ 明朝"/>
-              <a:cs typeface="Times New Roman"/>
-            </a:endParaRPr>
-          </a:p>
-        </p:txBody>
-      </p:sp>
-      <p:sp>
-        <p:nvSpPr>
-          <p:cNvPr id="5" name="テキスト 10"/>
-          <p:cNvSpPr txBox="1"/>
-          <p:nvPr/>
-        </p:nvSpPr>
-        <p:spPr>
-          <a:xfrm>
-            <a:off x="4418063" y="3941079"/>
-            <a:ext cx="1192146" cy="279986"/>
-          </a:xfrm>
-          <a:prstGeom prst="rect">
-            <a:avLst/>
-          </a:prstGeom>
-          <a:noFill/>
-          <a:ln>
-            <a:noFill/>
-          </a:ln>
-          <a:effectLst/>
-          <a:extLst>
-            <a:ext uri="{C572A759-6A51-4108-AA02-DFA0A04FC94B}">
-              <ma14:wrappingTextBoxFlag xmlns:ma14="http://schemas.microsoft.com/office/mac/drawingml/2011/main"/>
-            </a:ext>
-          </a:extLst>
-        </p:spPr>
-        <p:style>
-          <a:lnRef idx="0">
-            <a:schemeClr val="accent1"/>
-          </a:lnRef>
-          <a:fillRef idx="0">
-            <a:schemeClr val="accent1"/>
-          </a:fillRef>
-          <a:effectRef idx="0">
-            <a:schemeClr val="accent1"/>
-          </a:effectRef>
-          <a:fontRef idx="minor">
-            <a:schemeClr val="dk1"/>
-          </a:fontRef>
-        </p:style>
-        <p:txBody>
-          <a:bodyPr rot="0" spcFirstLastPara="0" vert="horz" wrap="none" lIns="91440" tIns="45720" rIns="91440" bIns="45720" numCol="1" spcCol="0" rtlCol="0" fromWordArt="0" anchor="t" anchorCtr="0" forceAA="0" compatLnSpc="1">
-            <a:prstTxWarp prst="textNoShape">
-              <a:avLst/>
-            </a:prstTxWarp>
-            <a:noAutofit/>
-          </a:bodyPr>
-          <a:lstStyle/>
-          <a:p>
-            <a:pPr algn="ctr">
-              <a:spcAft>
-                <a:spcPts val="0"/>
-              </a:spcAft>
-            </a:pPr>
-            <a:r>
-              <a:rPr lang="ja-JP" altLang="en-US" sz="1000" kern="100" dirty="0" smtClean="0">
-                <a:ea typeface="ヒラギノ角ゴ ProN W3"/>
-                <a:cs typeface="Times New Roman"/>
-              </a:rPr>
-              <a:t>ちょっと右に移動</a:t>
-            </a:r>
-            <a:endParaRPr lang="ja-JP" sz="1200" kern="100" dirty="0">
-              <a:effectLst/>
-              <a:ea typeface="ＭＳ 明朝"/>
-              <a:cs typeface="Times New Roman"/>
-            </a:endParaRPr>
-          </a:p>
-        </p:txBody>
-      </p:sp>
-      <p:sp>
-        <p:nvSpPr>
-          <p:cNvPr id="6" name="テキスト 10"/>
-          <p:cNvSpPr txBox="1"/>
-          <p:nvPr/>
-        </p:nvSpPr>
-        <p:spPr>
-          <a:xfrm>
-            <a:off x="4551545" y="2674040"/>
-            <a:ext cx="1025631" cy="279986"/>
-          </a:xfrm>
-          <a:prstGeom prst="rect">
-            <a:avLst/>
-          </a:prstGeom>
-          <a:noFill/>
-          <a:ln>
-            <a:noFill/>
-          </a:ln>
-          <a:effectLst/>
-          <a:extLst>
-            <a:ext uri="{C572A759-6A51-4108-AA02-DFA0A04FC94B}">
-              <ma14:wrappingTextBoxFlag xmlns:ma14="http://schemas.microsoft.com/office/mac/drawingml/2011/main"/>
-            </a:ext>
-          </a:extLst>
-        </p:spPr>
-        <p:style>
-          <a:lnRef idx="0">
-            <a:schemeClr val="accent1"/>
-          </a:lnRef>
-          <a:fillRef idx="0">
-            <a:schemeClr val="accent1"/>
-          </a:fillRef>
-          <a:effectRef idx="0">
-            <a:schemeClr val="accent1"/>
-          </a:effectRef>
-          <a:fontRef idx="minor">
-            <a:schemeClr val="dk1"/>
-          </a:fontRef>
-        </p:style>
-        <p:txBody>
-          <a:bodyPr rot="0" spcFirstLastPara="0" vert="horz" wrap="none" lIns="91440" tIns="45720" rIns="91440" bIns="45720" numCol="1" spcCol="0" rtlCol="0" fromWordArt="0" anchor="t" anchorCtr="0" forceAA="0" compatLnSpc="1">
-            <a:prstTxWarp prst="textNoShape">
-              <a:avLst/>
-            </a:prstTxWarp>
-            <a:noAutofit/>
-          </a:bodyPr>
-          <a:lstStyle/>
-          <a:p>
-            <a:pPr algn="ctr">
-              <a:spcAft>
-                <a:spcPts val="0"/>
-              </a:spcAft>
-            </a:pPr>
-            <a:r>
-              <a:rPr lang="ja-JP" altLang="en-US" sz="1000" kern="100" dirty="0" smtClean="0">
-                <a:ea typeface="ヒラギノ角ゴ ProN W3"/>
-                <a:cs typeface="Times New Roman"/>
-              </a:rPr>
-              <a:t>曲の最後に移動</a:t>
-            </a:r>
-            <a:endParaRPr lang="ja-JP" sz="1200" kern="100" dirty="0">
-              <a:effectLst/>
-              <a:ea typeface="ＭＳ 明朝"/>
-              <a:cs typeface="Times New Roman"/>
-            </a:endParaRPr>
-          </a:p>
-        </p:txBody>
-      </p:sp>
-      <p:cxnSp>
-        <p:nvCxnSpPr>
-          <p:cNvPr id="10" name="直線矢印コネクタ 9"/>
-          <p:cNvCxnSpPr/>
-          <p:nvPr/>
-        </p:nvCxnSpPr>
-        <p:spPr>
-          <a:xfrm flipH="1">
-            <a:off x="4906815" y="2899210"/>
-            <a:ext cx="118615" cy="420274"/>
-          </a:xfrm>
-          <a:prstGeom prst="straightConnector1">
-            <a:avLst/>
-          </a:prstGeom>
-          <a:ln>
-            <a:solidFill>
-              <a:srgbClr val="FF6600"/>
-            </a:solidFill>
-            <a:tailEnd type="arrow"/>
-          </a:ln>
-        </p:spPr>
-        <p:style>
-          <a:lnRef idx="2">
-            <a:schemeClr val="accent1"/>
-          </a:lnRef>
-          <a:fillRef idx="0">
-            <a:schemeClr val="accent1"/>
-          </a:fillRef>
-          <a:effectRef idx="1">
-            <a:schemeClr val="accent1"/>
-          </a:effectRef>
-          <a:fontRef idx="minor">
-            <a:schemeClr val="tx1"/>
-          </a:fontRef>
-        </p:style>
-      </p:cxnSp>
-      <p:cxnSp>
-        <p:nvCxnSpPr>
-          <p:cNvPr id="11" name="直線矢印コネクタ 10"/>
-          <p:cNvCxnSpPr/>
-          <p:nvPr/>
-        </p:nvCxnSpPr>
-        <p:spPr>
-          <a:xfrm>
-            <a:off x="3313853" y="2903036"/>
-            <a:ext cx="313594" cy="416448"/>
-          </a:xfrm>
-          <a:prstGeom prst="straightConnector1">
-            <a:avLst/>
-          </a:prstGeom>
-          <a:ln>
-            <a:solidFill>
-              <a:srgbClr val="FF6600"/>
-            </a:solidFill>
-            <a:tailEnd type="arrow"/>
-          </a:ln>
-        </p:spPr>
-        <p:style>
-          <a:lnRef idx="2">
-            <a:schemeClr val="accent1"/>
-          </a:lnRef>
-          <a:fillRef idx="0">
-            <a:schemeClr val="accent1"/>
-          </a:fillRef>
-          <a:effectRef idx="1">
-            <a:schemeClr val="accent1"/>
-          </a:effectRef>
-          <a:fontRef idx="minor">
-            <a:schemeClr val="tx1"/>
-          </a:fontRef>
-        </p:style>
-      </p:cxnSp>
-      <p:cxnSp>
-        <p:nvCxnSpPr>
-          <p:cNvPr id="13" name="直線矢印コネクタ 12"/>
-          <p:cNvCxnSpPr/>
-          <p:nvPr/>
-        </p:nvCxnSpPr>
-        <p:spPr>
-          <a:xfrm flipH="1" flipV="1">
-            <a:off x="4418064" y="3517510"/>
-            <a:ext cx="441968" cy="423569"/>
-          </a:xfrm>
-          <a:prstGeom prst="straightConnector1">
-            <a:avLst/>
-          </a:prstGeom>
-          <a:ln>
-            <a:solidFill>
-              <a:srgbClr val="FF6600"/>
-            </a:solidFill>
-            <a:tailEnd type="arrow"/>
-          </a:ln>
-        </p:spPr>
-        <p:style>
-          <a:lnRef idx="2">
-            <a:schemeClr val="accent1"/>
-          </a:lnRef>
-          <a:fillRef idx="0">
-            <a:schemeClr val="accent1"/>
-          </a:fillRef>
-          <a:effectRef idx="1">
-            <a:schemeClr val="accent1"/>
-          </a:effectRef>
-          <a:fontRef idx="minor">
-            <a:schemeClr val="tx1"/>
-          </a:fontRef>
-        </p:style>
-      </p:cxnSp>
-      <p:cxnSp>
-        <p:nvCxnSpPr>
-          <p:cNvPr id="18" name="直線矢印コネクタ 17"/>
-          <p:cNvCxnSpPr/>
-          <p:nvPr/>
-        </p:nvCxnSpPr>
-        <p:spPr>
-          <a:xfrm flipV="1">
-            <a:off x="3723472" y="3517510"/>
-            <a:ext cx="342558" cy="423569"/>
-          </a:xfrm>
-          <a:prstGeom prst="straightConnector1">
-            <a:avLst/>
-          </a:prstGeom>
-          <a:ln>
-            <a:solidFill>
-              <a:srgbClr val="FF6600"/>
-            </a:solidFill>
-            <a:tailEnd type="arrow"/>
-          </a:ln>
-        </p:spPr>
-        <p:style>
-          <a:lnRef idx="2">
-            <a:schemeClr val="accent1"/>
-          </a:lnRef>
-          <a:fillRef idx="0">
-            <a:schemeClr val="accent1"/>
-          </a:fillRef>
-          <a:effectRef idx="1">
-            <a:schemeClr val="accent1"/>
-          </a:effectRef>
-          <a:fontRef idx="minor">
-            <a:schemeClr val="tx1"/>
-          </a:fontRef>
-        </p:style>
-      </p:cxnSp>
     </p:spTree>
     <p:extLst>
       <p:ext uri="{BB962C8B-B14F-4D97-AF65-F5344CB8AC3E}">
-        <p14:creationId xmlns:p14="http://schemas.microsoft.com/office/powerpoint/2010/main" val="1114197568"/>
+        <p14:creationId xmlns:p14="http://schemas.microsoft.com/office/powerpoint/2010/main" val="3483731902"/>
       </p:ext>
     </p:extLst>
   </p:cSld>
@@ -7757,7 +9975,7 @@
       </p:grpSpPr>
       <p:pic>
         <p:nvPicPr>
-          <p:cNvPr id="17" name="図 16" descr="スクリーンショット（2011-02-20 1.03.21）.png"/>
+          <p:cNvPr id="2" name="図 1" descr="スクリーンショット（2011-02-19 18.29.02）.png"/>
           <p:cNvPicPr>
             <a:picLocks noChangeAspect="1"/>
           </p:cNvPicPr>
@@ -7777,8 +9995,8 @@
         </p:blipFill>
         <p:spPr>
           <a:xfrm>
-            <a:off x="1708648" y="2463448"/>
-            <a:ext cx="5427822" cy="1362305"/>
+            <a:off x="3451461" y="3165018"/>
+            <a:ext cx="1612900" cy="558800"/>
           </a:xfrm>
           <a:prstGeom prst="rect">
             <a:avLst/>
@@ -7787,139 +10005,13 @@
       </p:pic>
       <p:sp>
         <p:nvSpPr>
-          <p:cNvPr id="3" name="正方形/長方形 2"/>
-          <p:cNvSpPr/>
-          <p:nvPr/>
-        </p:nvSpPr>
-        <p:spPr>
-          <a:xfrm>
-            <a:off x="1722728" y="2463448"/>
-            <a:ext cx="977064" cy="1056266"/>
-          </a:xfrm>
-          <a:prstGeom prst="rect">
-            <a:avLst/>
-          </a:prstGeom>
-          <a:noFill/>
-          <a:ln w="19050" cmpd="sng">
-            <a:solidFill>
-              <a:srgbClr val="FF0000"/>
-            </a:solidFill>
-          </a:ln>
-        </p:spPr>
-        <p:style>
-          <a:lnRef idx="1">
-            <a:schemeClr val="accent1"/>
-          </a:lnRef>
-          <a:fillRef idx="3">
-            <a:schemeClr val="accent1"/>
-          </a:fillRef>
-          <a:effectRef idx="2">
-            <a:schemeClr val="accent1"/>
-          </a:effectRef>
-          <a:fontRef idx="minor">
-            <a:schemeClr val="lt1"/>
-          </a:fontRef>
-        </p:style>
-        <p:txBody>
-          <a:bodyPr rot="0" spcFirstLastPara="0" vert="horz" wrap="square" lIns="91440" tIns="45720" rIns="91440" bIns="45720" numCol="1" spcCol="0" rtlCol="0" fromWordArt="0" anchor="ctr" anchorCtr="0" forceAA="0" compatLnSpc="1">
-            <a:prstTxWarp prst="textNoShape">
-              <a:avLst/>
-            </a:prstTxWarp>
-            <a:noAutofit/>
-          </a:bodyPr>
-          <a:lstStyle/>
-          <a:p>
-            <a:endParaRPr lang="ja-JP" altLang="en-US"/>
-          </a:p>
-        </p:txBody>
-      </p:sp>
-      <p:sp>
-        <p:nvSpPr>
-          <p:cNvPr id="4" name="正方形/長方形 3"/>
-          <p:cNvSpPr/>
-          <p:nvPr/>
-        </p:nvSpPr>
-        <p:spPr>
-          <a:xfrm>
-            <a:off x="2699793" y="2463448"/>
-            <a:ext cx="4436678" cy="1056266"/>
-          </a:xfrm>
-          <a:prstGeom prst="rect">
-            <a:avLst/>
-          </a:prstGeom>
-          <a:noFill/>
-          <a:ln w="19050" cmpd="sng">
-            <a:solidFill>
-              <a:srgbClr val="FF0000"/>
-            </a:solidFill>
-          </a:ln>
-        </p:spPr>
-        <p:style>
-          <a:lnRef idx="1">
-            <a:schemeClr val="accent1"/>
-          </a:lnRef>
-          <a:fillRef idx="3">
-            <a:schemeClr val="accent1"/>
-          </a:fillRef>
-          <a:effectRef idx="2">
-            <a:schemeClr val="accent1"/>
-          </a:effectRef>
-          <a:fontRef idx="minor">
-            <a:schemeClr val="lt1"/>
-          </a:fontRef>
-        </p:style>
-        <p:txBody>
-          <a:bodyPr rot="0" spcFirstLastPara="0" vert="horz" wrap="square" lIns="91440" tIns="45720" rIns="91440" bIns="45720" numCol="1" spcCol="0" rtlCol="0" fromWordArt="0" anchor="ctr" anchorCtr="0" forceAA="0" compatLnSpc="1">
-            <a:prstTxWarp prst="textNoShape">
-              <a:avLst/>
-            </a:prstTxWarp>
-            <a:noAutofit/>
-          </a:bodyPr>
-          <a:lstStyle/>
-          <a:p>
-            <a:endParaRPr lang="ja-JP" altLang="en-US"/>
-          </a:p>
-        </p:txBody>
-      </p:sp>
-      <p:cxnSp>
-        <p:nvCxnSpPr>
-          <p:cNvPr id="5" name="直線コネクタ 4"/>
-          <p:cNvCxnSpPr/>
-          <p:nvPr/>
-        </p:nvCxnSpPr>
-        <p:spPr>
-          <a:xfrm>
-            <a:off x="4998508" y="2110505"/>
-            <a:ext cx="1" cy="903589"/>
-          </a:xfrm>
-          <a:prstGeom prst="line">
-            <a:avLst/>
-          </a:prstGeom>
-        </p:spPr>
-        <p:style>
-          <a:lnRef idx="2">
-            <a:schemeClr val="accent1"/>
-          </a:lnRef>
-          <a:fillRef idx="0">
-            <a:schemeClr val="accent1"/>
-          </a:fillRef>
-          <a:effectRef idx="1">
-            <a:schemeClr val="accent1"/>
-          </a:effectRef>
-          <a:fontRef idx="minor">
-            <a:schemeClr val="tx1"/>
-          </a:fontRef>
-        </p:style>
-      </p:cxnSp>
-      <p:sp>
-        <p:nvSpPr>
-          <p:cNvPr id="7" name="テキスト 10"/>
+          <p:cNvPr id="3" name="テキスト 10"/>
           <p:cNvSpPr txBox="1"/>
           <p:nvPr/>
         </p:nvSpPr>
         <p:spPr>
           <a:xfrm>
-            <a:off x="4477692" y="1864143"/>
+            <a:off x="2777694" y="2674040"/>
             <a:ext cx="1041634" cy="279986"/>
           </a:xfrm>
           <a:prstGeom prst="rect">
@@ -7965,11 +10057,11 @@
               </a:spcAft>
             </a:pPr>
             <a:r>
-              <a:rPr lang="en-US" altLang="en-US" sz="1000" kern="100" dirty="0" smtClean="0">
+              <a:rPr lang="ja-JP" altLang="en-US" sz="1000" kern="100" dirty="0" smtClean="0">
                 <a:ea typeface="ヒラギノ角ゴ ProN W3"/>
                 <a:cs typeface="Times New Roman"/>
               </a:rPr>
-              <a:t>編集エリア</a:t>
+              <a:t>曲の最初に移動</a:t>
             </a:r>
             <a:endParaRPr lang="ja-JP" sz="1200" kern="100" dirty="0">
               <a:effectLst/>
@@ -7979,46 +10071,16 @@
           </a:p>
         </p:txBody>
       </p:sp>
-      <p:cxnSp>
-        <p:nvCxnSpPr>
-          <p:cNvPr id="8" name="直線コネクタ 7"/>
-          <p:cNvCxnSpPr/>
-          <p:nvPr/>
-        </p:nvCxnSpPr>
-        <p:spPr>
-          <a:xfrm>
-            <a:off x="2199610" y="2144129"/>
-            <a:ext cx="1" cy="903589"/>
-          </a:xfrm>
-          <a:prstGeom prst="line">
-            <a:avLst/>
-          </a:prstGeom>
-        </p:spPr>
-        <p:style>
-          <a:lnRef idx="2">
-            <a:schemeClr val="accent1"/>
-          </a:lnRef>
-          <a:fillRef idx="0">
-            <a:schemeClr val="accent1"/>
-          </a:fillRef>
-          <a:effectRef idx="1">
-            <a:schemeClr val="accent1"/>
-          </a:effectRef>
-          <a:fontRef idx="minor">
-            <a:schemeClr val="tx1"/>
-          </a:fontRef>
-        </p:style>
-      </p:cxnSp>
-      <p:sp>
-        <p:nvSpPr>
-          <p:cNvPr id="9" name="テキスト 10"/>
+      <p:sp>
+        <p:nvSpPr>
+          <p:cNvPr id="4" name="テキスト 10"/>
           <p:cNvSpPr txBox="1"/>
           <p:nvPr/>
         </p:nvSpPr>
         <p:spPr>
           <a:xfrm>
-            <a:off x="1708648" y="1864143"/>
-            <a:ext cx="1041634" cy="279986"/>
+            <a:off x="3060944" y="3941079"/>
+            <a:ext cx="1087489" cy="279986"/>
           </a:xfrm>
           <a:prstGeom prst="rect">
             <a:avLst/>
@@ -8067,15 +10129,7 @@
                 <a:ea typeface="ヒラギノ角ゴ ProN W3"/>
                 <a:cs typeface="Times New Roman"/>
               </a:rPr>
-              <a:t>カーブ種類の</a:t>
-            </a:r>
-            <a:r>
-              <a:rPr lang="ja-JP" altLang="en-US" sz="1000" kern="100" dirty="0" smtClean="0">
-                <a:effectLst/>
-                <a:ea typeface="ヒラギノ角ゴ ProN W3"/>
-                <a:cs typeface="Times New Roman"/>
-              </a:rPr>
-              <a:t>一覧</a:t>
+              <a:t>ちょっと左に移動</a:t>
             </a:r>
             <a:endParaRPr lang="ja-JP" sz="1200" kern="100" dirty="0">
               <a:effectLst/>
@@ -8085,46 +10139,16 @@
           </a:p>
         </p:txBody>
       </p:sp>
-      <p:cxnSp>
-        <p:nvCxnSpPr>
-          <p:cNvPr id="10" name="直線コネクタ 9"/>
-          <p:cNvCxnSpPr/>
-          <p:nvPr/>
-        </p:nvCxnSpPr>
-        <p:spPr>
-          <a:xfrm>
-            <a:off x="3396576" y="3596815"/>
-            <a:ext cx="0" cy="386648"/>
-          </a:xfrm>
-          <a:prstGeom prst="line">
-            <a:avLst/>
-          </a:prstGeom>
-        </p:spPr>
-        <p:style>
-          <a:lnRef idx="2">
-            <a:schemeClr val="accent1"/>
-          </a:lnRef>
-          <a:fillRef idx="0">
-            <a:schemeClr val="accent1"/>
-          </a:fillRef>
-          <a:effectRef idx="1">
-            <a:schemeClr val="accent1"/>
-          </a:effectRef>
-          <a:fontRef idx="minor">
-            <a:schemeClr val="tx1"/>
-          </a:fontRef>
-        </p:style>
-      </p:cxnSp>
-      <p:sp>
-        <p:nvSpPr>
-          <p:cNvPr id="12" name="テキスト 10"/>
+      <p:sp>
+        <p:nvSpPr>
+          <p:cNvPr id="5" name="テキスト 10"/>
           <p:cNvSpPr txBox="1"/>
           <p:nvPr/>
         </p:nvSpPr>
         <p:spPr>
           <a:xfrm>
-            <a:off x="2727122" y="3962592"/>
-            <a:ext cx="1338908" cy="279986"/>
+            <a:off x="4418063" y="3941079"/>
+            <a:ext cx="1192146" cy="279986"/>
           </a:xfrm>
           <a:prstGeom prst="rect">
             <a:avLst/>
@@ -8173,7 +10197,7 @@
                 <a:ea typeface="ヒラギノ角ゴ ProN W3"/>
                 <a:cs typeface="Times New Roman"/>
               </a:rPr>
-              <a:t>歌手変更の表示レーン</a:t>
+              <a:t>ちょっと右に移動</a:t>
             </a:r>
             <a:endParaRPr lang="ja-JP" sz="1200" kern="100" dirty="0">
               <a:effectLst/>
@@ -8183,46 +10207,16 @@
           </a:p>
         </p:txBody>
       </p:sp>
-      <p:cxnSp>
-        <p:nvCxnSpPr>
-          <p:cNvPr id="13" name="直線コネクタ 12"/>
-          <p:cNvCxnSpPr/>
-          <p:nvPr/>
-        </p:nvCxnSpPr>
-        <p:spPr>
-          <a:xfrm>
-            <a:off x="4627167" y="3740079"/>
-            <a:ext cx="0" cy="590566"/>
-          </a:xfrm>
-          <a:prstGeom prst="line">
-            <a:avLst/>
-          </a:prstGeom>
-        </p:spPr>
-        <p:style>
-          <a:lnRef idx="2">
-            <a:schemeClr val="accent1"/>
-          </a:lnRef>
-          <a:fillRef idx="0">
-            <a:schemeClr val="accent1"/>
-          </a:fillRef>
-          <a:effectRef idx="1">
-            <a:schemeClr val="accent1"/>
-          </a:effectRef>
-          <a:fontRef idx="minor">
-            <a:schemeClr val="tx1"/>
-          </a:fontRef>
-        </p:style>
-      </p:cxnSp>
-      <p:sp>
-        <p:nvSpPr>
-          <p:cNvPr id="15" name="テキスト 10"/>
+      <p:sp>
+        <p:nvSpPr>
+          <p:cNvPr id="6" name="テキスト 10"/>
           <p:cNvSpPr txBox="1"/>
           <p:nvPr/>
         </p:nvSpPr>
         <p:spPr>
           <a:xfrm>
-            <a:off x="3957713" y="4330645"/>
-            <a:ext cx="1338908" cy="279986"/>
+            <a:off x="4551545" y="2674040"/>
+            <a:ext cx="1025631" cy="279986"/>
           </a:xfrm>
           <a:prstGeom prst="rect">
             <a:avLst/>
@@ -8271,7 +10265,7 @@
                 <a:ea typeface="ヒラギノ角ゴ ProN W3"/>
                 <a:cs typeface="Times New Roman"/>
               </a:rPr>
-              <a:t>トラックの一覧</a:t>
+              <a:t>曲の最後に移動</a:t>
             </a:r>
             <a:endParaRPr lang="ja-JP" sz="1200" kern="100" dirty="0">
               <a:effectLst/>
@@ -8281,10 +10275,154 @@
           </a:p>
         </p:txBody>
       </p:sp>
+      <p:cxnSp>
+        <p:nvCxnSpPr>
+          <p:cNvPr id="10" name="直線矢印コネクタ 9"/>
+          <p:cNvCxnSpPr/>
+          <p:nvPr/>
+        </p:nvCxnSpPr>
+        <p:spPr>
+          <a:xfrm flipH="1">
+            <a:off x="4906815" y="2899210"/>
+            <a:ext cx="118615" cy="420274"/>
+          </a:xfrm>
+          <a:prstGeom prst="straightConnector1">
+            <a:avLst/>
+          </a:prstGeom>
+          <a:ln>
+            <a:solidFill>
+              <a:srgbClr val="FF6600"/>
+            </a:solidFill>
+            <a:tailEnd type="arrow"/>
+          </a:ln>
+        </p:spPr>
+        <p:style>
+          <a:lnRef idx="2">
+            <a:schemeClr val="accent1"/>
+          </a:lnRef>
+          <a:fillRef idx="0">
+            <a:schemeClr val="accent1"/>
+          </a:fillRef>
+          <a:effectRef idx="1">
+            <a:schemeClr val="accent1"/>
+          </a:effectRef>
+          <a:fontRef idx="minor">
+            <a:schemeClr val="tx1"/>
+          </a:fontRef>
+        </p:style>
+      </p:cxnSp>
+      <p:cxnSp>
+        <p:nvCxnSpPr>
+          <p:cNvPr id="11" name="直線矢印コネクタ 10"/>
+          <p:cNvCxnSpPr/>
+          <p:nvPr/>
+        </p:nvCxnSpPr>
+        <p:spPr>
+          <a:xfrm>
+            <a:off x="3313853" y="2903036"/>
+            <a:ext cx="313594" cy="416448"/>
+          </a:xfrm>
+          <a:prstGeom prst="straightConnector1">
+            <a:avLst/>
+          </a:prstGeom>
+          <a:ln>
+            <a:solidFill>
+              <a:srgbClr val="FF6600"/>
+            </a:solidFill>
+            <a:tailEnd type="arrow"/>
+          </a:ln>
+        </p:spPr>
+        <p:style>
+          <a:lnRef idx="2">
+            <a:schemeClr val="accent1"/>
+          </a:lnRef>
+          <a:fillRef idx="0">
+            <a:schemeClr val="accent1"/>
+          </a:fillRef>
+          <a:effectRef idx="1">
+            <a:schemeClr val="accent1"/>
+          </a:effectRef>
+          <a:fontRef idx="minor">
+            <a:schemeClr val="tx1"/>
+          </a:fontRef>
+        </p:style>
+      </p:cxnSp>
+      <p:cxnSp>
+        <p:nvCxnSpPr>
+          <p:cNvPr id="13" name="直線矢印コネクタ 12"/>
+          <p:cNvCxnSpPr/>
+          <p:nvPr/>
+        </p:nvCxnSpPr>
+        <p:spPr>
+          <a:xfrm flipH="1" flipV="1">
+            <a:off x="4418064" y="3517510"/>
+            <a:ext cx="441968" cy="423569"/>
+          </a:xfrm>
+          <a:prstGeom prst="straightConnector1">
+            <a:avLst/>
+          </a:prstGeom>
+          <a:ln>
+            <a:solidFill>
+              <a:srgbClr val="FF6600"/>
+            </a:solidFill>
+            <a:tailEnd type="arrow"/>
+          </a:ln>
+        </p:spPr>
+        <p:style>
+          <a:lnRef idx="2">
+            <a:schemeClr val="accent1"/>
+          </a:lnRef>
+          <a:fillRef idx="0">
+            <a:schemeClr val="accent1"/>
+          </a:fillRef>
+          <a:effectRef idx="1">
+            <a:schemeClr val="accent1"/>
+          </a:effectRef>
+          <a:fontRef idx="minor">
+            <a:schemeClr val="tx1"/>
+          </a:fontRef>
+        </p:style>
+      </p:cxnSp>
+      <p:cxnSp>
+        <p:nvCxnSpPr>
+          <p:cNvPr id="18" name="直線矢印コネクタ 17"/>
+          <p:cNvCxnSpPr/>
+          <p:nvPr/>
+        </p:nvCxnSpPr>
+        <p:spPr>
+          <a:xfrm flipV="1">
+            <a:off x="3723472" y="3517510"/>
+            <a:ext cx="342558" cy="423569"/>
+          </a:xfrm>
+          <a:prstGeom prst="straightConnector1">
+            <a:avLst/>
+          </a:prstGeom>
+          <a:ln>
+            <a:solidFill>
+              <a:srgbClr val="FF6600"/>
+            </a:solidFill>
+            <a:tailEnd type="arrow"/>
+          </a:ln>
+        </p:spPr>
+        <p:style>
+          <a:lnRef idx="2">
+            <a:schemeClr val="accent1"/>
+          </a:lnRef>
+          <a:fillRef idx="0">
+            <a:schemeClr val="accent1"/>
+          </a:fillRef>
+          <a:effectRef idx="1">
+            <a:schemeClr val="accent1"/>
+          </a:effectRef>
+          <a:fontRef idx="minor">
+            <a:schemeClr val="tx1"/>
+          </a:fontRef>
+        </p:style>
+      </p:cxnSp>
     </p:spTree>
     <p:extLst>
       <p:ext uri="{BB962C8B-B14F-4D97-AF65-F5344CB8AC3E}">
-        <p14:creationId xmlns:p14="http://schemas.microsoft.com/office/powerpoint/2010/main" val="1216794450"/>
+        <p14:creationId xmlns:p14="http://schemas.microsoft.com/office/powerpoint/2010/main" val="1114197568"/>
       </p:ext>
     </p:extLst>
   </p:cSld>
@@ -8313,13 +10451,13 @@
       </p:grpSpPr>
       <p:pic>
         <p:nvPicPr>
-          <p:cNvPr id="2" name="図 1" descr="スクリーンショット（2011-02-20 2.00.56）.png"/>
+          <p:cNvPr id="17" name="図 16" descr="スクリーンショット（2011-02-20 1.03.21）.png"/>
           <p:cNvPicPr>
             <a:picLocks noChangeAspect="1"/>
           </p:cNvPicPr>
           <p:nvPr/>
         </p:nvPicPr>
-        <p:blipFill rotWithShape="1">
+        <p:blipFill>
           <a:blip r:embed="rId2">
             <a:extLst>
               <a:ext uri="{28A0092B-C50C-407E-A947-70E740481C1C}">
@@ -8327,58 +10465,156 @@
               </a:ext>
             </a:extLst>
           </a:blip>
-          <a:srcRect l="1336"/>
-          <a:stretch/>
+          <a:stretch>
+            <a:fillRect/>
+          </a:stretch>
         </p:blipFill>
         <p:spPr>
           <a:xfrm>
-            <a:off x="4360121" y="2803391"/>
-            <a:ext cx="1149341" cy="533914"/>
+            <a:off x="1708648" y="2463448"/>
+            <a:ext cx="5427822" cy="1362305"/>
           </a:xfrm>
           <a:prstGeom prst="rect">
             <a:avLst/>
           </a:prstGeom>
         </p:spPr>
       </p:pic>
-      <p:pic>
-        <p:nvPicPr>
-          <p:cNvPr id="3" name="図 2" descr="スクリーンショット（2011-02-20 2.01.13）.png"/>
-          <p:cNvPicPr>
-            <a:picLocks noChangeAspect="1"/>
-          </p:cNvPicPr>
-          <p:nvPr/>
-        </p:nvPicPr>
-        <p:blipFill rotWithShape="1">
-          <a:blip r:embed="rId3">
-            <a:extLst>
-              <a:ext uri="{28A0092B-C50C-407E-A947-70E740481C1C}">
-                <a14:useLocalDpi xmlns:a14="http://schemas.microsoft.com/office/drawing/2010/main" val="0"/>
-              </a:ext>
-            </a:extLst>
-          </a:blip>
-          <a:srcRect r="5909" b="31959"/>
-          <a:stretch/>
-        </p:blipFill>
-        <p:spPr>
-          <a:xfrm>
-            <a:off x="2875345" y="2803391"/>
-            <a:ext cx="1149341" cy="533914"/>
+      <p:sp>
+        <p:nvSpPr>
+          <p:cNvPr id="3" name="正方形/長方形 2"/>
+          <p:cNvSpPr/>
+          <p:nvPr/>
+        </p:nvSpPr>
+        <p:spPr>
+          <a:xfrm>
+            <a:off x="1722728" y="2463448"/>
+            <a:ext cx="977064" cy="1056266"/>
           </a:xfrm>
           <a:prstGeom prst="rect">
             <a:avLst/>
           </a:prstGeom>
-        </p:spPr>
-      </p:pic>
-      <p:sp>
-        <p:nvSpPr>
-          <p:cNvPr id="4" name="テキスト 10"/>
+          <a:noFill/>
+          <a:ln w="19050" cmpd="sng">
+            <a:solidFill>
+              <a:srgbClr val="FF0000"/>
+            </a:solidFill>
+          </a:ln>
+        </p:spPr>
+        <p:style>
+          <a:lnRef idx="1">
+            <a:schemeClr val="accent1"/>
+          </a:lnRef>
+          <a:fillRef idx="3">
+            <a:schemeClr val="accent1"/>
+          </a:fillRef>
+          <a:effectRef idx="2">
+            <a:schemeClr val="accent1"/>
+          </a:effectRef>
+          <a:fontRef idx="minor">
+            <a:schemeClr val="lt1"/>
+          </a:fontRef>
+        </p:style>
+        <p:txBody>
+          <a:bodyPr rot="0" spcFirstLastPara="0" vert="horz" wrap="square" lIns="91440" tIns="45720" rIns="91440" bIns="45720" numCol="1" spcCol="0" rtlCol="0" fromWordArt="0" anchor="ctr" anchorCtr="0" forceAA="0" compatLnSpc="1">
+            <a:prstTxWarp prst="textNoShape">
+              <a:avLst/>
+            </a:prstTxWarp>
+            <a:noAutofit/>
+          </a:bodyPr>
+          <a:lstStyle/>
+          <a:p>
+            <a:endParaRPr lang="ja-JP" altLang="en-US"/>
+          </a:p>
+        </p:txBody>
+      </p:sp>
+      <p:sp>
+        <p:nvSpPr>
+          <p:cNvPr id="4" name="正方形/長方形 3"/>
+          <p:cNvSpPr/>
+          <p:nvPr/>
+        </p:nvSpPr>
+        <p:spPr>
+          <a:xfrm>
+            <a:off x="2699793" y="2463448"/>
+            <a:ext cx="4436678" cy="1056266"/>
+          </a:xfrm>
+          <a:prstGeom prst="rect">
+            <a:avLst/>
+          </a:prstGeom>
+          <a:noFill/>
+          <a:ln w="19050" cmpd="sng">
+            <a:solidFill>
+              <a:srgbClr val="FF0000"/>
+            </a:solidFill>
+          </a:ln>
+        </p:spPr>
+        <p:style>
+          <a:lnRef idx="1">
+            <a:schemeClr val="accent1"/>
+          </a:lnRef>
+          <a:fillRef idx="3">
+            <a:schemeClr val="accent1"/>
+          </a:fillRef>
+          <a:effectRef idx="2">
+            <a:schemeClr val="accent1"/>
+          </a:effectRef>
+          <a:fontRef idx="minor">
+            <a:schemeClr val="lt1"/>
+          </a:fontRef>
+        </p:style>
+        <p:txBody>
+          <a:bodyPr rot="0" spcFirstLastPara="0" vert="horz" wrap="square" lIns="91440" tIns="45720" rIns="91440" bIns="45720" numCol="1" spcCol="0" rtlCol="0" fromWordArt="0" anchor="ctr" anchorCtr="0" forceAA="0" compatLnSpc="1">
+            <a:prstTxWarp prst="textNoShape">
+              <a:avLst/>
+            </a:prstTxWarp>
+            <a:noAutofit/>
+          </a:bodyPr>
+          <a:lstStyle/>
+          <a:p>
+            <a:endParaRPr lang="ja-JP" altLang="en-US"/>
+          </a:p>
+        </p:txBody>
+      </p:sp>
+      <p:cxnSp>
+        <p:nvCxnSpPr>
+          <p:cNvPr id="5" name="直線コネクタ 4"/>
+          <p:cNvCxnSpPr/>
+          <p:nvPr/>
+        </p:nvCxnSpPr>
+        <p:spPr>
+          <a:xfrm>
+            <a:off x="4998508" y="2110505"/>
+            <a:ext cx="1" cy="903589"/>
+          </a:xfrm>
+          <a:prstGeom prst="line">
+            <a:avLst/>
+          </a:prstGeom>
+        </p:spPr>
+        <p:style>
+          <a:lnRef idx="2">
+            <a:schemeClr val="accent1"/>
+          </a:lnRef>
+          <a:fillRef idx="0">
+            <a:schemeClr val="accent1"/>
+          </a:fillRef>
+          <a:effectRef idx="1">
+            <a:schemeClr val="accent1"/>
+          </a:effectRef>
+          <a:fontRef idx="minor">
+            <a:schemeClr val="tx1"/>
+          </a:fontRef>
+        </p:style>
+      </p:cxnSp>
+      <p:sp>
+        <p:nvSpPr>
+          <p:cNvPr id="7" name="テキスト 10"/>
           <p:cNvSpPr txBox="1"/>
           <p:nvPr/>
         </p:nvSpPr>
         <p:spPr>
           <a:xfrm>
-            <a:off x="3148995" y="2523405"/>
-            <a:ext cx="602040" cy="279986"/>
+            <a:off x="4477692" y="1864143"/>
+            <a:ext cx="1041634" cy="279986"/>
           </a:xfrm>
           <a:prstGeom prst="rect">
             <a:avLst/>
@@ -8423,11 +10659,11 @@
               </a:spcAft>
             </a:pPr>
             <a:r>
-              <a:rPr lang="en-US" altLang="ja-JP" sz="1000" kern="100" dirty="0" smtClean="0">
+              <a:rPr lang="en-US" altLang="en-US" sz="1000" kern="100" dirty="0" smtClean="0">
                 <a:ea typeface="ヒラギノ角ゴ ProN W3"/>
                 <a:cs typeface="Times New Roman"/>
               </a:rPr>
-              <a:t>ON</a:t>
+              <a:t>編集エリア</a:t>
             </a:r>
             <a:endParaRPr lang="ja-JP" sz="1200" kern="100" dirty="0">
               <a:effectLst/>
@@ -8437,16 +10673,46 @@
           </a:p>
         </p:txBody>
       </p:sp>
-      <p:sp>
-        <p:nvSpPr>
-          <p:cNvPr id="5" name="テキスト 10"/>
+      <p:cxnSp>
+        <p:nvCxnSpPr>
+          <p:cNvPr id="8" name="直線コネクタ 7"/>
+          <p:cNvCxnSpPr/>
+          <p:nvPr/>
+        </p:nvCxnSpPr>
+        <p:spPr>
+          <a:xfrm>
+            <a:off x="2199610" y="2144129"/>
+            <a:ext cx="1" cy="903589"/>
+          </a:xfrm>
+          <a:prstGeom prst="line">
+            <a:avLst/>
+          </a:prstGeom>
+        </p:spPr>
+        <p:style>
+          <a:lnRef idx="2">
+            <a:schemeClr val="accent1"/>
+          </a:lnRef>
+          <a:fillRef idx="0">
+            <a:schemeClr val="accent1"/>
+          </a:fillRef>
+          <a:effectRef idx="1">
+            <a:schemeClr val="accent1"/>
+          </a:effectRef>
+          <a:fontRef idx="minor">
+            <a:schemeClr val="tx1"/>
+          </a:fontRef>
+        </p:style>
+      </p:cxnSp>
+      <p:sp>
+        <p:nvSpPr>
+          <p:cNvPr id="9" name="テキスト 10"/>
           <p:cNvSpPr txBox="1"/>
           <p:nvPr/>
         </p:nvSpPr>
         <p:spPr>
           <a:xfrm>
-            <a:off x="4633771" y="2523405"/>
-            <a:ext cx="602040" cy="279986"/>
+            <a:off x="1708648" y="1864143"/>
+            <a:ext cx="1041634" cy="279986"/>
           </a:xfrm>
           <a:prstGeom prst="rect">
             <a:avLst/>
@@ -8491,11 +10757,19 @@
               </a:spcAft>
             </a:pPr>
             <a:r>
-              <a:rPr lang="en-US" altLang="ja-JP" sz="1000" kern="100" dirty="0" smtClean="0">
+              <a:rPr lang="ja-JP" altLang="en-US" sz="1000" kern="100" dirty="0" smtClean="0">
                 <a:ea typeface="ヒラギノ角ゴ ProN W3"/>
                 <a:cs typeface="Times New Roman"/>
               </a:rPr>
-              <a:t>OFF</a:t>
+              <a:t>カーブ種類の</a:t>
+            </a:r>
+            <a:r>
+              <a:rPr lang="ja-JP" altLang="en-US" sz="1000" kern="100" dirty="0" smtClean="0">
+                <a:effectLst/>
+                <a:ea typeface="ヒラギノ角ゴ ProN W3"/>
+                <a:cs typeface="Times New Roman"/>
+              </a:rPr>
+              <a:t>一覧</a:t>
             </a:r>
             <a:endParaRPr lang="ja-JP" sz="1200" kern="100" dirty="0">
               <a:effectLst/>
@@ -8505,10 +10779,206 @@
           </a:p>
         </p:txBody>
       </p:sp>
+      <p:cxnSp>
+        <p:nvCxnSpPr>
+          <p:cNvPr id="10" name="直線コネクタ 9"/>
+          <p:cNvCxnSpPr/>
+          <p:nvPr/>
+        </p:nvCxnSpPr>
+        <p:spPr>
+          <a:xfrm>
+            <a:off x="3396576" y="3596815"/>
+            <a:ext cx="0" cy="386648"/>
+          </a:xfrm>
+          <a:prstGeom prst="line">
+            <a:avLst/>
+          </a:prstGeom>
+        </p:spPr>
+        <p:style>
+          <a:lnRef idx="2">
+            <a:schemeClr val="accent1"/>
+          </a:lnRef>
+          <a:fillRef idx="0">
+            <a:schemeClr val="accent1"/>
+          </a:fillRef>
+          <a:effectRef idx="1">
+            <a:schemeClr val="accent1"/>
+          </a:effectRef>
+          <a:fontRef idx="minor">
+            <a:schemeClr val="tx1"/>
+          </a:fontRef>
+        </p:style>
+      </p:cxnSp>
+      <p:sp>
+        <p:nvSpPr>
+          <p:cNvPr id="12" name="テキスト 10"/>
+          <p:cNvSpPr txBox="1"/>
+          <p:nvPr/>
+        </p:nvSpPr>
+        <p:spPr>
+          <a:xfrm>
+            <a:off x="2727122" y="3962592"/>
+            <a:ext cx="1338908" cy="279986"/>
+          </a:xfrm>
+          <a:prstGeom prst="rect">
+            <a:avLst/>
+          </a:prstGeom>
+          <a:noFill/>
+          <a:ln>
+            <a:noFill/>
+          </a:ln>
+          <a:effectLst/>
+          <a:extLst>
+            <a:ext uri="{C572A759-6A51-4108-AA02-DFA0A04FC94B}">
+              <ma14:wrappingTextBoxFlag xmlns:ma14="http://schemas.microsoft.com/office/mac/drawingml/2011/main"/>
+            </a:ext>
+          </a:extLst>
+        </p:spPr>
+        <p:style>
+          <a:lnRef idx="0">
+            <a:schemeClr val="accent1"/>
+          </a:lnRef>
+          <a:fillRef idx="0">
+            <a:schemeClr val="accent1"/>
+          </a:fillRef>
+          <a:effectRef idx="0">
+            <a:schemeClr val="accent1"/>
+          </a:effectRef>
+          <a:fontRef idx="minor">
+            <a:schemeClr val="dk1"/>
+          </a:fontRef>
+        </p:style>
+        <p:txBody>
+          <a:bodyPr rot="0" spcFirstLastPara="0" vert="horz" wrap="none" lIns="91440" tIns="45720" rIns="91440" bIns="45720" numCol="1" spcCol="0" rtlCol="0" fromWordArt="0" anchor="t" anchorCtr="0" forceAA="0" compatLnSpc="1">
+            <a:prstTxWarp prst="textNoShape">
+              <a:avLst/>
+            </a:prstTxWarp>
+            <a:noAutofit/>
+          </a:bodyPr>
+          <a:lstStyle/>
+          <a:p>
+            <a:pPr algn="ctr">
+              <a:spcAft>
+                <a:spcPts val="0"/>
+              </a:spcAft>
+            </a:pPr>
+            <a:r>
+              <a:rPr lang="ja-JP" altLang="en-US" sz="1000" kern="100" dirty="0" smtClean="0">
+                <a:ea typeface="ヒラギノ角ゴ ProN W3"/>
+                <a:cs typeface="Times New Roman"/>
+              </a:rPr>
+              <a:t>歌手変更の表示レーン</a:t>
+            </a:r>
+            <a:endParaRPr lang="ja-JP" sz="1200" kern="100" dirty="0">
+              <a:effectLst/>
+              <a:ea typeface="ＭＳ 明朝"/>
+              <a:cs typeface="Times New Roman"/>
+            </a:endParaRPr>
+          </a:p>
+        </p:txBody>
+      </p:sp>
+      <p:cxnSp>
+        <p:nvCxnSpPr>
+          <p:cNvPr id="13" name="直線コネクタ 12"/>
+          <p:cNvCxnSpPr/>
+          <p:nvPr/>
+        </p:nvCxnSpPr>
+        <p:spPr>
+          <a:xfrm>
+            <a:off x="4627167" y="3740079"/>
+            <a:ext cx="0" cy="590566"/>
+          </a:xfrm>
+          <a:prstGeom prst="line">
+            <a:avLst/>
+          </a:prstGeom>
+        </p:spPr>
+        <p:style>
+          <a:lnRef idx="2">
+            <a:schemeClr val="accent1"/>
+          </a:lnRef>
+          <a:fillRef idx="0">
+            <a:schemeClr val="accent1"/>
+          </a:fillRef>
+          <a:effectRef idx="1">
+            <a:schemeClr val="accent1"/>
+          </a:effectRef>
+          <a:fontRef idx="minor">
+            <a:schemeClr val="tx1"/>
+          </a:fontRef>
+        </p:style>
+      </p:cxnSp>
+      <p:sp>
+        <p:nvSpPr>
+          <p:cNvPr id="15" name="テキスト 10"/>
+          <p:cNvSpPr txBox="1"/>
+          <p:nvPr/>
+        </p:nvSpPr>
+        <p:spPr>
+          <a:xfrm>
+            <a:off x="3957713" y="4330645"/>
+            <a:ext cx="1338908" cy="279986"/>
+          </a:xfrm>
+          <a:prstGeom prst="rect">
+            <a:avLst/>
+          </a:prstGeom>
+          <a:noFill/>
+          <a:ln>
+            <a:noFill/>
+          </a:ln>
+          <a:effectLst/>
+          <a:extLst>
+            <a:ext uri="{C572A759-6A51-4108-AA02-DFA0A04FC94B}">
+              <ma14:wrappingTextBoxFlag xmlns:ma14="http://schemas.microsoft.com/office/mac/drawingml/2011/main"/>
+            </a:ext>
+          </a:extLst>
+        </p:spPr>
+        <p:style>
+          <a:lnRef idx="0">
+            <a:schemeClr val="accent1"/>
+          </a:lnRef>
+          <a:fillRef idx="0">
+            <a:schemeClr val="accent1"/>
+          </a:fillRef>
+          <a:effectRef idx="0">
+            <a:schemeClr val="accent1"/>
+          </a:effectRef>
+          <a:fontRef idx="minor">
+            <a:schemeClr val="dk1"/>
+          </a:fontRef>
+        </p:style>
+        <p:txBody>
+          <a:bodyPr rot="0" spcFirstLastPara="0" vert="horz" wrap="none" lIns="91440" tIns="45720" rIns="91440" bIns="45720" numCol="1" spcCol="0" rtlCol="0" fromWordArt="0" anchor="t" anchorCtr="0" forceAA="0" compatLnSpc="1">
+            <a:prstTxWarp prst="textNoShape">
+              <a:avLst/>
+            </a:prstTxWarp>
+            <a:noAutofit/>
+          </a:bodyPr>
+          <a:lstStyle/>
+          <a:p>
+            <a:pPr algn="ctr">
+              <a:spcAft>
+                <a:spcPts val="0"/>
+              </a:spcAft>
+            </a:pPr>
+            <a:r>
+              <a:rPr lang="ja-JP" altLang="en-US" sz="1000" kern="100" dirty="0" smtClean="0">
+                <a:ea typeface="ヒラギノ角ゴ ProN W3"/>
+                <a:cs typeface="Times New Roman"/>
+              </a:rPr>
+              <a:t>トラックの一覧</a:t>
+            </a:r>
+            <a:endParaRPr lang="ja-JP" sz="1200" kern="100" dirty="0">
+              <a:effectLst/>
+              <a:ea typeface="ＭＳ 明朝"/>
+              <a:cs typeface="Times New Roman"/>
+            </a:endParaRPr>
+          </a:p>
+        </p:txBody>
+      </p:sp>
     </p:spTree>
     <p:extLst>
       <p:ext uri="{BB962C8B-B14F-4D97-AF65-F5344CB8AC3E}">
-        <p14:creationId xmlns:p14="http://schemas.microsoft.com/office/powerpoint/2010/main" val="3225537408"/>
+        <p14:creationId xmlns:p14="http://schemas.microsoft.com/office/powerpoint/2010/main" val="1216794450"/>
       </p:ext>
     </p:extLst>
   </p:cSld>

--- a/Cadencii/manual/manual.pptx
+++ b/Cadencii/manual/manual.pptx
@@ -299,7 +299,7 @@
           <a:p>
             <a:fld id="{B21AEFA7-8FDD-4E42-A0F0-B7F1BA496881}" type="datetimeFigureOut">
               <a:rPr kumimoji="1" lang="ja-JP" altLang="en-US" smtClean="0"/>
-              <a:t>11/02/20</a:t>
+              <a:t>11/03/03</a:t>
             </a:fld>
             <a:endParaRPr kumimoji="1" lang="ja-JP" altLang="en-US"/>
           </a:p>
@@ -501,7 +501,7 @@
           <a:p>
             <a:fld id="{B21AEFA7-8FDD-4E42-A0F0-B7F1BA496881}" type="datetimeFigureOut">
               <a:rPr kumimoji="1" lang="ja-JP" altLang="en-US" smtClean="0"/>
-              <a:t>11/02/20</a:t>
+              <a:t>11/03/03</a:t>
             </a:fld>
             <a:endParaRPr kumimoji="1" lang="ja-JP" altLang="en-US"/>
           </a:p>
@@ -713,7 +713,7 @@
           <a:p>
             <a:fld id="{B21AEFA7-8FDD-4E42-A0F0-B7F1BA496881}" type="datetimeFigureOut">
               <a:rPr kumimoji="1" lang="ja-JP" altLang="en-US" smtClean="0"/>
-              <a:t>11/02/20</a:t>
+              <a:t>11/03/03</a:t>
             </a:fld>
             <a:endParaRPr kumimoji="1" lang="ja-JP" altLang="en-US"/>
           </a:p>
@@ -915,7 +915,7 @@
           <a:p>
             <a:fld id="{B21AEFA7-8FDD-4E42-A0F0-B7F1BA496881}" type="datetimeFigureOut">
               <a:rPr kumimoji="1" lang="ja-JP" altLang="en-US" smtClean="0"/>
-              <a:t>11/02/20</a:t>
+              <a:t>11/03/03</a:t>
             </a:fld>
             <a:endParaRPr kumimoji="1" lang="ja-JP" altLang="en-US"/>
           </a:p>
@@ -1161,7 +1161,7 @@
           <a:p>
             <a:fld id="{B21AEFA7-8FDD-4E42-A0F0-B7F1BA496881}" type="datetimeFigureOut">
               <a:rPr kumimoji="1" lang="ja-JP" altLang="en-US" smtClean="0"/>
-              <a:t>11/02/20</a:t>
+              <a:t>11/03/03</a:t>
             </a:fld>
             <a:endParaRPr kumimoji="1" lang="ja-JP" altLang="en-US"/>
           </a:p>
@@ -1513,7 +1513,7 @@
           <a:p>
             <a:fld id="{B21AEFA7-8FDD-4E42-A0F0-B7F1BA496881}" type="datetimeFigureOut">
               <a:rPr kumimoji="1" lang="ja-JP" altLang="en-US" smtClean="0"/>
-              <a:t>11/02/20</a:t>
+              <a:t>11/03/03</a:t>
             </a:fld>
             <a:endParaRPr kumimoji="1" lang="ja-JP" altLang="en-US"/>
           </a:p>
@@ -1999,7 +1999,7 @@
           <a:p>
             <a:fld id="{B21AEFA7-8FDD-4E42-A0F0-B7F1BA496881}" type="datetimeFigureOut">
               <a:rPr kumimoji="1" lang="ja-JP" altLang="en-US" smtClean="0"/>
-              <a:t>11/02/20</a:t>
+              <a:t>11/03/03</a:t>
             </a:fld>
             <a:endParaRPr kumimoji="1" lang="ja-JP" altLang="en-US"/>
           </a:p>
@@ -2117,7 +2117,7 @@
           <a:p>
             <a:fld id="{B21AEFA7-8FDD-4E42-A0F0-B7F1BA496881}" type="datetimeFigureOut">
               <a:rPr kumimoji="1" lang="ja-JP" altLang="en-US" smtClean="0"/>
-              <a:t>11/02/20</a:t>
+              <a:t>11/03/03</a:t>
             </a:fld>
             <a:endParaRPr kumimoji="1" lang="ja-JP" altLang="en-US"/>
           </a:p>
@@ -2212,7 +2212,7 @@
           <a:p>
             <a:fld id="{B21AEFA7-8FDD-4E42-A0F0-B7F1BA496881}" type="datetimeFigureOut">
               <a:rPr kumimoji="1" lang="ja-JP" altLang="en-US" smtClean="0"/>
-              <a:t>11/02/20</a:t>
+              <a:t>11/03/03</a:t>
             </a:fld>
             <a:endParaRPr kumimoji="1" lang="ja-JP" altLang="en-US"/>
           </a:p>
@@ -2521,7 +2521,7 @@
           <a:p>
             <a:fld id="{B21AEFA7-8FDD-4E42-A0F0-B7F1BA496881}" type="datetimeFigureOut">
               <a:rPr kumimoji="1" lang="ja-JP" altLang="en-US" smtClean="0"/>
-              <a:t>11/02/20</a:t>
+              <a:t>11/03/03</a:t>
             </a:fld>
             <a:endParaRPr kumimoji="1" lang="ja-JP" altLang="en-US"/>
           </a:p>
@@ -2774,7 +2774,7 @@
           <a:p>
             <a:fld id="{B21AEFA7-8FDD-4E42-A0F0-B7F1BA496881}" type="datetimeFigureOut">
               <a:rPr kumimoji="1" lang="ja-JP" altLang="en-US" smtClean="0"/>
-              <a:t>11/02/20</a:t>
+              <a:t>11/03/03</a:t>
             </a:fld>
             <a:endParaRPr kumimoji="1" lang="ja-JP" altLang="en-US"/>
           </a:p>
@@ -3019,7 +3019,7 @@
           <a:p>
             <a:fld id="{B21AEFA7-8FDD-4E42-A0F0-B7F1BA496881}" type="datetimeFigureOut">
               <a:rPr kumimoji="1" lang="ja-JP" altLang="en-US" smtClean="0"/>
-              <a:t>11/02/20</a:t>
+              <a:t>11/03/03</a:t>
             </a:fld>
             <a:endParaRPr kumimoji="1" lang="ja-JP" altLang="en-US"/>
           </a:p>
@@ -3396,6 +3396,36 @@
       </p:grpSpPr>
       <p:pic>
         <p:nvPicPr>
+          <p:cNvPr id="10" name="図 9" descr="スクリーンショット（2011-03-03 1.54.15）.png"/>
+          <p:cNvPicPr>
+            <a:picLocks noChangeAspect="1"/>
+          </p:cNvPicPr>
+          <p:nvPr/>
+        </p:nvPicPr>
+        <p:blipFill>
+          <a:blip r:embed="rId2">
+            <a:extLst>
+              <a:ext uri="{28A0092B-C50C-407E-A947-70E740481C1C}">
+                <a14:useLocalDpi xmlns:a14="http://schemas.microsoft.com/office/drawing/2010/main" val="0"/>
+              </a:ext>
+            </a:extLst>
+          </a:blip>
+          <a:stretch>
+            <a:fillRect/>
+          </a:stretch>
+        </p:blipFill>
+        <p:spPr>
+          <a:xfrm>
+            <a:off x="2388804" y="4871607"/>
+            <a:ext cx="3979164" cy="501396"/>
+          </a:xfrm>
+          <a:prstGeom prst="rect">
+            <a:avLst/>
+          </a:prstGeom>
+        </p:spPr>
+      </p:pic>
+      <p:pic>
+        <p:nvPicPr>
           <p:cNvPr id="2" name="図 1" descr="スクリーンショット（2011-02-20 18.33.43）.png"/>
           <p:cNvPicPr>
             <a:picLocks noChangeAspect="1"/>
@@ -3403,7 +3433,7 @@
           <p:nvPr/>
         </p:nvPicPr>
         <p:blipFill rotWithShape="1">
-          <a:blip r:embed="rId2">
+          <a:blip r:embed="rId3">
             <a:extLst>
               <a:ext uri="{28A0092B-C50C-407E-A947-70E740481C1C}">
                 <a14:useLocalDpi xmlns:a14="http://schemas.microsoft.com/office/drawing/2010/main" val="0"/>
@@ -3432,7 +3462,7 @@
           <p:nvPr/>
         </p:nvPicPr>
         <p:blipFill rotWithShape="1">
-          <a:blip r:embed="rId2">
+          <a:blip r:embed="rId3">
             <a:extLst>
               <a:ext uri="{28A0092B-C50C-407E-A947-70E740481C1C}">
                 <a14:useLocalDpi xmlns:a14="http://schemas.microsoft.com/office/drawing/2010/main" val="0"/>
@@ -3446,35 +3476,6 @@
           <a:xfrm>
             <a:off x="1941534" y="2948915"/>
             <a:ext cx="2681026" cy="524042"/>
-          </a:xfrm>
-          <a:prstGeom prst="rect">
-            <a:avLst/>
-          </a:prstGeom>
-        </p:spPr>
-      </p:pic>
-      <p:pic>
-        <p:nvPicPr>
-          <p:cNvPr id="4" name="図 3" descr="スクリーンショット（2011-02-20 18.33.43）.png"/>
-          <p:cNvPicPr>
-            <a:picLocks noChangeAspect="1"/>
-          </p:cNvPicPr>
-          <p:nvPr/>
-        </p:nvPicPr>
-        <p:blipFill rotWithShape="1">
-          <a:blip r:embed="rId2">
-            <a:extLst>
-              <a:ext uri="{28A0092B-C50C-407E-A947-70E740481C1C}">
-                <a14:useLocalDpi xmlns:a14="http://schemas.microsoft.com/office/drawing/2010/main" val="0"/>
-              </a:ext>
-            </a:extLst>
-          </a:blip>
-          <a:srcRect l="59963"/>
-          <a:stretch/>
-        </p:blipFill>
-        <p:spPr>
-          <a:xfrm>
-            <a:off x="2388804" y="4871607"/>
-            <a:ext cx="3660993" cy="524042"/>
           </a:xfrm>
           <a:prstGeom prst="rect">
             <a:avLst/>
@@ -5465,8 +5466,8 @@
         </p:nvCxnSpPr>
         <p:spPr>
           <a:xfrm flipH="1" flipV="1">
-            <a:off x="5815037" y="5259060"/>
-            <a:ext cx="67264" cy="423568"/>
+            <a:off x="5815037" y="5201416"/>
+            <a:ext cx="67264" cy="481212"/>
           </a:xfrm>
           <a:prstGeom prst="straightConnector1">
             <a:avLst/>
@@ -5502,7 +5503,7 @@
         <p:spPr>
           <a:xfrm>
             <a:off x="5493396" y="5682628"/>
-            <a:ext cx="1130276" cy="279986"/>
+            <a:ext cx="1130276" cy="381640"/>
           </a:xfrm>
           <a:prstGeom prst="rect">
             <a:avLst/>
@@ -5551,9 +5552,34 @@
                 <a:ea typeface="ヒラギノ角ゴ ProN W3"/>
                 <a:cs typeface="Times New Roman"/>
               </a:rPr>
-              <a:t>ベジエ曲線モード</a:t>
-            </a:r>
-            <a:endParaRPr lang="ja-JP" sz="1200" kern="100" dirty="0">
+              <a:t>ベジエ曲線</a:t>
+            </a:r>
+            <a:r>
+              <a:rPr lang="ja-JP" altLang="en-US" sz="1000" kern="100" dirty="0" smtClean="0">
+                <a:ea typeface="ヒラギノ角ゴ ProN W3"/>
+                <a:cs typeface="Times New Roman"/>
+              </a:rPr>
+              <a:t>モード</a:t>
+            </a:r>
+            <a:endParaRPr lang="en-US" altLang="ja-JP" sz="1000" kern="100" dirty="0" smtClean="0">
+              <a:ea typeface="ヒラギノ角ゴ ProN W3"/>
+              <a:cs typeface="Times New Roman"/>
+            </a:endParaRPr>
+          </a:p>
+          <a:p>
+            <a:pPr algn="ctr">
+              <a:spcAft>
+                <a:spcPts val="0"/>
+              </a:spcAft>
+            </a:pPr>
+            <a:r>
+              <a:rPr lang="en-US" altLang="ja-JP" sz="1000" kern="100" dirty="0" smtClean="0">
+                <a:ea typeface="ＭＳ 明朝"/>
+                <a:cs typeface="Times New Roman"/>
+              </a:rPr>
+              <a:t>On/Off</a:t>
+            </a:r>
+            <a:endParaRPr lang="ja-JP" sz="1000" kern="100" dirty="0">
               <a:effectLst/>
               <a:ea typeface="ＭＳ 明朝"/>
               <a:cs typeface="Times New Roman"/>
@@ -5606,7 +5632,7 @@
         <p:spPr>
           <a:xfrm>
             <a:off x="4278860" y="5682628"/>
-            <a:ext cx="1130276" cy="279986"/>
+            <a:ext cx="1130276" cy="381640"/>
           </a:xfrm>
           <a:prstGeom prst="rect">
             <a:avLst/>
@@ -5655,8 +5681,33 @@
                 <a:ea typeface="ヒラギノ角ゴ ProN W3"/>
                 <a:cs typeface="Times New Roman"/>
               </a:rPr>
-              <a:t>グリッドの</a:t>
-            </a:r>
+              <a:t>グリッド</a:t>
+            </a:r>
+            <a:r>
+              <a:rPr lang="ja-JP" altLang="en-US" sz="1000" kern="100" dirty="0" smtClean="0">
+                <a:ea typeface="ヒラギノ角ゴ ProN W3"/>
+                <a:cs typeface="Times New Roman"/>
+              </a:rPr>
+              <a:t>の</a:t>
+            </a:r>
+            <a:r>
+              <a:rPr lang="ja-JP" altLang="en-US" sz="1000" kern="100" dirty="0" smtClean="0">
+                <a:ea typeface="ヒラギノ角ゴ ProN W3"/>
+                <a:cs typeface="Times New Roman"/>
+              </a:rPr>
+              <a:t>表示</a:t>
+            </a:r>
+            <a:endParaRPr lang="en-US" altLang="ja-JP" sz="1000" kern="100" dirty="0" smtClean="0">
+              <a:ea typeface="ヒラギノ角ゴ ProN W3"/>
+              <a:cs typeface="Times New Roman"/>
+            </a:endParaRPr>
+          </a:p>
+          <a:p>
+            <a:pPr algn="ctr">
+              <a:spcAft>
+                <a:spcPts val="0"/>
+              </a:spcAft>
+            </a:pPr>
             <a:r>
               <a:rPr lang="en-US" altLang="ja-JP" sz="1000" kern="100" dirty="0" smtClean="0">
                 <a:ea typeface="ヒラギノ角ゴ ProN W3"/>
@@ -5677,6 +5728,136 @@
                 <a:cs typeface="Times New Roman"/>
               </a:rPr>
               <a:t>Off</a:t>
+            </a:r>
+            <a:endParaRPr lang="ja-JP" sz="1200" kern="100" dirty="0">
+              <a:effectLst/>
+              <a:ea typeface="ＭＳ 明朝"/>
+              <a:cs typeface="Times New Roman"/>
+            </a:endParaRPr>
+          </a:p>
+        </p:txBody>
+      </p:sp>
+      <p:cxnSp>
+        <p:nvCxnSpPr>
+          <p:cNvPr id="51" name="直線矢印コネクタ 50"/>
+          <p:cNvCxnSpPr/>
+          <p:nvPr/>
+        </p:nvCxnSpPr>
+        <p:spPr>
+          <a:xfrm flipH="1" flipV="1">
+            <a:off x="6240829" y="5201416"/>
+            <a:ext cx="875054" cy="481214"/>
+          </a:xfrm>
+          <a:prstGeom prst="straightConnector1">
+            <a:avLst/>
+          </a:prstGeom>
+          <a:ln>
+            <a:solidFill>
+              <a:srgbClr val="FF6600"/>
+            </a:solidFill>
+            <a:tailEnd type="arrow"/>
+          </a:ln>
+        </p:spPr>
+        <p:style>
+          <a:lnRef idx="2">
+            <a:schemeClr val="accent1"/>
+          </a:lnRef>
+          <a:fillRef idx="0">
+            <a:schemeClr val="accent1"/>
+          </a:fillRef>
+          <a:effectRef idx="1">
+            <a:schemeClr val="accent1"/>
+          </a:effectRef>
+          <a:fontRef idx="minor">
+            <a:schemeClr val="tx1"/>
+          </a:fontRef>
+        </p:style>
+      </p:cxnSp>
+      <p:sp>
+        <p:nvSpPr>
+          <p:cNvPr id="55" name="テキスト 10"/>
+          <p:cNvSpPr txBox="1"/>
+          <p:nvPr/>
+        </p:nvSpPr>
+        <p:spPr>
+          <a:xfrm>
+            <a:off x="6696121" y="5682628"/>
+            <a:ext cx="1130276" cy="381640"/>
+          </a:xfrm>
+          <a:prstGeom prst="rect">
+            <a:avLst/>
+          </a:prstGeom>
+          <a:noFill/>
+          <a:ln>
+            <a:noFill/>
+          </a:ln>
+          <a:effectLst/>
+          <a:extLst>
+            <a:ext uri="{C572A759-6A51-4108-AA02-DFA0A04FC94B}">
+              <ma14:wrappingTextBoxFlag xmlns:ma14="http://schemas.microsoft.com/office/mac/drawingml/2011/main"/>
+            </a:ext>
+          </a:extLst>
+        </p:spPr>
+        <p:style>
+          <a:lnRef idx="0">
+            <a:schemeClr val="accent1"/>
+          </a:lnRef>
+          <a:fillRef idx="0">
+            <a:schemeClr val="accent1"/>
+          </a:fillRef>
+          <a:effectRef idx="0">
+            <a:schemeClr val="accent1"/>
+          </a:effectRef>
+          <a:fontRef idx="minor">
+            <a:schemeClr val="dk1"/>
+          </a:fontRef>
+        </p:style>
+        <p:txBody>
+          <a:bodyPr rot="0" spcFirstLastPara="0" vert="horz" wrap="none" lIns="91440" tIns="45720" rIns="91440" bIns="45720" numCol="1" spcCol="0" rtlCol="0" fromWordArt="0" anchor="t" anchorCtr="0" forceAA="0" compatLnSpc="1">
+            <a:prstTxWarp prst="textNoShape">
+              <a:avLst/>
+            </a:prstTxWarp>
+            <a:noAutofit/>
+          </a:bodyPr>
+          <a:lstStyle/>
+          <a:p>
+            <a:pPr algn="ctr">
+              <a:spcAft>
+                <a:spcPts val="0"/>
+              </a:spcAft>
+            </a:pPr>
+            <a:r>
+              <a:rPr lang="en-US" altLang="ja-JP" sz="1000" kern="100" dirty="0" smtClean="0">
+                <a:ea typeface="ヒラギノ角ゴ ProN W3"/>
+                <a:cs typeface="Times New Roman"/>
+              </a:rPr>
+              <a:t>MIDI</a:t>
+            </a:r>
+            <a:r>
+              <a:rPr lang="ja-JP" altLang="en-US" sz="1000" kern="100" dirty="0" smtClean="0">
+                <a:ea typeface="ヒラギノ角ゴ ProN W3"/>
+                <a:cs typeface="Times New Roman"/>
+              </a:rPr>
+              <a:t>ステップ入力</a:t>
+            </a:r>
+            <a:endParaRPr lang="en-US" altLang="ja-JP" sz="1000" kern="100" dirty="0" smtClean="0">
+              <a:ea typeface="ヒラギノ角ゴ ProN W3"/>
+              <a:cs typeface="Times New Roman"/>
+            </a:endParaRPr>
+          </a:p>
+          <a:p>
+            <a:pPr algn="ctr">
+              <a:spcAft>
+                <a:spcPts val="0"/>
+              </a:spcAft>
+            </a:pPr>
+            <a:r>
+              <a:rPr lang="en-US" altLang="ja-JP" sz="1000" kern="100" dirty="0" smtClean="0">
+                <a:effectLst/>
+                <a:ea typeface="ヒラギノ角ゴ ProN W3"/>
+                <a:cs typeface="Times New Roman"/>
+              </a:rPr>
+              <a:t>On/Off</a:t>
             </a:r>
             <a:endParaRPr lang="ja-JP" sz="1200" kern="100" dirty="0">
               <a:effectLst/>

--- a/Cadencii/manual/manual.pptx
+++ b/Cadencii/manual/manual.pptx
@@ -17,6 +17,7 @@
     <p:sldId id="264" r:id="rId11"/>
     <p:sldId id="265" r:id="rId12"/>
     <p:sldId id="266" r:id="rId13"/>
+    <p:sldId id="268" r:id="rId14"/>
   </p:sldIdLst>
   <p:sldSz cx="9144000" cy="6858000" type="screen4x3"/>
   <p:notesSz cx="6858000" cy="9144000"/>
@@ -299,7 +300,7 @@
           <a:p>
             <a:fld id="{B21AEFA7-8FDD-4E42-A0F0-B7F1BA496881}" type="datetimeFigureOut">
               <a:rPr kumimoji="1" lang="ja-JP" altLang="en-US" smtClean="0"/>
-              <a:t>11/03/03</a:t>
+              <a:t>11/03/07</a:t>
             </a:fld>
             <a:endParaRPr kumimoji="1" lang="ja-JP" altLang="en-US"/>
           </a:p>
@@ -501,7 +502,7 @@
           <a:p>
             <a:fld id="{B21AEFA7-8FDD-4E42-A0F0-B7F1BA496881}" type="datetimeFigureOut">
               <a:rPr kumimoji="1" lang="ja-JP" altLang="en-US" smtClean="0"/>
-              <a:t>11/03/03</a:t>
+              <a:t>11/03/07</a:t>
             </a:fld>
             <a:endParaRPr kumimoji="1" lang="ja-JP" altLang="en-US"/>
           </a:p>
@@ -713,7 +714,7 @@
           <a:p>
             <a:fld id="{B21AEFA7-8FDD-4E42-A0F0-B7F1BA496881}" type="datetimeFigureOut">
               <a:rPr kumimoji="1" lang="ja-JP" altLang="en-US" smtClean="0"/>
-              <a:t>11/03/03</a:t>
+              <a:t>11/03/07</a:t>
             </a:fld>
             <a:endParaRPr kumimoji="1" lang="ja-JP" altLang="en-US"/>
           </a:p>
@@ -915,7 +916,7 @@
           <a:p>
             <a:fld id="{B21AEFA7-8FDD-4E42-A0F0-B7F1BA496881}" type="datetimeFigureOut">
               <a:rPr kumimoji="1" lang="ja-JP" altLang="en-US" smtClean="0"/>
-              <a:t>11/03/03</a:t>
+              <a:t>11/03/07</a:t>
             </a:fld>
             <a:endParaRPr kumimoji="1" lang="ja-JP" altLang="en-US"/>
           </a:p>
@@ -1161,7 +1162,7 @@
           <a:p>
             <a:fld id="{B21AEFA7-8FDD-4E42-A0F0-B7F1BA496881}" type="datetimeFigureOut">
               <a:rPr kumimoji="1" lang="ja-JP" altLang="en-US" smtClean="0"/>
-              <a:t>11/03/03</a:t>
+              <a:t>11/03/07</a:t>
             </a:fld>
             <a:endParaRPr kumimoji="1" lang="ja-JP" altLang="en-US"/>
           </a:p>
@@ -1513,7 +1514,7 @@
           <a:p>
             <a:fld id="{B21AEFA7-8FDD-4E42-A0F0-B7F1BA496881}" type="datetimeFigureOut">
               <a:rPr kumimoji="1" lang="ja-JP" altLang="en-US" smtClean="0"/>
-              <a:t>11/03/03</a:t>
+              <a:t>11/03/07</a:t>
             </a:fld>
             <a:endParaRPr kumimoji="1" lang="ja-JP" altLang="en-US"/>
           </a:p>
@@ -1999,7 +2000,7 @@
           <a:p>
             <a:fld id="{B21AEFA7-8FDD-4E42-A0F0-B7F1BA496881}" type="datetimeFigureOut">
               <a:rPr kumimoji="1" lang="ja-JP" altLang="en-US" smtClean="0"/>
-              <a:t>11/03/03</a:t>
+              <a:t>11/03/07</a:t>
             </a:fld>
             <a:endParaRPr kumimoji="1" lang="ja-JP" altLang="en-US"/>
           </a:p>
@@ -2117,7 +2118,7 @@
           <a:p>
             <a:fld id="{B21AEFA7-8FDD-4E42-A0F0-B7F1BA496881}" type="datetimeFigureOut">
               <a:rPr kumimoji="1" lang="ja-JP" altLang="en-US" smtClean="0"/>
-              <a:t>11/03/03</a:t>
+              <a:t>11/03/07</a:t>
             </a:fld>
             <a:endParaRPr kumimoji="1" lang="ja-JP" altLang="en-US"/>
           </a:p>
@@ -2212,7 +2213,7 @@
           <a:p>
             <a:fld id="{B21AEFA7-8FDD-4E42-A0F0-B7F1BA496881}" type="datetimeFigureOut">
               <a:rPr kumimoji="1" lang="ja-JP" altLang="en-US" smtClean="0"/>
-              <a:t>11/03/03</a:t>
+              <a:t>11/03/07</a:t>
             </a:fld>
             <a:endParaRPr kumimoji="1" lang="ja-JP" altLang="en-US"/>
           </a:p>
@@ -2521,7 +2522,7 @@
           <a:p>
             <a:fld id="{B21AEFA7-8FDD-4E42-A0F0-B7F1BA496881}" type="datetimeFigureOut">
               <a:rPr kumimoji="1" lang="ja-JP" altLang="en-US" smtClean="0"/>
-              <a:t>11/03/03</a:t>
+              <a:t>11/03/07</a:t>
             </a:fld>
             <a:endParaRPr kumimoji="1" lang="ja-JP" altLang="en-US"/>
           </a:p>
@@ -2774,7 +2775,7 @@
           <a:p>
             <a:fld id="{B21AEFA7-8FDD-4E42-A0F0-B7F1BA496881}" type="datetimeFigureOut">
               <a:rPr kumimoji="1" lang="ja-JP" altLang="en-US" smtClean="0"/>
-              <a:t>11/03/03</a:t>
+              <a:t>11/03/07</a:t>
             </a:fld>
             <a:endParaRPr kumimoji="1" lang="ja-JP" altLang="en-US"/>
           </a:p>
@@ -3019,7 +3020,7 @@
           <a:p>
             <a:fld id="{B21AEFA7-8FDD-4E42-A0F0-B7F1BA496881}" type="datetimeFigureOut">
               <a:rPr kumimoji="1" lang="ja-JP" altLang="en-US" smtClean="0"/>
-              <a:t>11/03/03</a:t>
+              <a:t>11/03/07</a:t>
             </a:fld>
             <a:endParaRPr kumimoji="1" lang="ja-JP" altLang="en-US"/>
           </a:p>
@@ -5552,14 +5553,7 @@
                 <a:ea typeface="ヒラギノ角ゴ ProN W3"/>
                 <a:cs typeface="Times New Roman"/>
               </a:rPr>
-              <a:t>ベジエ曲線</a:t>
-            </a:r>
-            <a:r>
-              <a:rPr lang="ja-JP" altLang="en-US" sz="1000" kern="100" dirty="0" smtClean="0">
-                <a:ea typeface="ヒラギノ角ゴ ProN W3"/>
-                <a:cs typeface="Times New Roman"/>
-              </a:rPr>
-              <a:t>モード</a:t>
+              <a:t>ベジエ曲線モード</a:t>
             </a:r>
             <a:endParaRPr lang="en-US" altLang="ja-JP" sz="1000" kern="100" dirty="0" smtClean="0">
               <a:ea typeface="ヒラギノ角ゴ ProN W3"/>
@@ -5681,21 +5675,7 @@
                 <a:ea typeface="ヒラギノ角ゴ ProN W3"/>
                 <a:cs typeface="Times New Roman"/>
               </a:rPr>
-              <a:t>グリッド</a:t>
-            </a:r>
-            <a:r>
-              <a:rPr lang="ja-JP" altLang="en-US" sz="1000" kern="100" dirty="0" smtClean="0">
-                <a:ea typeface="ヒラギノ角ゴ ProN W3"/>
-                <a:cs typeface="Times New Roman"/>
-              </a:rPr>
-              <a:t>の</a:t>
-            </a:r>
-            <a:r>
-              <a:rPr lang="ja-JP" altLang="en-US" sz="1000" kern="100" dirty="0" smtClean="0">
-                <a:ea typeface="ヒラギノ角ゴ ProN W3"/>
-                <a:cs typeface="Times New Roman"/>
-              </a:rPr>
-              <a:t>表示</a:t>
+              <a:t>グリッドの表示</a:t>
             </a:r>
             <a:endParaRPr lang="en-US" altLang="ja-JP" sz="1000" kern="100" dirty="0" smtClean="0">
               <a:ea typeface="ヒラギノ角ゴ ProN W3"/>
@@ -7169,6 +7149,334 @@
   <p:clrMapOvr>
     <a:masterClrMapping/>
   </p:clrMapOvr>
+</p:sld>
+</file>
+
+<file path=ppt/slides/slide13.xml><?xml version="1.0" encoding="utf-8"?>
+<p:sld xmlns:a="http://schemas.openxmlformats.org/drawingml/2006/main" xmlns:r="http://schemas.openxmlformats.org/officeDocument/2006/relationships" xmlns:p="http://schemas.openxmlformats.org/presentationml/2006/main">
+  <p:cSld>
+    <p:spTree>
+      <p:nvGrpSpPr>
+        <p:cNvPr id="1" name=""/>
+        <p:cNvGrpSpPr/>
+        <p:nvPr/>
+      </p:nvGrpSpPr>
+      <p:grpSpPr>
+        <a:xfrm>
+          <a:off x="0" y="0"/>
+          <a:ext cx="0" cy="0"/>
+          <a:chOff x="0" y="0"/>
+          <a:chExt cx="0" cy="0"/>
+        </a:xfrm>
+      </p:grpSpPr>
+      <p:pic>
+        <p:nvPicPr>
+          <p:cNvPr id="2" name="図 1" descr="スクリーンショット（2011-03-07 15.28.41）.png"/>
+          <p:cNvPicPr>
+            <a:picLocks noChangeAspect="1"/>
+          </p:cNvPicPr>
+          <p:nvPr/>
+        </p:nvPicPr>
+        <p:blipFill rotWithShape="1">
+          <a:blip r:embed="rId2">
+            <a:extLst>
+              <a:ext uri="{28A0092B-C50C-407E-A947-70E740481C1C}">
+                <a14:useLocalDpi xmlns:a14="http://schemas.microsoft.com/office/drawing/2010/main" val="0"/>
+              </a:ext>
+            </a:extLst>
+          </a:blip>
+          <a:srcRect l="43054" r="43363"/>
+          <a:stretch/>
+        </p:blipFill>
+        <p:spPr>
+          <a:xfrm>
+            <a:off x="4168657" y="4106898"/>
+            <a:ext cx="449201" cy="565404"/>
+          </a:xfrm>
+          <a:prstGeom prst="rect">
+            <a:avLst/>
+          </a:prstGeom>
+        </p:spPr>
+      </p:pic>
+      <p:pic>
+        <p:nvPicPr>
+          <p:cNvPr id="3" name="図 2" descr="スクリーンショット（2011-03-07 15.28.41）.png"/>
+          <p:cNvPicPr>
+            <a:picLocks noChangeAspect="1"/>
+          </p:cNvPicPr>
+          <p:nvPr/>
+        </p:nvPicPr>
+        <p:blipFill rotWithShape="1">
+          <a:blip r:embed="rId2">
+            <a:extLst>
+              <a:ext uri="{28A0092B-C50C-407E-A947-70E740481C1C}">
+                <a14:useLocalDpi xmlns:a14="http://schemas.microsoft.com/office/drawing/2010/main" val="0"/>
+              </a:ext>
+            </a:extLst>
+          </a:blip>
+          <a:srcRect l="10177" r="76240"/>
+          <a:stretch/>
+        </p:blipFill>
+        <p:spPr>
+          <a:xfrm>
+            <a:off x="3244987" y="4106898"/>
+            <a:ext cx="449201" cy="565404"/>
+          </a:xfrm>
+          <a:prstGeom prst="rect">
+            <a:avLst/>
+          </a:prstGeom>
+        </p:spPr>
+      </p:pic>
+      <p:pic>
+        <p:nvPicPr>
+          <p:cNvPr id="4" name="図 3" descr="スクリーンショット（2011-03-07 15.28.41）.png"/>
+          <p:cNvPicPr>
+            <a:picLocks noChangeAspect="1"/>
+          </p:cNvPicPr>
+          <p:nvPr/>
+        </p:nvPicPr>
+        <p:blipFill rotWithShape="1">
+          <a:blip r:embed="rId2">
+            <a:extLst>
+              <a:ext uri="{28A0092B-C50C-407E-A947-70E740481C1C}">
+                <a14:useLocalDpi xmlns:a14="http://schemas.microsoft.com/office/drawing/2010/main" val="0"/>
+              </a:ext>
+            </a:extLst>
+          </a:blip>
+          <a:srcRect l="79172" r="7245"/>
+          <a:stretch/>
+        </p:blipFill>
+        <p:spPr>
+          <a:xfrm>
+            <a:off x="2321319" y="4106898"/>
+            <a:ext cx="449201" cy="565404"/>
+          </a:xfrm>
+          <a:prstGeom prst="rect">
+            <a:avLst/>
+          </a:prstGeom>
+        </p:spPr>
+      </p:pic>
+      <p:sp>
+        <p:nvSpPr>
+          <p:cNvPr id="5" name="テキスト 10"/>
+          <p:cNvSpPr txBox="1"/>
+          <p:nvPr/>
+        </p:nvSpPr>
+        <p:spPr>
+          <a:xfrm>
+            <a:off x="2399449" y="3845705"/>
+            <a:ext cx="292940" cy="266331"/>
+          </a:xfrm>
+          <a:prstGeom prst="rect">
+            <a:avLst/>
+          </a:prstGeom>
+          <a:noFill/>
+          <a:ln>
+            <a:noFill/>
+          </a:ln>
+          <a:effectLst/>
+          <a:extLst>
+            <a:ext uri="{C572A759-6A51-4108-AA02-DFA0A04FC94B}">
+              <ma14:wrappingTextBoxFlag xmlns:ma14="http://schemas.microsoft.com/office/mac/drawingml/2011/main"/>
+            </a:ext>
+          </a:extLst>
+        </p:spPr>
+        <p:style>
+          <a:lnRef idx="0">
+            <a:schemeClr val="accent1"/>
+          </a:lnRef>
+          <a:fillRef idx="0">
+            <a:schemeClr val="accent1"/>
+          </a:fillRef>
+          <a:effectRef idx="0">
+            <a:schemeClr val="accent1"/>
+          </a:effectRef>
+          <a:fontRef idx="minor">
+            <a:schemeClr val="dk1"/>
+          </a:fontRef>
+        </p:style>
+        <p:txBody>
+          <a:bodyPr rot="0" spcFirstLastPara="0" vert="horz" wrap="none" lIns="91440" tIns="45720" rIns="91440" bIns="45720" numCol="1" spcCol="0" rtlCol="0" fromWordArt="0" anchor="t" anchorCtr="0" forceAA="0" compatLnSpc="1">
+            <a:prstTxWarp prst="textNoShape">
+              <a:avLst/>
+            </a:prstTxWarp>
+            <a:noAutofit/>
+          </a:bodyPr>
+          <a:lstStyle/>
+          <a:p>
+            <a:pPr algn="ctr">
+              <a:spcAft>
+                <a:spcPts val="0"/>
+              </a:spcAft>
+            </a:pPr>
+            <a:r>
+              <a:rPr lang="en-US" altLang="ja-JP" sz="1000" kern="100" dirty="0" smtClean="0">
+                <a:ea typeface="ヒラギノ角ゴ ProN W3"/>
+                <a:cs typeface="Times New Roman"/>
+              </a:rPr>
+              <a:t>ON</a:t>
+            </a:r>
+            <a:endParaRPr lang="ja-JP" sz="1200" kern="100" dirty="0">
+              <a:effectLst/>
+              <a:ea typeface="ＭＳ 明朝"/>
+              <a:cs typeface="Times New Roman"/>
+            </a:endParaRPr>
+          </a:p>
+        </p:txBody>
+      </p:sp>
+      <p:sp>
+        <p:nvSpPr>
+          <p:cNvPr id="7" name="テキスト 10"/>
+          <p:cNvSpPr txBox="1"/>
+          <p:nvPr/>
+        </p:nvSpPr>
+        <p:spPr>
+          <a:xfrm>
+            <a:off x="3323117" y="3845705"/>
+            <a:ext cx="292940" cy="266331"/>
+          </a:xfrm>
+          <a:prstGeom prst="rect">
+            <a:avLst/>
+          </a:prstGeom>
+          <a:noFill/>
+          <a:ln>
+            <a:noFill/>
+          </a:ln>
+          <a:effectLst/>
+          <a:extLst>
+            <a:ext uri="{C572A759-6A51-4108-AA02-DFA0A04FC94B}">
+              <ma14:wrappingTextBoxFlag xmlns:ma14="http://schemas.microsoft.com/office/mac/drawingml/2011/main"/>
+            </a:ext>
+          </a:extLst>
+        </p:spPr>
+        <p:style>
+          <a:lnRef idx="0">
+            <a:schemeClr val="accent1"/>
+          </a:lnRef>
+          <a:fillRef idx="0">
+            <a:schemeClr val="accent1"/>
+          </a:fillRef>
+          <a:effectRef idx="0">
+            <a:schemeClr val="accent1"/>
+          </a:effectRef>
+          <a:fontRef idx="minor">
+            <a:schemeClr val="dk1"/>
+          </a:fontRef>
+        </p:style>
+        <p:txBody>
+          <a:bodyPr rot="0" spcFirstLastPara="0" vert="horz" wrap="none" lIns="91440" tIns="45720" rIns="91440" bIns="45720" numCol="1" spcCol="0" rtlCol="0" fromWordArt="0" anchor="t" anchorCtr="0" forceAA="0" compatLnSpc="1">
+            <a:prstTxWarp prst="textNoShape">
+              <a:avLst/>
+            </a:prstTxWarp>
+            <a:noAutofit/>
+          </a:bodyPr>
+          <a:lstStyle/>
+          <a:p>
+            <a:pPr algn="ctr">
+              <a:spcAft>
+                <a:spcPts val="0"/>
+              </a:spcAft>
+            </a:pPr>
+            <a:r>
+              <a:rPr lang="en-US" altLang="ja-JP" sz="1000" kern="100" dirty="0" smtClean="0">
+                <a:ea typeface="ヒラギノ角ゴ ProN W3"/>
+                <a:cs typeface="Times New Roman"/>
+              </a:rPr>
+              <a:t>OFF</a:t>
+            </a:r>
+            <a:endParaRPr lang="ja-JP" sz="1200" kern="100" dirty="0">
+              <a:effectLst/>
+              <a:ea typeface="ＭＳ 明朝"/>
+              <a:cs typeface="Times New Roman"/>
+            </a:endParaRPr>
+          </a:p>
+        </p:txBody>
+      </p:sp>
+      <p:sp>
+        <p:nvSpPr>
+          <p:cNvPr id="8" name="テキスト 10"/>
+          <p:cNvSpPr txBox="1"/>
+          <p:nvPr/>
+        </p:nvSpPr>
+        <p:spPr>
+          <a:xfrm>
+            <a:off x="4246787" y="3845705"/>
+            <a:ext cx="292940" cy="266331"/>
+          </a:xfrm>
+          <a:prstGeom prst="rect">
+            <a:avLst/>
+          </a:prstGeom>
+          <a:noFill/>
+          <a:ln>
+            <a:noFill/>
+          </a:ln>
+          <a:effectLst/>
+          <a:extLst>
+            <a:ext uri="{C572A759-6A51-4108-AA02-DFA0A04FC94B}">
+              <ma14:wrappingTextBoxFlag xmlns:ma14="http://schemas.microsoft.com/office/mac/drawingml/2011/main"/>
+            </a:ext>
+          </a:extLst>
+        </p:spPr>
+        <p:style>
+          <a:lnRef idx="0">
+            <a:schemeClr val="accent1"/>
+          </a:lnRef>
+          <a:fillRef idx="0">
+            <a:schemeClr val="accent1"/>
+          </a:fillRef>
+          <a:effectRef idx="0">
+            <a:schemeClr val="accent1"/>
+          </a:effectRef>
+          <a:fontRef idx="minor">
+            <a:schemeClr val="dk1"/>
+          </a:fontRef>
+        </p:style>
+        <p:txBody>
+          <a:bodyPr rot="0" spcFirstLastPara="0" vert="horz" wrap="none" lIns="91440" tIns="45720" rIns="91440" bIns="45720" numCol="1" spcCol="0" rtlCol="0" fromWordArt="0" anchor="t" anchorCtr="0" forceAA="0" compatLnSpc="1">
+            <a:prstTxWarp prst="textNoShape">
+              <a:avLst/>
+            </a:prstTxWarp>
+            <a:noAutofit/>
+          </a:bodyPr>
+          <a:lstStyle/>
+          <a:p>
+            <a:pPr algn="ctr">
+              <a:spcAft>
+                <a:spcPts val="0"/>
+              </a:spcAft>
+            </a:pPr>
+            <a:r>
+              <a:rPr lang="ja-JP" altLang="en-US" sz="1000" kern="100" dirty="0" smtClean="0">
+                <a:ea typeface="ヒラギノ角ゴ ProN W3"/>
+                <a:cs typeface="Times New Roman"/>
+              </a:rPr>
+              <a:t>無効</a:t>
+            </a:r>
+            <a:endParaRPr lang="ja-JP" sz="1200" kern="100" dirty="0">
+              <a:effectLst/>
+              <a:ea typeface="ＭＳ 明朝"/>
+              <a:cs typeface="Times New Roman"/>
+            </a:endParaRPr>
+          </a:p>
+        </p:txBody>
+      </p:sp>
+    </p:spTree>
+    <p:extLst>
+      <p:ext uri="{BB962C8B-B14F-4D97-AF65-F5344CB8AC3E}">
+        <p14:creationId xmlns:p14="http://schemas.microsoft.com/office/powerpoint/2010/main" val="58114177"/>
+      </p:ext>
+    </p:extLst>
+  </p:cSld>
+  <p:clrMapOvr>
+    <a:masterClrMapping/>
+  </p:clrMapOvr>
+  <p:timing>
+    <p:tnLst>
+      <p:par>
+        <p:cTn xmlns:p14="http://schemas.microsoft.com/office/powerpoint/2010/main" id="1" dur="indefinite" restart="never" nodeType="tmRoot"/>
+      </p:par>
+    </p:tnLst>
+  </p:timing>
 </p:sld>
 </file>
 

--- a/Cadencii/manual/manual.pptx
+++ b/Cadencii/manual/manual.pptx
@@ -18,6 +18,9 @@
     <p:sldId id="265" r:id="rId12"/>
     <p:sldId id="266" r:id="rId13"/>
     <p:sldId id="268" r:id="rId14"/>
+    <p:sldId id="269" r:id="rId15"/>
+    <p:sldId id="270" r:id="rId16"/>
+    <p:sldId id="271" r:id="rId17"/>
   </p:sldIdLst>
   <p:sldSz cx="9144000" cy="6858000" type="screen4x3"/>
   <p:notesSz cx="6858000" cy="9144000"/>
@@ -300,7 +303,7 @@
           <a:p>
             <a:fld id="{B21AEFA7-8FDD-4E42-A0F0-B7F1BA496881}" type="datetimeFigureOut">
               <a:rPr kumimoji="1" lang="ja-JP" altLang="en-US" smtClean="0"/>
-              <a:t>11/03/07</a:t>
+              <a:t>11/03/28</a:t>
             </a:fld>
             <a:endParaRPr kumimoji="1" lang="ja-JP" altLang="en-US"/>
           </a:p>
@@ -502,7 +505,7 @@
           <a:p>
             <a:fld id="{B21AEFA7-8FDD-4E42-A0F0-B7F1BA496881}" type="datetimeFigureOut">
               <a:rPr kumimoji="1" lang="ja-JP" altLang="en-US" smtClean="0"/>
-              <a:t>11/03/07</a:t>
+              <a:t>11/03/28</a:t>
             </a:fld>
             <a:endParaRPr kumimoji="1" lang="ja-JP" altLang="en-US"/>
           </a:p>
@@ -714,7 +717,7 @@
           <a:p>
             <a:fld id="{B21AEFA7-8FDD-4E42-A0F0-B7F1BA496881}" type="datetimeFigureOut">
               <a:rPr kumimoji="1" lang="ja-JP" altLang="en-US" smtClean="0"/>
-              <a:t>11/03/07</a:t>
+              <a:t>11/03/28</a:t>
             </a:fld>
             <a:endParaRPr kumimoji="1" lang="ja-JP" altLang="en-US"/>
           </a:p>
@@ -916,7 +919,7 @@
           <a:p>
             <a:fld id="{B21AEFA7-8FDD-4E42-A0F0-B7F1BA496881}" type="datetimeFigureOut">
               <a:rPr kumimoji="1" lang="ja-JP" altLang="en-US" smtClean="0"/>
-              <a:t>11/03/07</a:t>
+              <a:t>11/03/28</a:t>
             </a:fld>
             <a:endParaRPr kumimoji="1" lang="ja-JP" altLang="en-US"/>
           </a:p>
@@ -1162,7 +1165,7 @@
           <a:p>
             <a:fld id="{B21AEFA7-8FDD-4E42-A0F0-B7F1BA496881}" type="datetimeFigureOut">
               <a:rPr kumimoji="1" lang="ja-JP" altLang="en-US" smtClean="0"/>
-              <a:t>11/03/07</a:t>
+              <a:t>11/03/28</a:t>
             </a:fld>
             <a:endParaRPr kumimoji="1" lang="ja-JP" altLang="en-US"/>
           </a:p>
@@ -1514,7 +1517,7 @@
           <a:p>
             <a:fld id="{B21AEFA7-8FDD-4E42-A0F0-B7F1BA496881}" type="datetimeFigureOut">
               <a:rPr kumimoji="1" lang="ja-JP" altLang="en-US" smtClean="0"/>
-              <a:t>11/03/07</a:t>
+              <a:t>11/03/28</a:t>
             </a:fld>
             <a:endParaRPr kumimoji="1" lang="ja-JP" altLang="en-US"/>
           </a:p>
@@ -2000,7 +2003,7 @@
           <a:p>
             <a:fld id="{B21AEFA7-8FDD-4E42-A0F0-B7F1BA496881}" type="datetimeFigureOut">
               <a:rPr kumimoji="1" lang="ja-JP" altLang="en-US" smtClean="0"/>
-              <a:t>11/03/07</a:t>
+              <a:t>11/03/28</a:t>
             </a:fld>
             <a:endParaRPr kumimoji="1" lang="ja-JP" altLang="en-US"/>
           </a:p>
@@ -2118,7 +2121,7 @@
           <a:p>
             <a:fld id="{B21AEFA7-8FDD-4E42-A0F0-B7F1BA496881}" type="datetimeFigureOut">
               <a:rPr kumimoji="1" lang="ja-JP" altLang="en-US" smtClean="0"/>
-              <a:t>11/03/07</a:t>
+              <a:t>11/03/28</a:t>
             </a:fld>
             <a:endParaRPr kumimoji="1" lang="ja-JP" altLang="en-US"/>
           </a:p>
@@ -2213,7 +2216,7 @@
           <a:p>
             <a:fld id="{B21AEFA7-8FDD-4E42-A0F0-B7F1BA496881}" type="datetimeFigureOut">
               <a:rPr kumimoji="1" lang="ja-JP" altLang="en-US" smtClean="0"/>
-              <a:t>11/03/07</a:t>
+              <a:t>11/03/28</a:t>
             </a:fld>
             <a:endParaRPr kumimoji="1" lang="ja-JP" altLang="en-US"/>
           </a:p>
@@ -2522,7 +2525,7 @@
           <a:p>
             <a:fld id="{B21AEFA7-8FDD-4E42-A0F0-B7F1BA496881}" type="datetimeFigureOut">
               <a:rPr kumimoji="1" lang="ja-JP" altLang="en-US" smtClean="0"/>
-              <a:t>11/03/07</a:t>
+              <a:t>11/03/28</a:t>
             </a:fld>
             <a:endParaRPr kumimoji="1" lang="ja-JP" altLang="en-US"/>
           </a:p>
@@ -2775,7 +2778,7 @@
           <a:p>
             <a:fld id="{B21AEFA7-8FDD-4E42-A0F0-B7F1BA496881}" type="datetimeFigureOut">
               <a:rPr kumimoji="1" lang="ja-JP" altLang="en-US" smtClean="0"/>
-              <a:t>11/03/07</a:t>
+              <a:t>11/03/28</a:t>
             </a:fld>
             <a:endParaRPr kumimoji="1" lang="ja-JP" altLang="en-US"/>
           </a:p>
@@ -3020,7 +3023,7 @@
           <a:p>
             <a:fld id="{B21AEFA7-8FDD-4E42-A0F0-B7F1BA496881}" type="datetimeFigureOut">
               <a:rPr kumimoji="1" lang="ja-JP" altLang="en-US" smtClean="0"/>
-              <a:t>11/03/07</a:t>
+              <a:t>11/03/28</a:t>
             </a:fld>
             <a:endParaRPr kumimoji="1" lang="ja-JP" altLang="en-US"/>
           </a:p>
@@ -7477,6 +7480,2826 @@
       </p:par>
     </p:tnLst>
   </p:timing>
+</p:sld>
+</file>
+
+<file path=ppt/slides/slide14.xml><?xml version="1.0" encoding="utf-8"?>
+<p:sld xmlns:a="http://schemas.openxmlformats.org/drawingml/2006/main" xmlns:r="http://schemas.openxmlformats.org/officeDocument/2006/relationships" xmlns:p="http://schemas.openxmlformats.org/presentationml/2006/main">
+  <p:cSld>
+    <p:spTree>
+      <p:nvGrpSpPr>
+        <p:cNvPr id="1" name=""/>
+        <p:cNvGrpSpPr/>
+        <p:nvPr/>
+      </p:nvGrpSpPr>
+      <p:grpSpPr>
+        <a:xfrm>
+          <a:off x="0" y="0"/>
+          <a:ext cx="0" cy="0"/>
+          <a:chOff x="0" y="0"/>
+          <a:chExt cx="0" cy="0"/>
+        </a:xfrm>
+      </p:grpSpPr>
+      <p:sp>
+        <p:nvSpPr>
+          <p:cNvPr id="10" name="正方形/長方形 9"/>
+          <p:cNvSpPr/>
+          <p:nvPr/>
+        </p:nvSpPr>
+        <p:spPr>
+          <a:xfrm>
+            <a:off x="498551" y="4000698"/>
+            <a:ext cx="1787450" cy="1266707"/>
+          </a:xfrm>
+          <a:prstGeom prst="rect">
+            <a:avLst/>
+          </a:prstGeom>
+          <a:gradFill>
+            <a:gsLst>
+              <a:gs pos="0">
+                <a:schemeClr val="accent3">
+                  <a:lumMod val="75000"/>
+                </a:schemeClr>
+              </a:gs>
+              <a:gs pos="100000">
+                <a:schemeClr val="accent3">
+                  <a:lumMod val="40000"/>
+                  <a:lumOff val="60000"/>
+                </a:schemeClr>
+              </a:gs>
+            </a:gsLst>
+          </a:gradFill>
+          <a:ln>
+            <a:solidFill>
+              <a:schemeClr val="accent3">
+                <a:lumMod val="50000"/>
+              </a:schemeClr>
+            </a:solidFill>
+          </a:ln>
+        </p:spPr>
+        <p:style>
+          <a:lnRef idx="1">
+            <a:schemeClr val="accent1"/>
+          </a:lnRef>
+          <a:fillRef idx="3">
+            <a:schemeClr val="accent1"/>
+          </a:fillRef>
+          <a:effectRef idx="2">
+            <a:schemeClr val="accent1"/>
+          </a:effectRef>
+          <a:fontRef idx="minor">
+            <a:schemeClr val="lt1"/>
+          </a:fontRef>
+        </p:style>
+        <p:txBody>
+          <a:bodyPr rtlCol="0" anchor="ctr"/>
+          <a:lstStyle/>
+          <a:p>
+            <a:pPr algn="ctr"/>
+            <a:r>
+              <a:rPr kumimoji="1" lang="en-US" altLang="ja-JP" dirty="0" smtClean="0">
+                <a:solidFill>
+                  <a:srgbClr val="000000"/>
+                </a:solidFill>
+              </a:rPr>
+              <a:t>Cadencii</a:t>
+            </a:r>
+            <a:endParaRPr kumimoji="1" lang="ja-JP" altLang="en-US" dirty="0">
+              <a:solidFill>
+                <a:srgbClr val="000000"/>
+              </a:solidFill>
+            </a:endParaRPr>
+          </a:p>
+        </p:txBody>
+      </p:sp>
+      <p:sp>
+        <p:nvSpPr>
+          <p:cNvPr id="3" name="正方形/長方形 2"/>
+          <p:cNvSpPr/>
+          <p:nvPr/>
+        </p:nvSpPr>
+        <p:spPr>
+          <a:xfrm>
+            <a:off x="506624" y="2580455"/>
+            <a:ext cx="4291896" cy="569371"/>
+          </a:xfrm>
+          <a:prstGeom prst="rect">
+            <a:avLst/>
+          </a:prstGeom>
+        </p:spPr>
+        <p:style>
+          <a:lnRef idx="1">
+            <a:schemeClr val="accent1"/>
+          </a:lnRef>
+          <a:fillRef idx="3">
+            <a:schemeClr val="accent1"/>
+          </a:fillRef>
+          <a:effectRef idx="2">
+            <a:schemeClr val="accent1"/>
+          </a:effectRef>
+          <a:fontRef idx="minor">
+            <a:schemeClr val="lt1"/>
+          </a:fontRef>
+        </p:style>
+        <p:txBody>
+          <a:bodyPr rtlCol="0" anchor="ctr"/>
+          <a:lstStyle/>
+          <a:p>
+            <a:pPr algn="ctr"/>
+            <a:r>
+              <a:rPr kumimoji="1" lang="en-US" altLang="ja-JP" dirty="0" smtClean="0">
+                <a:solidFill>
+                  <a:schemeClr val="tx1"/>
+                </a:solidFill>
+              </a:rPr>
+              <a:t>Windows OS</a:t>
+            </a:r>
+            <a:endParaRPr kumimoji="1" lang="ja-JP" altLang="en-US" dirty="0">
+              <a:solidFill>
+                <a:schemeClr val="tx1"/>
+              </a:solidFill>
+            </a:endParaRPr>
+          </a:p>
+        </p:txBody>
+      </p:sp>
+      <p:sp>
+        <p:nvSpPr>
+          <p:cNvPr id="4" name="正方形/長方形 3"/>
+          <p:cNvSpPr/>
+          <p:nvPr/>
+        </p:nvSpPr>
+        <p:spPr>
+          <a:xfrm>
+            <a:off x="506624" y="616857"/>
+            <a:ext cx="4291896" cy="1890603"/>
+          </a:xfrm>
+          <a:custGeom>
+            <a:avLst/>
+            <a:gdLst>
+              <a:gd name="connsiteX0" fmla="*/ 0 w 4291896"/>
+              <a:gd name="connsiteY0" fmla="*/ 0 h 1890603"/>
+              <a:gd name="connsiteX1" fmla="*/ 4291896 w 4291896"/>
+              <a:gd name="connsiteY1" fmla="*/ 0 h 1890603"/>
+              <a:gd name="connsiteX2" fmla="*/ 4291896 w 4291896"/>
+              <a:gd name="connsiteY2" fmla="*/ 1890603 h 1890603"/>
+              <a:gd name="connsiteX3" fmla="*/ 0 w 4291896"/>
+              <a:gd name="connsiteY3" fmla="*/ 1890603 h 1890603"/>
+              <a:gd name="connsiteX4" fmla="*/ 0 w 4291896"/>
+              <a:gd name="connsiteY4" fmla="*/ 0 h 1890603"/>
+              <a:gd name="connsiteX0" fmla="*/ 0 w 4291896"/>
+              <a:gd name="connsiteY0" fmla="*/ 0 h 1890603"/>
+              <a:gd name="connsiteX1" fmla="*/ 4291896 w 4291896"/>
+              <a:gd name="connsiteY1" fmla="*/ 0 h 1890603"/>
+              <a:gd name="connsiteX2" fmla="*/ 4291896 w 4291896"/>
+              <a:gd name="connsiteY2" fmla="*/ 1890603 h 1890603"/>
+              <a:gd name="connsiteX3" fmla="*/ 4262698 w 4291896"/>
+              <a:gd name="connsiteY3" fmla="*/ 1839505 h 1890603"/>
+              <a:gd name="connsiteX4" fmla="*/ 0 w 4291896"/>
+              <a:gd name="connsiteY4" fmla="*/ 1890603 h 1890603"/>
+              <a:gd name="connsiteX5" fmla="*/ 0 w 4291896"/>
+              <a:gd name="connsiteY5" fmla="*/ 0 h 1890603"/>
+              <a:gd name="connsiteX0" fmla="*/ 0 w 4291896"/>
+              <a:gd name="connsiteY0" fmla="*/ 0 h 1890603"/>
+              <a:gd name="connsiteX1" fmla="*/ 4291896 w 4291896"/>
+              <a:gd name="connsiteY1" fmla="*/ 0 h 1890603"/>
+              <a:gd name="connsiteX2" fmla="*/ 4291896 w 4291896"/>
+              <a:gd name="connsiteY2" fmla="*/ 1890603 h 1890603"/>
+              <a:gd name="connsiteX3" fmla="*/ 3138630 w 4291896"/>
+              <a:gd name="connsiteY3" fmla="*/ 1883303 h 1890603"/>
+              <a:gd name="connsiteX4" fmla="*/ 0 w 4291896"/>
+              <a:gd name="connsiteY4" fmla="*/ 1890603 h 1890603"/>
+              <a:gd name="connsiteX5" fmla="*/ 0 w 4291896"/>
+              <a:gd name="connsiteY5" fmla="*/ 0 h 1890603"/>
+              <a:gd name="connsiteX0" fmla="*/ 0 w 4291896"/>
+              <a:gd name="connsiteY0" fmla="*/ 0 h 1890603"/>
+              <a:gd name="connsiteX1" fmla="*/ 4291896 w 4291896"/>
+              <a:gd name="connsiteY1" fmla="*/ 0 h 1890603"/>
+              <a:gd name="connsiteX2" fmla="*/ 4291896 w 4291896"/>
+              <a:gd name="connsiteY2" fmla="*/ 1890603 h 1890603"/>
+              <a:gd name="connsiteX3" fmla="*/ 4262698 w 4291896"/>
+              <a:gd name="connsiteY3" fmla="*/ 1868703 h 1890603"/>
+              <a:gd name="connsiteX4" fmla="*/ 3138630 w 4291896"/>
+              <a:gd name="connsiteY4" fmla="*/ 1883303 h 1890603"/>
+              <a:gd name="connsiteX5" fmla="*/ 0 w 4291896"/>
+              <a:gd name="connsiteY5" fmla="*/ 1890603 h 1890603"/>
+              <a:gd name="connsiteX6" fmla="*/ 0 w 4291896"/>
+              <a:gd name="connsiteY6" fmla="*/ 0 h 1890603"/>
+              <a:gd name="connsiteX0" fmla="*/ 0 w 4291896"/>
+              <a:gd name="connsiteY0" fmla="*/ 0 h 1890603"/>
+              <a:gd name="connsiteX1" fmla="*/ 4291896 w 4291896"/>
+              <a:gd name="connsiteY1" fmla="*/ 0 h 1890603"/>
+              <a:gd name="connsiteX2" fmla="*/ 4291896 w 4291896"/>
+              <a:gd name="connsiteY2" fmla="*/ 1890603 h 1890603"/>
+              <a:gd name="connsiteX3" fmla="*/ 3124032 w 4291896"/>
+              <a:gd name="connsiteY3" fmla="*/ 1109542 h 1890603"/>
+              <a:gd name="connsiteX4" fmla="*/ 3138630 w 4291896"/>
+              <a:gd name="connsiteY4" fmla="*/ 1883303 h 1890603"/>
+              <a:gd name="connsiteX5" fmla="*/ 0 w 4291896"/>
+              <a:gd name="connsiteY5" fmla="*/ 1890603 h 1890603"/>
+              <a:gd name="connsiteX6" fmla="*/ 0 w 4291896"/>
+              <a:gd name="connsiteY6" fmla="*/ 0 h 1890603"/>
+              <a:gd name="connsiteX0" fmla="*/ 0 w 4291896"/>
+              <a:gd name="connsiteY0" fmla="*/ 0 h 1890603"/>
+              <a:gd name="connsiteX1" fmla="*/ 4291896 w 4291896"/>
+              <a:gd name="connsiteY1" fmla="*/ 0 h 1890603"/>
+              <a:gd name="connsiteX2" fmla="*/ 4291896 w 4291896"/>
+              <a:gd name="connsiteY2" fmla="*/ 1116842 h 1890603"/>
+              <a:gd name="connsiteX3" fmla="*/ 3124032 w 4291896"/>
+              <a:gd name="connsiteY3" fmla="*/ 1109542 h 1890603"/>
+              <a:gd name="connsiteX4" fmla="*/ 3138630 w 4291896"/>
+              <a:gd name="connsiteY4" fmla="*/ 1883303 h 1890603"/>
+              <a:gd name="connsiteX5" fmla="*/ 0 w 4291896"/>
+              <a:gd name="connsiteY5" fmla="*/ 1890603 h 1890603"/>
+              <a:gd name="connsiteX6" fmla="*/ 0 w 4291896"/>
+              <a:gd name="connsiteY6" fmla="*/ 0 h 1890603"/>
+              <a:gd name="connsiteX0" fmla="*/ 0 w 4291896"/>
+              <a:gd name="connsiteY0" fmla="*/ 0 h 1897902"/>
+              <a:gd name="connsiteX1" fmla="*/ 4291896 w 4291896"/>
+              <a:gd name="connsiteY1" fmla="*/ 0 h 1897902"/>
+              <a:gd name="connsiteX2" fmla="*/ 4291896 w 4291896"/>
+              <a:gd name="connsiteY2" fmla="*/ 1116842 h 1897902"/>
+              <a:gd name="connsiteX3" fmla="*/ 3124032 w 4291896"/>
+              <a:gd name="connsiteY3" fmla="*/ 1109542 h 1897902"/>
+              <a:gd name="connsiteX4" fmla="*/ 2145947 w 4291896"/>
+              <a:gd name="connsiteY4" fmla="*/ 1897902 h 1897902"/>
+              <a:gd name="connsiteX5" fmla="*/ 0 w 4291896"/>
+              <a:gd name="connsiteY5" fmla="*/ 1890603 h 1897902"/>
+              <a:gd name="connsiteX6" fmla="*/ 0 w 4291896"/>
+              <a:gd name="connsiteY6" fmla="*/ 0 h 1897902"/>
+              <a:gd name="connsiteX0" fmla="*/ 0 w 4291896"/>
+              <a:gd name="connsiteY0" fmla="*/ 0 h 1897902"/>
+              <a:gd name="connsiteX1" fmla="*/ 4291896 w 4291896"/>
+              <a:gd name="connsiteY1" fmla="*/ 0 h 1897902"/>
+              <a:gd name="connsiteX2" fmla="*/ 4291896 w 4291896"/>
+              <a:gd name="connsiteY2" fmla="*/ 1116842 h 1897902"/>
+              <a:gd name="connsiteX3" fmla="*/ 2175144 w 4291896"/>
+              <a:gd name="connsiteY3" fmla="*/ 1124141 h 1897902"/>
+              <a:gd name="connsiteX4" fmla="*/ 2145947 w 4291896"/>
+              <a:gd name="connsiteY4" fmla="*/ 1897902 h 1897902"/>
+              <a:gd name="connsiteX5" fmla="*/ 0 w 4291896"/>
+              <a:gd name="connsiteY5" fmla="*/ 1890603 h 1897902"/>
+              <a:gd name="connsiteX6" fmla="*/ 0 w 4291896"/>
+              <a:gd name="connsiteY6" fmla="*/ 0 h 1897902"/>
+              <a:gd name="connsiteX0" fmla="*/ 0 w 4291896"/>
+              <a:gd name="connsiteY0" fmla="*/ 0 h 1912502"/>
+              <a:gd name="connsiteX1" fmla="*/ 4291896 w 4291896"/>
+              <a:gd name="connsiteY1" fmla="*/ 0 h 1912502"/>
+              <a:gd name="connsiteX2" fmla="*/ 4291896 w 4291896"/>
+              <a:gd name="connsiteY2" fmla="*/ 1116842 h 1912502"/>
+              <a:gd name="connsiteX3" fmla="*/ 2175144 w 4291896"/>
+              <a:gd name="connsiteY3" fmla="*/ 1124141 h 1912502"/>
+              <a:gd name="connsiteX4" fmla="*/ 2189742 w 4291896"/>
+              <a:gd name="connsiteY4" fmla="*/ 1912502 h 1912502"/>
+              <a:gd name="connsiteX5" fmla="*/ 0 w 4291896"/>
+              <a:gd name="connsiteY5" fmla="*/ 1890603 h 1912502"/>
+              <a:gd name="connsiteX6" fmla="*/ 0 w 4291896"/>
+              <a:gd name="connsiteY6" fmla="*/ 0 h 1912502"/>
+              <a:gd name="connsiteX0" fmla="*/ 0 w 4291896"/>
+              <a:gd name="connsiteY0" fmla="*/ 0 h 1912502"/>
+              <a:gd name="connsiteX1" fmla="*/ 4291896 w 4291896"/>
+              <a:gd name="connsiteY1" fmla="*/ 0 h 1912502"/>
+              <a:gd name="connsiteX2" fmla="*/ 4291896 w 4291896"/>
+              <a:gd name="connsiteY2" fmla="*/ 1116842 h 1912502"/>
+              <a:gd name="connsiteX3" fmla="*/ 2175144 w 4291896"/>
+              <a:gd name="connsiteY3" fmla="*/ 1124141 h 1912502"/>
+              <a:gd name="connsiteX4" fmla="*/ 2160546 w 4291896"/>
+              <a:gd name="connsiteY4" fmla="*/ 1912502 h 1912502"/>
+              <a:gd name="connsiteX5" fmla="*/ 0 w 4291896"/>
+              <a:gd name="connsiteY5" fmla="*/ 1890603 h 1912502"/>
+              <a:gd name="connsiteX6" fmla="*/ 0 w 4291896"/>
+              <a:gd name="connsiteY6" fmla="*/ 0 h 1912502"/>
+              <a:gd name="connsiteX0" fmla="*/ 0 w 4291896"/>
+              <a:gd name="connsiteY0" fmla="*/ 0 h 1912502"/>
+              <a:gd name="connsiteX1" fmla="*/ 4291896 w 4291896"/>
+              <a:gd name="connsiteY1" fmla="*/ 0 h 1912502"/>
+              <a:gd name="connsiteX2" fmla="*/ 4291896 w 4291896"/>
+              <a:gd name="connsiteY2" fmla="*/ 1116842 h 1912502"/>
+              <a:gd name="connsiteX3" fmla="*/ 2175144 w 4291896"/>
+              <a:gd name="connsiteY3" fmla="*/ 1124141 h 1912502"/>
+              <a:gd name="connsiteX4" fmla="*/ 2160546 w 4291896"/>
+              <a:gd name="connsiteY4" fmla="*/ 1912502 h 1912502"/>
+              <a:gd name="connsiteX5" fmla="*/ 0 w 4291896"/>
+              <a:gd name="connsiteY5" fmla="*/ 1890603 h 1912502"/>
+              <a:gd name="connsiteX6" fmla="*/ 0 w 4291896"/>
+              <a:gd name="connsiteY6" fmla="*/ 0 h 1912502"/>
+              <a:gd name="connsiteX0" fmla="*/ 0 w 4291896"/>
+              <a:gd name="connsiteY0" fmla="*/ 0 h 1912502"/>
+              <a:gd name="connsiteX1" fmla="*/ 4291896 w 4291896"/>
+              <a:gd name="connsiteY1" fmla="*/ 0 h 1912502"/>
+              <a:gd name="connsiteX2" fmla="*/ 4291896 w 4291896"/>
+              <a:gd name="connsiteY2" fmla="*/ 1116842 h 1912502"/>
+              <a:gd name="connsiteX3" fmla="*/ 2145947 w 4291896"/>
+              <a:gd name="connsiteY3" fmla="*/ 1124141 h 1912502"/>
+              <a:gd name="connsiteX4" fmla="*/ 2160546 w 4291896"/>
+              <a:gd name="connsiteY4" fmla="*/ 1912502 h 1912502"/>
+              <a:gd name="connsiteX5" fmla="*/ 0 w 4291896"/>
+              <a:gd name="connsiteY5" fmla="*/ 1890603 h 1912502"/>
+              <a:gd name="connsiteX6" fmla="*/ 0 w 4291896"/>
+              <a:gd name="connsiteY6" fmla="*/ 0 h 1912502"/>
+              <a:gd name="connsiteX0" fmla="*/ 0 w 4291896"/>
+              <a:gd name="connsiteY0" fmla="*/ 0 h 1912502"/>
+              <a:gd name="connsiteX1" fmla="*/ 4291896 w 4291896"/>
+              <a:gd name="connsiteY1" fmla="*/ 0 h 1912502"/>
+              <a:gd name="connsiteX2" fmla="*/ 4291896 w 4291896"/>
+              <a:gd name="connsiteY2" fmla="*/ 1116842 h 1912502"/>
+              <a:gd name="connsiteX3" fmla="*/ 2160545 w 4291896"/>
+              <a:gd name="connsiteY3" fmla="*/ 1124141 h 1912502"/>
+              <a:gd name="connsiteX4" fmla="*/ 2160546 w 4291896"/>
+              <a:gd name="connsiteY4" fmla="*/ 1912502 h 1912502"/>
+              <a:gd name="connsiteX5" fmla="*/ 0 w 4291896"/>
+              <a:gd name="connsiteY5" fmla="*/ 1890603 h 1912502"/>
+              <a:gd name="connsiteX6" fmla="*/ 0 w 4291896"/>
+              <a:gd name="connsiteY6" fmla="*/ 0 h 1912502"/>
+              <a:gd name="connsiteX0" fmla="*/ 0 w 4291896"/>
+              <a:gd name="connsiteY0" fmla="*/ 0 h 1890603"/>
+              <a:gd name="connsiteX1" fmla="*/ 4291896 w 4291896"/>
+              <a:gd name="connsiteY1" fmla="*/ 0 h 1890603"/>
+              <a:gd name="connsiteX2" fmla="*/ 4291896 w 4291896"/>
+              <a:gd name="connsiteY2" fmla="*/ 1116842 h 1890603"/>
+              <a:gd name="connsiteX3" fmla="*/ 2160545 w 4291896"/>
+              <a:gd name="connsiteY3" fmla="*/ 1124141 h 1890603"/>
+              <a:gd name="connsiteX4" fmla="*/ 2189742 w 4291896"/>
+              <a:gd name="connsiteY4" fmla="*/ 1883303 h 1890603"/>
+              <a:gd name="connsiteX5" fmla="*/ 0 w 4291896"/>
+              <a:gd name="connsiteY5" fmla="*/ 1890603 h 1890603"/>
+              <a:gd name="connsiteX6" fmla="*/ 0 w 4291896"/>
+              <a:gd name="connsiteY6" fmla="*/ 0 h 1890603"/>
+              <a:gd name="connsiteX0" fmla="*/ 0 w 4291896"/>
+              <a:gd name="connsiteY0" fmla="*/ 0 h 1890603"/>
+              <a:gd name="connsiteX1" fmla="*/ 4291896 w 4291896"/>
+              <a:gd name="connsiteY1" fmla="*/ 0 h 1890603"/>
+              <a:gd name="connsiteX2" fmla="*/ 4291896 w 4291896"/>
+              <a:gd name="connsiteY2" fmla="*/ 1116842 h 1890603"/>
+              <a:gd name="connsiteX3" fmla="*/ 2160545 w 4291896"/>
+              <a:gd name="connsiteY3" fmla="*/ 1124141 h 1890603"/>
+              <a:gd name="connsiteX4" fmla="*/ 2175144 w 4291896"/>
+              <a:gd name="connsiteY4" fmla="*/ 1883303 h 1890603"/>
+              <a:gd name="connsiteX5" fmla="*/ 0 w 4291896"/>
+              <a:gd name="connsiteY5" fmla="*/ 1890603 h 1890603"/>
+              <a:gd name="connsiteX6" fmla="*/ 0 w 4291896"/>
+              <a:gd name="connsiteY6" fmla="*/ 0 h 1890603"/>
+              <a:gd name="connsiteX0" fmla="*/ 0 w 4291896"/>
+              <a:gd name="connsiteY0" fmla="*/ 0 h 1890603"/>
+              <a:gd name="connsiteX1" fmla="*/ 4291896 w 4291896"/>
+              <a:gd name="connsiteY1" fmla="*/ 0 h 1890603"/>
+              <a:gd name="connsiteX2" fmla="*/ 4291896 w 4291896"/>
+              <a:gd name="connsiteY2" fmla="*/ 1116842 h 1890603"/>
+              <a:gd name="connsiteX3" fmla="*/ 2189742 w 4291896"/>
+              <a:gd name="connsiteY3" fmla="*/ 1270133 h 1890603"/>
+              <a:gd name="connsiteX4" fmla="*/ 2175144 w 4291896"/>
+              <a:gd name="connsiteY4" fmla="*/ 1883303 h 1890603"/>
+              <a:gd name="connsiteX5" fmla="*/ 0 w 4291896"/>
+              <a:gd name="connsiteY5" fmla="*/ 1890603 h 1890603"/>
+              <a:gd name="connsiteX6" fmla="*/ 0 w 4291896"/>
+              <a:gd name="connsiteY6" fmla="*/ 0 h 1890603"/>
+              <a:gd name="connsiteX0" fmla="*/ 0 w 4291896"/>
+              <a:gd name="connsiteY0" fmla="*/ 0 h 1890603"/>
+              <a:gd name="connsiteX1" fmla="*/ 4291896 w 4291896"/>
+              <a:gd name="connsiteY1" fmla="*/ 0 h 1890603"/>
+              <a:gd name="connsiteX2" fmla="*/ 4291896 w 4291896"/>
+              <a:gd name="connsiteY2" fmla="*/ 1292033 h 1890603"/>
+              <a:gd name="connsiteX3" fmla="*/ 2189742 w 4291896"/>
+              <a:gd name="connsiteY3" fmla="*/ 1270133 h 1890603"/>
+              <a:gd name="connsiteX4" fmla="*/ 2175144 w 4291896"/>
+              <a:gd name="connsiteY4" fmla="*/ 1883303 h 1890603"/>
+              <a:gd name="connsiteX5" fmla="*/ 0 w 4291896"/>
+              <a:gd name="connsiteY5" fmla="*/ 1890603 h 1890603"/>
+              <a:gd name="connsiteX6" fmla="*/ 0 w 4291896"/>
+              <a:gd name="connsiteY6" fmla="*/ 0 h 1890603"/>
+              <a:gd name="connsiteX0" fmla="*/ 0 w 4291896"/>
+              <a:gd name="connsiteY0" fmla="*/ 0 h 1890603"/>
+              <a:gd name="connsiteX1" fmla="*/ 4291896 w 4291896"/>
+              <a:gd name="connsiteY1" fmla="*/ 0 h 1890603"/>
+              <a:gd name="connsiteX2" fmla="*/ 4291896 w 4291896"/>
+              <a:gd name="connsiteY2" fmla="*/ 1292033 h 1890603"/>
+              <a:gd name="connsiteX3" fmla="*/ 2175143 w 4291896"/>
+              <a:gd name="connsiteY3" fmla="*/ 1270133 h 1890603"/>
+              <a:gd name="connsiteX4" fmla="*/ 2175144 w 4291896"/>
+              <a:gd name="connsiteY4" fmla="*/ 1883303 h 1890603"/>
+              <a:gd name="connsiteX5" fmla="*/ 0 w 4291896"/>
+              <a:gd name="connsiteY5" fmla="*/ 1890603 h 1890603"/>
+              <a:gd name="connsiteX6" fmla="*/ 0 w 4291896"/>
+              <a:gd name="connsiteY6" fmla="*/ 0 h 1890603"/>
+              <a:gd name="connsiteX0" fmla="*/ 0 w 4291896"/>
+              <a:gd name="connsiteY0" fmla="*/ 0 h 1890603"/>
+              <a:gd name="connsiteX1" fmla="*/ 4291896 w 4291896"/>
+              <a:gd name="connsiteY1" fmla="*/ 0 h 1890603"/>
+              <a:gd name="connsiteX2" fmla="*/ 4291896 w 4291896"/>
+              <a:gd name="connsiteY2" fmla="*/ 1270135 h 1890603"/>
+              <a:gd name="connsiteX3" fmla="*/ 2175143 w 4291896"/>
+              <a:gd name="connsiteY3" fmla="*/ 1270133 h 1890603"/>
+              <a:gd name="connsiteX4" fmla="*/ 2175144 w 4291896"/>
+              <a:gd name="connsiteY4" fmla="*/ 1883303 h 1890603"/>
+              <a:gd name="connsiteX5" fmla="*/ 0 w 4291896"/>
+              <a:gd name="connsiteY5" fmla="*/ 1890603 h 1890603"/>
+              <a:gd name="connsiteX6" fmla="*/ 0 w 4291896"/>
+              <a:gd name="connsiteY6" fmla="*/ 0 h 1890603"/>
+            </a:gdLst>
+            <a:ahLst/>
+            <a:cxnLst>
+              <a:cxn ang="0">
+                <a:pos x="connsiteX0" y="connsiteY0"/>
+              </a:cxn>
+              <a:cxn ang="0">
+                <a:pos x="connsiteX1" y="connsiteY1"/>
+              </a:cxn>
+              <a:cxn ang="0">
+                <a:pos x="connsiteX2" y="connsiteY2"/>
+              </a:cxn>
+              <a:cxn ang="0">
+                <a:pos x="connsiteX3" y="connsiteY3"/>
+              </a:cxn>
+              <a:cxn ang="0">
+                <a:pos x="connsiteX4" y="connsiteY4"/>
+              </a:cxn>
+              <a:cxn ang="0">
+                <a:pos x="connsiteX5" y="connsiteY5"/>
+              </a:cxn>
+              <a:cxn ang="0">
+                <a:pos x="connsiteX6" y="connsiteY6"/>
+              </a:cxn>
+            </a:cxnLst>
+            <a:rect l="l" t="t" r="r" b="b"/>
+            <a:pathLst>
+              <a:path w="4291896" h="1890603">
+                <a:moveTo>
+                  <a:pt x="0" y="0"/>
+                </a:moveTo>
+                <a:lnTo>
+                  <a:pt x="4291896" y="0"/>
+                </a:lnTo>
+                <a:lnTo>
+                  <a:pt x="4291896" y="1270135"/>
+                </a:lnTo>
+                <a:lnTo>
+                  <a:pt x="2175143" y="1270133"/>
+                </a:lnTo>
+                <a:cubicBezTo>
+                  <a:pt x="2175143" y="1532920"/>
+                  <a:pt x="2175144" y="1620516"/>
+                  <a:pt x="2175144" y="1883303"/>
+                </a:cubicBezTo>
+                <a:lnTo>
+                  <a:pt x="0" y="1890603"/>
+                </a:lnTo>
+                <a:lnTo>
+                  <a:pt x="0" y="0"/>
+                </a:lnTo>
+                <a:close/>
+              </a:path>
+            </a:pathLst>
+          </a:custGeom>
+          <a:gradFill>
+            <a:gsLst>
+              <a:gs pos="0">
+                <a:schemeClr val="accent3">
+                  <a:lumMod val="75000"/>
+                </a:schemeClr>
+              </a:gs>
+              <a:gs pos="100000">
+                <a:schemeClr val="accent3">
+                  <a:lumMod val="40000"/>
+                  <a:lumOff val="60000"/>
+                </a:schemeClr>
+              </a:gs>
+            </a:gsLst>
+          </a:gradFill>
+          <a:ln>
+            <a:solidFill>
+              <a:schemeClr val="accent3">
+                <a:lumMod val="50000"/>
+              </a:schemeClr>
+            </a:solidFill>
+          </a:ln>
+        </p:spPr>
+        <p:style>
+          <a:lnRef idx="1">
+            <a:schemeClr val="accent1"/>
+          </a:lnRef>
+          <a:fillRef idx="3">
+            <a:schemeClr val="accent1"/>
+          </a:fillRef>
+          <a:effectRef idx="2">
+            <a:schemeClr val="accent1"/>
+          </a:effectRef>
+          <a:fontRef idx="minor">
+            <a:schemeClr val="lt1"/>
+          </a:fontRef>
+        </p:style>
+        <p:txBody>
+          <a:bodyPr rtlCol="0" anchor="ctr"/>
+          <a:lstStyle/>
+          <a:p>
+            <a:pPr algn="ctr"/>
+            <a:r>
+              <a:rPr lang="en-US" altLang="ja-JP" dirty="0" smtClean="0">
+                <a:solidFill>
+                  <a:srgbClr val="000000"/>
+                </a:solidFill>
+              </a:rPr>
+              <a:t>Cadencii</a:t>
+            </a:r>
+            <a:endParaRPr kumimoji="1" lang="ja-JP" altLang="en-US" dirty="0">
+              <a:solidFill>
+                <a:srgbClr val="000000"/>
+              </a:solidFill>
+            </a:endParaRPr>
+          </a:p>
+        </p:txBody>
+      </p:sp>
+      <p:sp>
+        <p:nvSpPr>
+          <p:cNvPr id="5" name="正方形/長方形 4"/>
+          <p:cNvSpPr/>
+          <p:nvPr/>
+        </p:nvSpPr>
+        <p:spPr>
+          <a:xfrm>
+            <a:off x="2740161" y="1959989"/>
+            <a:ext cx="2058359" cy="547471"/>
+          </a:xfrm>
+          <a:prstGeom prst="rect">
+            <a:avLst/>
+          </a:prstGeom>
+          <a:gradFill flip="none" rotWithShape="1">
+            <a:gsLst>
+              <a:gs pos="0">
+                <a:srgbClr val="BFBE28"/>
+              </a:gs>
+              <a:gs pos="100000">
+                <a:srgbClr val="FFFF35"/>
+              </a:gs>
+            </a:gsLst>
+            <a:lin ang="16200000" scaled="0"/>
+            <a:tileRect/>
+          </a:gradFill>
+          <a:ln>
+            <a:solidFill>
+              <a:srgbClr val="8F8F1E"/>
+            </a:solidFill>
+          </a:ln>
+        </p:spPr>
+        <p:style>
+          <a:lnRef idx="1">
+            <a:schemeClr val="accent1"/>
+          </a:lnRef>
+          <a:fillRef idx="3">
+            <a:schemeClr val="accent1"/>
+          </a:fillRef>
+          <a:effectRef idx="2">
+            <a:schemeClr val="accent1"/>
+          </a:effectRef>
+          <a:fontRef idx="minor">
+            <a:schemeClr val="lt1"/>
+          </a:fontRef>
+        </p:style>
+        <p:txBody>
+          <a:bodyPr rtlCol="0" anchor="ctr"/>
+          <a:lstStyle/>
+          <a:p>
+            <a:pPr algn="ctr"/>
+            <a:r>
+              <a:rPr kumimoji="1" lang="en-US" altLang="ja-JP" dirty="0" smtClean="0">
+                <a:solidFill>
+                  <a:srgbClr val="000000"/>
+                </a:solidFill>
+              </a:rPr>
+              <a:t>VOCALOID </a:t>
+            </a:r>
+            <a:r>
+              <a:rPr kumimoji="1" lang="en-US" altLang="ja-JP" dirty="0" err="1" smtClean="0">
+                <a:solidFill>
+                  <a:srgbClr val="000000"/>
+                </a:solidFill>
+              </a:rPr>
+              <a:t>VSTi</a:t>
+            </a:r>
+            <a:endParaRPr kumimoji="1" lang="ja-JP" altLang="en-US" dirty="0">
+              <a:solidFill>
+                <a:srgbClr val="000000"/>
+              </a:solidFill>
+            </a:endParaRPr>
+          </a:p>
+        </p:txBody>
+      </p:sp>
+      <p:sp>
+        <p:nvSpPr>
+          <p:cNvPr id="6" name="テキスト ボックス 5"/>
+          <p:cNvSpPr txBox="1"/>
+          <p:nvPr/>
+        </p:nvSpPr>
+        <p:spPr>
+          <a:xfrm>
+            <a:off x="536229" y="254000"/>
+            <a:ext cx="2108269" cy="369332"/>
+          </a:xfrm>
+          <a:prstGeom prst="rect">
+            <a:avLst/>
+          </a:prstGeom>
+          <a:noFill/>
+        </p:spPr>
+        <p:txBody>
+          <a:bodyPr wrap="none" rtlCol="0">
+            <a:spAutoFit/>
+          </a:bodyPr>
+          <a:lstStyle/>
+          <a:p>
+            <a:r>
+              <a:rPr kumimoji="1" lang="en-US" altLang="ja-JP" dirty="0" smtClean="0"/>
+              <a:t>VOCALOID Windows</a:t>
+            </a:r>
+            <a:endParaRPr kumimoji="1" lang="ja-JP" altLang="en-US" dirty="0"/>
+          </a:p>
+        </p:txBody>
+      </p:sp>
+      <p:sp>
+        <p:nvSpPr>
+          <p:cNvPr id="7" name="正方形/長方形 6"/>
+          <p:cNvSpPr/>
+          <p:nvPr/>
+        </p:nvSpPr>
+        <p:spPr>
+          <a:xfrm>
+            <a:off x="498550" y="5964296"/>
+            <a:ext cx="4291896" cy="569371"/>
+          </a:xfrm>
+          <a:prstGeom prst="rect">
+            <a:avLst/>
+          </a:prstGeom>
+        </p:spPr>
+        <p:style>
+          <a:lnRef idx="1">
+            <a:schemeClr val="accent1"/>
+          </a:lnRef>
+          <a:fillRef idx="3">
+            <a:schemeClr val="accent1"/>
+          </a:fillRef>
+          <a:effectRef idx="2">
+            <a:schemeClr val="accent1"/>
+          </a:effectRef>
+          <a:fontRef idx="minor">
+            <a:schemeClr val="lt1"/>
+          </a:fontRef>
+        </p:style>
+        <p:txBody>
+          <a:bodyPr rtlCol="0" anchor="ctr"/>
+          <a:lstStyle/>
+          <a:p>
+            <a:pPr algn="ctr"/>
+            <a:r>
+              <a:rPr kumimoji="1" lang="en-US" altLang="ja-JP" dirty="0" smtClean="0">
+                <a:solidFill>
+                  <a:schemeClr val="tx1"/>
+                </a:solidFill>
+              </a:rPr>
+              <a:t>Macintosh OS</a:t>
+            </a:r>
+            <a:endParaRPr kumimoji="1" lang="ja-JP" altLang="en-US" dirty="0">
+              <a:solidFill>
+                <a:schemeClr val="tx1"/>
+              </a:solidFill>
+            </a:endParaRPr>
+          </a:p>
+        </p:txBody>
+      </p:sp>
+      <p:sp>
+        <p:nvSpPr>
+          <p:cNvPr id="11" name="正方形/長方形 10"/>
+          <p:cNvSpPr/>
+          <p:nvPr/>
+        </p:nvSpPr>
+        <p:spPr>
+          <a:xfrm>
+            <a:off x="498550" y="5343830"/>
+            <a:ext cx="1787451" cy="547471"/>
+          </a:xfrm>
+          <a:prstGeom prst="rect">
+            <a:avLst/>
+          </a:prstGeom>
+          <a:gradFill flip="none" rotWithShape="1">
+            <a:gsLst>
+              <a:gs pos="0">
+                <a:srgbClr val="AC4323"/>
+              </a:gs>
+              <a:gs pos="100000">
+                <a:srgbClr val="FF6334"/>
+              </a:gs>
+            </a:gsLst>
+            <a:lin ang="16200000" scaled="0"/>
+            <a:tileRect/>
+          </a:gradFill>
+          <a:ln>
+            <a:solidFill>
+              <a:srgbClr val="86331B"/>
+            </a:solidFill>
+          </a:ln>
+        </p:spPr>
+        <p:style>
+          <a:lnRef idx="1">
+            <a:schemeClr val="accent1"/>
+          </a:lnRef>
+          <a:fillRef idx="3">
+            <a:schemeClr val="accent1"/>
+          </a:fillRef>
+          <a:effectRef idx="2">
+            <a:schemeClr val="accent1"/>
+          </a:effectRef>
+          <a:fontRef idx="minor">
+            <a:schemeClr val="lt1"/>
+          </a:fontRef>
+        </p:style>
+        <p:txBody>
+          <a:bodyPr rtlCol="0" anchor="ctr"/>
+          <a:lstStyle/>
+          <a:p>
+            <a:pPr algn="ctr"/>
+            <a:r>
+              <a:rPr lang="en-US" altLang="ja-JP" dirty="0" smtClean="0">
+                <a:solidFill>
+                  <a:srgbClr val="000000"/>
+                </a:solidFill>
+              </a:rPr>
+              <a:t>Java VM</a:t>
+            </a:r>
+            <a:endParaRPr kumimoji="1" lang="ja-JP" altLang="en-US" dirty="0">
+              <a:solidFill>
+                <a:srgbClr val="000000"/>
+              </a:solidFill>
+            </a:endParaRPr>
+          </a:p>
+        </p:txBody>
+      </p:sp>
+      <p:sp>
+        <p:nvSpPr>
+          <p:cNvPr id="12" name="正方形/長方形 11"/>
+          <p:cNvSpPr/>
+          <p:nvPr/>
+        </p:nvSpPr>
+        <p:spPr>
+          <a:xfrm>
+            <a:off x="3003176" y="5345340"/>
+            <a:ext cx="1787270" cy="547471"/>
+          </a:xfrm>
+          <a:prstGeom prst="rect">
+            <a:avLst/>
+          </a:prstGeom>
+          <a:gradFill flip="none" rotWithShape="1">
+            <a:gsLst>
+              <a:gs pos="0">
+                <a:srgbClr val="BFBE28"/>
+              </a:gs>
+              <a:gs pos="100000">
+                <a:srgbClr val="FFFF35"/>
+              </a:gs>
+            </a:gsLst>
+            <a:lin ang="16200000" scaled="0"/>
+            <a:tileRect/>
+          </a:gradFill>
+          <a:ln>
+            <a:solidFill>
+              <a:srgbClr val="8F8F1E"/>
+            </a:solidFill>
+          </a:ln>
+        </p:spPr>
+        <p:style>
+          <a:lnRef idx="1">
+            <a:schemeClr val="accent1"/>
+          </a:lnRef>
+          <a:fillRef idx="3">
+            <a:schemeClr val="accent1"/>
+          </a:fillRef>
+          <a:effectRef idx="2">
+            <a:schemeClr val="accent1"/>
+          </a:effectRef>
+          <a:fontRef idx="minor">
+            <a:schemeClr val="lt1"/>
+          </a:fontRef>
+        </p:style>
+        <p:txBody>
+          <a:bodyPr rtlCol="0" anchor="ctr"/>
+          <a:lstStyle/>
+          <a:p>
+            <a:pPr algn="ctr"/>
+            <a:r>
+              <a:rPr lang="en-US" altLang="ja-JP" dirty="0" smtClean="0">
+                <a:solidFill>
+                  <a:srgbClr val="000000"/>
+                </a:solidFill>
+              </a:rPr>
+              <a:t>Wine</a:t>
+            </a:r>
+            <a:endParaRPr kumimoji="1" lang="ja-JP" altLang="en-US" dirty="0">
+              <a:solidFill>
+                <a:srgbClr val="000000"/>
+              </a:solidFill>
+            </a:endParaRPr>
+          </a:p>
+        </p:txBody>
+      </p:sp>
+      <p:sp>
+        <p:nvSpPr>
+          <p:cNvPr id="14" name="右矢印 13"/>
+          <p:cNvSpPr/>
+          <p:nvPr/>
+        </p:nvSpPr>
+        <p:spPr>
+          <a:xfrm>
+            <a:off x="2379292" y="4448841"/>
+            <a:ext cx="530412" cy="194236"/>
+          </a:xfrm>
+          <a:prstGeom prst="rightArrow">
+            <a:avLst/>
+          </a:prstGeom>
+        </p:spPr>
+        <p:style>
+          <a:lnRef idx="1">
+            <a:schemeClr val="accent1"/>
+          </a:lnRef>
+          <a:fillRef idx="3">
+            <a:schemeClr val="accent1"/>
+          </a:fillRef>
+          <a:effectRef idx="2">
+            <a:schemeClr val="accent1"/>
+          </a:effectRef>
+          <a:fontRef idx="minor">
+            <a:schemeClr val="lt1"/>
+          </a:fontRef>
+        </p:style>
+        <p:txBody>
+          <a:bodyPr rtlCol="0" anchor="ctr"/>
+          <a:lstStyle/>
+          <a:p>
+            <a:pPr algn="ctr"/>
+            <a:endParaRPr kumimoji="1" lang="ja-JP" altLang="en-US"/>
+          </a:p>
+        </p:txBody>
+      </p:sp>
+      <p:sp>
+        <p:nvSpPr>
+          <p:cNvPr id="15" name="右矢印 14"/>
+          <p:cNvSpPr/>
+          <p:nvPr/>
+        </p:nvSpPr>
+        <p:spPr>
+          <a:xfrm flipH="1">
+            <a:off x="2379292" y="4743185"/>
+            <a:ext cx="530412" cy="194236"/>
+          </a:xfrm>
+          <a:prstGeom prst="rightArrow">
+            <a:avLst/>
+          </a:prstGeom>
+        </p:spPr>
+        <p:style>
+          <a:lnRef idx="1">
+            <a:schemeClr val="accent1"/>
+          </a:lnRef>
+          <a:fillRef idx="3">
+            <a:schemeClr val="accent1"/>
+          </a:fillRef>
+          <a:effectRef idx="2">
+            <a:schemeClr val="accent1"/>
+          </a:effectRef>
+          <a:fontRef idx="minor">
+            <a:schemeClr val="lt1"/>
+          </a:fontRef>
+        </p:style>
+        <p:txBody>
+          <a:bodyPr rtlCol="0" anchor="ctr"/>
+          <a:lstStyle/>
+          <a:p>
+            <a:pPr algn="ctr"/>
+            <a:endParaRPr kumimoji="1" lang="ja-JP" altLang="en-US"/>
+          </a:p>
+        </p:txBody>
+      </p:sp>
+      <p:sp>
+        <p:nvSpPr>
+          <p:cNvPr id="16" name="テキスト ボックス 15"/>
+          <p:cNvSpPr txBox="1"/>
+          <p:nvPr/>
+        </p:nvSpPr>
+        <p:spPr>
+          <a:xfrm>
+            <a:off x="2366520" y="4150021"/>
+            <a:ext cx="539092" cy="307777"/>
+          </a:xfrm>
+          <a:prstGeom prst="rect">
+            <a:avLst/>
+          </a:prstGeom>
+          <a:noFill/>
+        </p:spPr>
+        <p:txBody>
+          <a:bodyPr wrap="none" rtlCol="0">
+            <a:spAutoFit/>
+          </a:bodyPr>
+          <a:lstStyle/>
+          <a:p>
+            <a:pPr algn="ctr"/>
+            <a:r>
+              <a:rPr kumimoji="1" lang="en-US" altLang="ja-JP" sz="1400" dirty="0" smtClean="0"/>
+              <a:t>MIDI</a:t>
+            </a:r>
+            <a:endParaRPr kumimoji="1" lang="ja-JP" altLang="en-US" sz="1400" dirty="0"/>
+          </a:p>
+        </p:txBody>
+      </p:sp>
+      <p:sp>
+        <p:nvSpPr>
+          <p:cNvPr id="17" name="テキスト ボックス 16"/>
+          <p:cNvSpPr txBox="1"/>
+          <p:nvPr/>
+        </p:nvSpPr>
+        <p:spPr>
+          <a:xfrm>
+            <a:off x="2325597" y="4890224"/>
+            <a:ext cx="637802" cy="307777"/>
+          </a:xfrm>
+          <a:prstGeom prst="rect">
+            <a:avLst/>
+          </a:prstGeom>
+          <a:noFill/>
+        </p:spPr>
+        <p:txBody>
+          <a:bodyPr wrap="none" rtlCol="0">
+            <a:spAutoFit/>
+          </a:bodyPr>
+          <a:lstStyle/>
+          <a:p>
+            <a:pPr algn="ctr"/>
+            <a:r>
+              <a:rPr lang="en-US" altLang="ja-JP" sz="1400" dirty="0" smtClean="0"/>
+              <a:t>WAVE</a:t>
+            </a:r>
+            <a:endParaRPr kumimoji="1" lang="ja-JP" altLang="en-US" sz="1400" dirty="0"/>
+          </a:p>
+        </p:txBody>
+      </p:sp>
+      <p:sp>
+        <p:nvSpPr>
+          <p:cNvPr id="18" name="テキスト ボックス 17"/>
+          <p:cNvSpPr txBox="1"/>
+          <p:nvPr/>
+        </p:nvSpPr>
+        <p:spPr>
+          <a:xfrm>
+            <a:off x="536229" y="3580515"/>
+            <a:ext cx="2217750" cy="369332"/>
+          </a:xfrm>
+          <a:prstGeom prst="rect">
+            <a:avLst/>
+          </a:prstGeom>
+          <a:noFill/>
+        </p:spPr>
+        <p:txBody>
+          <a:bodyPr wrap="none" rtlCol="0">
+            <a:spAutoFit/>
+          </a:bodyPr>
+          <a:lstStyle/>
+          <a:p>
+            <a:r>
+              <a:rPr kumimoji="1" lang="en-US" altLang="ja-JP" dirty="0" smtClean="0"/>
+              <a:t>VOCALOID Macintosh</a:t>
+            </a:r>
+            <a:endParaRPr kumimoji="1" lang="ja-JP" altLang="en-US" dirty="0"/>
+          </a:p>
+        </p:txBody>
+      </p:sp>
+      <p:sp>
+        <p:nvSpPr>
+          <p:cNvPr id="19" name="正方形/長方形 3"/>
+          <p:cNvSpPr/>
+          <p:nvPr/>
+        </p:nvSpPr>
+        <p:spPr>
+          <a:xfrm>
+            <a:off x="3006931" y="4002208"/>
+            <a:ext cx="1791589" cy="1265197"/>
+          </a:xfrm>
+          <a:custGeom>
+            <a:avLst/>
+            <a:gdLst>
+              <a:gd name="connsiteX0" fmla="*/ 0 w 4291896"/>
+              <a:gd name="connsiteY0" fmla="*/ 0 h 1890603"/>
+              <a:gd name="connsiteX1" fmla="*/ 4291896 w 4291896"/>
+              <a:gd name="connsiteY1" fmla="*/ 0 h 1890603"/>
+              <a:gd name="connsiteX2" fmla="*/ 4291896 w 4291896"/>
+              <a:gd name="connsiteY2" fmla="*/ 1890603 h 1890603"/>
+              <a:gd name="connsiteX3" fmla="*/ 0 w 4291896"/>
+              <a:gd name="connsiteY3" fmla="*/ 1890603 h 1890603"/>
+              <a:gd name="connsiteX4" fmla="*/ 0 w 4291896"/>
+              <a:gd name="connsiteY4" fmla="*/ 0 h 1890603"/>
+              <a:gd name="connsiteX0" fmla="*/ 0 w 4291896"/>
+              <a:gd name="connsiteY0" fmla="*/ 0 h 1890603"/>
+              <a:gd name="connsiteX1" fmla="*/ 4291896 w 4291896"/>
+              <a:gd name="connsiteY1" fmla="*/ 0 h 1890603"/>
+              <a:gd name="connsiteX2" fmla="*/ 4291896 w 4291896"/>
+              <a:gd name="connsiteY2" fmla="*/ 1890603 h 1890603"/>
+              <a:gd name="connsiteX3" fmla="*/ 4262698 w 4291896"/>
+              <a:gd name="connsiteY3" fmla="*/ 1839505 h 1890603"/>
+              <a:gd name="connsiteX4" fmla="*/ 0 w 4291896"/>
+              <a:gd name="connsiteY4" fmla="*/ 1890603 h 1890603"/>
+              <a:gd name="connsiteX5" fmla="*/ 0 w 4291896"/>
+              <a:gd name="connsiteY5" fmla="*/ 0 h 1890603"/>
+              <a:gd name="connsiteX0" fmla="*/ 0 w 4291896"/>
+              <a:gd name="connsiteY0" fmla="*/ 0 h 1890603"/>
+              <a:gd name="connsiteX1" fmla="*/ 4291896 w 4291896"/>
+              <a:gd name="connsiteY1" fmla="*/ 0 h 1890603"/>
+              <a:gd name="connsiteX2" fmla="*/ 4291896 w 4291896"/>
+              <a:gd name="connsiteY2" fmla="*/ 1890603 h 1890603"/>
+              <a:gd name="connsiteX3" fmla="*/ 3138630 w 4291896"/>
+              <a:gd name="connsiteY3" fmla="*/ 1883303 h 1890603"/>
+              <a:gd name="connsiteX4" fmla="*/ 0 w 4291896"/>
+              <a:gd name="connsiteY4" fmla="*/ 1890603 h 1890603"/>
+              <a:gd name="connsiteX5" fmla="*/ 0 w 4291896"/>
+              <a:gd name="connsiteY5" fmla="*/ 0 h 1890603"/>
+              <a:gd name="connsiteX0" fmla="*/ 0 w 4291896"/>
+              <a:gd name="connsiteY0" fmla="*/ 0 h 1890603"/>
+              <a:gd name="connsiteX1" fmla="*/ 4291896 w 4291896"/>
+              <a:gd name="connsiteY1" fmla="*/ 0 h 1890603"/>
+              <a:gd name="connsiteX2" fmla="*/ 4291896 w 4291896"/>
+              <a:gd name="connsiteY2" fmla="*/ 1890603 h 1890603"/>
+              <a:gd name="connsiteX3" fmla="*/ 4262698 w 4291896"/>
+              <a:gd name="connsiteY3" fmla="*/ 1868703 h 1890603"/>
+              <a:gd name="connsiteX4" fmla="*/ 3138630 w 4291896"/>
+              <a:gd name="connsiteY4" fmla="*/ 1883303 h 1890603"/>
+              <a:gd name="connsiteX5" fmla="*/ 0 w 4291896"/>
+              <a:gd name="connsiteY5" fmla="*/ 1890603 h 1890603"/>
+              <a:gd name="connsiteX6" fmla="*/ 0 w 4291896"/>
+              <a:gd name="connsiteY6" fmla="*/ 0 h 1890603"/>
+              <a:gd name="connsiteX0" fmla="*/ 0 w 4291896"/>
+              <a:gd name="connsiteY0" fmla="*/ 0 h 1890603"/>
+              <a:gd name="connsiteX1" fmla="*/ 4291896 w 4291896"/>
+              <a:gd name="connsiteY1" fmla="*/ 0 h 1890603"/>
+              <a:gd name="connsiteX2" fmla="*/ 4291896 w 4291896"/>
+              <a:gd name="connsiteY2" fmla="*/ 1890603 h 1890603"/>
+              <a:gd name="connsiteX3" fmla="*/ 3124032 w 4291896"/>
+              <a:gd name="connsiteY3" fmla="*/ 1109542 h 1890603"/>
+              <a:gd name="connsiteX4" fmla="*/ 3138630 w 4291896"/>
+              <a:gd name="connsiteY4" fmla="*/ 1883303 h 1890603"/>
+              <a:gd name="connsiteX5" fmla="*/ 0 w 4291896"/>
+              <a:gd name="connsiteY5" fmla="*/ 1890603 h 1890603"/>
+              <a:gd name="connsiteX6" fmla="*/ 0 w 4291896"/>
+              <a:gd name="connsiteY6" fmla="*/ 0 h 1890603"/>
+              <a:gd name="connsiteX0" fmla="*/ 0 w 4291896"/>
+              <a:gd name="connsiteY0" fmla="*/ 0 h 1890603"/>
+              <a:gd name="connsiteX1" fmla="*/ 4291896 w 4291896"/>
+              <a:gd name="connsiteY1" fmla="*/ 0 h 1890603"/>
+              <a:gd name="connsiteX2" fmla="*/ 4291896 w 4291896"/>
+              <a:gd name="connsiteY2" fmla="*/ 1116842 h 1890603"/>
+              <a:gd name="connsiteX3" fmla="*/ 3124032 w 4291896"/>
+              <a:gd name="connsiteY3" fmla="*/ 1109542 h 1890603"/>
+              <a:gd name="connsiteX4" fmla="*/ 3138630 w 4291896"/>
+              <a:gd name="connsiteY4" fmla="*/ 1883303 h 1890603"/>
+              <a:gd name="connsiteX5" fmla="*/ 0 w 4291896"/>
+              <a:gd name="connsiteY5" fmla="*/ 1890603 h 1890603"/>
+              <a:gd name="connsiteX6" fmla="*/ 0 w 4291896"/>
+              <a:gd name="connsiteY6" fmla="*/ 0 h 1890603"/>
+              <a:gd name="connsiteX0" fmla="*/ 0 w 4291896"/>
+              <a:gd name="connsiteY0" fmla="*/ 0 h 1897902"/>
+              <a:gd name="connsiteX1" fmla="*/ 4291896 w 4291896"/>
+              <a:gd name="connsiteY1" fmla="*/ 0 h 1897902"/>
+              <a:gd name="connsiteX2" fmla="*/ 4291896 w 4291896"/>
+              <a:gd name="connsiteY2" fmla="*/ 1116842 h 1897902"/>
+              <a:gd name="connsiteX3" fmla="*/ 3124032 w 4291896"/>
+              <a:gd name="connsiteY3" fmla="*/ 1109542 h 1897902"/>
+              <a:gd name="connsiteX4" fmla="*/ 2145947 w 4291896"/>
+              <a:gd name="connsiteY4" fmla="*/ 1897902 h 1897902"/>
+              <a:gd name="connsiteX5" fmla="*/ 0 w 4291896"/>
+              <a:gd name="connsiteY5" fmla="*/ 1890603 h 1897902"/>
+              <a:gd name="connsiteX6" fmla="*/ 0 w 4291896"/>
+              <a:gd name="connsiteY6" fmla="*/ 0 h 1897902"/>
+              <a:gd name="connsiteX0" fmla="*/ 0 w 4291896"/>
+              <a:gd name="connsiteY0" fmla="*/ 0 h 1897902"/>
+              <a:gd name="connsiteX1" fmla="*/ 4291896 w 4291896"/>
+              <a:gd name="connsiteY1" fmla="*/ 0 h 1897902"/>
+              <a:gd name="connsiteX2" fmla="*/ 4291896 w 4291896"/>
+              <a:gd name="connsiteY2" fmla="*/ 1116842 h 1897902"/>
+              <a:gd name="connsiteX3" fmla="*/ 2175144 w 4291896"/>
+              <a:gd name="connsiteY3" fmla="*/ 1124141 h 1897902"/>
+              <a:gd name="connsiteX4" fmla="*/ 2145947 w 4291896"/>
+              <a:gd name="connsiteY4" fmla="*/ 1897902 h 1897902"/>
+              <a:gd name="connsiteX5" fmla="*/ 0 w 4291896"/>
+              <a:gd name="connsiteY5" fmla="*/ 1890603 h 1897902"/>
+              <a:gd name="connsiteX6" fmla="*/ 0 w 4291896"/>
+              <a:gd name="connsiteY6" fmla="*/ 0 h 1897902"/>
+              <a:gd name="connsiteX0" fmla="*/ 0 w 4291896"/>
+              <a:gd name="connsiteY0" fmla="*/ 0 h 1912502"/>
+              <a:gd name="connsiteX1" fmla="*/ 4291896 w 4291896"/>
+              <a:gd name="connsiteY1" fmla="*/ 0 h 1912502"/>
+              <a:gd name="connsiteX2" fmla="*/ 4291896 w 4291896"/>
+              <a:gd name="connsiteY2" fmla="*/ 1116842 h 1912502"/>
+              <a:gd name="connsiteX3" fmla="*/ 2175144 w 4291896"/>
+              <a:gd name="connsiteY3" fmla="*/ 1124141 h 1912502"/>
+              <a:gd name="connsiteX4" fmla="*/ 2189742 w 4291896"/>
+              <a:gd name="connsiteY4" fmla="*/ 1912502 h 1912502"/>
+              <a:gd name="connsiteX5" fmla="*/ 0 w 4291896"/>
+              <a:gd name="connsiteY5" fmla="*/ 1890603 h 1912502"/>
+              <a:gd name="connsiteX6" fmla="*/ 0 w 4291896"/>
+              <a:gd name="connsiteY6" fmla="*/ 0 h 1912502"/>
+              <a:gd name="connsiteX0" fmla="*/ 0 w 4291896"/>
+              <a:gd name="connsiteY0" fmla="*/ 0 h 1912502"/>
+              <a:gd name="connsiteX1" fmla="*/ 4291896 w 4291896"/>
+              <a:gd name="connsiteY1" fmla="*/ 0 h 1912502"/>
+              <a:gd name="connsiteX2" fmla="*/ 4291896 w 4291896"/>
+              <a:gd name="connsiteY2" fmla="*/ 1116842 h 1912502"/>
+              <a:gd name="connsiteX3" fmla="*/ 2175144 w 4291896"/>
+              <a:gd name="connsiteY3" fmla="*/ 1124141 h 1912502"/>
+              <a:gd name="connsiteX4" fmla="*/ 2160546 w 4291896"/>
+              <a:gd name="connsiteY4" fmla="*/ 1912502 h 1912502"/>
+              <a:gd name="connsiteX5" fmla="*/ 0 w 4291896"/>
+              <a:gd name="connsiteY5" fmla="*/ 1890603 h 1912502"/>
+              <a:gd name="connsiteX6" fmla="*/ 0 w 4291896"/>
+              <a:gd name="connsiteY6" fmla="*/ 0 h 1912502"/>
+              <a:gd name="connsiteX0" fmla="*/ 0 w 4291896"/>
+              <a:gd name="connsiteY0" fmla="*/ 0 h 1912502"/>
+              <a:gd name="connsiteX1" fmla="*/ 4291896 w 4291896"/>
+              <a:gd name="connsiteY1" fmla="*/ 0 h 1912502"/>
+              <a:gd name="connsiteX2" fmla="*/ 4291896 w 4291896"/>
+              <a:gd name="connsiteY2" fmla="*/ 1116842 h 1912502"/>
+              <a:gd name="connsiteX3" fmla="*/ 2175144 w 4291896"/>
+              <a:gd name="connsiteY3" fmla="*/ 1124141 h 1912502"/>
+              <a:gd name="connsiteX4" fmla="*/ 2160546 w 4291896"/>
+              <a:gd name="connsiteY4" fmla="*/ 1912502 h 1912502"/>
+              <a:gd name="connsiteX5" fmla="*/ 0 w 4291896"/>
+              <a:gd name="connsiteY5" fmla="*/ 1890603 h 1912502"/>
+              <a:gd name="connsiteX6" fmla="*/ 0 w 4291896"/>
+              <a:gd name="connsiteY6" fmla="*/ 0 h 1912502"/>
+              <a:gd name="connsiteX0" fmla="*/ 0 w 4291896"/>
+              <a:gd name="connsiteY0" fmla="*/ 0 h 1912502"/>
+              <a:gd name="connsiteX1" fmla="*/ 4291896 w 4291896"/>
+              <a:gd name="connsiteY1" fmla="*/ 0 h 1912502"/>
+              <a:gd name="connsiteX2" fmla="*/ 4291896 w 4291896"/>
+              <a:gd name="connsiteY2" fmla="*/ 1116842 h 1912502"/>
+              <a:gd name="connsiteX3" fmla="*/ 2145947 w 4291896"/>
+              <a:gd name="connsiteY3" fmla="*/ 1124141 h 1912502"/>
+              <a:gd name="connsiteX4" fmla="*/ 2160546 w 4291896"/>
+              <a:gd name="connsiteY4" fmla="*/ 1912502 h 1912502"/>
+              <a:gd name="connsiteX5" fmla="*/ 0 w 4291896"/>
+              <a:gd name="connsiteY5" fmla="*/ 1890603 h 1912502"/>
+              <a:gd name="connsiteX6" fmla="*/ 0 w 4291896"/>
+              <a:gd name="connsiteY6" fmla="*/ 0 h 1912502"/>
+              <a:gd name="connsiteX0" fmla="*/ 0 w 4291896"/>
+              <a:gd name="connsiteY0" fmla="*/ 0 h 1912502"/>
+              <a:gd name="connsiteX1" fmla="*/ 4291896 w 4291896"/>
+              <a:gd name="connsiteY1" fmla="*/ 0 h 1912502"/>
+              <a:gd name="connsiteX2" fmla="*/ 4291896 w 4291896"/>
+              <a:gd name="connsiteY2" fmla="*/ 1116842 h 1912502"/>
+              <a:gd name="connsiteX3" fmla="*/ 2160545 w 4291896"/>
+              <a:gd name="connsiteY3" fmla="*/ 1124141 h 1912502"/>
+              <a:gd name="connsiteX4" fmla="*/ 2160546 w 4291896"/>
+              <a:gd name="connsiteY4" fmla="*/ 1912502 h 1912502"/>
+              <a:gd name="connsiteX5" fmla="*/ 0 w 4291896"/>
+              <a:gd name="connsiteY5" fmla="*/ 1890603 h 1912502"/>
+              <a:gd name="connsiteX6" fmla="*/ 0 w 4291896"/>
+              <a:gd name="connsiteY6" fmla="*/ 0 h 1912502"/>
+              <a:gd name="connsiteX0" fmla="*/ 0 w 4291896"/>
+              <a:gd name="connsiteY0" fmla="*/ 0 h 1890603"/>
+              <a:gd name="connsiteX1" fmla="*/ 4291896 w 4291896"/>
+              <a:gd name="connsiteY1" fmla="*/ 0 h 1890603"/>
+              <a:gd name="connsiteX2" fmla="*/ 4291896 w 4291896"/>
+              <a:gd name="connsiteY2" fmla="*/ 1116842 h 1890603"/>
+              <a:gd name="connsiteX3" fmla="*/ 2160545 w 4291896"/>
+              <a:gd name="connsiteY3" fmla="*/ 1124141 h 1890603"/>
+              <a:gd name="connsiteX4" fmla="*/ 2189742 w 4291896"/>
+              <a:gd name="connsiteY4" fmla="*/ 1883303 h 1890603"/>
+              <a:gd name="connsiteX5" fmla="*/ 0 w 4291896"/>
+              <a:gd name="connsiteY5" fmla="*/ 1890603 h 1890603"/>
+              <a:gd name="connsiteX6" fmla="*/ 0 w 4291896"/>
+              <a:gd name="connsiteY6" fmla="*/ 0 h 1890603"/>
+              <a:gd name="connsiteX0" fmla="*/ 0 w 4291896"/>
+              <a:gd name="connsiteY0" fmla="*/ 0 h 1890603"/>
+              <a:gd name="connsiteX1" fmla="*/ 4291896 w 4291896"/>
+              <a:gd name="connsiteY1" fmla="*/ 0 h 1890603"/>
+              <a:gd name="connsiteX2" fmla="*/ 4291896 w 4291896"/>
+              <a:gd name="connsiteY2" fmla="*/ 1116842 h 1890603"/>
+              <a:gd name="connsiteX3" fmla="*/ 2160545 w 4291896"/>
+              <a:gd name="connsiteY3" fmla="*/ 1124141 h 1890603"/>
+              <a:gd name="connsiteX4" fmla="*/ 2175144 w 4291896"/>
+              <a:gd name="connsiteY4" fmla="*/ 1883303 h 1890603"/>
+              <a:gd name="connsiteX5" fmla="*/ 0 w 4291896"/>
+              <a:gd name="connsiteY5" fmla="*/ 1890603 h 1890603"/>
+              <a:gd name="connsiteX6" fmla="*/ 0 w 4291896"/>
+              <a:gd name="connsiteY6" fmla="*/ 0 h 1890603"/>
+              <a:gd name="connsiteX0" fmla="*/ 0 w 4291896"/>
+              <a:gd name="connsiteY0" fmla="*/ 0 h 1890603"/>
+              <a:gd name="connsiteX1" fmla="*/ 4291896 w 4291896"/>
+              <a:gd name="connsiteY1" fmla="*/ 0 h 1890603"/>
+              <a:gd name="connsiteX2" fmla="*/ 4291896 w 4291896"/>
+              <a:gd name="connsiteY2" fmla="*/ 1116842 h 1890603"/>
+              <a:gd name="connsiteX3" fmla="*/ 2189742 w 4291896"/>
+              <a:gd name="connsiteY3" fmla="*/ 1270133 h 1890603"/>
+              <a:gd name="connsiteX4" fmla="*/ 2175144 w 4291896"/>
+              <a:gd name="connsiteY4" fmla="*/ 1883303 h 1890603"/>
+              <a:gd name="connsiteX5" fmla="*/ 0 w 4291896"/>
+              <a:gd name="connsiteY5" fmla="*/ 1890603 h 1890603"/>
+              <a:gd name="connsiteX6" fmla="*/ 0 w 4291896"/>
+              <a:gd name="connsiteY6" fmla="*/ 0 h 1890603"/>
+              <a:gd name="connsiteX0" fmla="*/ 0 w 4291896"/>
+              <a:gd name="connsiteY0" fmla="*/ 0 h 1890603"/>
+              <a:gd name="connsiteX1" fmla="*/ 4291896 w 4291896"/>
+              <a:gd name="connsiteY1" fmla="*/ 0 h 1890603"/>
+              <a:gd name="connsiteX2" fmla="*/ 4291896 w 4291896"/>
+              <a:gd name="connsiteY2" fmla="*/ 1292033 h 1890603"/>
+              <a:gd name="connsiteX3" fmla="*/ 2189742 w 4291896"/>
+              <a:gd name="connsiteY3" fmla="*/ 1270133 h 1890603"/>
+              <a:gd name="connsiteX4" fmla="*/ 2175144 w 4291896"/>
+              <a:gd name="connsiteY4" fmla="*/ 1883303 h 1890603"/>
+              <a:gd name="connsiteX5" fmla="*/ 0 w 4291896"/>
+              <a:gd name="connsiteY5" fmla="*/ 1890603 h 1890603"/>
+              <a:gd name="connsiteX6" fmla="*/ 0 w 4291896"/>
+              <a:gd name="connsiteY6" fmla="*/ 0 h 1890603"/>
+              <a:gd name="connsiteX0" fmla="*/ 0 w 4291896"/>
+              <a:gd name="connsiteY0" fmla="*/ 0 h 1890603"/>
+              <a:gd name="connsiteX1" fmla="*/ 4291896 w 4291896"/>
+              <a:gd name="connsiteY1" fmla="*/ 0 h 1890603"/>
+              <a:gd name="connsiteX2" fmla="*/ 4291896 w 4291896"/>
+              <a:gd name="connsiteY2" fmla="*/ 1292033 h 1890603"/>
+              <a:gd name="connsiteX3" fmla="*/ 2175143 w 4291896"/>
+              <a:gd name="connsiteY3" fmla="*/ 1270133 h 1890603"/>
+              <a:gd name="connsiteX4" fmla="*/ 2175144 w 4291896"/>
+              <a:gd name="connsiteY4" fmla="*/ 1883303 h 1890603"/>
+              <a:gd name="connsiteX5" fmla="*/ 0 w 4291896"/>
+              <a:gd name="connsiteY5" fmla="*/ 1890603 h 1890603"/>
+              <a:gd name="connsiteX6" fmla="*/ 0 w 4291896"/>
+              <a:gd name="connsiteY6" fmla="*/ 0 h 1890603"/>
+              <a:gd name="connsiteX0" fmla="*/ 0 w 4291896"/>
+              <a:gd name="connsiteY0" fmla="*/ 0 h 1890603"/>
+              <a:gd name="connsiteX1" fmla="*/ 4291896 w 4291896"/>
+              <a:gd name="connsiteY1" fmla="*/ 0 h 1890603"/>
+              <a:gd name="connsiteX2" fmla="*/ 4291896 w 4291896"/>
+              <a:gd name="connsiteY2" fmla="*/ 1270135 h 1890603"/>
+              <a:gd name="connsiteX3" fmla="*/ 2175143 w 4291896"/>
+              <a:gd name="connsiteY3" fmla="*/ 1270133 h 1890603"/>
+              <a:gd name="connsiteX4" fmla="*/ 2175144 w 4291896"/>
+              <a:gd name="connsiteY4" fmla="*/ 1883303 h 1890603"/>
+              <a:gd name="connsiteX5" fmla="*/ 0 w 4291896"/>
+              <a:gd name="connsiteY5" fmla="*/ 1890603 h 1890603"/>
+              <a:gd name="connsiteX6" fmla="*/ 0 w 4291896"/>
+              <a:gd name="connsiteY6" fmla="*/ 0 h 1890603"/>
+              <a:gd name="connsiteX0" fmla="*/ 0 w 4291896"/>
+              <a:gd name="connsiteY0" fmla="*/ 0 h 1890603"/>
+              <a:gd name="connsiteX1" fmla="*/ 4291896 w 4291896"/>
+              <a:gd name="connsiteY1" fmla="*/ 0 h 1890603"/>
+              <a:gd name="connsiteX2" fmla="*/ 4291896 w 4291896"/>
+              <a:gd name="connsiteY2" fmla="*/ 1270135 h 1890603"/>
+              <a:gd name="connsiteX3" fmla="*/ 2175143 w 4291896"/>
+              <a:gd name="connsiteY3" fmla="*/ 1270133 h 1890603"/>
+              <a:gd name="connsiteX4" fmla="*/ 2123278 w 4291896"/>
+              <a:gd name="connsiteY4" fmla="*/ 1883303 h 1890603"/>
+              <a:gd name="connsiteX5" fmla="*/ 0 w 4291896"/>
+              <a:gd name="connsiteY5" fmla="*/ 1890603 h 1890603"/>
+              <a:gd name="connsiteX6" fmla="*/ 0 w 4291896"/>
+              <a:gd name="connsiteY6" fmla="*/ 0 h 1890603"/>
+              <a:gd name="connsiteX0" fmla="*/ 0 w 4291896"/>
+              <a:gd name="connsiteY0" fmla="*/ 0 h 1890603"/>
+              <a:gd name="connsiteX1" fmla="*/ 4291896 w 4291896"/>
+              <a:gd name="connsiteY1" fmla="*/ 0 h 1890603"/>
+              <a:gd name="connsiteX2" fmla="*/ 4291896 w 4291896"/>
+              <a:gd name="connsiteY2" fmla="*/ 1270135 h 1890603"/>
+              <a:gd name="connsiteX3" fmla="*/ 2112902 w 4291896"/>
+              <a:gd name="connsiteY3" fmla="*/ 895748 h 1890603"/>
+              <a:gd name="connsiteX4" fmla="*/ 2123278 w 4291896"/>
+              <a:gd name="connsiteY4" fmla="*/ 1883303 h 1890603"/>
+              <a:gd name="connsiteX5" fmla="*/ 0 w 4291896"/>
+              <a:gd name="connsiteY5" fmla="*/ 1890603 h 1890603"/>
+              <a:gd name="connsiteX6" fmla="*/ 0 w 4291896"/>
+              <a:gd name="connsiteY6" fmla="*/ 0 h 1890603"/>
+              <a:gd name="connsiteX0" fmla="*/ 0 w 4291896"/>
+              <a:gd name="connsiteY0" fmla="*/ 0 h 1890603"/>
+              <a:gd name="connsiteX1" fmla="*/ 4291896 w 4291896"/>
+              <a:gd name="connsiteY1" fmla="*/ 0 h 1890603"/>
+              <a:gd name="connsiteX2" fmla="*/ 4291896 w 4291896"/>
+              <a:gd name="connsiteY2" fmla="*/ 1270135 h 1890603"/>
+              <a:gd name="connsiteX3" fmla="*/ 2112902 w 4291896"/>
+              <a:gd name="connsiteY3" fmla="*/ 1011937 h 1890603"/>
+              <a:gd name="connsiteX4" fmla="*/ 2123278 w 4291896"/>
+              <a:gd name="connsiteY4" fmla="*/ 1883303 h 1890603"/>
+              <a:gd name="connsiteX5" fmla="*/ 0 w 4291896"/>
+              <a:gd name="connsiteY5" fmla="*/ 1890603 h 1890603"/>
+              <a:gd name="connsiteX6" fmla="*/ 0 w 4291896"/>
+              <a:gd name="connsiteY6" fmla="*/ 0 h 1890603"/>
+              <a:gd name="connsiteX0" fmla="*/ 0 w 4291896"/>
+              <a:gd name="connsiteY0" fmla="*/ 0 h 1890603"/>
+              <a:gd name="connsiteX1" fmla="*/ 4291896 w 4291896"/>
+              <a:gd name="connsiteY1" fmla="*/ 0 h 1890603"/>
+              <a:gd name="connsiteX2" fmla="*/ 4291896 w 4291896"/>
+              <a:gd name="connsiteY2" fmla="*/ 999027 h 1890603"/>
+              <a:gd name="connsiteX3" fmla="*/ 2112902 w 4291896"/>
+              <a:gd name="connsiteY3" fmla="*/ 1011937 h 1890603"/>
+              <a:gd name="connsiteX4" fmla="*/ 2123278 w 4291896"/>
+              <a:gd name="connsiteY4" fmla="*/ 1883303 h 1890603"/>
+              <a:gd name="connsiteX5" fmla="*/ 0 w 4291896"/>
+              <a:gd name="connsiteY5" fmla="*/ 1890603 h 1890603"/>
+              <a:gd name="connsiteX6" fmla="*/ 0 w 4291896"/>
+              <a:gd name="connsiteY6" fmla="*/ 0 h 1890603"/>
+              <a:gd name="connsiteX0" fmla="*/ 0 w 4291896"/>
+              <a:gd name="connsiteY0" fmla="*/ 0 h 1890603"/>
+              <a:gd name="connsiteX1" fmla="*/ 4291896 w 4291896"/>
+              <a:gd name="connsiteY1" fmla="*/ 0 h 1890603"/>
+              <a:gd name="connsiteX2" fmla="*/ 4291896 w 4291896"/>
+              <a:gd name="connsiteY2" fmla="*/ 1018392 h 1890603"/>
+              <a:gd name="connsiteX3" fmla="*/ 2112902 w 4291896"/>
+              <a:gd name="connsiteY3" fmla="*/ 1011937 h 1890603"/>
+              <a:gd name="connsiteX4" fmla="*/ 2123278 w 4291896"/>
+              <a:gd name="connsiteY4" fmla="*/ 1883303 h 1890603"/>
+              <a:gd name="connsiteX5" fmla="*/ 0 w 4291896"/>
+              <a:gd name="connsiteY5" fmla="*/ 1890603 h 1890603"/>
+              <a:gd name="connsiteX6" fmla="*/ 0 w 4291896"/>
+              <a:gd name="connsiteY6" fmla="*/ 0 h 1890603"/>
+              <a:gd name="connsiteX0" fmla="*/ 0 w 4302270"/>
+              <a:gd name="connsiteY0" fmla="*/ 0 h 1890603"/>
+              <a:gd name="connsiteX1" fmla="*/ 4291896 w 4302270"/>
+              <a:gd name="connsiteY1" fmla="*/ 0 h 1890603"/>
+              <a:gd name="connsiteX2" fmla="*/ 4302270 w 4302270"/>
+              <a:gd name="connsiteY2" fmla="*/ 1147491 h 1890603"/>
+              <a:gd name="connsiteX3" fmla="*/ 2112902 w 4302270"/>
+              <a:gd name="connsiteY3" fmla="*/ 1011937 h 1890603"/>
+              <a:gd name="connsiteX4" fmla="*/ 2123278 w 4302270"/>
+              <a:gd name="connsiteY4" fmla="*/ 1883303 h 1890603"/>
+              <a:gd name="connsiteX5" fmla="*/ 0 w 4302270"/>
+              <a:gd name="connsiteY5" fmla="*/ 1890603 h 1890603"/>
+              <a:gd name="connsiteX6" fmla="*/ 0 w 4302270"/>
+              <a:gd name="connsiteY6" fmla="*/ 0 h 1890603"/>
+              <a:gd name="connsiteX0" fmla="*/ 0 w 4302270"/>
+              <a:gd name="connsiteY0" fmla="*/ 0 h 1890603"/>
+              <a:gd name="connsiteX1" fmla="*/ 4291896 w 4302270"/>
+              <a:gd name="connsiteY1" fmla="*/ 0 h 1890603"/>
+              <a:gd name="connsiteX2" fmla="*/ 4302270 w 4302270"/>
+              <a:gd name="connsiteY2" fmla="*/ 1147491 h 1890603"/>
+              <a:gd name="connsiteX3" fmla="*/ 2123275 w 4302270"/>
+              <a:gd name="connsiteY3" fmla="*/ 1141035 h 1890603"/>
+              <a:gd name="connsiteX4" fmla="*/ 2123278 w 4302270"/>
+              <a:gd name="connsiteY4" fmla="*/ 1883303 h 1890603"/>
+              <a:gd name="connsiteX5" fmla="*/ 0 w 4302270"/>
+              <a:gd name="connsiteY5" fmla="*/ 1890603 h 1890603"/>
+              <a:gd name="connsiteX6" fmla="*/ 0 w 4302270"/>
+              <a:gd name="connsiteY6" fmla="*/ 0 h 1890603"/>
+              <a:gd name="connsiteX0" fmla="*/ 0 w 4302270"/>
+              <a:gd name="connsiteY0" fmla="*/ 0 h 1890603"/>
+              <a:gd name="connsiteX1" fmla="*/ 4291896 w 4302270"/>
+              <a:gd name="connsiteY1" fmla="*/ 0 h 1890603"/>
+              <a:gd name="connsiteX2" fmla="*/ 4302270 w 4302270"/>
+              <a:gd name="connsiteY2" fmla="*/ 1147491 h 1890603"/>
+              <a:gd name="connsiteX3" fmla="*/ 2123275 w 4302270"/>
+              <a:gd name="connsiteY3" fmla="*/ 1141035 h 1890603"/>
+              <a:gd name="connsiteX4" fmla="*/ 888829 w 4302270"/>
+              <a:gd name="connsiteY4" fmla="*/ 1883303 h 1890603"/>
+              <a:gd name="connsiteX5" fmla="*/ 0 w 4302270"/>
+              <a:gd name="connsiteY5" fmla="*/ 1890603 h 1890603"/>
+              <a:gd name="connsiteX6" fmla="*/ 0 w 4302270"/>
+              <a:gd name="connsiteY6" fmla="*/ 0 h 1890603"/>
+              <a:gd name="connsiteX0" fmla="*/ 0 w 4302270"/>
+              <a:gd name="connsiteY0" fmla="*/ 0 h 1890603"/>
+              <a:gd name="connsiteX1" fmla="*/ 4291896 w 4302270"/>
+              <a:gd name="connsiteY1" fmla="*/ 0 h 1890603"/>
+              <a:gd name="connsiteX2" fmla="*/ 4302270 w 4302270"/>
+              <a:gd name="connsiteY2" fmla="*/ 1147491 h 1890603"/>
+              <a:gd name="connsiteX3" fmla="*/ 888827 w 4302270"/>
+              <a:gd name="connsiteY3" fmla="*/ 1166855 h 1890603"/>
+              <a:gd name="connsiteX4" fmla="*/ 888829 w 4302270"/>
+              <a:gd name="connsiteY4" fmla="*/ 1883303 h 1890603"/>
+              <a:gd name="connsiteX5" fmla="*/ 0 w 4302270"/>
+              <a:gd name="connsiteY5" fmla="*/ 1890603 h 1890603"/>
+              <a:gd name="connsiteX6" fmla="*/ 0 w 4302270"/>
+              <a:gd name="connsiteY6" fmla="*/ 0 h 1890603"/>
+              <a:gd name="connsiteX0" fmla="*/ 0 w 4302270"/>
+              <a:gd name="connsiteY0" fmla="*/ 0 h 1890603"/>
+              <a:gd name="connsiteX1" fmla="*/ 4291896 w 4302270"/>
+              <a:gd name="connsiteY1" fmla="*/ 0 h 1890603"/>
+              <a:gd name="connsiteX2" fmla="*/ 4302270 w 4302270"/>
+              <a:gd name="connsiteY2" fmla="*/ 1147491 h 1890603"/>
+              <a:gd name="connsiteX3" fmla="*/ 1075550 w 4302270"/>
+              <a:gd name="connsiteY3" fmla="*/ 1153945 h 1890603"/>
+              <a:gd name="connsiteX4" fmla="*/ 888829 w 4302270"/>
+              <a:gd name="connsiteY4" fmla="*/ 1883303 h 1890603"/>
+              <a:gd name="connsiteX5" fmla="*/ 0 w 4302270"/>
+              <a:gd name="connsiteY5" fmla="*/ 1890603 h 1890603"/>
+              <a:gd name="connsiteX6" fmla="*/ 0 w 4302270"/>
+              <a:gd name="connsiteY6" fmla="*/ 0 h 1890603"/>
+              <a:gd name="connsiteX0" fmla="*/ 0 w 4302270"/>
+              <a:gd name="connsiteY0" fmla="*/ 0 h 1890603"/>
+              <a:gd name="connsiteX1" fmla="*/ 4291896 w 4302270"/>
+              <a:gd name="connsiteY1" fmla="*/ 0 h 1890603"/>
+              <a:gd name="connsiteX2" fmla="*/ 4302270 w 4302270"/>
+              <a:gd name="connsiteY2" fmla="*/ 1147491 h 1890603"/>
+              <a:gd name="connsiteX3" fmla="*/ 1075550 w 4302270"/>
+              <a:gd name="connsiteY3" fmla="*/ 1153945 h 1890603"/>
+              <a:gd name="connsiteX4" fmla="*/ 1085926 w 4302270"/>
+              <a:gd name="connsiteY4" fmla="*/ 1883303 h 1890603"/>
+              <a:gd name="connsiteX5" fmla="*/ 0 w 4302270"/>
+              <a:gd name="connsiteY5" fmla="*/ 1890603 h 1890603"/>
+              <a:gd name="connsiteX6" fmla="*/ 0 w 4302270"/>
+              <a:gd name="connsiteY6" fmla="*/ 0 h 1890603"/>
+              <a:gd name="connsiteX0" fmla="*/ 0 w 4302270"/>
+              <a:gd name="connsiteY0" fmla="*/ 0 h 1890603"/>
+              <a:gd name="connsiteX1" fmla="*/ 4291896 w 4302270"/>
+              <a:gd name="connsiteY1" fmla="*/ 0 h 1890603"/>
+              <a:gd name="connsiteX2" fmla="*/ 4302270 w 4302270"/>
+              <a:gd name="connsiteY2" fmla="*/ 1147491 h 1890603"/>
+              <a:gd name="connsiteX3" fmla="*/ 1075550 w 4302270"/>
+              <a:gd name="connsiteY3" fmla="*/ 1153945 h 1890603"/>
+              <a:gd name="connsiteX4" fmla="*/ 1085926 w 4302270"/>
+              <a:gd name="connsiteY4" fmla="*/ 1889759 h 1890603"/>
+              <a:gd name="connsiteX5" fmla="*/ 0 w 4302270"/>
+              <a:gd name="connsiteY5" fmla="*/ 1890603 h 1890603"/>
+              <a:gd name="connsiteX6" fmla="*/ 0 w 4302270"/>
+              <a:gd name="connsiteY6" fmla="*/ 0 h 1890603"/>
+              <a:gd name="connsiteX0" fmla="*/ 0 w 4302270"/>
+              <a:gd name="connsiteY0" fmla="*/ 0 h 1890603"/>
+              <a:gd name="connsiteX1" fmla="*/ 4291896 w 4302270"/>
+              <a:gd name="connsiteY1" fmla="*/ 0 h 1890603"/>
+              <a:gd name="connsiteX2" fmla="*/ 4302270 w 4302270"/>
+              <a:gd name="connsiteY2" fmla="*/ 1147491 h 1890603"/>
+              <a:gd name="connsiteX3" fmla="*/ 1096298 w 4302270"/>
+              <a:gd name="connsiteY3" fmla="*/ 1134580 h 1890603"/>
+              <a:gd name="connsiteX4" fmla="*/ 1085926 w 4302270"/>
+              <a:gd name="connsiteY4" fmla="*/ 1889759 h 1890603"/>
+              <a:gd name="connsiteX5" fmla="*/ 0 w 4302270"/>
+              <a:gd name="connsiteY5" fmla="*/ 1890603 h 1890603"/>
+              <a:gd name="connsiteX6" fmla="*/ 0 w 4302270"/>
+              <a:gd name="connsiteY6" fmla="*/ 0 h 1890603"/>
+              <a:gd name="connsiteX0" fmla="*/ 0 w 4302270"/>
+              <a:gd name="connsiteY0" fmla="*/ 0 h 1890603"/>
+              <a:gd name="connsiteX1" fmla="*/ 4291896 w 4302270"/>
+              <a:gd name="connsiteY1" fmla="*/ 0 h 1890603"/>
+              <a:gd name="connsiteX2" fmla="*/ 4302270 w 4302270"/>
+              <a:gd name="connsiteY2" fmla="*/ 1147491 h 1890603"/>
+              <a:gd name="connsiteX3" fmla="*/ 1096298 w 4302270"/>
+              <a:gd name="connsiteY3" fmla="*/ 1147489 h 1890603"/>
+              <a:gd name="connsiteX4" fmla="*/ 1085926 w 4302270"/>
+              <a:gd name="connsiteY4" fmla="*/ 1889759 h 1890603"/>
+              <a:gd name="connsiteX5" fmla="*/ 0 w 4302270"/>
+              <a:gd name="connsiteY5" fmla="*/ 1890603 h 1890603"/>
+              <a:gd name="connsiteX6" fmla="*/ 0 w 4302270"/>
+              <a:gd name="connsiteY6" fmla="*/ 0 h 1890603"/>
+            </a:gdLst>
+            <a:ahLst/>
+            <a:cxnLst>
+              <a:cxn ang="0">
+                <a:pos x="connsiteX0" y="connsiteY0"/>
+              </a:cxn>
+              <a:cxn ang="0">
+                <a:pos x="connsiteX1" y="connsiteY1"/>
+              </a:cxn>
+              <a:cxn ang="0">
+                <a:pos x="connsiteX2" y="connsiteY2"/>
+              </a:cxn>
+              <a:cxn ang="0">
+                <a:pos x="connsiteX3" y="connsiteY3"/>
+              </a:cxn>
+              <a:cxn ang="0">
+                <a:pos x="connsiteX4" y="connsiteY4"/>
+              </a:cxn>
+              <a:cxn ang="0">
+                <a:pos x="connsiteX5" y="connsiteY5"/>
+              </a:cxn>
+              <a:cxn ang="0">
+                <a:pos x="connsiteX6" y="connsiteY6"/>
+              </a:cxn>
+            </a:cxnLst>
+            <a:rect l="l" t="t" r="r" b="b"/>
+            <a:pathLst>
+              <a:path w="4302270" h="1890603">
+                <a:moveTo>
+                  <a:pt x="0" y="0"/>
+                </a:moveTo>
+                <a:lnTo>
+                  <a:pt x="4291896" y="0"/>
+                </a:lnTo>
+                <a:lnTo>
+                  <a:pt x="4302270" y="1147491"/>
+                </a:lnTo>
+                <a:lnTo>
+                  <a:pt x="1096298" y="1147489"/>
+                </a:lnTo>
+                <a:cubicBezTo>
+                  <a:pt x="1096298" y="1410276"/>
+                  <a:pt x="1085926" y="1626972"/>
+                  <a:pt x="1085926" y="1889759"/>
+                </a:cubicBezTo>
+                <a:lnTo>
+                  <a:pt x="0" y="1890603"/>
+                </a:lnTo>
+                <a:lnTo>
+                  <a:pt x="0" y="0"/>
+                </a:lnTo>
+                <a:close/>
+              </a:path>
+            </a:pathLst>
+          </a:custGeom>
+          <a:gradFill>
+            <a:gsLst>
+              <a:gs pos="0">
+                <a:srgbClr val="BFBE28"/>
+              </a:gs>
+              <a:gs pos="100000">
+                <a:srgbClr val="FFFF35"/>
+              </a:gs>
+            </a:gsLst>
+          </a:gradFill>
+          <a:ln>
+            <a:solidFill>
+              <a:srgbClr val="8F8F1E"/>
+            </a:solidFill>
+          </a:ln>
+        </p:spPr>
+        <p:style>
+          <a:lnRef idx="1">
+            <a:schemeClr val="accent1"/>
+          </a:lnRef>
+          <a:fillRef idx="3">
+            <a:schemeClr val="accent1"/>
+          </a:fillRef>
+          <a:effectRef idx="2">
+            <a:schemeClr val="accent1"/>
+          </a:effectRef>
+          <a:fontRef idx="minor">
+            <a:schemeClr val="lt1"/>
+          </a:fontRef>
+        </p:style>
+        <p:txBody>
+          <a:bodyPr rtlCol="0" anchor="ctr"/>
+          <a:lstStyle/>
+          <a:p>
+            <a:pPr algn="ctr"/>
+            <a:r>
+              <a:rPr lang="en-US" altLang="ja-JP" sz="1400" dirty="0" smtClean="0">
+                <a:solidFill>
+                  <a:srgbClr val="000000"/>
+                </a:solidFill>
+              </a:rPr>
+              <a:t>helper process</a:t>
+            </a:r>
+            <a:endParaRPr kumimoji="1" lang="ja-JP" altLang="en-US" sz="1400" dirty="0">
+              <a:solidFill>
+                <a:srgbClr val="000000"/>
+              </a:solidFill>
+            </a:endParaRPr>
+          </a:p>
+        </p:txBody>
+      </p:sp>
+      <p:sp>
+        <p:nvSpPr>
+          <p:cNvPr id="20" name="正方形/長方形 19"/>
+          <p:cNvSpPr/>
+          <p:nvPr/>
+        </p:nvSpPr>
+        <p:spPr>
+          <a:xfrm>
+            <a:off x="3503743" y="4849358"/>
+            <a:ext cx="1290457" cy="418048"/>
+          </a:xfrm>
+          <a:prstGeom prst="rect">
+            <a:avLst/>
+          </a:prstGeom>
+          <a:gradFill flip="none" rotWithShape="1">
+            <a:gsLst>
+              <a:gs pos="0">
+                <a:srgbClr val="BFBE28"/>
+              </a:gs>
+              <a:gs pos="100000">
+                <a:srgbClr val="FFFF35"/>
+              </a:gs>
+            </a:gsLst>
+            <a:lin ang="16200000" scaled="0"/>
+            <a:tileRect/>
+          </a:gradFill>
+          <a:ln>
+            <a:solidFill>
+              <a:srgbClr val="8F8F1E"/>
+            </a:solidFill>
+          </a:ln>
+        </p:spPr>
+        <p:style>
+          <a:lnRef idx="1">
+            <a:schemeClr val="accent1"/>
+          </a:lnRef>
+          <a:fillRef idx="3">
+            <a:schemeClr val="accent1"/>
+          </a:fillRef>
+          <a:effectRef idx="2">
+            <a:schemeClr val="accent1"/>
+          </a:effectRef>
+          <a:fontRef idx="minor">
+            <a:schemeClr val="lt1"/>
+          </a:fontRef>
+        </p:style>
+        <p:txBody>
+          <a:bodyPr rtlCol="0" anchor="ctr"/>
+          <a:lstStyle/>
+          <a:p>
+            <a:pPr algn="ctr"/>
+            <a:r>
+              <a:rPr kumimoji="1" lang="en-US" altLang="ja-JP" sz="1400" dirty="0" smtClean="0">
+                <a:solidFill>
+                  <a:srgbClr val="000000"/>
+                </a:solidFill>
+              </a:rPr>
+              <a:t>VOCALOID </a:t>
+            </a:r>
+            <a:r>
+              <a:rPr kumimoji="1" lang="en-US" altLang="ja-JP" sz="1400" dirty="0" err="1" smtClean="0">
+                <a:solidFill>
+                  <a:srgbClr val="000000"/>
+                </a:solidFill>
+              </a:rPr>
+              <a:t>VSTi</a:t>
+            </a:r>
+            <a:endParaRPr kumimoji="1" lang="ja-JP" altLang="en-US" sz="1400" dirty="0">
+              <a:solidFill>
+                <a:srgbClr val="000000"/>
+              </a:solidFill>
+            </a:endParaRPr>
+          </a:p>
+        </p:txBody>
+      </p:sp>
+    </p:spTree>
+    <p:extLst>
+      <p:ext uri="{BB962C8B-B14F-4D97-AF65-F5344CB8AC3E}">
+        <p14:creationId xmlns:p14="http://schemas.microsoft.com/office/powerpoint/2010/main" val="3858452704"/>
+      </p:ext>
+    </p:extLst>
+  </p:cSld>
+  <p:clrMapOvr>
+    <a:masterClrMapping/>
+  </p:clrMapOvr>
+</p:sld>
+</file>
+
+<file path=ppt/slides/slide15.xml><?xml version="1.0" encoding="utf-8"?>
+<p:sld xmlns:a="http://schemas.openxmlformats.org/drawingml/2006/main" xmlns:r="http://schemas.openxmlformats.org/officeDocument/2006/relationships" xmlns:p="http://schemas.openxmlformats.org/presentationml/2006/main">
+  <p:cSld>
+    <p:spTree>
+      <p:nvGrpSpPr>
+        <p:cNvPr id="1" name=""/>
+        <p:cNvGrpSpPr/>
+        <p:nvPr/>
+      </p:nvGrpSpPr>
+      <p:grpSpPr>
+        <a:xfrm>
+          <a:off x="0" y="0"/>
+          <a:ext cx="0" cy="0"/>
+          <a:chOff x="0" y="0"/>
+          <a:chExt cx="0" cy="0"/>
+        </a:xfrm>
+      </p:grpSpPr>
+      <p:sp>
+        <p:nvSpPr>
+          <p:cNvPr id="2" name="正方形/長方形 1"/>
+          <p:cNvSpPr/>
+          <p:nvPr/>
+        </p:nvSpPr>
+        <p:spPr>
+          <a:xfrm>
+            <a:off x="506624" y="2580455"/>
+            <a:ext cx="4291896" cy="569371"/>
+          </a:xfrm>
+          <a:prstGeom prst="rect">
+            <a:avLst/>
+          </a:prstGeom>
+        </p:spPr>
+        <p:style>
+          <a:lnRef idx="1">
+            <a:schemeClr val="accent1"/>
+          </a:lnRef>
+          <a:fillRef idx="3">
+            <a:schemeClr val="accent1"/>
+          </a:fillRef>
+          <a:effectRef idx="2">
+            <a:schemeClr val="accent1"/>
+          </a:effectRef>
+          <a:fontRef idx="minor">
+            <a:schemeClr val="lt1"/>
+          </a:fontRef>
+        </p:style>
+        <p:txBody>
+          <a:bodyPr rtlCol="0" anchor="ctr"/>
+          <a:lstStyle/>
+          <a:p>
+            <a:pPr algn="ctr"/>
+            <a:r>
+              <a:rPr kumimoji="1" lang="en-US" altLang="ja-JP" dirty="0" smtClean="0">
+                <a:solidFill>
+                  <a:schemeClr val="tx1"/>
+                </a:solidFill>
+              </a:rPr>
+              <a:t>Windows OS</a:t>
+            </a:r>
+            <a:endParaRPr kumimoji="1" lang="ja-JP" altLang="en-US" dirty="0">
+              <a:solidFill>
+                <a:schemeClr val="tx1"/>
+              </a:solidFill>
+            </a:endParaRPr>
+          </a:p>
+        </p:txBody>
+      </p:sp>
+      <p:sp>
+        <p:nvSpPr>
+          <p:cNvPr id="4" name="正方形/長方形 3"/>
+          <p:cNvSpPr/>
+          <p:nvPr/>
+        </p:nvSpPr>
+        <p:spPr>
+          <a:xfrm>
+            <a:off x="2740161" y="623333"/>
+            <a:ext cx="2058359" cy="1884128"/>
+          </a:xfrm>
+          <a:prstGeom prst="rect">
+            <a:avLst/>
+          </a:prstGeom>
+          <a:gradFill flip="none" rotWithShape="1">
+            <a:gsLst>
+              <a:gs pos="0">
+                <a:srgbClr val="BFBE28"/>
+              </a:gs>
+              <a:gs pos="100000">
+                <a:srgbClr val="FFFF35"/>
+              </a:gs>
+            </a:gsLst>
+            <a:lin ang="16200000" scaled="0"/>
+            <a:tileRect/>
+          </a:gradFill>
+          <a:ln>
+            <a:solidFill>
+              <a:srgbClr val="8F8F1E"/>
+            </a:solidFill>
+          </a:ln>
+        </p:spPr>
+        <p:style>
+          <a:lnRef idx="1">
+            <a:schemeClr val="accent1"/>
+          </a:lnRef>
+          <a:fillRef idx="3">
+            <a:schemeClr val="accent1"/>
+          </a:fillRef>
+          <a:effectRef idx="2">
+            <a:schemeClr val="accent1"/>
+          </a:effectRef>
+          <a:fontRef idx="minor">
+            <a:schemeClr val="lt1"/>
+          </a:fontRef>
+        </p:style>
+        <p:txBody>
+          <a:bodyPr rtlCol="0" anchor="ctr"/>
+          <a:lstStyle/>
+          <a:p>
+            <a:pPr algn="ctr"/>
+            <a:r>
+              <a:rPr lang="en-US" altLang="ja-JP" dirty="0" err="1" smtClean="0">
+                <a:solidFill>
+                  <a:srgbClr val="000000"/>
+                </a:solidFill>
+              </a:rPr>
+              <a:t>resampler</a:t>
+            </a:r>
+            <a:endParaRPr kumimoji="1" lang="ja-JP" altLang="en-US" dirty="0">
+              <a:solidFill>
+                <a:srgbClr val="000000"/>
+              </a:solidFill>
+            </a:endParaRPr>
+          </a:p>
+        </p:txBody>
+      </p:sp>
+      <p:sp>
+        <p:nvSpPr>
+          <p:cNvPr id="5" name="テキスト ボックス 4"/>
+          <p:cNvSpPr txBox="1"/>
+          <p:nvPr/>
+        </p:nvSpPr>
+        <p:spPr>
+          <a:xfrm>
+            <a:off x="536229" y="254000"/>
+            <a:ext cx="1659429" cy="369332"/>
+          </a:xfrm>
+          <a:prstGeom prst="rect">
+            <a:avLst/>
+          </a:prstGeom>
+          <a:noFill/>
+        </p:spPr>
+        <p:txBody>
+          <a:bodyPr wrap="none" rtlCol="0">
+            <a:spAutoFit/>
+          </a:bodyPr>
+          <a:lstStyle/>
+          <a:p>
+            <a:r>
+              <a:rPr lang="en-US" altLang="ja-JP" dirty="0" smtClean="0"/>
+              <a:t>UTAU</a:t>
+            </a:r>
+            <a:r>
+              <a:rPr kumimoji="1" lang="en-US" altLang="ja-JP" dirty="0" smtClean="0"/>
+              <a:t> Windows</a:t>
+            </a:r>
+            <a:endParaRPr kumimoji="1" lang="ja-JP" altLang="en-US" dirty="0"/>
+          </a:p>
+        </p:txBody>
+      </p:sp>
+      <p:sp>
+        <p:nvSpPr>
+          <p:cNvPr id="6" name="正方形/長方形 5"/>
+          <p:cNvSpPr/>
+          <p:nvPr/>
+        </p:nvSpPr>
+        <p:spPr>
+          <a:xfrm>
+            <a:off x="498550" y="616857"/>
+            <a:ext cx="2059200" cy="1890603"/>
+          </a:xfrm>
+          <a:prstGeom prst="rect">
+            <a:avLst/>
+          </a:prstGeom>
+          <a:gradFill>
+            <a:gsLst>
+              <a:gs pos="0">
+                <a:schemeClr val="accent3">
+                  <a:lumMod val="75000"/>
+                </a:schemeClr>
+              </a:gs>
+              <a:gs pos="100000">
+                <a:schemeClr val="accent3">
+                  <a:lumMod val="40000"/>
+                  <a:lumOff val="60000"/>
+                </a:schemeClr>
+              </a:gs>
+            </a:gsLst>
+          </a:gradFill>
+          <a:ln>
+            <a:solidFill>
+              <a:schemeClr val="accent3">
+                <a:lumMod val="50000"/>
+              </a:schemeClr>
+            </a:solidFill>
+          </a:ln>
+        </p:spPr>
+        <p:style>
+          <a:lnRef idx="1">
+            <a:schemeClr val="accent1"/>
+          </a:lnRef>
+          <a:fillRef idx="3">
+            <a:schemeClr val="accent1"/>
+          </a:fillRef>
+          <a:effectRef idx="2">
+            <a:schemeClr val="accent1"/>
+          </a:effectRef>
+          <a:fontRef idx="minor">
+            <a:schemeClr val="lt1"/>
+          </a:fontRef>
+        </p:style>
+        <p:txBody>
+          <a:bodyPr rtlCol="0" anchor="ctr"/>
+          <a:lstStyle/>
+          <a:p>
+            <a:pPr algn="ctr"/>
+            <a:r>
+              <a:rPr kumimoji="1" lang="en-US" altLang="ja-JP" dirty="0" smtClean="0">
+                <a:solidFill>
+                  <a:srgbClr val="000000"/>
+                </a:solidFill>
+              </a:rPr>
+              <a:t>Cadencii</a:t>
+            </a:r>
+            <a:endParaRPr kumimoji="1" lang="ja-JP" altLang="en-US" dirty="0">
+              <a:solidFill>
+                <a:srgbClr val="000000"/>
+              </a:solidFill>
+            </a:endParaRPr>
+          </a:p>
+        </p:txBody>
+      </p:sp>
+      <p:sp>
+        <p:nvSpPr>
+          <p:cNvPr id="8" name="正方形/長方形 7"/>
+          <p:cNvSpPr/>
+          <p:nvPr/>
+        </p:nvSpPr>
+        <p:spPr>
+          <a:xfrm>
+            <a:off x="498551" y="4000698"/>
+            <a:ext cx="2059200" cy="1266707"/>
+          </a:xfrm>
+          <a:prstGeom prst="rect">
+            <a:avLst/>
+          </a:prstGeom>
+          <a:gradFill>
+            <a:gsLst>
+              <a:gs pos="0">
+                <a:schemeClr val="accent3">
+                  <a:lumMod val="75000"/>
+                </a:schemeClr>
+              </a:gs>
+              <a:gs pos="100000">
+                <a:schemeClr val="accent3">
+                  <a:lumMod val="40000"/>
+                  <a:lumOff val="60000"/>
+                </a:schemeClr>
+              </a:gs>
+            </a:gsLst>
+          </a:gradFill>
+          <a:ln>
+            <a:solidFill>
+              <a:schemeClr val="accent3">
+                <a:lumMod val="50000"/>
+              </a:schemeClr>
+            </a:solidFill>
+          </a:ln>
+        </p:spPr>
+        <p:style>
+          <a:lnRef idx="1">
+            <a:schemeClr val="accent1"/>
+          </a:lnRef>
+          <a:fillRef idx="3">
+            <a:schemeClr val="accent1"/>
+          </a:fillRef>
+          <a:effectRef idx="2">
+            <a:schemeClr val="accent1"/>
+          </a:effectRef>
+          <a:fontRef idx="minor">
+            <a:schemeClr val="lt1"/>
+          </a:fontRef>
+        </p:style>
+        <p:txBody>
+          <a:bodyPr rtlCol="0" anchor="ctr"/>
+          <a:lstStyle/>
+          <a:p>
+            <a:pPr algn="ctr"/>
+            <a:r>
+              <a:rPr kumimoji="1" lang="en-US" altLang="ja-JP" dirty="0" smtClean="0">
+                <a:solidFill>
+                  <a:srgbClr val="000000"/>
+                </a:solidFill>
+              </a:rPr>
+              <a:t>Cadencii</a:t>
+            </a:r>
+            <a:endParaRPr kumimoji="1" lang="ja-JP" altLang="en-US" dirty="0">
+              <a:solidFill>
+                <a:srgbClr val="000000"/>
+              </a:solidFill>
+            </a:endParaRPr>
+          </a:p>
+        </p:txBody>
+      </p:sp>
+      <p:sp>
+        <p:nvSpPr>
+          <p:cNvPr id="9" name="正方形/長方形 8"/>
+          <p:cNvSpPr/>
+          <p:nvPr/>
+        </p:nvSpPr>
+        <p:spPr>
+          <a:xfrm>
+            <a:off x="498550" y="5964296"/>
+            <a:ext cx="4291896" cy="569371"/>
+          </a:xfrm>
+          <a:prstGeom prst="rect">
+            <a:avLst/>
+          </a:prstGeom>
+        </p:spPr>
+        <p:style>
+          <a:lnRef idx="1">
+            <a:schemeClr val="accent1"/>
+          </a:lnRef>
+          <a:fillRef idx="3">
+            <a:schemeClr val="accent1"/>
+          </a:fillRef>
+          <a:effectRef idx="2">
+            <a:schemeClr val="accent1"/>
+          </a:effectRef>
+          <a:fontRef idx="minor">
+            <a:schemeClr val="lt1"/>
+          </a:fontRef>
+        </p:style>
+        <p:txBody>
+          <a:bodyPr rtlCol="0" anchor="ctr"/>
+          <a:lstStyle/>
+          <a:p>
+            <a:pPr algn="ctr"/>
+            <a:r>
+              <a:rPr kumimoji="1" lang="en-US" altLang="ja-JP" dirty="0" smtClean="0">
+                <a:solidFill>
+                  <a:schemeClr val="tx1"/>
+                </a:solidFill>
+              </a:rPr>
+              <a:t>Macintosh OS</a:t>
+            </a:r>
+            <a:endParaRPr kumimoji="1" lang="ja-JP" altLang="en-US" dirty="0">
+              <a:solidFill>
+                <a:schemeClr val="tx1"/>
+              </a:solidFill>
+            </a:endParaRPr>
+          </a:p>
+        </p:txBody>
+      </p:sp>
+      <p:sp>
+        <p:nvSpPr>
+          <p:cNvPr id="10" name="正方形/長方形 9"/>
+          <p:cNvSpPr/>
+          <p:nvPr/>
+        </p:nvSpPr>
+        <p:spPr>
+          <a:xfrm>
+            <a:off x="498549" y="5343830"/>
+            <a:ext cx="2059200" cy="547471"/>
+          </a:xfrm>
+          <a:prstGeom prst="rect">
+            <a:avLst/>
+          </a:prstGeom>
+          <a:gradFill flip="none" rotWithShape="1">
+            <a:gsLst>
+              <a:gs pos="0">
+                <a:srgbClr val="AC4323"/>
+              </a:gs>
+              <a:gs pos="100000">
+                <a:srgbClr val="FF6334"/>
+              </a:gs>
+            </a:gsLst>
+            <a:lin ang="16200000" scaled="0"/>
+            <a:tileRect/>
+          </a:gradFill>
+          <a:ln>
+            <a:solidFill>
+              <a:srgbClr val="86331B"/>
+            </a:solidFill>
+          </a:ln>
+        </p:spPr>
+        <p:style>
+          <a:lnRef idx="1">
+            <a:schemeClr val="accent1"/>
+          </a:lnRef>
+          <a:fillRef idx="3">
+            <a:schemeClr val="accent1"/>
+          </a:fillRef>
+          <a:effectRef idx="2">
+            <a:schemeClr val="accent1"/>
+          </a:effectRef>
+          <a:fontRef idx="minor">
+            <a:schemeClr val="lt1"/>
+          </a:fontRef>
+        </p:style>
+        <p:txBody>
+          <a:bodyPr rtlCol="0" anchor="ctr"/>
+          <a:lstStyle/>
+          <a:p>
+            <a:pPr algn="ctr"/>
+            <a:r>
+              <a:rPr lang="en-US" altLang="ja-JP" dirty="0" smtClean="0">
+                <a:solidFill>
+                  <a:srgbClr val="000000"/>
+                </a:solidFill>
+              </a:rPr>
+              <a:t>Java VM</a:t>
+            </a:r>
+            <a:endParaRPr kumimoji="1" lang="ja-JP" altLang="en-US" dirty="0">
+              <a:solidFill>
+                <a:srgbClr val="000000"/>
+              </a:solidFill>
+            </a:endParaRPr>
+          </a:p>
+        </p:txBody>
+      </p:sp>
+      <p:sp>
+        <p:nvSpPr>
+          <p:cNvPr id="11" name="正方形/長方形 10"/>
+          <p:cNvSpPr/>
+          <p:nvPr/>
+        </p:nvSpPr>
+        <p:spPr>
+          <a:xfrm>
+            <a:off x="2740161" y="5345340"/>
+            <a:ext cx="2050285" cy="547471"/>
+          </a:xfrm>
+          <a:prstGeom prst="rect">
+            <a:avLst/>
+          </a:prstGeom>
+          <a:gradFill flip="none" rotWithShape="1">
+            <a:gsLst>
+              <a:gs pos="0">
+                <a:srgbClr val="BFBE28"/>
+              </a:gs>
+              <a:gs pos="100000">
+                <a:srgbClr val="FFFF35"/>
+              </a:gs>
+            </a:gsLst>
+            <a:lin ang="16200000" scaled="0"/>
+            <a:tileRect/>
+          </a:gradFill>
+          <a:ln>
+            <a:solidFill>
+              <a:srgbClr val="8F8F1E"/>
+            </a:solidFill>
+          </a:ln>
+        </p:spPr>
+        <p:style>
+          <a:lnRef idx="1">
+            <a:schemeClr val="accent1"/>
+          </a:lnRef>
+          <a:fillRef idx="3">
+            <a:schemeClr val="accent1"/>
+          </a:fillRef>
+          <a:effectRef idx="2">
+            <a:schemeClr val="accent1"/>
+          </a:effectRef>
+          <a:fontRef idx="minor">
+            <a:schemeClr val="lt1"/>
+          </a:fontRef>
+        </p:style>
+        <p:txBody>
+          <a:bodyPr rtlCol="0" anchor="ctr"/>
+          <a:lstStyle/>
+          <a:p>
+            <a:pPr algn="ctr"/>
+            <a:r>
+              <a:rPr lang="en-US" altLang="ja-JP" dirty="0" smtClean="0">
+                <a:solidFill>
+                  <a:srgbClr val="000000"/>
+                </a:solidFill>
+              </a:rPr>
+              <a:t>Wine</a:t>
+            </a:r>
+            <a:endParaRPr kumimoji="1" lang="ja-JP" altLang="en-US" dirty="0">
+              <a:solidFill>
+                <a:srgbClr val="000000"/>
+              </a:solidFill>
+            </a:endParaRPr>
+          </a:p>
+        </p:txBody>
+      </p:sp>
+      <p:sp>
+        <p:nvSpPr>
+          <p:cNvPr id="16" name="テキスト ボックス 15"/>
+          <p:cNvSpPr txBox="1"/>
+          <p:nvPr/>
+        </p:nvSpPr>
+        <p:spPr>
+          <a:xfrm>
+            <a:off x="536229" y="3580515"/>
+            <a:ext cx="1769497" cy="369332"/>
+          </a:xfrm>
+          <a:prstGeom prst="rect">
+            <a:avLst/>
+          </a:prstGeom>
+          <a:noFill/>
+        </p:spPr>
+        <p:txBody>
+          <a:bodyPr wrap="none" rtlCol="0">
+            <a:spAutoFit/>
+          </a:bodyPr>
+          <a:lstStyle/>
+          <a:p>
+            <a:r>
+              <a:rPr lang="en-US" altLang="ja-JP" dirty="0" smtClean="0"/>
+              <a:t>UTAU</a:t>
+            </a:r>
+            <a:r>
+              <a:rPr kumimoji="1" lang="en-US" altLang="ja-JP" dirty="0" smtClean="0"/>
+              <a:t> Macintosh</a:t>
+            </a:r>
+            <a:endParaRPr kumimoji="1" lang="ja-JP" altLang="en-US" dirty="0"/>
+          </a:p>
+        </p:txBody>
+      </p:sp>
+      <p:sp>
+        <p:nvSpPr>
+          <p:cNvPr id="19" name="正方形/長方形 18"/>
+          <p:cNvSpPr/>
+          <p:nvPr/>
+        </p:nvSpPr>
+        <p:spPr>
+          <a:xfrm>
+            <a:off x="2740161" y="3995822"/>
+            <a:ext cx="2050285" cy="1271583"/>
+          </a:xfrm>
+          <a:prstGeom prst="rect">
+            <a:avLst/>
+          </a:prstGeom>
+          <a:gradFill flip="none" rotWithShape="1">
+            <a:gsLst>
+              <a:gs pos="0">
+                <a:srgbClr val="BFBE28"/>
+              </a:gs>
+              <a:gs pos="100000">
+                <a:srgbClr val="FFFF35"/>
+              </a:gs>
+            </a:gsLst>
+            <a:lin ang="16200000" scaled="0"/>
+            <a:tileRect/>
+          </a:gradFill>
+          <a:ln>
+            <a:solidFill>
+              <a:srgbClr val="8F8F1E"/>
+            </a:solidFill>
+          </a:ln>
+        </p:spPr>
+        <p:style>
+          <a:lnRef idx="1">
+            <a:schemeClr val="accent1"/>
+          </a:lnRef>
+          <a:fillRef idx="3">
+            <a:schemeClr val="accent1"/>
+          </a:fillRef>
+          <a:effectRef idx="2">
+            <a:schemeClr val="accent1"/>
+          </a:effectRef>
+          <a:fontRef idx="minor">
+            <a:schemeClr val="lt1"/>
+          </a:fontRef>
+        </p:style>
+        <p:txBody>
+          <a:bodyPr rtlCol="0" anchor="ctr"/>
+          <a:lstStyle/>
+          <a:p>
+            <a:pPr algn="ctr"/>
+            <a:r>
+              <a:rPr lang="en-US" altLang="ja-JP" dirty="0" err="1" smtClean="0">
+                <a:solidFill>
+                  <a:srgbClr val="000000"/>
+                </a:solidFill>
+              </a:rPr>
+              <a:t>resampler</a:t>
+            </a:r>
+            <a:endParaRPr kumimoji="1" lang="ja-JP" altLang="en-US" dirty="0">
+              <a:solidFill>
+                <a:srgbClr val="000000"/>
+              </a:solidFill>
+            </a:endParaRPr>
+          </a:p>
+        </p:txBody>
+      </p:sp>
+    </p:spTree>
+    <p:extLst>
+      <p:ext uri="{BB962C8B-B14F-4D97-AF65-F5344CB8AC3E}">
+        <p14:creationId xmlns:p14="http://schemas.microsoft.com/office/powerpoint/2010/main" val="2901516324"/>
+      </p:ext>
+    </p:extLst>
+  </p:cSld>
+  <p:clrMapOvr>
+    <a:masterClrMapping/>
+  </p:clrMapOvr>
+</p:sld>
+</file>
+
+<file path=ppt/slides/slide16.xml><?xml version="1.0" encoding="utf-8"?>
+<p:sld xmlns:a="http://schemas.openxmlformats.org/drawingml/2006/main" xmlns:r="http://schemas.openxmlformats.org/officeDocument/2006/relationships" xmlns:p="http://schemas.openxmlformats.org/presentationml/2006/main">
+  <p:cSld>
+    <p:spTree>
+      <p:nvGrpSpPr>
+        <p:cNvPr id="1" name=""/>
+        <p:cNvGrpSpPr/>
+        <p:nvPr/>
+      </p:nvGrpSpPr>
+      <p:grpSpPr>
+        <a:xfrm>
+          <a:off x="0" y="0"/>
+          <a:ext cx="0" cy="0"/>
+          <a:chOff x="0" y="0"/>
+          <a:chExt cx="0" cy="0"/>
+        </a:xfrm>
+      </p:grpSpPr>
+      <p:sp>
+        <p:nvSpPr>
+          <p:cNvPr id="2" name="正方形/長方形 1"/>
+          <p:cNvSpPr/>
+          <p:nvPr/>
+        </p:nvSpPr>
+        <p:spPr>
+          <a:xfrm>
+            <a:off x="506624" y="2580455"/>
+            <a:ext cx="4291896" cy="569371"/>
+          </a:xfrm>
+          <a:prstGeom prst="rect">
+            <a:avLst/>
+          </a:prstGeom>
+        </p:spPr>
+        <p:style>
+          <a:lnRef idx="1">
+            <a:schemeClr val="accent1"/>
+          </a:lnRef>
+          <a:fillRef idx="3">
+            <a:schemeClr val="accent1"/>
+          </a:fillRef>
+          <a:effectRef idx="2">
+            <a:schemeClr val="accent1"/>
+          </a:effectRef>
+          <a:fontRef idx="minor">
+            <a:schemeClr val="lt1"/>
+          </a:fontRef>
+        </p:style>
+        <p:txBody>
+          <a:bodyPr rtlCol="0" anchor="ctr"/>
+          <a:lstStyle/>
+          <a:p>
+            <a:pPr algn="ctr"/>
+            <a:r>
+              <a:rPr kumimoji="1" lang="en-US" altLang="ja-JP" dirty="0" smtClean="0">
+                <a:solidFill>
+                  <a:schemeClr val="tx1"/>
+                </a:solidFill>
+              </a:rPr>
+              <a:t>Windows OS</a:t>
+            </a:r>
+            <a:endParaRPr kumimoji="1" lang="ja-JP" altLang="en-US" dirty="0">
+              <a:solidFill>
+                <a:schemeClr val="tx1"/>
+              </a:solidFill>
+            </a:endParaRPr>
+          </a:p>
+        </p:txBody>
+      </p:sp>
+      <p:sp>
+        <p:nvSpPr>
+          <p:cNvPr id="4" name="テキスト ボックス 3"/>
+          <p:cNvSpPr txBox="1"/>
+          <p:nvPr/>
+        </p:nvSpPr>
+        <p:spPr>
+          <a:xfrm>
+            <a:off x="536229" y="254000"/>
+            <a:ext cx="2710999" cy="369332"/>
+          </a:xfrm>
+          <a:prstGeom prst="rect">
+            <a:avLst/>
+          </a:prstGeom>
+          <a:noFill/>
+        </p:spPr>
+        <p:txBody>
+          <a:bodyPr wrap="none" rtlCol="0">
+            <a:spAutoFit/>
+          </a:bodyPr>
+          <a:lstStyle/>
+          <a:p>
+            <a:r>
+              <a:rPr lang="en-US" altLang="ja-JP" dirty="0" err="1" smtClean="0"/>
+              <a:t>vConnect</a:t>
+            </a:r>
+            <a:r>
+              <a:rPr lang="en-US" altLang="ja-JP" dirty="0" smtClean="0"/>
+              <a:t>-STAND</a:t>
+            </a:r>
+            <a:r>
+              <a:rPr kumimoji="1" lang="en-US" altLang="ja-JP" dirty="0" smtClean="0"/>
+              <a:t> Windows</a:t>
+            </a:r>
+            <a:endParaRPr kumimoji="1" lang="ja-JP" altLang="en-US" dirty="0"/>
+          </a:p>
+        </p:txBody>
+      </p:sp>
+      <p:sp>
+        <p:nvSpPr>
+          <p:cNvPr id="7" name="正方形/長方形 6"/>
+          <p:cNvSpPr/>
+          <p:nvPr/>
+        </p:nvSpPr>
+        <p:spPr>
+          <a:xfrm>
+            <a:off x="498550" y="5964296"/>
+            <a:ext cx="4291896" cy="569371"/>
+          </a:xfrm>
+          <a:prstGeom prst="rect">
+            <a:avLst/>
+          </a:prstGeom>
+        </p:spPr>
+        <p:style>
+          <a:lnRef idx="1">
+            <a:schemeClr val="accent1"/>
+          </a:lnRef>
+          <a:fillRef idx="3">
+            <a:schemeClr val="accent1"/>
+          </a:fillRef>
+          <a:effectRef idx="2">
+            <a:schemeClr val="accent1"/>
+          </a:effectRef>
+          <a:fontRef idx="minor">
+            <a:schemeClr val="lt1"/>
+          </a:fontRef>
+        </p:style>
+        <p:txBody>
+          <a:bodyPr rtlCol="0" anchor="ctr"/>
+          <a:lstStyle/>
+          <a:p>
+            <a:pPr algn="ctr"/>
+            <a:r>
+              <a:rPr kumimoji="1" lang="en-US" altLang="ja-JP" dirty="0" smtClean="0">
+                <a:solidFill>
+                  <a:schemeClr val="tx1"/>
+                </a:solidFill>
+              </a:rPr>
+              <a:t>Macintosh OS</a:t>
+            </a:r>
+            <a:endParaRPr kumimoji="1" lang="ja-JP" altLang="en-US" dirty="0">
+              <a:solidFill>
+                <a:schemeClr val="tx1"/>
+              </a:solidFill>
+            </a:endParaRPr>
+          </a:p>
+        </p:txBody>
+      </p:sp>
+      <p:sp>
+        <p:nvSpPr>
+          <p:cNvPr id="10" name="テキスト ボックス 9"/>
+          <p:cNvSpPr txBox="1"/>
+          <p:nvPr/>
+        </p:nvSpPr>
+        <p:spPr>
+          <a:xfrm>
+            <a:off x="536229" y="3580515"/>
+            <a:ext cx="2822445" cy="369332"/>
+          </a:xfrm>
+          <a:prstGeom prst="rect">
+            <a:avLst/>
+          </a:prstGeom>
+          <a:noFill/>
+        </p:spPr>
+        <p:txBody>
+          <a:bodyPr wrap="none" rtlCol="0">
+            <a:spAutoFit/>
+          </a:bodyPr>
+          <a:lstStyle/>
+          <a:p>
+            <a:r>
+              <a:rPr lang="en-US" altLang="ja-JP" dirty="0" err="1" smtClean="0"/>
+              <a:t>vConnect</a:t>
+            </a:r>
+            <a:r>
+              <a:rPr lang="en-US" altLang="ja-JP" dirty="0" smtClean="0"/>
+              <a:t>-STAND</a:t>
+            </a:r>
+            <a:r>
+              <a:rPr kumimoji="1" lang="en-US" altLang="ja-JP" dirty="0" smtClean="0"/>
+              <a:t> Macintosh</a:t>
+            </a:r>
+            <a:endParaRPr kumimoji="1" lang="ja-JP" altLang="en-US" dirty="0"/>
+          </a:p>
+        </p:txBody>
+      </p:sp>
+      <p:sp>
+        <p:nvSpPr>
+          <p:cNvPr id="12" name="正方形/長方形 11"/>
+          <p:cNvSpPr/>
+          <p:nvPr/>
+        </p:nvSpPr>
+        <p:spPr>
+          <a:xfrm>
+            <a:off x="2740161" y="623333"/>
+            <a:ext cx="2058359" cy="1884128"/>
+          </a:xfrm>
+          <a:prstGeom prst="rect">
+            <a:avLst/>
+          </a:prstGeom>
+          <a:gradFill flip="none" rotWithShape="1">
+            <a:gsLst>
+              <a:gs pos="0">
+                <a:srgbClr val="BFBE28"/>
+              </a:gs>
+              <a:gs pos="100000">
+                <a:srgbClr val="FFFF35"/>
+              </a:gs>
+            </a:gsLst>
+            <a:lin ang="16200000" scaled="0"/>
+            <a:tileRect/>
+          </a:gradFill>
+          <a:ln>
+            <a:solidFill>
+              <a:srgbClr val="8F8F1E"/>
+            </a:solidFill>
+          </a:ln>
+        </p:spPr>
+        <p:style>
+          <a:lnRef idx="1">
+            <a:schemeClr val="accent1"/>
+          </a:lnRef>
+          <a:fillRef idx="3">
+            <a:schemeClr val="accent1"/>
+          </a:fillRef>
+          <a:effectRef idx="2">
+            <a:schemeClr val="accent1"/>
+          </a:effectRef>
+          <a:fontRef idx="minor">
+            <a:schemeClr val="lt1"/>
+          </a:fontRef>
+        </p:style>
+        <p:txBody>
+          <a:bodyPr rtlCol="0" anchor="ctr"/>
+          <a:lstStyle/>
+          <a:p>
+            <a:pPr algn="ctr"/>
+            <a:r>
+              <a:rPr lang="en-US" altLang="ja-JP" dirty="0" err="1" smtClean="0">
+                <a:solidFill>
+                  <a:srgbClr val="000000"/>
+                </a:solidFill>
+              </a:rPr>
+              <a:t>vConnect</a:t>
+            </a:r>
+            <a:r>
+              <a:rPr lang="en-US" altLang="ja-JP" dirty="0" smtClean="0">
+                <a:solidFill>
+                  <a:srgbClr val="000000"/>
+                </a:solidFill>
+              </a:rPr>
+              <a:t>-STAND</a:t>
+            </a:r>
+            <a:endParaRPr kumimoji="1" lang="ja-JP" altLang="en-US" dirty="0">
+              <a:solidFill>
+                <a:srgbClr val="000000"/>
+              </a:solidFill>
+            </a:endParaRPr>
+          </a:p>
+        </p:txBody>
+      </p:sp>
+      <p:sp>
+        <p:nvSpPr>
+          <p:cNvPr id="13" name="正方形/長方形 12"/>
+          <p:cNvSpPr/>
+          <p:nvPr/>
+        </p:nvSpPr>
+        <p:spPr>
+          <a:xfrm>
+            <a:off x="498550" y="616857"/>
+            <a:ext cx="2059200" cy="1890603"/>
+          </a:xfrm>
+          <a:prstGeom prst="rect">
+            <a:avLst/>
+          </a:prstGeom>
+          <a:gradFill>
+            <a:gsLst>
+              <a:gs pos="0">
+                <a:schemeClr val="accent3">
+                  <a:lumMod val="75000"/>
+                </a:schemeClr>
+              </a:gs>
+              <a:gs pos="100000">
+                <a:schemeClr val="accent3">
+                  <a:lumMod val="40000"/>
+                  <a:lumOff val="60000"/>
+                </a:schemeClr>
+              </a:gs>
+            </a:gsLst>
+          </a:gradFill>
+          <a:ln>
+            <a:solidFill>
+              <a:schemeClr val="accent3">
+                <a:lumMod val="50000"/>
+              </a:schemeClr>
+            </a:solidFill>
+          </a:ln>
+        </p:spPr>
+        <p:style>
+          <a:lnRef idx="1">
+            <a:schemeClr val="accent1"/>
+          </a:lnRef>
+          <a:fillRef idx="3">
+            <a:schemeClr val="accent1"/>
+          </a:fillRef>
+          <a:effectRef idx="2">
+            <a:schemeClr val="accent1"/>
+          </a:effectRef>
+          <a:fontRef idx="minor">
+            <a:schemeClr val="lt1"/>
+          </a:fontRef>
+        </p:style>
+        <p:txBody>
+          <a:bodyPr rtlCol="0" anchor="ctr"/>
+          <a:lstStyle/>
+          <a:p>
+            <a:pPr algn="ctr"/>
+            <a:r>
+              <a:rPr kumimoji="1" lang="en-US" altLang="ja-JP" dirty="0" smtClean="0">
+                <a:solidFill>
+                  <a:srgbClr val="000000"/>
+                </a:solidFill>
+              </a:rPr>
+              <a:t>Cadencii</a:t>
+            </a:r>
+            <a:endParaRPr kumimoji="1" lang="ja-JP" altLang="en-US" dirty="0">
+              <a:solidFill>
+                <a:srgbClr val="000000"/>
+              </a:solidFill>
+            </a:endParaRPr>
+          </a:p>
+        </p:txBody>
+      </p:sp>
+      <p:sp>
+        <p:nvSpPr>
+          <p:cNvPr id="14" name="正方形/長方形 13"/>
+          <p:cNvSpPr/>
+          <p:nvPr/>
+        </p:nvSpPr>
+        <p:spPr>
+          <a:xfrm>
+            <a:off x="498551" y="4000698"/>
+            <a:ext cx="2059200" cy="1266707"/>
+          </a:xfrm>
+          <a:prstGeom prst="rect">
+            <a:avLst/>
+          </a:prstGeom>
+          <a:gradFill>
+            <a:gsLst>
+              <a:gs pos="0">
+                <a:schemeClr val="accent3">
+                  <a:lumMod val="75000"/>
+                </a:schemeClr>
+              </a:gs>
+              <a:gs pos="100000">
+                <a:schemeClr val="accent3">
+                  <a:lumMod val="40000"/>
+                  <a:lumOff val="60000"/>
+                </a:schemeClr>
+              </a:gs>
+            </a:gsLst>
+          </a:gradFill>
+          <a:ln>
+            <a:solidFill>
+              <a:schemeClr val="accent3">
+                <a:lumMod val="50000"/>
+              </a:schemeClr>
+            </a:solidFill>
+          </a:ln>
+        </p:spPr>
+        <p:style>
+          <a:lnRef idx="1">
+            <a:schemeClr val="accent1"/>
+          </a:lnRef>
+          <a:fillRef idx="3">
+            <a:schemeClr val="accent1"/>
+          </a:fillRef>
+          <a:effectRef idx="2">
+            <a:schemeClr val="accent1"/>
+          </a:effectRef>
+          <a:fontRef idx="minor">
+            <a:schemeClr val="lt1"/>
+          </a:fontRef>
+        </p:style>
+        <p:txBody>
+          <a:bodyPr rtlCol="0" anchor="ctr"/>
+          <a:lstStyle/>
+          <a:p>
+            <a:pPr algn="ctr"/>
+            <a:r>
+              <a:rPr kumimoji="1" lang="en-US" altLang="ja-JP" dirty="0" smtClean="0">
+                <a:solidFill>
+                  <a:srgbClr val="000000"/>
+                </a:solidFill>
+              </a:rPr>
+              <a:t>Cadencii</a:t>
+            </a:r>
+            <a:endParaRPr kumimoji="1" lang="ja-JP" altLang="en-US" dirty="0">
+              <a:solidFill>
+                <a:srgbClr val="000000"/>
+              </a:solidFill>
+            </a:endParaRPr>
+          </a:p>
+        </p:txBody>
+      </p:sp>
+      <p:sp>
+        <p:nvSpPr>
+          <p:cNvPr id="15" name="正方形/長方形 14"/>
+          <p:cNvSpPr/>
+          <p:nvPr/>
+        </p:nvSpPr>
+        <p:spPr>
+          <a:xfrm>
+            <a:off x="498549" y="5343830"/>
+            <a:ext cx="2059200" cy="547471"/>
+          </a:xfrm>
+          <a:prstGeom prst="rect">
+            <a:avLst/>
+          </a:prstGeom>
+          <a:gradFill flip="none" rotWithShape="1">
+            <a:gsLst>
+              <a:gs pos="0">
+                <a:srgbClr val="AC4323"/>
+              </a:gs>
+              <a:gs pos="100000">
+                <a:srgbClr val="FF6334"/>
+              </a:gs>
+            </a:gsLst>
+            <a:lin ang="16200000" scaled="0"/>
+            <a:tileRect/>
+          </a:gradFill>
+          <a:ln>
+            <a:solidFill>
+              <a:srgbClr val="86331B"/>
+            </a:solidFill>
+          </a:ln>
+        </p:spPr>
+        <p:style>
+          <a:lnRef idx="1">
+            <a:schemeClr val="accent1"/>
+          </a:lnRef>
+          <a:fillRef idx="3">
+            <a:schemeClr val="accent1"/>
+          </a:fillRef>
+          <a:effectRef idx="2">
+            <a:schemeClr val="accent1"/>
+          </a:effectRef>
+          <a:fontRef idx="minor">
+            <a:schemeClr val="lt1"/>
+          </a:fontRef>
+        </p:style>
+        <p:txBody>
+          <a:bodyPr rtlCol="0" anchor="ctr"/>
+          <a:lstStyle/>
+          <a:p>
+            <a:pPr algn="ctr"/>
+            <a:r>
+              <a:rPr lang="en-US" altLang="ja-JP" dirty="0" smtClean="0">
+                <a:solidFill>
+                  <a:srgbClr val="000000"/>
+                </a:solidFill>
+              </a:rPr>
+              <a:t>Java VM</a:t>
+            </a:r>
+            <a:endParaRPr kumimoji="1" lang="ja-JP" altLang="en-US" dirty="0">
+              <a:solidFill>
+                <a:srgbClr val="000000"/>
+              </a:solidFill>
+            </a:endParaRPr>
+          </a:p>
+        </p:txBody>
+      </p:sp>
+      <p:sp>
+        <p:nvSpPr>
+          <p:cNvPr id="17" name="正方形/長方形 16"/>
+          <p:cNvSpPr/>
+          <p:nvPr/>
+        </p:nvSpPr>
+        <p:spPr>
+          <a:xfrm>
+            <a:off x="2740161" y="3995822"/>
+            <a:ext cx="2050285" cy="1895479"/>
+          </a:xfrm>
+          <a:prstGeom prst="rect">
+            <a:avLst/>
+          </a:prstGeom>
+          <a:gradFill flip="none" rotWithShape="1">
+            <a:gsLst>
+              <a:gs pos="0">
+                <a:srgbClr val="BFBE28"/>
+              </a:gs>
+              <a:gs pos="100000">
+                <a:srgbClr val="FFFF35"/>
+              </a:gs>
+            </a:gsLst>
+            <a:lin ang="16200000" scaled="0"/>
+            <a:tileRect/>
+          </a:gradFill>
+          <a:ln>
+            <a:solidFill>
+              <a:srgbClr val="8F8F1E"/>
+            </a:solidFill>
+          </a:ln>
+        </p:spPr>
+        <p:style>
+          <a:lnRef idx="1">
+            <a:schemeClr val="accent1"/>
+          </a:lnRef>
+          <a:fillRef idx="3">
+            <a:schemeClr val="accent1"/>
+          </a:fillRef>
+          <a:effectRef idx="2">
+            <a:schemeClr val="accent1"/>
+          </a:effectRef>
+          <a:fontRef idx="minor">
+            <a:schemeClr val="lt1"/>
+          </a:fontRef>
+        </p:style>
+        <p:txBody>
+          <a:bodyPr rtlCol="0" anchor="ctr"/>
+          <a:lstStyle/>
+          <a:p>
+            <a:pPr algn="ctr"/>
+            <a:r>
+              <a:rPr lang="en-US" altLang="ja-JP" dirty="0" err="1" smtClean="0">
+                <a:solidFill>
+                  <a:srgbClr val="000000"/>
+                </a:solidFill>
+              </a:rPr>
+              <a:t>vConnect</a:t>
+            </a:r>
+            <a:r>
+              <a:rPr lang="en-US" altLang="ja-JP" dirty="0" smtClean="0">
+                <a:solidFill>
+                  <a:srgbClr val="000000"/>
+                </a:solidFill>
+              </a:rPr>
+              <a:t>-STAND</a:t>
+            </a:r>
+            <a:endParaRPr kumimoji="1" lang="ja-JP" altLang="en-US" dirty="0">
+              <a:solidFill>
+                <a:srgbClr val="000000"/>
+              </a:solidFill>
+            </a:endParaRPr>
+          </a:p>
+        </p:txBody>
+      </p:sp>
+    </p:spTree>
+    <p:extLst>
+      <p:ext uri="{BB962C8B-B14F-4D97-AF65-F5344CB8AC3E}">
+        <p14:creationId xmlns:p14="http://schemas.microsoft.com/office/powerpoint/2010/main" val="2789479213"/>
+      </p:ext>
+    </p:extLst>
+  </p:cSld>
+  <p:clrMapOvr>
+    <a:masterClrMapping/>
+  </p:clrMapOvr>
 </p:sld>
 </file>
 

--- a/Cadencii/manual/manual.pptx
+++ b/Cadencii/manual/manual.pptx
@@ -18,9 +18,13 @@
     <p:sldId id="265" r:id="rId12"/>
     <p:sldId id="266" r:id="rId13"/>
     <p:sldId id="268" r:id="rId14"/>
-    <p:sldId id="269" r:id="rId15"/>
-    <p:sldId id="270" r:id="rId16"/>
-    <p:sldId id="271" r:id="rId17"/>
+    <p:sldId id="272" r:id="rId15"/>
+    <p:sldId id="273" r:id="rId16"/>
+    <p:sldId id="269" r:id="rId17"/>
+    <p:sldId id="270" r:id="rId18"/>
+    <p:sldId id="271" r:id="rId19"/>
+    <p:sldId id="274" r:id="rId20"/>
+    <p:sldId id="275" r:id="rId21"/>
   </p:sldIdLst>
   <p:sldSz cx="9144000" cy="6858000" type="screen4x3"/>
   <p:notesSz cx="6858000" cy="9144000"/>
@@ -303,7 +307,7 @@
           <a:p>
             <a:fld id="{B21AEFA7-8FDD-4E42-A0F0-B7F1BA496881}" type="datetimeFigureOut">
               <a:rPr kumimoji="1" lang="ja-JP" altLang="en-US" smtClean="0"/>
-              <a:t>11/03/28</a:t>
+              <a:t>11/04/02</a:t>
             </a:fld>
             <a:endParaRPr kumimoji="1" lang="ja-JP" altLang="en-US"/>
           </a:p>
@@ -505,7 +509,7 @@
           <a:p>
             <a:fld id="{B21AEFA7-8FDD-4E42-A0F0-B7F1BA496881}" type="datetimeFigureOut">
               <a:rPr kumimoji="1" lang="ja-JP" altLang="en-US" smtClean="0"/>
-              <a:t>11/03/28</a:t>
+              <a:t>11/04/02</a:t>
             </a:fld>
             <a:endParaRPr kumimoji="1" lang="ja-JP" altLang="en-US"/>
           </a:p>
@@ -717,7 +721,7 @@
           <a:p>
             <a:fld id="{B21AEFA7-8FDD-4E42-A0F0-B7F1BA496881}" type="datetimeFigureOut">
               <a:rPr kumimoji="1" lang="ja-JP" altLang="en-US" smtClean="0"/>
-              <a:t>11/03/28</a:t>
+              <a:t>11/04/02</a:t>
             </a:fld>
             <a:endParaRPr kumimoji="1" lang="ja-JP" altLang="en-US"/>
           </a:p>
@@ -919,7 +923,7 @@
           <a:p>
             <a:fld id="{B21AEFA7-8FDD-4E42-A0F0-B7F1BA496881}" type="datetimeFigureOut">
               <a:rPr kumimoji="1" lang="ja-JP" altLang="en-US" smtClean="0"/>
-              <a:t>11/03/28</a:t>
+              <a:t>11/04/02</a:t>
             </a:fld>
             <a:endParaRPr kumimoji="1" lang="ja-JP" altLang="en-US"/>
           </a:p>
@@ -1165,7 +1169,7 @@
           <a:p>
             <a:fld id="{B21AEFA7-8FDD-4E42-A0F0-B7F1BA496881}" type="datetimeFigureOut">
               <a:rPr kumimoji="1" lang="ja-JP" altLang="en-US" smtClean="0"/>
-              <a:t>11/03/28</a:t>
+              <a:t>11/04/02</a:t>
             </a:fld>
             <a:endParaRPr kumimoji="1" lang="ja-JP" altLang="en-US"/>
           </a:p>
@@ -1517,7 +1521,7 @@
           <a:p>
             <a:fld id="{B21AEFA7-8FDD-4E42-A0F0-B7F1BA496881}" type="datetimeFigureOut">
               <a:rPr kumimoji="1" lang="ja-JP" altLang="en-US" smtClean="0"/>
-              <a:t>11/03/28</a:t>
+              <a:t>11/04/02</a:t>
             </a:fld>
             <a:endParaRPr kumimoji="1" lang="ja-JP" altLang="en-US"/>
           </a:p>
@@ -2003,7 +2007,7 @@
           <a:p>
             <a:fld id="{B21AEFA7-8FDD-4E42-A0F0-B7F1BA496881}" type="datetimeFigureOut">
               <a:rPr kumimoji="1" lang="ja-JP" altLang="en-US" smtClean="0"/>
-              <a:t>11/03/28</a:t>
+              <a:t>11/04/02</a:t>
             </a:fld>
             <a:endParaRPr kumimoji="1" lang="ja-JP" altLang="en-US"/>
           </a:p>
@@ -2121,7 +2125,7 @@
           <a:p>
             <a:fld id="{B21AEFA7-8FDD-4E42-A0F0-B7F1BA496881}" type="datetimeFigureOut">
               <a:rPr kumimoji="1" lang="ja-JP" altLang="en-US" smtClean="0"/>
-              <a:t>11/03/28</a:t>
+              <a:t>11/04/02</a:t>
             </a:fld>
             <a:endParaRPr kumimoji="1" lang="ja-JP" altLang="en-US"/>
           </a:p>
@@ -2216,7 +2220,7 @@
           <a:p>
             <a:fld id="{B21AEFA7-8FDD-4E42-A0F0-B7F1BA496881}" type="datetimeFigureOut">
               <a:rPr kumimoji="1" lang="ja-JP" altLang="en-US" smtClean="0"/>
-              <a:t>11/03/28</a:t>
+              <a:t>11/04/02</a:t>
             </a:fld>
             <a:endParaRPr kumimoji="1" lang="ja-JP" altLang="en-US"/>
           </a:p>
@@ -2525,7 +2529,7 @@
           <a:p>
             <a:fld id="{B21AEFA7-8FDD-4E42-A0F0-B7F1BA496881}" type="datetimeFigureOut">
               <a:rPr kumimoji="1" lang="ja-JP" altLang="en-US" smtClean="0"/>
-              <a:t>11/03/28</a:t>
+              <a:t>11/04/02</a:t>
             </a:fld>
             <a:endParaRPr kumimoji="1" lang="ja-JP" altLang="en-US"/>
           </a:p>
@@ -2778,7 +2782,7 @@
           <a:p>
             <a:fld id="{B21AEFA7-8FDD-4E42-A0F0-B7F1BA496881}" type="datetimeFigureOut">
               <a:rPr kumimoji="1" lang="ja-JP" altLang="en-US" smtClean="0"/>
-              <a:t>11/03/28</a:t>
+              <a:t>11/04/02</a:t>
             </a:fld>
             <a:endParaRPr kumimoji="1" lang="ja-JP" altLang="en-US"/>
           </a:p>
@@ -3023,7 +3027,7 @@
           <a:p>
             <a:fld id="{B21AEFA7-8FDD-4E42-A0F0-B7F1BA496881}" type="datetimeFigureOut">
               <a:rPr kumimoji="1" lang="ja-JP" altLang="en-US" smtClean="0"/>
-              <a:t>11/03/28</a:t>
+              <a:t>11/04/02</a:t>
             </a:fld>
             <a:endParaRPr kumimoji="1" lang="ja-JP" altLang="en-US"/>
           </a:p>
@@ -7484,6 +7488,125 @@
 </file>
 
 <file path=ppt/slides/slide14.xml><?xml version="1.0" encoding="utf-8"?>
+<p:sld xmlns:a="http://schemas.openxmlformats.org/drawingml/2006/main" xmlns:r="http://schemas.openxmlformats.org/officeDocument/2006/relationships" xmlns:p="http://schemas.openxmlformats.org/presentationml/2006/main">
+  <p:cSld>
+    <p:spTree>
+      <p:nvGrpSpPr>
+        <p:cNvPr id="1" name=""/>
+        <p:cNvGrpSpPr/>
+        <p:nvPr/>
+      </p:nvGrpSpPr>
+      <p:grpSpPr>
+        <a:xfrm>
+          <a:off x="0" y="0"/>
+          <a:ext cx="0" cy="0"/>
+          <a:chOff x="0" y="0"/>
+          <a:chExt cx="0" cy="0"/>
+        </a:xfrm>
+      </p:grpSpPr>
+      <p:pic>
+        <p:nvPicPr>
+          <p:cNvPr id="2" name="図 1" descr="スクリーンショット（2011-03-31 12.47.17）.png"/>
+          <p:cNvPicPr>
+            <a:picLocks noChangeAspect="1"/>
+          </p:cNvPicPr>
+          <p:nvPr/>
+        </p:nvPicPr>
+        <p:blipFill rotWithShape="1">
+          <a:blip r:embed="rId2">
+            <a:extLst>
+              <a:ext uri="{28A0092B-C50C-407E-A947-70E740481C1C}">
+                <a14:useLocalDpi xmlns:a14="http://schemas.microsoft.com/office/drawing/2010/main" val="0"/>
+              </a:ext>
+            </a:extLst>
+          </a:blip>
+          <a:srcRect l="24974" r="33637" b="58754"/>
+          <a:stretch/>
+        </p:blipFill>
+        <p:spPr>
+          <a:xfrm>
+            <a:off x="2937883" y="2247919"/>
+            <a:ext cx="3229534" cy="2011485"/>
+          </a:xfrm>
+          <a:prstGeom prst="rect">
+            <a:avLst/>
+          </a:prstGeom>
+        </p:spPr>
+      </p:pic>
+    </p:spTree>
+    <p:extLst>
+      <p:ext uri="{BB962C8B-B14F-4D97-AF65-F5344CB8AC3E}">
+        <p14:creationId xmlns:p14="http://schemas.microsoft.com/office/powerpoint/2010/main" val="3858726466"/>
+      </p:ext>
+    </p:extLst>
+  </p:cSld>
+  <p:clrMapOvr>
+    <a:masterClrMapping/>
+  </p:clrMapOvr>
+</p:sld>
+</file>
+
+<file path=ppt/slides/slide15.xml><?xml version="1.0" encoding="utf-8"?>
+<p:sld xmlns:a="http://schemas.openxmlformats.org/drawingml/2006/main" xmlns:r="http://schemas.openxmlformats.org/officeDocument/2006/relationships" xmlns:p="http://schemas.openxmlformats.org/presentationml/2006/main">
+  <p:cSld>
+    <p:spTree>
+      <p:nvGrpSpPr>
+        <p:cNvPr id="1" name=""/>
+        <p:cNvGrpSpPr/>
+        <p:nvPr/>
+      </p:nvGrpSpPr>
+      <p:grpSpPr>
+        <a:xfrm>
+          <a:off x="0" y="0"/>
+          <a:ext cx="0" cy="0"/>
+          <a:chOff x="0" y="0"/>
+          <a:chExt cx="0" cy="0"/>
+        </a:xfrm>
+      </p:grpSpPr>
+      <p:pic>
+        <p:nvPicPr>
+          <p:cNvPr id="2" name="図 1" descr="名称未設定.png"/>
+          <p:cNvPicPr>
+            <a:picLocks noChangeAspect="1"/>
+          </p:cNvPicPr>
+          <p:nvPr/>
+        </p:nvPicPr>
+        <p:blipFill>
+          <a:blip r:embed="rId2">
+            <a:extLst>
+              <a:ext uri="{28A0092B-C50C-407E-A947-70E740481C1C}">
+                <a14:useLocalDpi xmlns:a14="http://schemas.microsoft.com/office/drawing/2010/main" val="0"/>
+              </a:ext>
+            </a:extLst>
+          </a:blip>
+          <a:stretch>
+            <a:fillRect/>
+          </a:stretch>
+        </p:blipFill>
+        <p:spPr>
+          <a:xfrm>
+            <a:off x="2860290" y="2105247"/>
+            <a:ext cx="2968752" cy="1981200"/>
+          </a:xfrm>
+          <a:prstGeom prst="rect">
+            <a:avLst/>
+          </a:prstGeom>
+        </p:spPr>
+      </p:pic>
+    </p:spTree>
+    <p:extLst>
+      <p:ext uri="{BB962C8B-B14F-4D97-AF65-F5344CB8AC3E}">
+        <p14:creationId xmlns:p14="http://schemas.microsoft.com/office/powerpoint/2010/main" val="1642214924"/>
+      </p:ext>
+    </p:extLst>
+  </p:cSld>
+  <p:clrMapOvr>
+    <a:masterClrMapping/>
+  </p:clrMapOvr>
+</p:sld>
+</file>
+
+<file path=ppt/slides/slide16.xml><?xml version="1.0" encoding="utf-8"?>
 <p:sld xmlns:a="http://schemas.openxmlformats.org/drawingml/2006/main" xmlns:r="http://schemas.openxmlformats.org/officeDocument/2006/relationships" xmlns:p="http://schemas.openxmlformats.org/presentationml/2006/main">
   <p:cSld>
     <p:spTree>
@@ -9126,7 +9249,7 @@
 </p:sld>
 </file>
 
-<file path=ppt/slides/slide15.xml><?xml version="1.0" encoding="utf-8"?>
+<file path=ppt/slides/slide17.xml><?xml version="1.0" encoding="utf-8"?>
 <p:sld xmlns:a="http://schemas.openxmlformats.org/drawingml/2006/main" xmlns:r="http://schemas.openxmlformats.org/officeDocument/2006/relationships" xmlns:p="http://schemas.openxmlformats.org/presentationml/2006/main">
   <p:cSld>
     <p:spTree>
@@ -9736,7 +9859,7 @@
 </p:sld>
 </file>
 
-<file path=ppt/slides/slide16.xml><?xml version="1.0" encoding="utf-8"?>
+<file path=ppt/slides/slide18.xml><?xml version="1.0" encoding="utf-8"?>
 <p:sld xmlns:a="http://schemas.openxmlformats.org/drawingml/2006/main" xmlns:r="http://schemas.openxmlformats.org/officeDocument/2006/relationships" xmlns:p="http://schemas.openxmlformats.org/presentationml/2006/main">
   <p:cSld>
     <p:spTree>
@@ -10294,6 +10417,66 @@
     <p:extLst>
       <p:ext uri="{BB962C8B-B14F-4D97-AF65-F5344CB8AC3E}">
         <p14:creationId xmlns:p14="http://schemas.microsoft.com/office/powerpoint/2010/main" val="2789479213"/>
+      </p:ext>
+    </p:extLst>
+  </p:cSld>
+  <p:clrMapOvr>
+    <a:masterClrMapping/>
+  </p:clrMapOvr>
+</p:sld>
+</file>
+
+<file path=ppt/slides/slide19.xml><?xml version="1.0" encoding="utf-8"?>
+<p:sld xmlns:a="http://schemas.openxmlformats.org/drawingml/2006/main" xmlns:r="http://schemas.openxmlformats.org/officeDocument/2006/relationships" xmlns:p="http://schemas.openxmlformats.org/presentationml/2006/main">
+  <p:cSld>
+    <p:spTree>
+      <p:nvGrpSpPr>
+        <p:cNvPr id="1" name=""/>
+        <p:cNvGrpSpPr/>
+        <p:nvPr/>
+      </p:nvGrpSpPr>
+      <p:grpSpPr>
+        <a:xfrm>
+          <a:off x="0" y="0"/>
+          <a:ext cx="0" cy="0"/>
+          <a:chOff x="0" y="0"/>
+          <a:chExt cx="0" cy="0"/>
+        </a:xfrm>
+      </p:grpSpPr>
+      <p:pic>
+        <p:nvPicPr>
+          <p:cNvPr id="2" name="図 1" descr="スクリーンショット（2011-04-02 16.03.45）.png"/>
+          <p:cNvPicPr>
+            <a:picLocks noChangeAspect="1"/>
+          </p:cNvPicPr>
+          <p:nvPr/>
+        </p:nvPicPr>
+        <p:blipFill>
+          <a:blip r:embed="rId2">
+            <a:extLst>
+              <a:ext uri="{28A0092B-C50C-407E-A947-70E740481C1C}">
+                <a14:useLocalDpi xmlns:a14="http://schemas.microsoft.com/office/drawing/2010/main" val="0"/>
+              </a:ext>
+            </a:extLst>
+          </a:blip>
+          <a:stretch>
+            <a:fillRect/>
+          </a:stretch>
+        </p:blipFill>
+        <p:spPr>
+          <a:xfrm>
+            <a:off x="2632853" y="1675745"/>
+            <a:ext cx="3297936" cy="2615184"/>
+          </a:xfrm>
+          <a:prstGeom prst="rect">
+            <a:avLst/>
+          </a:prstGeom>
+        </p:spPr>
+      </p:pic>
+    </p:spTree>
+    <p:extLst>
+      <p:ext uri="{BB962C8B-B14F-4D97-AF65-F5344CB8AC3E}">
+        <p14:creationId xmlns:p14="http://schemas.microsoft.com/office/powerpoint/2010/main" val="3616745064"/>
       </p:ext>
     </p:extLst>
   </p:cSld>
@@ -11236,6 +11419,66 @@
     <p:extLst>
       <p:ext uri="{BB962C8B-B14F-4D97-AF65-F5344CB8AC3E}">
         <p14:creationId xmlns:p14="http://schemas.microsoft.com/office/powerpoint/2010/main" val="2052385200"/>
+      </p:ext>
+    </p:extLst>
+  </p:cSld>
+  <p:clrMapOvr>
+    <a:masterClrMapping/>
+  </p:clrMapOvr>
+</p:sld>
+</file>
+
+<file path=ppt/slides/slide20.xml><?xml version="1.0" encoding="utf-8"?>
+<p:sld xmlns:a="http://schemas.openxmlformats.org/drawingml/2006/main" xmlns:r="http://schemas.openxmlformats.org/officeDocument/2006/relationships" xmlns:p="http://schemas.openxmlformats.org/presentationml/2006/main">
+  <p:cSld>
+    <p:spTree>
+      <p:nvGrpSpPr>
+        <p:cNvPr id="1" name=""/>
+        <p:cNvGrpSpPr/>
+        <p:nvPr/>
+      </p:nvGrpSpPr>
+      <p:grpSpPr>
+        <a:xfrm>
+          <a:off x="0" y="0"/>
+          <a:ext cx="0" cy="0"/>
+          <a:chOff x="0" y="0"/>
+          <a:chExt cx="0" cy="0"/>
+        </a:xfrm>
+      </p:grpSpPr>
+      <p:pic>
+        <p:nvPicPr>
+          <p:cNvPr id="2" name="図 1" descr="スクリーンショット（2011-04-02 16.15.23）.png"/>
+          <p:cNvPicPr>
+            <a:picLocks noChangeAspect="1"/>
+          </p:cNvPicPr>
+          <p:nvPr/>
+        </p:nvPicPr>
+        <p:blipFill>
+          <a:blip r:embed="rId2">
+            <a:extLst>
+              <a:ext uri="{28A0092B-C50C-407E-A947-70E740481C1C}">
+                <a14:useLocalDpi xmlns:a14="http://schemas.microsoft.com/office/drawing/2010/main" val="0"/>
+              </a:ext>
+            </a:extLst>
+          </a:blip>
+          <a:stretch>
+            <a:fillRect/>
+          </a:stretch>
+        </p:blipFill>
+        <p:spPr>
+          <a:xfrm>
+            <a:off x="3348265" y="2644614"/>
+            <a:ext cx="2487168" cy="1426464"/>
+          </a:xfrm>
+          <a:prstGeom prst="rect">
+            <a:avLst/>
+          </a:prstGeom>
+        </p:spPr>
+      </p:pic>
+    </p:spTree>
+    <p:extLst>
+      <p:ext uri="{BB962C8B-B14F-4D97-AF65-F5344CB8AC3E}">
+        <p14:creationId xmlns:p14="http://schemas.microsoft.com/office/powerpoint/2010/main" val="581683993"/>
       </p:ext>
     </p:extLst>
   </p:cSld>
